--- a/docs/final_presentation.pptx
+++ b/docs/final_presentation.pptx
@@ -11,6 +11,7 @@
     <p:sldId id="259" r:id="rId5"/>
     <p:sldId id="260" r:id="rId6"/>
     <p:sldId id="261" r:id="rId7"/>
+    <p:sldId id="262" r:id="rId8"/>
   </p:sldIdLst>
   <p:sldSz cx="12192000" cy="6858000"/>
   <p:notesSz cx="6858000" cy="9144000"/>
@@ -1520,7 +1521,7 @@
           <a:lstStyle/>
           <a:p>
             <a:r>
-              <a:rPr lang="de-DE"/>
+              <a:rPr lang="de-DE" dirty="0"/>
               <a:t>Mastertitelformat bearbeiten</a:t>
             </a:r>
           </a:p>
@@ -3344,7 +3345,7 @@
         </p:nvSpPr>
         <p:spPr>
           <a:xfrm>
-            <a:off x="5860868" y="1122363"/>
+            <a:off x="6287075" y="459811"/>
             <a:ext cx="4807132" cy="2387600"/>
           </a:xfrm>
         </p:spPr>
@@ -3385,7 +3386,7 @@
         </p:nvSpPr>
         <p:spPr>
           <a:xfrm>
-            <a:off x="5860868" y="3602037"/>
+            <a:off x="6287075" y="2939485"/>
             <a:ext cx="4807131" cy="2562413"/>
           </a:xfrm>
         </p:spPr>
@@ -3398,7 +3399,9 @@
               <a:buChar char="§"/>
             </a:pPr>
             <a:r>
-              <a:rPr lang="de-DE" dirty="0"/>
+              <a:rPr lang="de-DE" dirty="0">
+                <a:latin typeface="+mj-lt"/>
+              </a:rPr>
               <a:t>Situation</a:t>
             </a:r>
           </a:p>
@@ -3408,7 +3411,9 @@
               <a:buChar char="§"/>
             </a:pPr>
             <a:r>
-              <a:rPr lang="de-DE" dirty="0"/>
+              <a:rPr lang="de-DE" dirty="0">
+                <a:latin typeface="+mj-lt"/>
+              </a:rPr>
               <a:t>Solution</a:t>
             </a:r>
           </a:p>
@@ -3418,10 +3423,35 @@
               <a:buChar char="§"/>
             </a:pPr>
             <a:r>
-              <a:rPr lang="de-DE" dirty="0" err="1"/>
+              <a:rPr lang="de-DE" dirty="0" err="1">
+                <a:latin typeface="+mj-lt"/>
+              </a:rPr>
               <a:t>Results</a:t>
             </a:r>
-            <a:endParaRPr lang="de-DE" dirty="0"/>
+            <a:endParaRPr lang="de-DE" dirty="0">
+              <a:latin typeface="+mj-lt"/>
+            </a:endParaRPr>
+          </a:p>
+          <a:p>
+            <a:pPr marL="342900" indent="-342900" algn="l">
+              <a:buFont typeface="Wingdings" panose="05000000000000000000" pitchFamily="2" charset="2"/>
+              <a:buChar char="§"/>
+            </a:pPr>
+            <a:r>
+              <a:rPr lang="de-DE" dirty="0">
+                <a:latin typeface="+mj-lt"/>
+              </a:rPr>
+              <a:t>Next </a:t>
+            </a:r>
+            <a:r>
+              <a:rPr lang="de-DE" dirty="0" err="1">
+                <a:latin typeface="+mj-lt"/>
+              </a:rPr>
+              <a:t>Steps</a:t>
+            </a:r>
+            <a:endParaRPr lang="de-DE" dirty="0">
+              <a:latin typeface="+mj-lt"/>
+            </a:endParaRPr>
           </a:p>
         </p:txBody>
       </p:sp>
@@ -3439,7 +3469,7 @@
         </p:nvSpPr>
         <p:spPr>
           <a:xfrm>
-            <a:off x="766503" y="2967335"/>
+            <a:off x="766503" y="2641868"/>
             <a:ext cx="4065094" cy="923330"/>
           </a:xfrm>
           <a:prstGeom prst="rect">
@@ -3468,6 +3498,94 @@
           </a:p>
         </p:txBody>
       </p:sp>
+      <p:sp>
+        <p:nvSpPr>
+          <p:cNvPr id="5" name="Textfeld 4">
+            <a:extLst>
+              <a:ext uri="{FF2B5EF4-FFF2-40B4-BE49-F238E27FC236}">
+                <a16:creationId xmlns:a16="http://schemas.microsoft.com/office/drawing/2014/main" id="{2F3C6A8B-9AF5-4630-93C5-71B0BD3D0201}"/>
+              </a:ext>
+            </a:extLst>
+          </p:cNvPr>
+          <p:cNvSpPr txBox="1"/>
+          <p:nvPr/>
+        </p:nvSpPr>
+        <p:spPr>
+          <a:xfrm>
+            <a:off x="825285" y="3707967"/>
+            <a:ext cx="3851329" cy="646331"/>
+          </a:xfrm>
+          <a:prstGeom prst="rect">
+            <a:avLst/>
+          </a:prstGeom>
+          <a:noFill/>
+        </p:spPr>
+        <p:txBody>
+          <a:bodyPr wrap="square" rtlCol="0">
+            <a:spAutoFit/>
+          </a:bodyPr>
+          <a:lstStyle/>
+          <a:p>
+            <a:r>
+              <a:rPr lang="de-DE" dirty="0" err="1">
+                <a:latin typeface="+mj-lt"/>
+              </a:rPr>
+              <a:t>Identifying</a:t>
+            </a:r>
+            <a:r>
+              <a:rPr lang="de-DE" dirty="0">
+                <a:latin typeface="+mj-lt"/>
+              </a:rPr>
+              <a:t> </a:t>
+            </a:r>
+            <a:r>
+              <a:rPr lang="en-US" dirty="0">
+                <a:latin typeface="+mj-lt"/>
+              </a:rPr>
+              <a:t>Identification of future insolvent companies </a:t>
+            </a:r>
+            <a:endParaRPr lang="de-DE" dirty="0">
+              <a:latin typeface="+mj-lt"/>
+            </a:endParaRPr>
+          </a:p>
+        </p:txBody>
+      </p:sp>
+      <p:cxnSp>
+        <p:nvCxnSpPr>
+          <p:cNvPr id="7" name="Gerader Verbinder 6">
+            <a:extLst>
+              <a:ext uri="{FF2B5EF4-FFF2-40B4-BE49-F238E27FC236}">
+                <a16:creationId xmlns:a16="http://schemas.microsoft.com/office/drawing/2014/main" id="{C8233BEA-25B5-4465-8B36-88B602A1BFCF}"/>
+              </a:ext>
+            </a:extLst>
+          </p:cNvPr>
+          <p:cNvCxnSpPr/>
+          <p:nvPr/>
+        </p:nvCxnSpPr>
+        <p:spPr>
+          <a:xfrm>
+            <a:off x="5895741" y="2556"/>
+            <a:ext cx="0" cy="6858000"/>
+          </a:xfrm>
+          <a:prstGeom prst="line">
+            <a:avLst/>
+          </a:prstGeom>
+        </p:spPr>
+        <p:style>
+          <a:lnRef idx="1">
+            <a:schemeClr val="dk1"/>
+          </a:lnRef>
+          <a:fillRef idx="0">
+            <a:schemeClr val="dk1"/>
+          </a:fillRef>
+          <a:effectRef idx="0">
+            <a:schemeClr val="dk1"/>
+          </a:effectRef>
+          <a:fontRef idx="minor">
+            <a:schemeClr val="tx1"/>
+          </a:fontRef>
+        </p:style>
+      </p:cxnSp>
     </p:spTree>
     <p:extLst>
       <p:ext uri="{BB962C8B-B14F-4D97-AF65-F5344CB8AC3E}">
@@ -3535,44 +3653,6 @@
       </p:sp>
       <p:sp>
         <p:nvSpPr>
-          <p:cNvPr id="5" name="Inhaltsplatzhalter 4">
-            <a:extLst>
-              <a:ext uri="{FF2B5EF4-FFF2-40B4-BE49-F238E27FC236}">
-                <a16:creationId xmlns:a16="http://schemas.microsoft.com/office/drawing/2014/main" id="{0F615D91-DCC0-42C6-85C6-0960A564BE37}"/>
-              </a:ext>
-            </a:extLst>
-          </p:cNvPr>
-          <p:cNvSpPr>
-            <a:spLocks noGrp="1"/>
-          </p:cNvSpPr>
-          <p:nvPr>
-            <p:ph idx="1"/>
-          </p:nvPr>
-        </p:nvSpPr>
-        <p:spPr>
-          <a:xfrm>
-            <a:off x="838199" y="1825625"/>
-            <a:ext cx="4710193" cy="274395"/>
-          </a:xfrm>
-        </p:spPr>
-        <p:txBody>
-          <a:bodyPr>
-            <a:normAutofit fontScale="55000" lnSpcReduction="20000"/>
-          </a:bodyPr>
-          <a:lstStyle/>
-          <a:p>
-            <a:pPr marL="0" indent="0">
-              <a:buNone/>
-            </a:pPr>
-            <a:r>
-              <a:rPr lang="de-DE" dirty="0"/>
-              <a:t>Hier die Grafik der Insolvenzen im Zeitverlauf darstellen</a:t>
-            </a:r>
-          </a:p>
-        </p:txBody>
-      </p:sp>
-      <p:sp>
-        <p:nvSpPr>
           <p:cNvPr id="6" name="Titel 3">
             <a:extLst>
               <a:ext uri="{FF2B5EF4-FFF2-40B4-BE49-F238E27FC236}">
@@ -3790,406 +3870,1386 @@
       </p:sp>
       <p:sp>
         <p:nvSpPr>
-          <p:cNvPr id="9" name="Inhaltsplatzhalter 4">
-            <a:extLst>
-              <a:ext uri="{FF2B5EF4-FFF2-40B4-BE49-F238E27FC236}">
-                <a16:creationId xmlns:a16="http://schemas.microsoft.com/office/drawing/2014/main" id="{B248A638-B405-46DD-9758-47F8FCA012FF}"/>
-              </a:ext>
-            </a:extLst>
-          </p:cNvPr>
-          <p:cNvSpPr txBox="1">
-            <a:spLocks/>
-          </p:cNvSpPr>
+          <p:cNvPr id="12" name="Textfeld 11">
+            <a:extLst>
+              <a:ext uri="{FF2B5EF4-FFF2-40B4-BE49-F238E27FC236}">
+                <a16:creationId xmlns:a16="http://schemas.microsoft.com/office/drawing/2014/main" id="{BFBE3AE4-A59C-46B1-9776-2EE141134B4D}"/>
+              </a:ext>
+            </a:extLst>
+          </p:cNvPr>
+          <p:cNvSpPr txBox="1"/>
           <p:nvPr/>
         </p:nvSpPr>
         <p:spPr>
           <a:xfrm>
-            <a:off x="1149457" y="4620783"/>
-            <a:ext cx="4710193" cy="274395"/>
+            <a:off x="838200" y="1376441"/>
+            <a:ext cx="4710193" cy="400110"/>
+          </a:xfrm>
+          <a:prstGeom prst="rect">
+            <a:avLst/>
+          </a:prstGeom>
+          <a:noFill/>
+        </p:spPr>
+        <p:txBody>
+          <a:bodyPr wrap="square" rtlCol="0">
+            <a:spAutoFit/>
+          </a:bodyPr>
+          <a:lstStyle/>
+          <a:p>
+            <a:r>
+              <a:rPr lang="de-DE" sz="2000" dirty="0">
+                <a:latin typeface="+mj-lt"/>
+              </a:rPr>
+              <a:t>Problems</a:t>
+            </a:r>
+          </a:p>
+        </p:txBody>
+      </p:sp>
+      <p:sp>
+        <p:nvSpPr>
+          <p:cNvPr id="13" name="Textfeld 12">
+            <a:extLst>
+              <a:ext uri="{FF2B5EF4-FFF2-40B4-BE49-F238E27FC236}">
+                <a16:creationId xmlns:a16="http://schemas.microsoft.com/office/drawing/2014/main" id="{60C8AEDE-977D-4FC4-809F-A25EB7FADD9B}"/>
+              </a:ext>
+            </a:extLst>
+          </p:cNvPr>
+          <p:cNvSpPr txBox="1"/>
+          <p:nvPr/>
+        </p:nvSpPr>
+        <p:spPr>
+          <a:xfrm>
+            <a:off x="1969581" y="5737365"/>
+            <a:ext cx="8724249" cy="338554"/>
+          </a:xfrm>
+          <a:prstGeom prst="rect">
+            <a:avLst/>
+          </a:prstGeom>
+          <a:noFill/>
+        </p:spPr>
+        <p:txBody>
+          <a:bodyPr wrap="square" rtlCol="0">
+            <a:spAutoFit/>
+          </a:bodyPr>
+          <a:lstStyle/>
+          <a:p>
+            <a:r>
+              <a:rPr lang="de-DE" sz="1600" dirty="0">
+                <a:latin typeface="+mj-lt"/>
+              </a:rPr>
+              <a:t>Large </a:t>
+            </a:r>
+            <a:r>
+              <a:rPr lang="de-DE" sz="1600" dirty="0" err="1">
+                <a:latin typeface="+mj-lt"/>
+              </a:rPr>
+              <a:t>deviations</a:t>
+            </a:r>
+            <a:r>
+              <a:rPr lang="de-DE" sz="1600" dirty="0">
+                <a:latin typeface="+mj-lt"/>
+              </a:rPr>
+              <a:t> in </a:t>
+            </a:r>
+            <a:r>
+              <a:rPr lang="de-DE" sz="1600" dirty="0" err="1">
+                <a:latin typeface="+mj-lt"/>
+              </a:rPr>
+              <a:t>the</a:t>
+            </a:r>
+            <a:r>
+              <a:rPr lang="de-DE" sz="1600" dirty="0">
+                <a:latin typeface="+mj-lt"/>
+              </a:rPr>
+              <a:t> </a:t>
+            </a:r>
+            <a:r>
+              <a:rPr lang="de-DE" sz="1600" dirty="0" err="1">
+                <a:latin typeface="+mj-lt"/>
+              </a:rPr>
+              <a:t>prediction</a:t>
+            </a:r>
+            <a:r>
+              <a:rPr lang="de-DE" sz="1600" dirty="0">
+                <a:latin typeface="+mj-lt"/>
+              </a:rPr>
+              <a:t> </a:t>
+            </a:r>
+            <a:r>
+              <a:rPr lang="de-DE" sz="1600" dirty="0" err="1">
+                <a:latin typeface="+mj-lt"/>
+              </a:rPr>
+              <a:t>of</a:t>
+            </a:r>
+            <a:r>
+              <a:rPr lang="de-DE" sz="1600" dirty="0">
+                <a:latin typeface="+mj-lt"/>
+              </a:rPr>
+              <a:t> </a:t>
+            </a:r>
+            <a:r>
+              <a:rPr lang="de-DE" sz="1600" dirty="0" err="1">
+                <a:latin typeface="+mj-lt"/>
+              </a:rPr>
+              <a:t>bankruptcy</a:t>
+            </a:r>
+            <a:r>
+              <a:rPr lang="de-DE" sz="1600" dirty="0">
+                <a:latin typeface="+mj-lt"/>
+              </a:rPr>
+              <a:t> </a:t>
+            </a:r>
+            <a:r>
+              <a:rPr lang="de-DE" sz="1600" dirty="0" err="1">
+                <a:latin typeface="+mj-lt"/>
+              </a:rPr>
+              <a:t>causes</a:t>
+            </a:r>
+            <a:r>
+              <a:rPr lang="de-DE" sz="1600" dirty="0">
+                <a:latin typeface="+mj-lt"/>
+              </a:rPr>
+              <a:t> </a:t>
+            </a:r>
+            <a:r>
+              <a:rPr lang="de-DE" sz="1600" dirty="0" err="1">
+                <a:latin typeface="+mj-lt"/>
+              </a:rPr>
+              <a:t>several</a:t>
+            </a:r>
+            <a:r>
+              <a:rPr lang="de-DE" sz="1600" dirty="0">
+                <a:latin typeface="+mj-lt"/>
+              </a:rPr>
+              <a:t> negative </a:t>
+            </a:r>
+            <a:r>
+              <a:rPr lang="de-DE" sz="1600" dirty="0" err="1">
+                <a:latin typeface="+mj-lt"/>
+              </a:rPr>
+              <a:t>cost</a:t>
+            </a:r>
+            <a:r>
+              <a:rPr lang="de-DE" sz="1600" dirty="0">
+                <a:latin typeface="+mj-lt"/>
+              </a:rPr>
+              <a:t> and </a:t>
+            </a:r>
+            <a:r>
+              <a:rPr lang="de-DE" sz="1600" dirty="0" err="1">
+                <a:latin typeface="+mj-lt"/>
+              </a:rPr>
+              <a:t>sales</a:t>
+            </a:r>
+            <a:r>
+              <a:rPr lang="de-DE" sz="1600" dirty="0">
+                <a:latin typeface="+mj-lt"/>
+              </a:rPr>
+              <a:t> </a:t>
+            </a:r>
+            <a:r>
+              <a:rPr lang="de-DE" sz="1600" dirty="0" err="1">
+                <a:latin typeface="+mj-lt"/>
+              </a:rPr>
+              <a:t>effects</a:t>
+            </a:r>
+            <a:r>
+              <a:rPr lang="de-DE" sz="1600" dirty="0">
+                <a:latin typeface="+mj-lt"/>
+              </a:rPr>
+              <a:t>. </a:t>
+            </a:r>
+          </a:p>
+        </p:txBody>
+      </p:sp>
+      <p:sp>
+        <p:nvSpPr>
+          <p:cNvPr id="17" name="Textfeld 16">
+            <a:extLst>
+              <a:ext uri="{FF2B5EF4-FFF2-40B4-BE49-F238E27FC236}">
+                <a16:creationId xmlns:a16="http://schemas.microsoft.com/office/drawing/2014/main" id="{8A82BF86-8633-4B0A-A6A6-096E37C0C914}"/>
+              </a:ext>
+            </a:extLst>
+          </p:cNvPr>
+          <p:cNvSpPr txBox="1"/>
+          <p:nvPr/>
+        </p:nvSpPr>
+        <p:spPr>
+          <a:xfrm>
+            <a:off x="1543377" y="1823411"/>
+            <a:ext cx="4085438" cy="584775"/>
+          </a:xfrm>
+          <a:prstGeom prst="rect">
+            <a:avLst/>
+          </a:prstGeom>
+          <a:noFill/>
+        </p:spPr>
+        <p:txBody>
+          <a:bodyPr wrap="square" rtlCol="0">
+            <a:spAutoFit/>
+          </a:bodyPr>
+          <a:lstStyle/>
+          <a:p>
+            <a:r>
+              <a:rPr lang="de-DE" sz="1600" dirty="0">
+                <a:latin typeface="+mj-lt"/>
+              </a:rPr>
+              <a:t>Not </a:t>
+            </a:r>
+            <a:r>
+              <a:rPr lang="de-DE" sz="1600" dirty="0" err="1">
+                <a:latin typeface="+mj-lt"/>
+              </a:rPr>
+              <a:t>identified</a:t>
+            </a:r>
+            <a:r>
+              <a:rPr lang="de-DE" sz="1600" dirty="0">
+                <a:latin typeface="+mj-lt"/>
+              </a:rPr>
+              <a:t> </a:t>
+            </a:r>
+            <a:r>
+              <a:rPr lang="de-DE" sz="1600" dirty="0" err="1">
+                <a:latin typeface="+mj-lt"/>
+              </a:rPr>
+              <a:t>insolvencies</a:t>
+            </a:r>
+            <a:r>
+              <a:rPr lang="de-DE" sz="1600" dirty="0">
+                <a:latin typeface="+mj-lt"/>
+              </a:rPr>
+              <a:t> </a:t>
+            </a:r>
+            <a:r>
+              <a:rPr lang="de-DE" sz="1600" dirty="0" err="1">
+                <a:latin typeface="+mj-lt"/>
+              </a:rPr>
+              <a:t>lead</a:t>
+            </a:r>
+            <a:r>
+              <a:rPr lang="de-DE" sz="1600" dirty="0">
+                <a:latin typeface="+mj-lt"/>
+              </a:rPr>
+              <a:t> </a:t>
+            </a:r>
+            <a:r>
+              <a:rPr lang="de-DE" sz="1600" dirty="0" err="1">
+                <a:latin typeface="+mj-lt"/>
+              </a:rPr>
+              <a:t>to</a:t>
+            </a:r>
+            <a:r>
+              <a:rPr lang="de-DE" sz="1600" dirty="0">
+                <a:latin typeface="+mj-lt"/>
+              </a:rPr>
+              <a:t> a </a:t>
+            </a:r>
+            <a:r>
+              <a:rPr lang="de-DE" sz="1600" dirty="0" err="1">
+                <a:latin typeface="+mj-lt"/>
+              </a:rPr>
+              <a:t>higher</a:t>
+            </a:r>
+            <a:r>
+              <a:rPr lang="de-DE" sz="1600" dirty="0">
+                <a:latin typeface="+mj-lt"/>
+              </a:rPr>
+              <a:t> rate </a:t>
+            </a:r>
+            <a:r>
+              <a:rPr lang="de-DE" sz="1600" dirty="0" err="1">
+                <a:latin typeface="+mj-lt"/>
+              </a:rPr>
+              <a:t>of</a:t>
+            </a:r>
+            <a:r>
+              <a:rPr lang="de-DE" sz="1600" dirty="0">
+                <a:latin typeface="+mj-lt"/>
+              </a:rPr>
+              <a:t> </a:t>
+            </a:r>
+            <a:r>
+              <a:rPr lang="de-DE" sz="1600" dirty="0" err="1">
+                <a:latin typeface="+mj-lt"/>
+              </a:rPr>
+              <a:t>compensations</a:t>
+            </a:r>
+            <a:r>
+              <a:rPr lang="de-DE" sz="1600" dirty="0">
+                <a:latin typeface="+mj-lt"/>
+              </a:rPr>
+              <a:t> </a:t>
+            </a:r>
+            <a:r>
+              <a:rPr lang="de-DE" sz="1600" dirty="0" err="1">
+                <a:latin typeface="+mj-lt"/>
+              </a:rPr>
+              <a:t>than</a:t>
+            </a:r>
+            <a:r>
+              <a:rPr lang="de-DE" sz="1600" dirty="0">
+                <a:latin typeface="+mj-lt"/>
+              </a:rPr>
+              <a:t> </a:t>
+            </a:r>
+            <a:r>
+              <a:rPr lang="de-DE" sz="1600" dirty="0" err="1">
+                <a:latin typeface="+mj-lt"/>
+              </a:rPr>
+              <a:t>planned</a:t>
+            </a:r>
+            <a:endParaRPr lang="de-DE" sz="1600" dirty="0">
+              <a:latin typeface="+mj-lt"/>
+            </a:endParaRPr>
+          </a:p>
+        </p:txBody>
+      </p:sp>
+      <p:sp>
+        <p:nvSpPr>
+          <p:cNvPr id="19" name="Textfeld 18">
+            <a:extLst>
+              <a:ext uri="{FF2B5EF4-FFF2-40B4-BE49-F238E27FC236}">
+                <a16:creationId xmlns:a16="http://schemas.microsoft.com/office/drawing/2014/main" id="{5BB5A865-A6A1-4DBC-8C6E-6279E0FEFB37}"/>
+              </a:ext>
+            </a:extLst>
+          </p:cNvPr>
+          <p:cNvSpPr txBox="1"/>
+          <p:nvPr/>
+        </p:nvSpPr>
+        <p:spPr>
+          <a:xfrm>
+            <a:off x="1543377" y="2603492"/>
+            <a:ext cx="4085438" cy="830997"/>
+          </a:xfrm>
+          <a:prstGeom prst="rect">
+            <a:avLst/>
+          </a:prstGeom>
+          <a:noFill/>
+        </p:spPr>
+        <p:txBody>
+          <a:bodyPr wrap="square" rtlCol="0">
+            <a:spAutoFit/>
+          </a:bodyPr>
+          <a:lstStyle/>
+          <a:p>
+            <a:r>
+              <a:rPr lang="de-DE" sz="1600" dirty="0" err="1">
+                <a:latin typeface="+mj-lt"/>
+              </a:rPr>
+              <a:t>Wrongly</a:t>
+            </a:r>
+            <a:r>
+              <a:rPr lang="de-DE" sz="1600" dirty="0">
+                <a:latin typeface="+mj-lt"/>
+              </a:rPr>
+              <a:t> </a:t>
+            </a:r>
+            <a:r>
+              <a:rPr lang="de-DE" sz="1600" dirty="0" err="1">
+                <a:latin typeface="+mj-lt"/>
+              </a:rPr>
+              <a:t>identified</a:t>
+            </a:r>
+            <a:r>
+              <a:rPr lang="de-DE" sz="1600" dirty="0">
+                <a:latin typeface="+mj-lt"/>
+              </a:rPr>
+              <a:t> </a:t>
+            </a:r>
+            <a:r>
+              <a:rPr lang="de-DE" sz="1600" dirty="0" err="1">
+                <a:latin typeface="+mj-lt"/>
+              </a:rPr>
+              <a:t>bankruptcies</a:t>
+            </a:r>
+            <a:r>
+              <a:rPr lang="de-DE" sz="1600" dirty="0">
+                <a:latin typeface="+mj-lt"/>
+              </a:rPr>
+              <a:t> </a:t>
+            </a:r>
+            <a:r>
+              <a:rPr lang="de-DE" sz="1600" dirty="0" err="1">
+                <a:latin typeface="+mj-lt"/>
+              </a:rPr>
+              <a:t>cause</a:t>
+            </a:r>
+            <a:r>
+              <a:rPr lang="de-DE" sz="1600" dirty="0">
+                <a:latin typeface="+mj-lt"/>
+              </a:rPr>
+              <a:t> </a:t>
+            </a:r>
+            <a:r>
+              <a:rPr lang="de-DE" sz="1600" dirty="0" err="1">
+                <a:latin typeface="+mj-lt"/>
+              </a:rPr>
+              <a:t>higher</a:t>
+            </a:r>
+            <a:r>
+              <a:rPr lang="de-DE" sz="1600" dirty="0">
+                <a:latin typeface="+mj-lt"/>
+              </a:rPr>
+              <a:t> </a:t>
+            </a:r>
+            <a:r>
+              <a:rPr lang="de-DE" sz="1600" dirty="0" err="1">
+                <a:latin typeface="+mj-lt"/>
+              </a:rPr>
+              <a:t>insurance</a:t>
+            </a:r>
+            <a:r>
+              <a:rPr lang="de-DE" sz="1600" dirty="0">
+                <a:latin typeface="+mj-lt"/>
+              </a:rPr>
+              <a:t> </a:t>
+            </a:r>
+            <a:r>
+              <a:rPr lang="de-DE" sz="1600" dirty="0" err="1">
+                <a:latin typeface="+mj-lt"/>
+              </a:rPr>
+              <a:t>premiums</a:t>
+            </a:r>
+            <a:r>
+              <a:rPr lang="de-DE" sz="1600" dirty="0">
+                <a:latin typeface="+mj-lt"/>
+              </a:rPr>
+              <a:t> </a:t>
+            </a:r>
+            <a:r>
+              <a:rPr lang="de-DE" sz="1600" dirty="0" err="1">
+                <a:latin typeface="+mj-lt"/>
+              </a:rPr>
+              <a:t>which</a:t>
+            </a:r>
+            <a:r>
+              <a:rPr lang="de-DE" sz="1600" dirty="0">
+                <a:latin typeface="+mj-lt"/>
+              </a:rPr>
+              <a:t> </a:t>
+            </a:r>
+            <a:r>
+              <a:rPr lang="de-DE" sz="1600" dirty="0" err="1">
+                <a:latin typeface="+mj-lt"/>
+              </a:rPr>
+              <a:t>may</a:t>
+            </a:r>
+            <a:r>
+              <a:rPr lang="de-DE" sz="1600" dirty="0">
+                <a:latin typeface="+mj-lt"/>
+              </a:rPr>
+              <a:t> </a:t>
+            </a:r>
+            <a:r>
+              <a:rPr lang="de-DE" sz="1600" dirty="0" err="1">
+                <a:latin typeface="+mj-lt"/>
+              </a:rPr>
+              <a:t>lead</a:t>
+            </a:r>
+            <a:r>
+              <a:rPr lang="de-DE" sz="1600" dirty="0">
+                <a:latin typeface="+mj-lt"/>
+              </a:rPr>
+              <a:t> </a:t>
+            </a:r>
+            <a:r>
+              <a:rPr lang="de-DE" sz="1600" dirty="0" err="1">
+                <a:latin typeface="+mj-lt"/>
+              </a:rPr>
+              <a:t>to</a:t>
+            </a:r>
+            <a:r>
+              <a:rPr lang="de-DE" sz="1600" dirty="0">
+                <a:latin typeface="+mj-lt"/>
+              </a:rPr>
+              <a:t> </a:t>
+            </a:r>
+            <a:r>
+              <a:rPr lang="de-DE" sz="1600" dirty="0" err="1">
+                <a:latin typeface="+mj-lt"/>
+              </a:rPr>
+              <a:t>higher</a:t>
+            </a:r>
+            <a:r>
+              <a:rPr lang="de-DE" sz="1600" dirty="0">
+                <a:latin typeface="+mj-lt"/>
+              </a:rPr>
+              <a:t> </a:t>
+            </a:r>
+            <a:r>
+              <a:rPr lang="de-DE" sz="1600" dirty="0" err="1">
+                <a:latin typeface="+mj-lt"/>
+              </a:rPr>
+              <a:t>contract</a:t>
+            </a:r>
+            <a:r>
+              <a:rPr lang="de-DE" sz="1600" dirty="0">
+                <a:latin typeface="+mj-lt"/>
+              </a:rPr>
+              <a:t> </a:t>
+            </a:r>
+            <a:r>
+              <a:rPr lang="de-DE" sz="1600" dirty="0" err="1">
+                <a:latin typeface="+mj-lt"/>
+              </a:rPr>
+              <a:t>terminations</a:t>
+            </a:r>
+            <a:endParaRPr lang="de-DE" sz="1600" dirty="0">
+              <a:latin typeface="+mj-lt"/>
+            </a:endParaRPr>
+          </a:p>
+        </p:txBody>
+      </p:sp>
+      <p:sp>
+        <p:nvSpPr>
+          <p:cNvPr id="21" name="Textfeld 20">
+            <a:extLst>
+              <a:ext uri="{FF2B5EF4-FFF2-40B4-BE49-F238E27FC236}">
+                <a16:creationId xmlns:a16="http://schemas.microsoft.com/office/drawing/2014/main" id="{8B773AF4-C556-4F63-8029-588E82DE2B6B}"/>
+              </a:ext>
+            </a:extLst>
+          </p:cNvPr>
+          <p:cNvSpPr txBox="1"/>
+          <p:nvPr/>
+        </p:nvSpPr>
+        <p:spPr>
+          <a:xfrm>
+            <a:off x="1543377" y="3660572"/>
+            <a:ext cx="4085438" cy="830997"/>
+          </a:xfrm>
+          <a:prstGeom prst="rect">
+            <a:avLst/>
+          </a:prstGeom>
+          <a:noFill/>
+        </p:spPr>
+        <p:txBody>
+          <a:bodyPr wrap="square" rtlCol="0">
+            <a:spAutoFit/>
+          </a:bodyPr>
+          <a:lstStyle/>
+          <a:p>
+            <a:r>
+              <a:rPr lang="de-DE" sz="1600" dirty="0" err="1">
+                <a:latin typeface="+mj-lt"/>
+              </a:rPr>
+              <a:t>Un</a:t>
+            </a:r>
+            <a:r>
+              <a:rPr lang="de-DE" sz="1600" dirty="0">
+                <a:latin typeface="+mj-lt"/>
+              </a:rPr>
+              <a:t>- </a:t>
+            </a:r>
+            <a:r>
+              <a:rPr lang="de-DE" sz="1600" dirty="0" err="1">
+                <a:latin typeface="+mj-lt"/>
+              </a:rPr>
+              <a:t>or</a:t>
+            </a:r>
+            <a:r>
+              <a:rPr lang="de-DE" sz="1600" dirty="0">
+                <a:latin typeface="+mj-lt"/>
+              </a:rPr>
+              <a:t> </a:t>
+            </a:r>
+            <a:r>
+              <a:rPr lang="de-DE" sz="1600" dirty="0" err="1">
+                <a:latin typeface="+mj-lt"/>
+              </a:rPr>
+              <a:t>bad</a:t>
+            </a:r>
+            <a:r>
+              <a:rPr lang="de-DE" sz="1600" dirty="0">
+                <a:latin typeface="+mj-lt"/>
+              </a:rPr>
+              <a:t> </a:t>
+            </a:r>
+            <a:r>
+              <a:rPr lang="de-DE" sz="1600" dirty="0" err="1">
+                <a:latin typeface="+mj-lt"/>
+              </a:rPr>
+              <a:t>estimated</a:t>
+            </a:r>
+            <a:r>
+              <a:rPr lang="de-DE" sz="1600" dirty="0">
+                <a:latin typeface="+mj-lt"/>
+              </a:rPr>
+              <a:t> </a:t>
+            </a:r>
+            <a:r>
+              <a:rPr lang="de-DE" sz="1600" dirty="0" err="1">
+                <a:latin typeface="+mj-lt"/>
+              </a:rPr>
+              <a:t>insolvency</a:t>
+            </a:r>
+            <a:r>
+              <a:rPr lang="de-DE" sz="1600" dirty="0">
+                <a:latin typeface="+mj-lt"/>
+              </a:rPr>
+              <a:t> </a:t>
+            </a:r>
+            <a:r>
+              <a:rPr lang="de-DE" sz="1600" dirty="0" err="1">
+                <a:latin typeface="+mj-lt"/>
+              </a:rPr>
+              <a:t>rates</a:t>
+            </a:r>
+            <a:r>
+              <a:rPr lang="de-DE" sz="1600" dirty="0">
+                <a:latin typeface="+mj-lt"/>
+              </a:rPr>
+              <a:t> </a:t>
+            </a:r>
+            <a:r>
+              <a:rPr lang="de-DE" sz="1600" dirty="0" err="1">
+                <a:latin typeface="+mj-lt"/>
+              </a:rPr>
+              <a:t>require</a:t>
+            </a:r>
+            <a:r>
+              <a:rPr lang="de-DE" sz="1600" dirty="0">
+                <a:latin typeface="+mj-lt"/>
+              </a:rPr>
+              <a:t> </a:t>
+            </a:r>
+            <a:r>
+              <a:rPr lang="de-DE" sz="1600" dirty="0" err="1">
+                <a:latin typeface="+mj-lt"/>
+              </a:rPr>
+              <a:t>higher</a:t>
+            </a:r>
+            <a:r>
+              <a:rPr lang="de-DE" sz="1600" dirty="0">
+                <a:latin typeface="+mj-lt"/>
+              </a:rPr>
+              <a:t> </a:t>
+            </a:r>
+            <a:r>
+              <a:rPr lang="de-DE" sz="1600" dirty="0" err="1">
+                <a:latin typeface="+mj-lt"/>
+              </a:rPr>
+              <a:t>equity</a:t>
+            </a:r>
+            <a:r>
+              <a:rPr lang="de-DE" sz="1600" dirty="0">
+                <a:latin typeface="+mj-lt"/>
+              </a:rPr>
+              <a:t> </a:t>
+            </a:r>
+            <a:r>
+              <a:rPr lang="de-DE" sz="1600" dirty="0" err="1">
+                <a:latin typeface="+mj-lt"/>
+              </a:rPr>
+              <a:t>shares</a:t>
+            </a:r>
+            <a:r>
+              <a:rPr lang="de-DE" sz="1600" dirty="0">
+                <a:latin typeface="+mj-lt"/>
+              </a:rPr>
+              <a:t>. </a:t>
+            </a:r>
+            <a:r>
+              <a:rPr lang="de-DE" sz="1600" dirty="0" err="1">
+                <a:latin typeface="+mj-lt"/>
+              </a:rPr>
+              <a:t>Therefore</a:t>
+            </a:r>
+            <a:r>
+              <a:rPr lang="de-DE" sz="1600" dirty="0">
+                <a:latin typeface="+mj-lt"/>
+              </a:rPr>
+              <a:t> </a:t>
+            </a:r>
+            <a:r>
+              <a:rPr lang="de-DE" sz="1600" dirty="0" err="1">
+                <a:latin typeface="+mj-lt"/>
+              </a:rPr>
+              <a:t>minimize</a:t>
+            </a:r>
+            <a:r>
+              <a:rPr lang="de-DE" sz="1600" dirty="0">
+                <a:latin typeface="+mj-lt"/>
+              </a:rPr>
+              <a:t> </a:t>
+            </a:r>
+            <a:r>
+              <a:rPr lang="de-DE" sz="1600" dirty="0" err="1">
+                <a:latin typeface="+mj-lt"/>
+              </a:rPr>
+              <a:t>the</a:t>
+            </a:r>
+            <a:r>
+              <a:rPr lang="de-DE" sz="1600" dirty="0">
+                <a:latin typeface="+mj-lt"/>
+              </a:rPr>
+              <a:t> </a:t>
+            </a:r>
+            <a:r>
+              <a:rPr lang="de-DE" sz="1600" dirty="0" err="1">
+                <a:latin typeface="+mj-lt"/>
+              </a:rPr>
+              <a:t>ability</a:t>
+            </a:r>
+            <a:r>
+              <a:rPr lang="de-DE" sz="1600" dirty="0">
+                <a:latin typeface="+mj-lt"/>
+              </a:rPr>
+              <a:t> </a:t>
+            </a:r>
+            <a:r>
+              <a:rPr lang="de-DE" sz="1600" dirty="0" err="1">
+                <a:latin typeface="+mj-lt"/>
+              </a:rPr>
+              <a:t>to</a:t>
+            </a:r>
+            <a:r>
+              <a:rPr lang="de-DE" sz="1600" dirty="0">
+                <a:latin typeface="+mj-lt"/>
+              </a:rPr>
+              <a:t> </a:t>
+            </a:r>
+            <a:r>
+              <a:rPr lang="de-DE" sz="1600" dirty="0" err="1">
+                <a:latin typeface="+mj-lt"/>
+              </a:rPr>
+              <a:t>leverage</a:t>
+            </a:r>
+            <a:r>
+              <a:rPr lang="de-DE" sz="1600" dirty="0">
+                <a:latin typeface="+mj-lt"/>
+              </a:rPr>
+              <a:t> </a:t>
+            </a:r>
+            <a:r>
+              <a:rPr lang="de-DE" sz="1600" dirty="0" err="1">
+                <a:latin typeface="+mj-lt"/>
+              </a:rPr>
+              <a:t>the</a:t>
+            </a:r>
+            <a:r>
+              <a:rPr lang="de-DE" sz="1600" dirty="0">
+                <a:latin typeface="+mj-lt"/>
+              </a:rPr>
+              <a:t> </a:t>
+            </a:r>
+            <a:r>
+              <a:rPr lang="de-DE" sz="1600" dirty="0" err="1">
+                <a:latin typeface="+mj-lt"/>
+              </a:rPr>
+              <a:t>available</a:t>
+            </a:r>
+            <a:r>
+              <a:rPr lang="de-DE" sz="1600" dirty="0">
+                <a:latin typeface="+mj-lt"/>
+              </a:rPr>
+              <a:t> </a:t>
+            </a:r>
+            <a:r>
+              <a:rPr lang="de-DE" sz="1600" dirty="0" err="1">
+                <a:latin typeface="+mj-lt"/>
+              </a:rPr>
+              <a:t>capital</a:t>
+            </a:r>
+            <a:r>
+              <a:rPr lang="de-DE" sz="1600" dirty="0">
+                <a:latin typeface="+mj-lt"/>
+              </a:rPr>
+              <a:t>. </a:t>
+            </a:r>
+          </a:p>
+        </p:txBody>
+      </p:sp>
+      <p:cxnSp>
+        <p:nvCxnSpPr>
+          <p:cNvPr id="24" name="Gerader Verbinder 23">
+            <a:extLst>
+              <a:ext uri="{FF2B5EF4-FFF2-40B4-BE49-F238E27FC236}">
+                <a16:creationId xmlns:a16="http://schemas.microsoft.com/office/drawing/2014/main" id="{15FC6B6D-05BF-4D27-948C-11AE372750AC}"/>
+              </a:ext>
+            </a:extLst>
+          </p:cNvPr>
+          <p:cNvCxnSpPr>
+            <a:cxnSpLocks/>
+          </p:cNvCxnSpPr>
+          <p:nvPr/>
+        </p:nvCxnSpPr>
+        <p:spPr>
+          <a:xfrm flipV="1">
+            <a:off x="906651" y="1708689"/>
+            <a:ext cx="4641742" cy="20995"/>
+          </a:xfrm>
+          <a:prstGeom prst="line">
+            <a:avLst/>
+          </a:prstGeom>
+        </p:spPr>
+        <p:style>
+          <a:lnRef idx="1">
+            <a:schemeClr val="dk1"/>
+          </a:lnRef>
+          <a:fillRef idx="0">
+            <a:schemeClr val="dk1"/>
+          </a:fillRef>
+          <a:effectRef idx="0">
+            <a:schemeClr val="dk1"/>
+          </a:effectRef>
+          <a:fontRef idx="minor">
+            <a:schemeClr val="tx1"/>
+          </a:fontRef>
+        </p:style>
+      </p:cxnSp>
+      <p:pic>
+        <p:nvPicPr>
+          <p:cNvPr id="27" name="Grafik 26">
+            <a:extLst>
+              <a:ext uri="{FF2B5EF4-FFF2-40B4-BE49-F238E27FC236}">
+                <a16:creationId xmlns:a16="http://schemas.microsoft.com/office/drawing/2014/main" id="{FA95D1C1-0A79-4E5F-B60B-BC7857D127E8}"/>
+              </a:ext>
+            </a:extLst>
+          </p:cNvPr>
+          <p:cNvPicPr>
+            <a:picLocks noChangeAspect="1"/>
+          </p:cNvPicPr>
+          <p:nvPr/>
+        </p:nvPicPr>
+        <p:blipFill>
+          <a:blip r:embed="rId2">
+            <a:extLst>
+              <a:ext uri="{28A0092B-C50C-407E-A947-70E740481C1C}">
+                <a14:useLocalDpi xmlns:a14="http://schemas.microsoft.com/office/drawing/2010/main" val="0"/>
+              </a:ext>
+            </a:extLst>
+          </a:blip>
+          <a:stretch>
+            <a:fillRect/>
+          </a:stretch>
+        </p:blipFill>
+        <p:spPr>
+          <a:xfrm>
+            <a:off x="789122" y="1700774"/>
+            <a:ext cx="847241" cy="847241"/>
           </a:xfrm>
           <a:prstGeom prst="rect">
             <a:avLst/>
           </a:prstGeom>
         </p:spPr>
-        <p:txBody>
-          <a:bodyPr vert="horz" lIns="91440" tIns="45720" rIns="91440" bIns="45720" rtlCol="0">
-            <a:normAutofit fontScale="47500" lnSpcReduction="20000"/>
-          </a:bodyPr>
-          <a:lstStyle>
-            <a:lvl1pPr marL="228600" indent="-228600" algn="l" defTabSz="914400" rtl="0" eaLnBrk="1" latinLnBrk="0" hangingPunct="1">
-              <a:lnSpc>
-                <a:spcPct val="90000"/>
-              </a:lnSpc>
-              <a:spcBef>
-                <a:spcPts val="1000"/>
-              </a:spcBef>
-              <a:buFont typeface="Arial" panose="020B0604020202020204" pitchFamily="34" charset="0"/>
-              <a:buChar char="•"/>
-              <a:defRPr sz="2800" kern="1200">
-                <a:solidFill>
-                  <a:schemeClr val="tx1"/>
-                </a:solidFill>
-                <a:latin typeface="+mn-lt"/>
-                <a:ea typeface="+mn-ea"/>
-                <a:cs typeface="+mn-cs"/>
-              </a:defRPr>
-            </a:lvl1pPr>
-            <a:lvl2pPr marL="685800" indent="-228600" algn="l" defTabSz="914400" rtl="0" eaLnBrk="1" latinLnBrk="0" hangingPunct="1">
-              <a:lnSpc>
-                <a:spcPct val="90000"/>
-              </a:lnSpc>
-              <a:spcBef>
-                <a:spcPts val="500"/>
-              </a:spcBef>
-              <a:buFont typeface="Arial" panose="020B0604020202020204" pitchFamily="34" charset="0"/>
-              <a:buChar char="•"/>
-              <a:defRPr sz="2400" kern="1200">
-                <a:solidFill>
-                  <a:schemeClr val="tx1"/>
-                </a:solidFill>
-                <a:latin typeface="+mn-lt"/>
-                <a:ea typeface="+mn-ea"/>
-                <a:cs typeface="+mn-cs"/>
-              </a:defRPr>
-            </a:lvl2pPr>
-            <a:lvl3pPr marL="1143000" indent="-228600" algn="l" defTabSz="914400" rtl="0" eaLnBrk="1" latinLnBrk="0" hangingPunct="1">
-              <a:lnSpc>
-                <a:spcPct val="90000"/>
-              </a:lnSpc>
-              <a:spcBef>
-                <a:spcPts val="500"/>
-              </a:spcBef>
-              <a:buFont typeface="Arial" panose="020B0604020202020204" pitchFamily="34" charset="0"/>
-              <a:buChar char="•"/>
-              <a:defRPr sz="2000" kern="1200">
-                <a:solidFill>
-                  <a:schemeClr val="tx1"/>
-                </a:solidFill>
-                <a:latin typeface="+mn-lt"/>
-                <a:ea typeface="+mn-ea"/>
-                <a:cs typeface="+mn-cs"/>
-              </a:defRPr>
-            </a:lvl3pPr>
-            <a:lvl4pPr marL="1600200" indent="-228600" algn="l" defTabSz="914400" rtl="0" eaLnBrk="1" latinLnBrk="0" hangingPunct="1">
-              <a:lnSpc>
-                <a:spcPct val="90000"/>
-              </a:lnSpc>
-              <a:spcBef>
-                <a:spcPts val="500"/>
-              </a:spcBef>
-              <a:buFont typeface="Arial" panose="020B0604020202020204" pitchFamily="34" charset="0"/>
-              <a:buChar char="•"/>
-              <a:defRPr sz="1800" kern="1200">
-                <a:solidFill>
-                  <a:schemeClr val="tx1"/>
-                </a:solidFill>
-                <a:latin typeface="+mn-lt"/>
-                <a:ea typeface="+mn-ea"/>
-                <a:cs typeface="+mn-cs"/>
-              </a:defRPr>
-            </a:lvl4pPr>
-            <a:lvl5pPr marL="2057400" indent="-228600" algn="l" defTabSz="914400" rtl="0" eaLnBrk="1" latinLnBrk="0" hangingPunct="1">
-              <a:lnSpc>
-                <a:spcPct val="90000"/>
-              </a:lnSpc>
-              <a:spcBef>
-                <a:spcPts val="500"/>
-              </a:spcBef>
-              <a:buFont typeface="Arial" panose="020B0604020202020204" pitchFamily="34" charset="0"/>
-              <a:buChar char="•"/>
-              <a:defRPr sz="1800" kern="1200">
-                <a:solidFill>
-                  <a:schemeClr val="tx1"/>
-                </a:solidFill>
-                <a:latin typeface="+mn-lt"/>
-                <a:ea typeface="+mn-ea"/>
-                <a:cs typeface="+mn-cs"/>
-              </a:defRPr>
-            </a:lvl5pPr>
-            <a:lvl6pPr marL="2514600" indent="-228600" algn="l" defTabSz="914400" rtl="0" eaLnBrk="1" latinLnBrk="0" hangingPunct="1">
-              <a:lnSpc>
-                <a:spcPct val="90000"/>
-              </a:lnSpc>
-              <a:spcBef>
-                <a:spcPts val="500"/>
-              </a:spcBef>
-              <a:buFont typeface="Arial" panose="020B0604020202020204" pitchFamily="34" charset="0"/>
-              <a:buChar char="•"/>
-              <a:defRPr sz="1800" kern="1200">
-                <a:solidFill>
-                  <a:schemeClr val="tx1"/>
-                </a:solidFill>
-                <a:latin typeface="+mn-lt"/>
-                <a:ea typeface="+mn-ea"/>
-                <a:cs typeface="+mn-cs"/>
-              </a:defRPr>
-            </a:lvl6pPr>
-            <a:lvl7pPr marL="2971800" indent="-228600" algn="l" defTabSz="914400" rtl="0" eaLnBrk="1" latinLnBrk="0" hangingPunct="1">
-              <a:lnSpc>
-                <a:spcPct val="90000"/>
-              </a:lnSpc>
-              <a:spcBef>
-                <a:spcPts val="500"/>
-              </a:spcBef>
-              <a:buFont typeface="Arial" panose="020B0604020202020204" pitchFamily="34" charset="0"/>
-              <a:buChar char="•"/>
-              <a:defRPr sz="1800" kern="1200">
-                <a:solidFill>
-                  <a:schemeClr val="tx1"/>
-                </a:solidFill>
-                <a:latin typeface="+mn-lt"/>
-                <a:ea typeface="+mn-ea"/>
-                <a:cs typeface="+mn-cs"/>
-              </a:defRPr>
-            </a:lvl7pPr>
-            <a:lvl8pPr marL="3429000" indent="-228600" algn="l" defTabSz="914400" rtl="0" eaLnBrk="1" latinLnBrk="0" hangingPunct="1">
-              <a:lnSpc>
-                <a:spcPct val="90000"/>
-              </a:lnSpc>
-              <a:spcBef>
-                <a:spcPts val="500"/>
-              </a:spcBef>
-              <a:buFont typeface="Arial" panose="020B0604020202020204" pitchFamily="34" charset="0"/>
-              <a:buChar char="•"/>
-              <a:defRPr sz="1800" kern="1200">
-                <a:solidFill>
-                  <a:schemeClr val="tx1"/>
-                </a:solidFill>
-                <a:latin typeface="+mn-lt"/>
-                <a:ea typeface="+mn-ea"/>
-                <a:cs typeface="+mn-cs"/>
-              </a:defRPr>
-            </a:lvl8pPr>
-            <a:lvl9pPr marL="3886200" indent="-228600" algn="l" defTabSz="914400" rtl="0" eaLnBrk="1" latinLnBrk="0" hangingPunct="1">
-              <a:lnSpc>
-                <a:spcPct val="90000"/>
-              </a:lnSpc>
-              <a:spcBef>
-                <a:spcPts val="500"/>
-              </a:spcBef>
-              <a:buFont typeface="Arial" panose="020B0604020202020204" pitchFamily="34" charset="0"/>
-              <a:buChar char="•"/>
-              <a:defRPr sz="1800" kern="1200">
-                <a:solidFill>
-                  <a:schemeClr val="tx1"/>
-                </a:solidFill>
-                <a:latin typeface="+mn-lt"/>
-                <a:ea typeface="+mn-ea"/>
-                <a:cs typeface="+mn-cs"/>
-              </a:defRPr>
-            </a:lvl9pPr>
-          </a:lstStyle>
-          <a:p>
-            <a:pPr marL="0" indent="0">
-              <a:buFont typeface="Arial" panose="020B0604020202020204" pitchFamily="34" charset="0"/>
-              <a:buNone/>
-            </a:pPr>
-            <a:r>
-              <a:rPr lang="de-DE" dirty="0"/>
-              <a:t>Hier die Anzahl der Observationen und Variablen darstellen</a:t>
-            </a:r>
-          </a:p>
-        </p:txBody>
-      </p:sp>
-      <p:sp>
-        <p:nvSpPr>
-          <p:cNvPr id="11" name="Inhaltsplatzhalter 4">
-            <a:extLst>
-              <a:ext uri="{FF2B5EF4-FFF2-40B4-BE49-F238E27FC236}">
-                <a16:creationId xmlns:a16="http://schemas.microsoft.com/office/drawing/2014/main" id="{9E63F699-ED11-4B90-BC29-E0D04CDC427D}"/>
-              </a:ext>
-            </a:extLst>
-          </p:cNvPr>
-          <p:cNvSpPr txBox="1">
-            <a:spLocks/>
-          </p:cNvSpPr>
+      </p:pic>
+      <p:pic>
+        <p:nvPicPr>
+          <p:cNvPr id="29" name="Grafik 28">
+            <a:extLst>
+              <a:ext uri="{FF2B5EF4-FFF2-40B4-BE49-F238E27FC236}">
+                <a16:creationId xmlns:a16="http://schemas.microsoft.com/office/drawing/2014/main" id="{F3062FFA-7E0F-415F-8F02-70BB19647400}"/>
+              </a:ext>
+            </a:extLst>
+          </p:cNvPr>
+          <p:cNvPicPr>
+            <a:picLocks noChangeAspect="1"/>
+          </p:cNvPicPr>
           <p:nvPr/>
-        </p:nvSpPr>
+        </p:nvPicPr>
+        <p:blipFill>
+          <a:blip r:embed="rId3">
+            <a:extLst>
+              <a:ext uri="{28A0092B-C50C-407E-A947-70E740481C1C}">
+                <a14:useLocalDpi xmlns:a14="http://schemas.microsoft.com/office/drawing/2010/main" val="0"/>
+              </a:ext>
+            </a:extLst>
+          </a:blip>
+          <a:stretch>
+            <a:fillRect/>
+          </a:stretch>
+        </p:blipFill>
         <p:spPr>
           <a:xfrm>
-            <a:off x="7040105" y="3291802"/>
-            <a:ext cx="4710193" cy="274395"/>
+            <a:off x="838200" y="2642019"/>
+            <a:ext cx="717945" cy="717945"/>
           </a:xfrm>
           <a:prstGeom prst="rect">
             <a:avLst/>
           </a:prstGeom>
         </p:spPr>
-        <p:txBody>
-          <a:bodyPr vert="horz" lIns="91440" tIns="45720" rIns="91440" bIns="45720" rtlCol="0">
-            <a:normAutofit fontScale="55000" lnSpcReduction="20000"/>
+      </p:pic>
+      <p:pic>
+        <p:nvPicPr>
+          <p:cNvPr id="31" name="Grafik 30">
+            <a:extLst>
+              <a:ext uri="{FF2B5EF4-FFF2-40B4-BE49-F238E27FC236}">
+                <a16:creationId xmlns:a16="http://schemas.microsoft.com/office/drawing/2014/main" id="{DAE3A797-8878-43BA-8557-A6366614B05C}"/>
+              </a:ext>
+            </a:extLst>
+          </p:cNvPr>
+          <p:cNvPicPr>
+            <a:picLocks noChangeAspect="1"/>
+          </p:cNvPicPr>
+          <p:nvPr/>
+        </p:nvPicPr>
+        <p:blipFill>
+          <a:blip r:embed="rId4">
+            <a:extLst>
+              <a:ext uri="{28A0092B-C50C-407E-A947-70E740481C1C}">
+                <a14:useLocalDpi xmlns:a14="http://schemas.microsoft.com/office/drawing/2010/main" val="0"/>
+              </a:ext>
+            </a:extLst>
+          </a:blip>
+          <a:stretch>
+            <a:fillRect/>
+          </a:stretch>
+        </p:blipFill>
+        <p:spPr>
+          <a:xfrm>
+            <a:off x="838199" y="3683710"/>
+            <a:ext cx="717945" cy="717945"/>
+          </a:xfrm>
+          <a:prstGeom prst="rect">
+            <a:avLst/>
+          </a:prstGeom>
+        </p:spPr>
+      </p:pic>
+      <p:pic>
+        <p:nvPicPr>
+          <p:cNvPr id="33" name="Grafik 32">
+            <a:extLst>
+              <a:ext uri="{FF2B5EF4-FFF2-40B4-BE49-F238E27FC236}">
+                <a16:creationId xmlns:a16="http://schemas.microsoft.com/office/drawing/2014/main" id="{3003D8A6-4C4C-4513-B8A2-0498C9B3FCD6}"/>
+              </a:ext>
+            </a:extLst>
+          </p:cNvPr>
+          <p:cNvPicPr>
+            <a:picLocks noChangeAspect="1"/>
+          </p:cNvPicPr>
+          <p:nvPr/>
+        </p:nvPicPr>
+        <p:blipFill>
+          <a:blip r:embed="rId5">
+            <a:extLst>
+              <a:ext uri="{28A0092B-C50C-407E-A947-70E740481C1C}">
+                <a14:useLocalDpi xmlns:a14="http://schemas.microsoft.com/office/drawing/2010/main" val="0"/>
+              </a:ext>
+            </a:extLst>
+          </a:blip>
+          <a:stretch>
+            <a:fillRect/>
+          </a:stretch>
+        </p:blipFill>
+        <p:spPr>
+          <a:xfrm>
+            <a:off x="694391" y="5331463"/>
+            <a:ext cx="1150358" cy="1150358"/>
+          </a:xfrm>
+          <a:prstGeom prst="rect">
+            <a:avLst/>
+          </a:prstGeom>
+        </p:spPr>
+      </p:pic>
+      <p:pic>
+        <p:nvPicPr>
+          <p:cNvPr id="37" name="Grafik 36">
+            <a:extLst>
+              <a:ext uri="{FF2B5EF4-FFF2-40B4-BE49-F238E27FC236}">
+                <a16:creationId xmlns:a16="http://schemas.microsoft.com/office/drawing/2014/main" id="{D50AC269-931E-4601-A340-0E17401BF646}"/>
+              </a:ext>
+            </a:extLst>
+          </p:cNvPr>
+          <p:cNvPicPr>
+            <a:picLocks noChangeAspect="1"/>
+          </p:cNvPicPr>
+          <p:nvPr/>
+        </p:nvPicPr>
+        <p:blipFill>
+          <a:blip r:embed="rId6">
+            <a:extLst>
+              <a:ext uri="{28A0092B-C50C-407E-A947-70E740481C1C}">
+                <a14:useLocalDpi xmlns:a14="http://schemas.microsoft.com/office/drawing/2010/main" val="0"/>
+              </a:ext>
+            </a:extLst>
+          </a:blip>
+          <a:stretch>
+            <a:fillRect/>
+          </a:stretch>
+        </p:blipFill>
+        <p:spPr>
+          <a:xfrm>
+            <a:off x="6028369" y="1247425"/>
+            <a:ext cx="5193224" cy="3338502"/>
+          </a:xfrm>
+          <a:prstGeom prst="rect">
+            <a:avLst/>
+          </a:prstGeom>
+        </p:spPr>
+      </p:pic>
+      <p:sp>
+        <p:nvSpPr>
+          <p:cNvPr id="42" name="Textfeld 41">
+            <a:extLst>
+              <a:ext uri="{FF2B5EF4-FFF2-40B4-BE49-F238E27FC236}">
+                <a16:creationId xmlns:a16="http://schemas.microsoft.com/office/drawing/2014/main" id="{D20795CA-C3D0-4B9D-AC99-F90D07E08009}"/>
+              </a:ext>
+            </a:extLst>
+          </p:cNvPr>
+          <p:cNvSpPr txBox="1"/>
+          <p:nvPr/>
+        </p:nvSpPr>
+        <p:spPr>
+          <a:xfrm>
+            <a:off x="6235659" y="1373656"/>
+            <a:ext cx="4710193" cy="400110"/>
+          </a:xfrm>
+          <a:prstGeom prst="rect">
+            <a:avLst/>
+          </a:prstGeom>
+          <a:noFill/>
+        </p:spPr>
+        <p:txBody>
+          <a:bodyPr wrap="square" rtlCol="0">
+            <a:spAutoFit/>
           </a:bodyPr>
-          <a:lstStyle>
-            <a:lvl1pPr marL="228600" indent="-228600" algn="l" defTabSz="914400" rtl="0" eaLnBrk="1" latinLnBrk="0" hangingPunct="1">
-              <a:lnSpc>
-                <a:spcPct val="90000"/>
-              </a:lnSpc>
-              <a:spcBef>
-                <a:spcPts val="1000"/>
-              </a:spcBef>
-              <a:buFont typeface="Arial" panose="020B0604020202020204" pitchFamily="34" charset="0"/>
-              <a:buChar char="•"/>
-              <a:defRPr sz="2800" kern="1200">
-                <a:solidFill>
-                  <a:schemeClr val="tx1"/>
-                </a:solidFill>
-                <a:latin typeface="+mn-lt"/>
-                <a:ea typeface="+mn-ea"/>
-                <a:cs typeface="+mn-cs"/>
-              </a:defRPr>
-            </a:lvl1pPr>
-            <a:lvl2pPr marL="685800" indent="-228600" algn="l" defTabSz="914400" rtl="0" eaLnBrk="1" latinLnBrk="0" hangingPunct="1">
-              <a:lnSpc>
-                <a:spcPct val="90000"/>
-              </a:lnSpc>
-              <a:spcBef>
-                <a:spcPts val="500"/>
-              </a:spcBef>
-              <a:buFont typeface="Arial" panose="020B0604020202020204" pitchFamily="34" charset="0"/>
-              <a:buChar char="•"/>
-              <a:defRPr sz="2400" kern="1200">
-                <a:solidFill>
-                  <a:schemeClr val="tx1"/>
-                </a:solidFill>
-                <a:latin typeface="+mn-lt"/>
-                <a:ea typeface="+mn-ea"/>
-                <a:cs typeface="+mn-cs"/>
-              </a:defRPr>
-            </a:lvl2pPr>
-            <a:lvl3pPr marL="1143000" indent="-228600" algn="l" defTabSz="914400" rtl="0" eaLnBrk="1" latinLnBrk="0" hangingPunct="1">
-              <a:lnSpc>
-                <a:spcPct val="90000"/>
-              </a:lnSpc>
-              <a:spcBef>
-                <a:spcPts val="500"/>
-              </a:spcBef>
-              <a:buFont typeface="Arial" panose="020B0604020202020204" pitchFamily="34" charset="0"/>
-              <a:buChar char="•"/>
-              <a:defRPr sz="2000" kern="1200">
-                <a:solidFill>
-                  <a:schemeClr val="tx1"/>
-                </a:solidFill>
-                <a:latin typeface="+mn-lt"/>
-                <a:ea typeface="+mn-ea"/>
-                <a:cs typeface="+mn-cs"/>
-              </a:defRPr>
-            </a:lvl3pPr>
-            <a:lvl4pPr marL="1600200" indent="-228600" algn="l" defTabSz="914400" rtl="0" eaLnBrk="1" latinLnBrk="0" hangingPunct="1">
-              <a:lnSpc>
-                <a:spcPct val="90000"/>
-              </a:lnSpc>
-              <a:spcBef>
-                <a:spcPts val="500"/>
-              </a:spcBef>
-              <a:buFont typeface="Arial" panose="020B0604020202020204" pitchFamily="34" charset="0"/>
-              <a:buChar char="•"/>
-              <a:defRPr sz="1800" kern="1200">
-                <a:solidFill>
-                  <a:schemeClr val="tx1"/>
-                </a:solidFill>
-                <a:latin typeface="+mn-lt"/>
-                <a:ea typeface="+mn-ea"/>
-                <a:cs typeface="+mn-cs"/>
-              </a:defRPr>
-            </a:lvl4pPr>
-            <a:lvl5pPr marL="2057400" indent="-228600" algn="l" defTabSz="914400" rtl="0" eaLnBrk="1" latinLnBrk="0" hangingPunct="1">
-              <a:lnSpc>
-                <a:spcPct val="90000"/>
-              </a:lnSpc>
-              <a:spcBef>
-                <a:spcPts val="500"/>
-              </a:spcBef>
-              <a:buFont typeface="Arial" panose="020B0604020202020204" pitchFamily="34" charset="0"/>
-              <a:buChar char="•"/>
-              <a:defRPr sz="1800" kern="1200">
-                <a:solidFill>
-                  <a:schemeClr val="tx1"/>
-                </a:solidFill>
-                <a:latin typeface="+mn-lt"/>
-                <a:ea typeface="+mn-ea"/>
-                <a:cs typeface="+mn-cs"/>
-              </a:defRPr>
-            </a:lvl5pPr>
-            <a:lvl6pPr marL="2514600" indent="-228600" algn="l" defTabSz="914400" rtl="0" eaLnBrk="1" latinLnBrk="0" hangingPunct="1">
-              <a:lnSpc>
-                <a:spcPct val="90000"/>
-              </a:lnSpc>
-              <a:spcBef>
-                <a:spcPts val="500"/>
-              </a:spcBef>
-              <a:buFont typeface="Arial" panose="020B0604020202020204" pitchFamily="34" charset="0"/>
-              <a:buChar char="•"/>
-              <a:defRPr sz="1800" kern="1200">
-                <a:solidFill>
-                  <a:schemeClr val="tx1"/>
-                </a:solidFill>
-                <a:latin typeface="+mn-lt"/>
-                <a:ea typeface="+mn-ea"/>
-                <a:cs typeface="+mn-cs"/>
-              </a:defRPr>
-            </a:lvl6pPr>
-            <a:lvl7pPr marL="2971800" indent="-228600" algn="l" defTabSz="914400" rtl="0" eaLnBrk="1" latinLnBrk="0" hangingPunct="1">
-              <a:lnSpc>
-                <a:spcPct val="90000"/>
-              </a:lnSpc>
-              <a:spcBef>
-                <a:spcPts val="500"/>
-              </a:spcBef>
-              <a:buFont typeface="Arial" panose="020B0604020202020204" pitchFamily="34" charset="0"/>
-              <a:buChar char="•"/>
-              <a:defRPr sz="1800" kern="1200">
-                <a:solidFill>
-                  <a:schemeClr val="tx1"/>
-                </a:solidFill>
-                <a:latin typeface="+mn-lt"/>
-                <a:ea typeface="+mn-ea"/>
-                <a:cs typeface="+mn-cs"/>
-              </a:defRPr>
-            </a:lvl7pPr>
-            <a:lvl8pPr marL="3429000" indent="-228600" algn="l" defTabSz="914400" rtl="0" eaLnBrk="1" latinLnBrk="0" hangingPunct="1">
-              <a:lnSpc>
-                <a:spcPct val="90000"/>
-              </a:lnSpc>
-              <a:spcBef>
-                <a:spcPts val="500"/>
-              </a:spcBef>
-              <a:buFont typeface="Arial" panose="020B0604020202020204" pitchFamily="34" charset="0"/>
-              <a:buChar char="•"/>
-              <a:defRPr sz="1800" kern="1200">
-                <a:solidFill>
-                  <a:schemeClr val="tx1"/>
-                </a:solidFill>
-                <a:latin typeface="+mn-lt"/>
-                <a:ea typeface="+mn-ea"/>
-                <a:cs typeface="+mn-cs"/>
-              </a:defRPr>
-            </a:lvl8pPr>
-            <a:lvl9pPr marL="3886200" indent="-228600" algn="l" defTabSz="914400" rtl="0" eaLnBrk="1" latinLnBrk="0" hangingPunct="1">
-              <a:lnSpc>
-                <a:spcPct val="90000"/>
-              </a:lnSpc>
-              <a:spcBef>
-                <a:spcPts val="500"/>
-              </a:spcBef>
-              <a:buFont typeface="Arial" panose="020B0604020202020204" pitchFamily="34" charset="0"/>
-              <a:buChar char="•"/>
-              <a:defRPr sz="1800" kern="1200">
-                <a:solidFill>
-                  <a:schemeClr val="tx1"/>
-                </a:solidFill>
-                <a:latin typeface="+mn-lt"/>
-                <a:ea typeface="+mn-ea"/>
-                <a:cs typeface="+mn-cs"/>
-              </a:defRPr>
-            </a:lvl9pPr>
-          </a:lstStyle>
-          <a:p>
-            <a:pPr marL="0" indent="0">
-              <a:buFont typeface="Arial" panose="020B0604020202020204" pitchFamily="34" charset="0"/>
-              <a:buNone/>
+          <a:lstStyle/>
+          <a:p>
+            <a:r>
+              <a:rPr lang="de-DE" sz="2000" dirty="0">
+                <a:latin typeface="+mj-lt"/>
+              </a:rPr>
+              <a:t>Data – </a:t>
+            </a:r>
+            <a:r>
+              <a:rPr lang="de-DE" sz="2000" dirty="0" err="1">
+                <a:latin typeface="+mj-lt"/>
+              </a:rPr>
+              <a:t>Starting</a:t>
+            </a:r>
+            <a:r>
+              <a:rPr lang="de-DE" sz="2000" dirty="0">
+                <a:latin typeface="+mj-lt"/>
+              </a:rPr>
+              <a:t> </a:t>
+            </a:r>
+            <a:r>
+              <a:rPr lang="de-DE" sz="2000" dirty="0" err="1">
+                <a:latin typeface="+mj-lt"/>
+              </a:rPr>
+              <a:t>point</a:t>
+            </a:r>
+            <a:endParaRPr lang="de-DE" sz="2000" dirty="0">
+              <a:latin typeface="+mj-lt"/>
+            </a:endParaRPr>
+          </a:p>
+        </p:txBody>
+      </p:sp>
+      <p:cxnSp>
+        <p:nvCxnSpPr>
+          <p:cNvPr id="43" name="Gerader Verbinder 42">
+            <a:extLst>
+              <a:ext uri="{FF2B5EF4-FFF2-40B4-BE49-F238E27FC236}">
+                <a16:creationId xmlns:a16="http://schemas.microsoft.com/office/drawing/2014/main" id="{C2DDA12A-9547-45C0-9F3E-DCFDEFE174C4}"/>
+              </a:ext>
+            </a:extLst>
+          </p:cNvPr>
+          <p:cNvCxnSpPr>
+            <a:cxnSpLocks/>
+          </p:cNvCxnSpPr>
+          <p:nvPr/>
+        </p:nvCxnSpPr>
+        <p:spPr>
+          <a:xfrm flipV="1">
+            <a:off x="6304110" y="1705904"/>
+            <a:ext cx="4641742" cy="20995"/>
+          </a:xfrm>
+          <a:prstGeom prst="line">
+            <a:avLst/>
+          </a:prstGeom>
+        </p:spPr>
+        <p:style>
+          <a:lnRef idx="1">
+            <a:schemeClr val="dk1"/>
+          </a:lnRef>
+          <a:fillRef idx="0">
+            <a:schemeClr val="dk1"/>
+          </a:fillRef>
+          <a:effectRef idx="0">
+            <a:schemeClr val="dk1"/>
+          </a:effectRef>
+          <a:fontRef idx="minor">
+            <a:schemeClr val="tx1"/>
+          </a:fontRef>
+        </p:style>
+      </p:cxnSp>
+      <p:sp>
+        <p:nvSpPr>
+          <p:cNvPr id="44" name="Textfeld 43">
+            <a:extLst>
+              <a:ext uri="{FF2B5EF4-FFF2-40B4-BE49-F238E27FC236}">
+                <a16:creationId xmlns:a16="http://schemas.microsoft.com/office/drawing/2014/main" id="{88E8E94E-2793-40BD-AA58-549436BAB122}"/>
+              </a:ext>
+            </a:extLst>
+          </p:cNvPr>
+          <p:cNvSpPr txBox="1"/>
+          <p:nvPr/>
+        </p:nvSpPr>
+        <p:spPr>
+          <a:xfrm>
+            <a:off x="6373554" y="4328291"/>
+            <a:ext cx="4073595" cy="1077218"/>
+          </a:xfrm>
+          <a:prstGeom prst="rect">
+            <a:avLst/>
+          </a:prstGeom>
+          <a:noFill/>
+        </p:spPr>
+        <p:txBody>
+          <a:bodyPr wrap="square" rtlCol="0">
+            <a:spAutoFit/>
+          </a:bodyPr>
+          <a:lstStyle/>
+          <a:p>
+            <a:pPr marL="285750" indent="-285750">
+              <a:buFont typeface="Wingdings" panose="05000000000000000000" pitchFamily="2" charset="2"/>
+              <a:buChar char="§"/>
             </a:pPr>
             <a:r>
-              <a:rPr lang="de-DE" dirty="0"/>
-              <a:t>Hier die Korrelationen darstellen</a:t>
+              <a:rPr lang="de-DE" sz="1600" dirty="0">
+                <a:latin typeface="+mj-lt"/>
+              </a:rPr>
+              <a:t>Historical Data </a:t>
+            </a:r>
+            <a:r>
+              <a:rPr lang="de-DE" sz="1600" dirty="0" err="1">
+                <a:latin typeface="+mj-lt"/>
+              </a:rPr>
+              <a:t>of</a:t>
+            </a:r>
+            <a:r>
+              <a:rPr lang="de-DE" sz="1600" dirty="0">
+                <a:latin typeface="+mj-lt"/>
+              </a:rPr>
+              <a:t> </a:t>
+            </a:r>
+            <a:r>
+              <a:rPr lang="de-DE" sz="1600" dirty="0" err="1">
+                <a:latin typeface="+mj-lt"/>
+              </a:rPr>
+              <a:t>survived</a:t>
+            </a:r>
+            <a:r>
+              <a:rPr lang="de-DE" sz="1600" dirty="0">
+                <a:latin typeface="+mj-lt"/>
+              </a:rPr>
+              <a:t> and insolvent </a:t>
+            </a:r>
+            <a:r>
+              <a:rPr lang="de-DE" sz="1600" dirty="0" err="1">
+                <a:latin typeface="+mj-lt"/>
+              </a:rPr>
+              <a:t>companies</a:t>
+            </a:r>
+            <a:r>
+              <a:rPr lang="de-DE" sz="1600" dirty="0">
+                <a:latin typeface="+mj-lt"/>
+              </a:rPr>
+              <a:t> after </a:t>
+            </a:r>
+            <a:r>
+              <a:rPr lang="de-DE" sz="1600" dirty="0" err="1">
+                <a:latin typeface="+mj-lt"/>
+              </a:rPr>
+              <a:t>one</a:t>
+            </a:r>
+            <a:r>
+              <a:rPr lang="de-DE" sz="1600" dirty="0">
+                <a:latin typeface="+mj-lt"/>
+              </a:rPr>
+              <a:t> </a:t>
+            </a:r>
+            <a:r>
+              <a:rPr lang="de-DE" sz="1600" dirty="0" err="1">
+                <a:latin typeface="+mj-lt"/>
+              </a:rPr>
+              <a:t>to</a:t>
+            </a:r>
+            <a:r>
+              <a:rPr lang="de-DE" sz="1600" dirty="0">
+                <a:latin typeface="+mj-lt"/>
+              </a:rPr>
+              <a:t> </a:t>
+            </a:r>
+            <a:r>
+              <a:rPr lang="de-DE" sz="1600" dirty="0" err="1">
+                <a:latin typeface="+mj-lt"/>
+              </a:rPr>
+              <a:t>five</a:t>
+            </a:r>
+            <a:r>
+              <a:rPr lang="de-DE" sz="1600" dirty="0">
+                <a:latin typeface="+mj-lt"/>
+              </a:rPr>
+              <a:t> </a:t>
+            </a:r>
+            <a:r>
+              <a:rPr lang="de-DE" sz="1600" dirty="0" err="1">
+                <a:latin typeface="+mj-lt"/>
+              </a:rPr>
+              <a:t>years</a:t>
+            </a:r>
+            <a:r>
+              <a:rPr lang="de-DE" sz="1600" dirty="0">
+                <a:latin typeface="+mj-lt"/>
+              </a:rPr>
+              <a:t>. </a:t>
+            </a:r>
+          </a:p>
+          <a:p>
+            <a:pPr marL="285750" indent="-285750">
+              <a:buFont typeface="Wingdings" panose="05000000000000000000" pitchFamily="2" charset="2"/>
+              <a:buChar char="§"/>
+            </a:pPr>
+            <a:r>
+              <a:rPr lang="de-DE" sz="1600" dirty="0">
+                <a:latin typeface="+mj-lt"/>
+              </a:rPr>
+              <a:t>Data </a:t>
+            </a:r>
+            <a:r>
+              <a:rPr lang="de-DE" sz="1600" dirty="0" err="1">
+                <a:latin typeface="+mj-lt"/>
+              </a:rPr>
+              <a:t>seems</a:t>
+            </a:r>
+            <a:r>
+              <a:rPr lang="de-DE" sz="1600" dirty="0">
+                <a:latin typeface="+mj-lt"/>
+              </a:rPr>
+              <a:t> </a:t>
+            </a:r>
+            <a:r>
+              <a:rPr lang="de-DE" sz="1600" dirty="0" err="1">
+                <a:latin typeface="+mj-lt"/>
+              </a:rPr>
+              <a:t>to</a:t>
+            </a:r>
+            <a:r>
+              <a:rPr lang="de-DE" sz="1600" dirty="0">
+                <a:latin typeface="+mj-lt"/>
+              </a:rPr>
+              <a:t> </a:t>
+            </a:r>
+            <a:r>
+              <a:rPr lang="de-DE" sz="1600" dirty="0" err="1">
+                <a:latin typeface="+mj-lt"/>
+              </a:rPr>
+              <a:t>be</a:t>
+            </a:r>
+            <a:r>
+              <a:rPr lang="de-DE" sz="1600" dirty="0">
+                <a:latin typeface="+mj-lt"/>
+              </a:rPr>
+              <a:t> </a:t>
+            </a:r>
+            <a:r>
+              <a:rPr lang="de-DE" sz="1600" dirty="0" err="1">
+                <a:latin typeface="+mj-lt"/>
+              </a:rPr>
+              <a:t>consistent</a:t>
+            </a:r>
+            <a:r>
+              <a:rPr lang="de-DE" sz="1600" dirty="0">
+                <a:latin typeface="+mj-lt"/>
+              </a:rPr>
+              <a:t> </a:t>
+            </a:r>
+            <a:r>
+              <a:rPr lang="de-DE" sz="1600" dirty="0" err="1">
+                <a:latin typeface="+mj-lt"/>
+              </a:rPr>
+              <a:t>since</a:t>
+            </a:r>
+            <a:r>
+              <a:rPr lang="de-DE" sz="1600" dirty="0">
+                <a:latin typeface="+mj-lt"/>
+              </a:rPr>
+              <a:t> </a:t>
+            </a:r>
+            <a:r>
+              <a:rPr lang="de-DE" sz="1600" dirty="0" err="1">
+                <a:latin typeface="+mj-lt"/>
+              </a:rPr>
+              <a:t>the</a:t>
+            </a:r>
+            <a:r>
+              <a:rPr lang="de-DE" sz="1600" dirty="0">
+                <a:latin typeface="+mj-lt"/>
+              </a:rPr>
+              <a:t> </a:t>
+            </a:r>
+            <a:r>
+              <a:rPr lang="de-DE" sz="1600" dirty="0" err="1">
+                <a:latin typeface="+mj-lt"/>
+              </a:rPr>
+              <a:t>share</a:t>
+            </a:r>
+            <a:r>
+              <a:rPr lang="de-DE" sz="1600" dirty="0">
+                <a:latin typeface="+mj-lt"/>
+              </a:rPr>
+              <a:t> </a:t>
+            </a:r>
+            <a:r>
+              <a:rPr lang="de-DE" sz="1600" dirty="0" err="1">
+                <a:latin typeface="+mj-lt"/>
+              </a:rPr>
+              <a:t>of</a:t>
+            </a:r>
+            <a:r>
+              <a:rPr lang="de-DE" sz="1600" dirty="0">
+                <a:latin typeface="+mj-lt"/>
+              </a:rPr>
+              <a:t> </a:t>
+            </a:r>
+            <a:r>
+              <a:rPr lang="de-DE" sz="1600" dirty="0" err="1">
+                <a:latin typeface="+mj-lt"/>
+              </a:rPr>
+              <a:t>bankrupt</a:t>
+            </a:r>
+            <a:r>
+              <a:rPr lang="de-DE" sz="1600" dirty="0">
+                <a:latin typeface="+mj-lt"/>
+              </a:rPr>
+              <a:t> </a:t>
+            </a:r>
+            <a:r>
+              <a:rPr lang="de-DE" sz="1600" dirty="0" err="1">
+                <a:latin typeface="+mj-lt"/>
+              </a:rPr>
+              <a:t>companies</a:t>
+            </a:r>
+            <a:r>
+              <a:rPr lang="de-DE" sz="1600" dirty="0">
+                <a:latin typeface="+mj-lt"/>
+              </a:rPr>
+              <a:t> </a:t>
+            </a:r>
+            <a:r>
+              <a:rPr lang="de-DE" sz="1600" dirty="0" err="1">
+                <a:latin typeface="+mj-lt"/>
+              </a:rPr>
+              <a:t>increases</a:t>
+            </a:r>
+            <a:r>
+              <a:rPr lang="de-DE" sz="1600" dirty="0">
+                <a:latin typeface="+mj-lt"/>
+              </a:rPr>
+              <a:t> </a:t>
+            </a:r>
+            <a:r>
+              <a:rPr lang="de-DE" sz="1600" dirty="0" err="1">
+                <a:latin typeface="+mj-lt"/>
+              </a:rPr>
+              <a:t>with</a:t>
+            </a:r>
+            <a:r>
+              <a:rPr lang="de-DE" sz="1600" dirty="0">
+                <a:latin typeface="+mj-lt"/>
+              </a:rPr>
+              <a:t> time</a:t>
             </a:r>
           </a:p>
         </p:txBody>
@@ -6279,6 +7339,532 @@
     <p:extLst>
       <p:ext uri="{BB962C8B-B14F-4D97-AF65-F5344CB8AC3E}">
         <p14:creationId xmlns:p14="http://schemas.microsoft.com/office/powerpoint/2010/main" val="2742382979"/>
+      </p:ext>
+    </p:extLst>
+  </p:cSld>
+  <p:clrMapOvr>
+    <a:masterClrMapping/>
+  </p:clrMapOvr>
+</p:sld>
+</file>
+
+<file path=ppt/slides/slide7.xml><?xml version="1.0" encoding="utf-8"?>
+<p:sld xmlns:a="http://schemas.openxmlformats.org/drawingml/2006/main" xmlns:r="http://schemas.openxmlformats.org/officeDocument/2006/relationships" xmlns:p="http://schemas.openxmlformats.org/presentationml/2006/main">
+  <p:cSld>
+    <p:spTree>
+      <p:nvGrpSpPr>
+        <p:cNvPr id="1" name=""/>
+        <p:cNvGrpSpPr/>
+        <p:nvPr/>
+      </p:nvGrpSpPr>
+      <p:grpSpPr>
+        <a:xfrm>
+          <a:off x="0" y="0"/>
+          <a:ext cx="0" cy="0"/>
+          <a:chOff x="0" y="0"/>
+          <a:chExt cx="0" cy="0"/>
+        </a:xfrm>
+      </p:grpSpPr>
+      <p:sp>
+        <p:nvSpPr>
+          <p:cNvPr id="4" name="Titel 3">
+            <a:extLst>
+              <a:ext uri="{FF2B5EF4-FFF2-40B4-BE49-F238E27FC236}">
+                <a16:creationId xmlns:a16="http://schemas.microsoft.com/office/drawing/2014/main" id="{DF525FEB-9A3A-4B44-8317-78A8A253F77A}"/>
+              </a:ext>
+            </a:extLst>
+          </p:cNvPr>
+          <p:cNvSpPr>
+            <a:spLocks noGrp="1"/>
+          </p:cNvSpPr>
+          <p:nvPr>
+            <p:ph type="title"/>
+          </p:nvPr>
+        </p:nvSpPr>
+        <p:spPr>
+          <a:xfrm>
+            <a:off x="838200" y="132651"/>
+            <a:ext cx="10515600" cy="646140"/>
+          </a:xfrm>
+        </p:spPr>
+        <p:txBody>
+          <a:bodyPr>
+            <a:normAutofit fontScale="90000"/>
+          </a:bodyPr>
+          <a:lstStyle/>
+          <a:p>
+            <a:r>
+              <a:rPr lang="de-DE" dirty="0"/>
+              <a:t>Next </a:t>
+            </a:r>
+            <a:r>
+              <a:rPr lang="de-DE" dirty="0" err="1"/>
+              <a:t>Steps</a:t>
+            </a:r>
+            <a:endParaRPr lang="de-DE" dirty="0"/>
+          </a:p>
+        </p:txBody>
+      </p:sp>
+      <p:sp>
+        <p:nvSpPr>
+          <p:cNvPr id="5" name="Inhaltsplatzhalter 4">
+            <a:extLst>
+              <a:ext uri="{FF2B5EF4-FFF2-40B4-BE49-F238E27FC236}">
+                <a16:creationId xmlns:a16="http://schemas.microsoft.com/office/drawing/2014/main" id="{0F615D91-DCC0-42C6-85C6-0960A564BE37}"/>
+              </a:ext>
+            </a:extLst>
+          </p:cNvPr>
+          <p:cNvSpPr>
+            <a:spLocks noGrp="1"/>
+          </p:cNvSpPr>
+          <p:nvPr>
+            <p:ph idx="1"/>
+          </p:nvPr>
+        </p:nvSpPr>
+        <p:spPr>
+          <a:xfrm>
+            <a:off x="838200" y="4185563"/>
+            <a:ext cx="7329407" cy="894328"/>
+          </a:xfrm>
+        </p:spPr>
+        <p:txBody>
+          <a:bodyPr/>
+          <a:lstStyle/>
+          <a:p>
+            <a:pPr marL="0" indent="0">
+              <a:buNone/>
+            </a:pPr>
+            <a:r>
+              <a:rPr lang="de-DE" dirty="0"/>
+              <a:t>Hier Ergebnisse der Feature </a:t>
+            </a:r>
+            <a:r>
+              <a:rPr lang="de-DE" dirty="0" err="1"/>
+              <a:t>Selection</a:t>
+            </a:r>
+            <a:endParaRPr lang="de-DE" dirty="0"/>
+          </a:p>
+        </p:txBody>
+      </p:sp>
+      <p:sp>
+        <p:nvSpPr>
+          <p:cNvPr id="6" name="Titel 3">
+            <a:extLst>
+              <a:ext uri="{FF2B5EF4-FFF2-40B4-BE49-F238E27FC236}">
+                <a16:creationId xmlns:a16="http://schemas.microsoft.com/office/drawing/2014/main" id="{184ABA1D-901D-46EF-B342-1D914341B95A}"/>
+              </a:ext>
+            </a:extLst>
+          </p:cNvPr>
+          <p:cNvSpPr txBox="1">
+            <a:spLocks/>
+          </p:cNvSpPr>
+          <p:nvPr/>
+        </p:nvSpPr>
+        <p:spPr>
+          <a:xfrm>
+            <a:off x="789122" y="691270"/>
+            <a:ext cx="10515600" cy="646140"/>
+          </a:xfrm>
+          <a:prstGeom prst="rect">
+            <a:avLst/>
+          </a:prstGeom>
+        </p:spPr>
+        <p:txBody>
+          <a:bodyPr vert="horz" lIns="91440" tIns="45720" rIns="91440" bIns="45720" rtlCol="0" anchor="ctr">
+            <a:normAutofit fontScale="97500" lnSpcReduction="10000"/>
+          </a:bodyPr>
+          <a:lstStyle>
+            <a:lvl1pPr algn="l" defTabSz="914400" rtl="0" eaLnBrk="1" latinLnBrk="0" hangingPunct="1">
+              <a:lnSpc>
+                <a:spcPct val="90000"/>
+              </a:lnSpc>
+              <a:spcBef>
+                <a:spcPct val="0"/>
+              </a:spcBef>
+              <a:buNone/>
+              <a:defRPr sz="4400" kern="1200">
+                <a:solidFill>
+                  <a:schemeClr val="tx1"/>
+                </a:solidFill>
+                <a:latin typeface="+mj-lt"/>
+                <a:ea typeface="+mj-ea"/>
+                <a:cs typeface="+mj-cs"/>
+              </a:defRPr>
+            </a:lvl1pPr>
+          </a:lstStyle>
+          <a:p>
+            <a:endParaRPr lang="de-DE" dirty="0"/>
+          </a:p>
+        </p:txBody>
+      </p:sp>
+      <p:sp>
+        <p:nvSpPr>
+          <p:cNvPr id="7" name="Titel 3">
+            <a:extLst>
+              <a:ext uri="{FF2B5EF4-FFF2-40B4-BE49-F238E27FC236}">
+                <a16:creationId xmlns:a16="http://schemas.microsoft.com/office/drawing/2014/main" id="{8FFFBFA7-2967-4206-BCCD-A38584B24862}"/>
+              </a:ext>
+            </a:extLst>
+          </p:cNvPr>
+          <p:cNvSpPr txBox="1">
+            <a:spLocks/>
+          </p:cNvSpPr>
+          <p:nvPr/>
+        </p:nvSpPr>
+        <p:spPr>
+          <a:xfrm>
+            <a:off x="789122" y="778791"/>
+            <a:ext cx="10515600" cy="646140"/>
+          </a:xfrm>
+          <a:prstGeom prst="rect">
+            <a:avLst/>
+          </a:prstGeom>
+        </p:spPr>
+        <p:txBody>
+          <a:bodyPr vert="horz" lIns="91440" tIns="45720" rIns="91440" bIns="45720" rtlCol="0" anchor="ctr">
+            <a:normAutofit fontScale="97500"/>
+          </a:bodyPr>
+          <a:lstStyle>
+            <a:lvl1pPr algn="l" defTabSz="914400" rtl="0" eaLnBrk="1" latinLnBrk="0" hangingPunct="1">
+              <a:lnSpc>
+                <a:spcPct val="90000"/>
+              </a:lnSpc>
+              <a:spcBef>
+                <a:spcPct val="0"/>
+              </a:spcBef>
+              <a:buNone/>
+              <a:defRPr sz="4400" kern="1200">
+                <a:solidFill>
+                  <a:schemeClr val="tx1"/>
+                </a:solidFill>
+                <a:latin typeface="+mj-lt"/>
+                <a:ea typeface="+mj-ea"/>
+                <a:cs typeface="+mj-cs"/>
+              </a:defRPr>
+            </a:lvl1pPr>
+          </a:lstStyle>
+          <a:p>
+            <a:endParaRPr lang="de-DE" sz="3200" dirty="0"/>
+          </a:p>
+        </p:txBody>
+      </p:sp>
+      <p:sp>
+        <p:nvSpPr>
+          <p:cNvPr id="8" name="Titel 3">
+            <a:extLst>
+              <a:ext uri="{FF2B5EF4-FFF2-40B4-BE49-F238E27FC236}">
+                <a16:creationId xmlns:a16="http://schemas.microsoft.com/office/drawing/2014/main" id="{BBD9690B-01D5-485D-B4FA-29FC11C016E7}"/>
+              </a:ext>
+            </a:extLst>
+          </p:cNvPr>
+          <p:cNvSpPr txBox="1">
+            <a:spLocks/>
+          </p:cNvSpPr>
+          <p:nvPr/>
+        </p:nvSpPr>
+        <p:spPr>
+          <a:xfrm>
+            <a:off x="838200" y="778791"/>
+            <a:ext cx="10515600" cy="400694"/>
+          </a:xfrm>
+          <a:prstGeom prst="rect">
+            <a:avLst/>
+          </a:prstGeom>
+        </p:spPr>
+        <p:txBody>
+          <a:bodyPr vert="horz" lIns="91440" tIns="45720" rIns="91440" bIns="45720" rtlCol="0" anchor="ctr">
+            <a:normAutofit fontScale="60000" lnSpcReduction="20000"/>
+          </a:bodyPr>
+          <a:lstStyle>
+            <a:lvl1pPr algn="l" defTabSz="914400" rtl="0" eaLnBrk="1" latinLnBrk="0" hangingPunct="1">
+              <a:lnSpc>
+                <a:spcPct val="90000"/>
+              </a:lnSpc>
+              <a:spcBef>
+                <a:spcPct val="0"/>
+              </a:spcBef>
+              <a:buNone/>
+              <a:defRPr sz="4400" kern="1200">
+                <a:solidFill>
+                  <a:schemeClr val="tx1"/>
+                </a:solidFill>
+                <a:latin typeface="+mj-lt"/>
+                <a:ea typeface="+mj-ea"/>
+                <a:cs typeface="+mj-cs"/>
+              </a:defRPr>
+            </a:lvl1pPr>
+          </a:lstStyle>
+          <a:p>
+            <a:endParaRPr lang="de-DE" dirty="0"/>
+          </a:p>
+        </p:txBody>
+      </p:sp>
+      <p:sp>
+        <p:nvSpPr>
+          <p:cNvPr id="9" name="Titel 3">
+            <a:extLst>
+              <a:ext uri="{FF2B5EF4-FFF2-40B4-BE49-F238E27FC236}">
+                <a16:creationId xmlns:a16="http://schemas.microsoft.com/office/drawing/2014/main" id="{AF35CB24-B4F2-4A70-85CA-8FFC67F899AD}"/>
+              </a:ext>
+            </a:extLst>
+          </p:cNvPr>
+          <p:cNvSpPr txBox="1">
+            <a:spLocks/>
+          </p:cNvSpPr>
+          <p:nvPr/>
+        </p:nvSpPr>
+        <p:spPr>
+          <a:xfrm>
+            <a:off x="838200" y="852637"/>
+            <a:ext cx="10515600" cy="646140"/>
+          </a:xfrm>
+          <a:prstGeom prst="rect">
+            <a:avLst/>
+          </a:prstGeom>
+        </p:spPr>
+        <p:txBody>
+          <a:bodyPr vert="horz" lIns="91440" tIns="45720" rIns="91440" bIns="45720" rtlCol="0" anchor="ctr">
+            <a:normAutofit fontScale="97500"/>
+          </a:bodyPr>
+          <a:lstStyle>
+            <a:lvl1pPr algn="l" defTabSz="914400" rtl="0" eaLnBrk="1" latinLnBrk="0" hangingPunct="1">
+              <a:lnSpc>
+                <a:spcPct val="90000"/>
+              </a:lnSpc>
+              <a:spcBef>
+                <a:spcPct val="0"/>
+              </a:spcBef>
+              <a:buNone/>
+              <a:defRPr sz="4400" kern="1200">
+                <a:solidFill>
+                  <a:schemeClr val="tx1"/>
+                </a:solidFill>
+                <a:latin typeface="+mj-lt"/>
+                <a:ea typeface="+mj-ea"/>
+                <a:cs typeface="+mj-cs"/>
+              </a:defRPr>
+            </a:lvl1pPr>
+          </a:lstStyle>
+          <a:p>
+            <a:r>
+              <a:rPr lang="de-DE" sz="3700" dirty="0" err="1"/>
+              <a:t>results</a:t>
+            </a:r>
+            <a:endParaRPr lang="de-DE" dirty="0"/>
+          </a:p>
+        </p:txBody>
+      </p:sp>
+      <p:sp>
+        <p:nvSpPr>
+          <p:cNvPr id="10" name="Inhaltsplatzhalter 4">
+            <a:extLst>
+              <a:ext uri="{FF2B5EF4-FFF2-40B4-BE49-F238E27FC236}">
+                <a16:creationId xmlns:a16="http://schemas.microsoft.com/office/drawing/2014/main" id="{BD982A2F-6CC1-46FB-95F6-8EA7E2FB6D68}"/>
+              </a:ext>
+            </a:extLst>
+          </p:cNvPr>
+          <p:cNvSpPr txBox="1">
+            <a:spLocks/>
+          </p:cNvSpPr>
+          <p:nvPr/>
+        </p:nvSpPr>
+        <p:spPr>
+          <a:xfrm>
+            <a:off x="789122" y="2357733"/>
+            <a:ext cx="7329407" cy="894328"/>
+          </a:xfrm>
+          <a:prstGeom prst="rect">
+            <a:avLst/>
+          </a:prstGeom>
+        </p:spPr>
+        <p:txBody>
+          <a:bodyPr vert="horz" lIns="91440" tIns="45720" rIns="91440" bIns="45720" rtlCol="0">
+            <a:normAutofit/>
+          </a:bodyPr>
+          <a:lstStyle>
+            <a:lvl1pPr marL="228600" indent="-228600" algn="l" defTabSz="914400" rtl="0" eaLnBrk="1" latinLnBrk="0" hangingPunct="1">
+              <a:lnSpc>
+                <a:spcPct val="90000"/>
+              </a:lnSpc>
+              <a:spcBef>
+                <a:spcPts val="1000"/>
+              </a:spcBef>
+              <a:buFont typeface="Arial" panose="020B0604020202020204" pitchFamily="34" charset="0"/>
+              <a:buChar char="•"/>
+              <a:defRPr sz="2800" kern="1200">
+                <a:solidFill>
+                  <a:schemeClr val="tx1"/>
+                </a:solidFill>
+                <a:latin typeface="+mn-lt"/>
+                <a:ea typeface="+mn-ea"/>
+                <a:cs typeface="+mn-cs"/>
+              </a:defRPr>
+            </a:lvl1pPr>
+            <a:lvl2pPr marL="685800" indent="-228600" algn="l" defTabSz="914400" rtl="0" eaLnBrk="1" latinLnBrk="0" hangingPunct="1">
+              <a:lnSpc>
+                <a:spcPct val="90000"/>
+              </a:lnSpc>
+              <a:spcBef>
+                <a:spcPts val="500"/>
+              </a:spcBef>
+              <a:buFont typeface="Arial" panose="020B0604020202020204" pitchFamily="34" charset="0"/>
+              <a:buChar char="•"/>
+              <a:defRPr sz="2400" kern="1200">
+                <a:solidFill>
+                  <a:schemeClr val="tx1"/>
+                </a:solidFill>
+                <a:latin typeface="+mn-lt"/>
+                <a:ea typeface="+mn-ea"/>
+                <a:cs typeface="+mn-cs"/>
+              </a:defRPr>
+            </a:lvl2pPr>
+            <a:lvl3pPr marL="1143000" indent="-228600" algn="l" defTabSz="914400" rtl="0" eaLnBrk="1" latinLnBrk="0" hangingPunct="1">
+              <a:lnSpc>
+                <a:spcPct val="90000"/>
+              </a:lnSpc>
+              <a:spcBef>
+                <a:spcPts val="500"/>
+              </a:spcBef>
+              <a:buFont typeface="Arial" panose="020B0604020202020204" pitchFamily="34" charset="0"/>
+              <a:buChar char="•"/>
+              <a:defRPr sz="2000" kern="1200">
+                <a:solidFill>
+                  <a:schemeClr val="tx1"/>
+                </a:solidFill>
+                <a:latin typeface="+mn-lt"/>
+                <a:ea typeface="+mn-ea"/>
+                <a:cs typeface="+mn-cs"/>
+              </a:defRPr>
+            </a:lvl3pPr>
+            <a:lvl4pPr marL="1600200" indent="-228600" algn="l" defTabSz="914400" rtl="0" eaLnBrk="1" latinLnBrk="0" hangingPunct="1">
+              <a:lnSpc>
+                <a:spcPct val="90000"/>
+              </a:lnSpc>
+              <a:spcBef>
+                <a:spcPts val="500"/>
+              </a:spcBef>
+              <a:buFont typeface="Arial" panose="020B0604020202020204" pitchFamily="34" charset="0"/>
+              <a:buChar char="•"/>
+              <a:defRPr sz="1800" kern="1200">
+                <a:solidFill>
+                  <a:schemeClr val="tx1"/>
+                </a:solidFill>
+                <a:latin typeface="+mn-lt"/>
+                <a:ea typeface="+mn-ea"/>
+                <a:cs typeface="+mn-cs"/>
+              </a:defRPr>
+            </a:lvl4pPr>
+            <a:lvl5pPr marL="2057400" indent="-228600" algn="l" defTabSz="914400" rtl="0" eaLnBrk="1" latinLnBrk="0" hangingPunct="1">
+              <a:lnSpc>
+                <a:spcPct val="90000"/>
+              </a:lnSpc>
+              <a:spcBef>
+                <a:spcPts val="500"/>
+              </a:spcBef>
+              <a:buFont typeface="Arial" panose="020B0604020202020204" pitchFamily="34" charset="0"/>
+              <a:buChar char="•"/>
+              <a:defRPr sz="1800" kern="1200">
+                <a:solidFill>
+                  <a:schemeClr val="tx1"/>
+                </a:solidFill>
+                <a:latin typeface="+mn-lt"/>
+                <a:ea typeface="+mn-ea"/>
+                <a:cs typeface="+mn-cs"/>
+              </a:defRPr>
+            </a:lvl5pPr>
+            <a:lvl6pPr marL="2514600" indent="-228600" algn="l" defTabSz="914400" rtl="0" eaLnBrk="1" latinLnBrk="0" hangingPunct="1">
+              <a:lnSpc>
+                <a:spcPct val="90000"/>
+              </a:lnSpc>
+              <a:spcBef>
+                <a:spcPts val="500"/>
+              </a:spcBef>
+              <a:buFont typeface="Arial" panose="020B0604020202020204" pitchFamily="34" charset="0"/>
+              <a:buChar char="•"/>
+              <a:defRPr sz="1800" kern="1200">
+                <a:solidFill>
+                  <a:schemeClr val="tx1"/>
+                </a:solidFill>
+                <a:latin typeface="+mn-lt"/>
+                <a:ea typeface="+mn-ea"/>
+                <a:cs typeface="+mn-cs"/>
+              </a:defRPr>
+            </a:lvl6pPr>
+            <a:lvl7pPr marL="2971800" indent="-228600" algn="l" defTabSz="914400" rtl="0" eaLnBrk="1" latinLnBrk="0" hangingPunct="1">
+              <a:lnSpc>
+                <a:spcPct val="90000"/>
+              </a:lnSpc>
+              <a:spcBef>
+                <a:spcPts val="500"/>
+              </a:spcBef>
+              <a:buFont typeface="Arial" panose="020B0604020202020204" pitchFamily="34" charset="0"/>
+              <a:buChar char="•"/>
+              <a:defRPr sz="1800" kern="1200">
+                <a:solidFill>
+                  <a:schemeClr val="tx1"/>
+                </a:solidFill>
+                <a:latin typeface="+mn-lt"/>
+                <a:ea typeface="+mn-ea"/>
+                <a:cs typeface="+mn-cs"/>
+              </a:defRPr>
+            </a:lvl7pPr>
+            <a:lvl8pPr marL="3429000" indent="-228600" algn="l" defTabSz="914400" rtl="0" eaLnBrk="1" latinLnBrk="0" hangingPunct="1">
+              <a:lnSpc>
+                <a:spcPct val="90000"/>
+              </a:lnSpc>
+              <a:spcBef>
+                <a:spcPts val="500"/>
+              </a:spcBef>
+              <a:buFont typeface="Arial" panose="020B0604020202020204" pitchFamily="34" charset="0"/>
+              <a:buChar char="•"/>
+              <a:defRPr sz="1800" kern="1200">
+                <a:solidFill>
+                  <a:schemeClr val="tx1"/>
+                </a:solidFill>
+                <a:latin typeface="+mn-lt"/>
+                <a:ea typeface="+mn-ea"/>
+                <a:cs typeface="+mn-cs"/>
+              </a:defRPr>
+            </a:lvl8pPr>
+            <a:lvl9pPr marL="3886200" indent="-228600" algn="l" defTabSz="914400" rtl="0" eaLnBrk="1" latinLnBrk="0" hangingPunct="1">
+              <a:lnSpc>
+                <a:spcPct val="90000"/>
+              </a:lnSpc>
+              <a:spcBef>
+                <a:spcPts val="500"/>
+              </a:spcBef>
+              <a:buFont typeface="Arial" panose="020B0604020202020204" pitchFamily="34" charset="0"/>
+              <a:buChar char="•"/>
+              <a:defRPr sz="1800" kern="1200">
+                <a:solidFill>
+                  <a:schemeClr val="tx1"/>
+                </a:solidFill>
+                <a:latin typeface="+mn-lt"/>
+                <a:ea typeface="+mn-ea"/>
+                <a:cs typeface="+mn-cs"/>
+              </a:defRPr>
+            </a:lvl9pPr>
+          </a:lstStyle>
+          <a:p>
+            <a:pPr marL="0" indent="0">
+              <a:buFont typeface="Arial" panose="020B0604020202020204" pitchFamily="34" charset="0"/>
+              <a:buNone/>
+            </a:pPr>
+            <a:r>
+              <a:rPr lang="de-DE" dirty="0" err="1"/>
+              <a:t>Measures</a:t>
+            </a:r>
+            <a:r>
+              <a:rPr lang="de-DE" dirty="0"/>
+              <a:t> im Zeitverlauf darstellen</a:t>
+            </a:r>
+          </a:p>
+        </p:txBody>
+      </p:sp>
+    </p:spTree>
+    <p:extLst>
+      <p:ext uri="{BB962C8B-B14F-4D97-AF65-F5344CB8AC3E}">
+        <p14:creationId xmlns:p14="http://schemas.microsoft.com/office/powerpoint/2010/main" val="2573005885"/>
       </p:ext>
     </p:extLst>
   </p:cSld>

--- a/docs/final_presentation.pptx
+++ b/docs/final_presentation.pptx
@@ -7,11 +7,12 @@
   <p:sldIdLst>
     <p:sldId id="256" r:id="rId2"/>
     <p:sldId id="257" r:id="rId3"/>
-    <p:sldId id="258" r:id="rId4"/>
-    <p:sldId id="259" r:id="rId5"/>
-    <p:sldId id="260" r:id="rId6"/>
-    <p:sldId id="261" r:id="rId7"/>
-    <p:sldId id="262" r:id="rId8"/>
+    <p:sldId id="263" r:id="rId4"/>
+    <p:sldId id="264" r:id="rId5"/>
+    <p:sldId id="259" r:id="rId6"/>
+    <p:sldId id="260" r:id="rId7"/>
+    <p:sldId id="261" r:id="rId8"/>
+    <p:sldId id="262" r:id="rId9"/>
   </p:sldIdLst>
   <p:sldSz cx="12192000" cy="6858000"/>
   <p:notesSz cx="6858000" cy="9144000"/>
@@ -110,6 +111,11 @@
       </a:defRPr>
     </a:lvl9pPr>
   </p:defaultTextStyle>
+  <p:extLst>
+    <p:ext uri="{EFAFB233-063F-42B5-8137-9DF3F51BA10A}">
+      <p15:sldGuideLst xmlns:p15="http://schemas.microsoft.com/office/powerpoint/2012/main"/>
+    </p:ext>
+  </p:extLst>
 </p:presentation>
 </file>
 
@@ -260,7 +266,7 @@
           <a:p>
             <a:fld id="{DA2479C5-C604-4AE7-B663-7513951F8A4E}" type="datetimeFigureOut">
               <a:rPr lang="de-DE" smtClean="0"/>
-              <a:t>20.10.2020</a:t>
+              <a:t>22.10.2020</a:t>
             </a:fld>
             <a:endParaRPr lang="de-DE"/>
           </a:p>
@@ -458,7 +464,7 @@
           <a:p>
             <a:fld id="{DA2479C5-C604-4AE7-B663-7513951F8A4E}" type="datetimeFigureOut">
               <a:rPr lang="de-DE" smtClean="0"/>
-              <a:t>20.10.2020</a:t>
+              <a:t>22.10.2020</a:t>
             </a:fld>
             <a:endParaRPr lang="de-DE"/>
           </a:p>
@@ -666,7 +672,7 @@
           <a:p>
             <a:fld id="{DA2479C5-C604-4AE7-B663-7513951F8A4E}" type="datetimeFigureOut">
               <a:rPr lang="de-DE" smtClean="0"/>
-              <a:t>20.10.2020</a:t>
+              <a:t>22.10.2020</a:t>
             </a:fld>
             <a:endParaRPr lang="de-DE"/>
           </a:p>
@@ -864,7 +870,7 @@
           <a:p>
             <a:fld id="{DA2479C5-C604-4AE7-B663-7513951F8A4E}" type="datetimeFigureOut">
               <a:rPr lang="de-DE" smtClean="0"/>
-              <a:t>20.10.2020</a:t>
+              <a:t>22.10.2020</a:t>
             </a:fld>
             <a:endParaRPr lang="de-DE"/>
           </a:p>
@@ -1139,7 +1145,7 @@
           <a:p>
             <a:fld id="{DA2479C5-C604-4AE7-B663-7513951F8A4E}" type="datetimeFigureOut">
               <a:rPr lang="de-DE" smtClean="0"/>
-              <a:t>20.10.2020</a:t>
+              <a:t>22.10.2020</a:t>
             </a:fld>
             <a:endParaRPr lang="de-DE"/>
           </a:p>
@@ -1404,7 +1410,7 @@
           <a:p>
             <a:fld id="{DA2479C5-C604-4AE7-B663-7513951F8A4E}" type="datetimeFigureOut">
               <a:rPr lang="de-DE" smtClean="0"/>
-              <a:t>20.10.2020</a:t>
+              <a:t>22.10.2020</a:t>
             </a:fld>
             <a:endParaRPr lang="de-DE"/>
           </a:p>
@@ -1816,7 +1822,7 @@
           <a:p>
             <a:fld id="{DA2479C5-C604-4AE7-B663-7513951F8A4E}" type="datetimeFigureOut">
               <a:rPr lang="de-DE" smtClean="0"/>
-              <a:t>20.10.2020</a:t>
+              <a:t>22.10.2020</a:t>
             </a:fld>
             <a:endParaRPr lang="de-DE"/>
           </a:p>
@@ -1957,7 +1963,7 @@
           <a:p>
             <a:fld id="{DA2479C5-C604-4AE7-B663-7513951F8A4E}" type="datetimeFigureOut">
               <a:rPr lang="de-DE" smtClean="0"/>
-              <a:t>20.10.2020</a:t>
+              <a:t>22.10.2020</a:t>
             </a:fld>
             <a:endParaRPr lang="de-DE"/>
           </a:p>
@@ -2070,7 +2076,7 @@
           <a:p>
             <a:fld id="{DA2479C5-C604-4AE7-B663-7513951F8A4E}" type="datetimeFigureOut">
               <a:rPr lang="de-DE" smtClean="0"/>
-              <a:t>20.10.2020</a:t>
+              <a:t>22.10.2020</a:t>
             </a:fld>
             <a:endParaRPr lang="de-DE"/>
           </a:p>
@@ -2381,7 +2387,7 @@
           <a:p>
             <a:fld id="{DA2479C5-C604-4AE7-B663-7513951F8A4E}" type="datetimeFigureOut">
               <a:rPr lang="de-DE" smtClean="0"/>
-              <a:t>20.10.2020</a:t>
+              <a:t>22.10.2020</a:t>
             </a:fld>
             <a:endParaRPr lang="de-DE"/>
           </a:p>
@@ -2669,7 +2675,7 @@
           <a:p>
             <a:fld id="{DA2479C5-C604-4AE7-B663-7513951F8A4E}" type="datetimeFigureOut">
               <a:rPr lang="de-DE" smtClean="0"/>
-              <a:t>20.10.2020</a:t>
+              <a:t>22.10.2020</a:t>
             </a:fld>
             <a:endParaRPr lang="de-DE"/>
           </a:p>
@@ -2910,7 +2916,7 @@
           <a:p>
             <a:fld id="{DA2479C5-C604-4AE7-B663-7513951F8A4E}" type="datetimeFigureOut">
               <a:rPr lang="de-DE" smtClean="0"/>
-              <a:t>20.10.2020</a:t>
+              <a:t>22.10.2020</a:t>
             </a:fld>
             <a:endParaRPr lang="de-DE"/>
           </a:p>
@@ -3570,6 +3576,7 @@
           <a:prstGeom prst="line">
             <a:avLst/>
           </a:prstGeom>
+          <a:ln w="9525"/>
         </p:spPr>
         <p:style>
           <a:lnRef idx="1">
@@ -5284,6 +5291,42 @@
           <a:chExt cx="0" cy="0"/>
         </a:xfrm>
       </p:grpSpPr>
+      <p:pic>
+        <p:nvPicPr>
+          <p:cNvPr id="3" name="Grafik 2">
+            <a:extLst>
+              <a:ext uri="{FF2B5EF4-FFF2-40B4-BE49-F238E27FC236}">
+                <a16:creationId xmlns:a16="http://schemas.microsoft.com/office/drawing/2014/main" id="{46F110E0-79F1-4C7E-982E-58421A324E17}"/>
+              </a:ext>
+            </a:extLst>
+          </p:cNvPr>
+          <p:cNvPicPr>
+            <a:picLocks noChangeAspect="1"/>
+          </p:cNvPicPr>
+          <p:nvPr/>
+        </p:nvPicPr>
+        <p:blipFill>
+          <a:blip r:embed="rId2">
+            <a:extLst>
+              <a:ext uri="{28A0092B-C50C-407E-A947-70E740481C1C}">
+                <a14:useLocalDpi xmlns:a14="http://schemas.microsoft.com/office/drawing/2010/main" val="0"/>
+              </a:ext>
+            </a:extLst>
+          </a:blip>
+          <a:stretch>
+            <a:fillRect/>
+          </a:stretch>
+        </p:blipFill>
+        <p:spPr>
+          <a:xfrm>
+            <a:off x="887278" y="1286021"/>
+            <a:ext cx="5058977" cy="3252200"/>
+          </a:xfrm>
+          <a:prstGeom prst="rect">
+            <a:avLst/>
+          </a:prstGeom>
+        </p:spPr>
+      </p:pic>
       <p:sp>
         <p:nvSpPr>
           <p:cNvPr id="4" name="Titel 3">
@@ -5315,42 +5358,6 @@
             <a:r>
               <a:rPr lang="de-DE" dirty="0"/>
               <a:t>Situation</a:t>
-            </a:r>
-          </a:p>
-        </p:txBody>
-      </p:sp>
-      <p:sp>
-        <p:nvSpPr>
-          <p:cNvPr id="5" name="Inhaltsplatzhalter 4">
-            <a:extLst>
-              <a:ext uri="{FF2B5EF4-FFF2-40B4-BE49-F238E27FC236}">
-                <a16:creationId xmlns:a16="http://schemas.microsoft.com/office/drawing/2014/main" id="{0F615D91-DCC0-42C6-85C6-0960A564BE37}"/>
-              </a:ext>
-            </a:extLst>
-          </p:cNvPr>
-          <p:cNvSpPr>
-            <a:spLocks noGrp="1"/>
-          </p:cNvSpPr>
-          <p:nvPr>
-            <p:ph idx="1"/>
-          </p:nvPr>
-        </p:nvSpPr>
-        <p:spPr>
-          <a:xfrm>
-            <a:off x="838199" y="1825625"/>
-            <a:ext cx="7329407" cy="894328"/>
-          </a:xfrm>
-        </p:spPr>
-        <p:txBody>
-          <a:bodyPr/>
-          <a:lstStyle/>
-          <a:p>
-            <a:pPr marL="0" indent="0">
-              <a:buNone/>
-            </a:pPr>
-            <a:r>
-              <a:rPr lang="de-DE" dirty="0"/>
-              <a:t>Hier einen Teil der Verteilungen darstellen</a:t>
             </a:r>
           </a:p>
         </p:txBody>
@@ -5504,16 +5511,893 @@
             </a:lvl1pPr>
           </a:lstStyle>
           <a:p>
+            <a:r>
+              <a:rPr lang="de-DE" dirty="0"/>
+              <a:t>Small </a:t>
+            </a:r>
+            <a:r>
+              <a:rPr lang="de-DE" dirty="0" err="1"/>
+              <a:t>number</a:t>
+            </a:r>
+            <a:r>
+              <a:rPr lang="de-DE" dirty="0"/>
+              <a:t> </a:t>
+            </a:r>
+            <a:r>
+              <a:rPr lang="de-DE" dirty="0" err="1"/>
+              <a:t>of</a:t>
+            </a:r>
+            <a:r>
+              <a:rPr lang="de-DE" dirty="0"/>
+              <a:t> positive </a:t>
+            </a:r>
+            <a:r>
+              <a:rPr lang="de-DE" dirty="0" err="1"/>
+              <a:t>cases</a:t>
+            </a:r>
+            <a:r>
+              <a:rPr lang="de-DE" dirty="0"/>
+              <a:t> </a:t>
+            </a:r>
+            <a:r>
+              <a:rPr lang="de-DE" dirty="0" err="1"/>
+              <a:t>that</a:t>
+            </a:r>
+            <a:r>
+              <a:rPr lang="de-DE" dirty="0"/>
+              <a:t> </a:t>
+            </a:r>
+            <a:r>
+              <a:rPr lang="de-DE" dirty="0" err="1"/>
+              <a:t>have</a:t>
+            </a:r>
+            <a:r>
+              <a:rPr lang="de-DE" dirty="0"/>
+              <a:t> a </a:t>
+            </a:r>
+            <a:r>
+              <a:rPr lang="de-DE" dirty="0" err="1"/>
+              <a:t>potentially</a:t>
+            </a:r>
+            <a:r>
+              <a:rPr lang="de-DE" dirty="0"/>
+              <a:t> high </a:t>
+            </a:r>
+            <a:r>
+              <a:rPr lang="de-DE" dirty="0" err="1"/>
+              <a:t>impact</a:t>
+            </a:r>
+            <a:r>
+              <a:rPr lang="de-DE" dirty="0"/>
+              <a:t> on </a:t>
+            </a:r>
+            <a:r>
+              <a:rPr lang="de-DE" dirty="0" err="1"/>
+              <a:t>costs</a:t>
+            </a:r>
             <a:endParaRPr lang="de-DE" dirty="0"/>
           </a:p>
         </p:txBody>
       </p:sp>
       <p:sp>
         <p:nvSpPr>
-          <p:cNvPr id="9" name="Titel 3">
-            <a:extLst>
-              <a:ext uri="{FF2B5EF4-FFF2-40B4-BE49-F238E27FC236}">
-                <a16:creationId xmlns:a16="http://schemas.microsoft.com/office/drawing/2014/main" id="{AF35CB24-B4F2-4A70-85CA-8FFC67F899AD}"/>
+          <p:cNvPr id="12" name="Textfeld 11">
+            <a:extLst>
+              <a:ext uri="{FF2B5EF4-FFF2-40B4-BE49-F238E27FC236}">
+                <a16:creationId xmlns:a16="http://schemas.microsoft.com/office/drawing/2014/main" id="{BFBE3AE4-A59C-46B1-9776-2EE141134B4D}"/>
+              </a:ext>
+            </a:extLst>
+          </p:cNvPr>
+          <p:cNvSpPr txBox="1"/>
+          <p:nvPr/>
+        </p:nvSpPr>
+        <p:spPr>
+          <a:xfrm>
+            <a:off x="838200" y="1376441"/>
+            <a:ext cx="4710193" cy="400110"/>
+          </a:xfrm>
+          <a:prstGeom prst="rect">
+            <a:avLst/>
+          </a:prstGeom>
+          <a:noFill/>
+        </p:spPr>
+        <p:txBody>
+          <a:bodyPr wrap="square" rtlCol="0">
+            <a:spAutoFit/>
+          </a:bodyPr>
+          <a:lstStyle/>
+          <a:p>
+            <a:r>
+              <a:rPr lang="de-DE" sz="2000" dirty="0" err="1">
+                <a:latin typeface="+mj-lt"/>
+              </a:rPr>
+              <a:t>Correlations</a:t>
+            </a:r>
+            <a:endParaRPr lang="de-DE" sz="2000" dirty="0">
+              <a:latin typeface="+mj-lt"/>
+            </a:endParaRPr>
+          </a:p>
+        </p:txBody>
+      </p:sp>
+      <p:cxnSp>
+        <p:nvCxnSpPr>
+          <p:cNvPr id="24" name="Gerader Verbinder 23">
+            <a:extLst>
+              <a:ext uri="{FF2B5EF4-FFF2-40B4-BE49-F238E27FC236}">
+                <a16:creationId xmlns:a16="http://schemas.microsoft.com/office/drawing/2014/main" id="{15FC6B6D-05BF-4D27-948C-11AE372750AC}"/>
+              </a:ext>
+            </a:extLst>
+          </p:cNvPr>
+          <p:cNvCxnSpPr>
+            <a:cxnSpLocks/>
+          </p:cNvCxnSpPr>
+          <p:nvPr/>
+        </p:nvCxnSpPr>
+        <p:spPr>
+          <a:xfrm flipV="1">
+            <a:off x="906651" y="1708689"/>
+            <a:ext cx="4641742" cy="20995"/>
+          </a:xfrm>
+          <a:prstGeom prst="line">
+            <a:avLst/>
+          </a:prstGeom>
+        </p:spPr>
+        <p:style>
+          <a:lnRef idx="1">
+            <a:schemeClr val="dk1"/>
+          </a:lnRef>
+          <a:fillRef idx="0">
+            <a:schemeClr val="dk1"/>
+          </a:fillRef>
+          <a:effectRef idx="0">
+            <a:schemeClr val="dk1"/>
+          </a:effectRef>
+          <a:fontRef idx="minor">
+            <a:schemeClr val="tx1"/>
+          </a:fontRef>
+        </p:style>
+      </p:cxnSp>
+      <p:pic>
+        <p:nvPicPr>
+          <p:cNvPr id="33" name="Grafik 32">
+            <a:extLst>
+              <a:ext uri="{FF2B5EF4-FFF2-40B4-BE49-F238E27FC236}">
+                <a16:creationId xmlns:a16="http://schemas.microsoft.com/office/drawing/2014/main" id="{3003D8A6-4C4C-4513-B8A2-0498C9B3FCD6}"/>
+              </a:ext>
+            </a:extLst>
+          </p:cNvPr>
+          <p:cNvPicPr>
+            <a:picLocks noChangeAspect="1"/>
+          </p:cNvPicPr>
+          <p:nvPr/>
+        </p:nvPicPr>
+        <p:blipFill>
+          <a:blip r:embed="rId3">
+            <a:extLst>
+              <a:ext uri="{28A0092B-C50C-407E-A947-70E740481C1C}">
+                <a14:useLocalDpi xmlns:a14="http://schemas.microsoft.com/office/drawing/2010/main" val="0"/>
+              </a:ext>
+            </a:extLst>
+          </a:blip>
+          <a:stretch>
+            <a:fillRect/>
+          </a:stretch>
+        </p:blipFill>
+        <p:spPr>
+          <a:xfrm>
+            <a:off x="694391" y="5331463"/>
+            <a:ext cx="1150358" cy="1150358"/>
+          </a:xfrm>
+          <a:prstGeom prst="rect">
+            <a:avLst/>
+          </a:prstGeom>
+        </p:spPr>
+      </p:pic>
+      <p:sp>
+        <p:nvSpPr>
+          <p:cNvPr id="42" name="Textfeld 41">
+            <a:extLst>
+              <a:ext uri="{FF2B5EF4-FFF2-40B4-BE49-F238E27FC236}">
+                <a16:creationId xmlns:a16="http://schemas.microsoft.com/office/drawing/2014/main" id="{D20795CA-C3D0-4B9D-AC99-F90D07E08009}"/>
+              </a:ext>
+            </a:extLst>
+          </p:cNvPr>
+          <p:cNvSpPr txBox="1"/>
+          <p:nvPr/>
+        </p:nvSpPr>
+        <p:spPr>
+          <a:xfrm>
+            <a:off x="6235659" y="1373656"/>
+            <a:ext cx="4710193" cy="400110"/>
+          </a:xfrm>
+          <a:prstGeom prst="rect">
+            <a:avLst/>
+          </a:prstGeom>
+          <a:noFill/>
+        </p:spPr>
+        <p:txBody>
+          <a:bodyPr wrap="square" rtlCol="0">
+            <a:spAutoFit/>
+          </a:bodyPr>
+          <a:lstStyle/>
+          <a:p>
+            <a:r>
+              <a:rPr lang="de-DE" sz="2000" dirty="0" err="1">
+                <a:latin typeface="+mj-lt"/>
+              </a:rPr>
+              <a:t>Distributions</a:t>
+            </a:r>
+            <a:endParaRPr lang="de-DE" sz="2000" dirty="0">
+              <a:latin typeface="+mj-lt"/>
+            </a:endParaRPr>
+          </a:p>
+        </p:txBody>
+      </p:sp>
+      <p:cxnSp>
+        <p:nvCxnSpPr>
+          <p:cNvPr id="43" name="Gerader Verbinder 42">
+            <a:extLst>
+              <a:ext uri="{FF2B5EF4-FFF2-40B4-BE49-F238E27FC236}">
+                <a16:creationId xmlns:a16="http://schemas.microsoft.com/office/drawing/2014/main" id="{C2DDA12A-9547-45C0-9F3E-DCFDEFE174C4}"/>
+              </a:ext>
+            </a:extLst>
+          </p:cNvPr>
+          <p:cNvCxnSpPr>
+            <a:cxnSpLocks/>
+          </p:cNvCxnSpPr>
+          <p:nvPr/>
+        </p:nvCxnSpPr>
+        <p:spPr>
+          <a:xfrm flipV="1">
+            <a:off x="6304110" y="1705904"/>
+            <a:ext cx="4641742" cy="20995"/>
+          </a:xfrm>
+          <a:prstGeom prst="line">
+            <a:avLst/>
+          </a:prstGeom>
+        </p:spPr>
+        <p:style>
+          <a:lnRef idx="1">
+            <a:schemeClr val="dk1"/>
+          </a:lnRef>
+          <a:fillRef idx="0">
+            <a:schemeClr val="dk1"/>
+          </a:fillRef>
+          <a:effectRef idx="0">
+            <a:schemeClr val="dk1"/>
+          </a:effectRef>
+          <a:fontRef idx="minor">
+            <a:schemeClr val="tx1"/>
+          </a:fontRef>
+        </p:style>
+      </p:cxnSp>
+      <p:pic>
+        <p:nvPicPr>
+          <p:cNvPr id="9" name="Grafik 8">
+            <a:extLst>
+              <a:ext uri="{FF2B5EF4-FFF2-40B4-BE49-F238E27FC236}">
+                <a16:creationId xmlns:a16="http://schemas.microsoft.com/office/drawing/2014/main" id="{BE05AC48-A12F-4244-8C2F-C6D2FD678D68}"/>
+              </a:ext>
+            </a:extLst>
+          </p:cNvPr>
+          <p:cNvPicPr>
+            <a:picLocks noChangeAspect="1"/>
+          </p:cNvPicPr>
+          <p:nvPr/>
+        </p:nvPicPr>
+        <p:blipFill>
+          <a:blip r:embed="rId4">
+            <a:extLst>
+              <a:ext uri="{28A0092B-C50C-407E-A947-70E740481C1C}">
+                <a14:useLocalDpi xmlns:a14="http://schemas.microsoft.com/office/drawing/2010/main" val="0"/>
+              </a:ext>
+            </a:extLst>
+          </a:blip>
+          <a:stretch>
+            <a:fillRect/>
+          </a:stretch>
+        </p:blipFill>
+        <p:spPr>
+          <a:xfrm>
+            <a:off x="6303890" y="1980810"/>
+            <a:ext cx="4710193" cy="2644760"/>
+          </a:xfrm>
+          <a:prstGeom prst="rect">
+            <a:avLst/>
+          </a:prstGeom>
+        </p:spPr>
+      </p:pic>
+      <p:sp>
+        <p:nvSpPr>
+          <p:cNvPr id="2" name="Rechteck 1">
+            <a:extLst>
+              <a:ext uri="{FF2B5EF4-FFF2-40B4-BE49-F238E27FC236}">
+                <a16:creationId xmlns:a16="http://schemas.microsoft.com/office/drawing/2014/main" id="{55C141FC-BB1B-4DEB-AFF6-FBF976B47026}"/>
+              </a:ext>
+            </a:extLst>
+          </p:cNvPr>
+          <p:cNvSpPr/>
+          <p:nvPr/>
+        </p:nvSpPr>
+        <p:spPr>
+          <a:xfrm>
+            <a:off x="789122" y="4644757"/>
+            <a:ext cx="5058977" cy="830997"/>
+          </a:xfrm>
+          <a:prstGeom prst="rect">
+            <a:avLst/>
+          </a:prstGeom>
+        </p:spPr>
+        <p:txBody>
+          <a:bodyPr wrap="square">
+            <a:spAutoFit/>
+          </a:bodyPr>
+          <a:lstStyle/>
+          <a:p>
+            <a:r>
+              <a:rPr lang="de-DE" sz="1600" dirty="0" err="1">
+                <a:latin typeface="+mj-lt"/>
+              </a:rPr>
+              <a:t>While</a:t>
+            </a:r>
+            <a:r>
+              <a:rPr lang="de-DE" sz="1600" dirty="0">
+                <a:latin typeface="+mj-lt"/>
+              </a:rPr>
+              <a:t> strong </a:t>
+            </a:r>
+            <a:r>
+              <a:rPr lang="de-DE" sz="1600" dirty="0" err="1">
+                <a:latin typeface="+mj-lt"/>
+              </a:rPr>
+              <a:t>corrlation</a:t>
+            </a:r>
+            <a:r>
+              <a:rPr lang="de-DE" sz="1600" dirty="0">
+                <a:latin typeface="+mj-lt"/>
+              </a:rPr>
+              <a:t> </a:t>
+            </a:r>
+            <a:r>
+              <a:rPr lang="de-DE" sz="1600" dirty="0" err="1">
+                <a:latin typeface="+mj-lt"/>
+              </a:rPr>
+              <a:t>between</a:t>
+            </a:r>
+            <a:r>
+              <a:rPr lang="de-DE" sz="1600" dirty="0">
+                <a:latin typeface="+mj-lt"/>
+              </a:rPr>
+              <a:t> </a:t>
+            </a:r>
+            <a:r>
+              <a:rPr lang="de-DE" sz="1600" dirty="0" err="1">
+                <a:latin typeface="+mj-lt"/>
+              </a:rPr>
+              <a:t>some</a:t>
+            </a:r>
+            <a:r>
+              <a:rPr lang="de-DE" sz="1600" dirty="0">
+                <a:latin typeface="+mj-lt"/>
+              </a:rPr>
+              <a:t> </a:t>
+            </a:r>
+            <a:r>
+              <a:rPr lang="de-DE" sz="1600" dirty="0" err="1">
+                <a:latin typeface="+mj-lt"/>
+              </a:rPr>
+              <a:t>financial</a:t>
+            </a:r>
+            <a:r>
+              <a:rPr lang="de-DE" sz="1600" dirty="0">
+                <a:latin typeface="+mj-lt"/>
+              </a:rPr>
+              <a:t> </a:t>
+            </a:r>
+            <a:r>
+              <a:rPr lang="de-DE" sz="1600" dirty="0" err="1">
+                <a:latin typeface="+mj-lt"/>
+              </a:rPr>
+              <a:t>kpis</a:t>
+            </a:r>
+            <a:r>
+              <a:rPr lang="de-DE" sz="1600" dirty="0">
+                <a:latin typeface="+mj-lt"/>
+              </a:rPr>
+              <a:t> </a:t>
+            </a:r>
+            <a:r>
+              <a:rPr lang="de-DE" sz="1600" dirty="0" err="1">
+                <a:latin typeface="+mj-lt"/>
+              </a:rPr>
+              <a:t>are</a:t>
+            </a:r>
+            <a:r>
+              <a:rPr lang="de-DE" sz="1600" dirty="0">
+                <a:latin typeface="+mj-lt"/>
+              </a:rPr>
+              <a:t> </a:t>
+            </a:r>
+            <a:r>
+              <a:rPr lang="de-DE" sz="1600" dirty="0" err="1">
+                <a:latin typeface="+mj-lt"/>
+              </a:rPr>
+              <a:t>usual</a:t>
+            </a:r>
+            <a:r>
+              <a:rPr lang="de-DE" sz="1600" dirty="0">
+                <a:latin typeface="+mj-lt"/>
+              </a:rPr>
+              <a:t> </a:t>
+            </a:r>
+            <a:r>
+              <a:rPr lang="de-DE" sz="1600" dirty="0" err="1">
+                <a:latin typeface="+mj-lt"/>
+              </a:rPr>
+              <a:t>they</a:t>
+            </a:r>
+            <a:r>
+              <a:rPr lang="de-DE" sz="1600" dirty="0">
+                <a:latin typeface="+mj-lt"/>
+              </a:rPr>
+              <a:t> </a:t>
+            </a:r>
+            <a:r>
+              <a:rPr lang="de-DE" sz="1600" dirty="0" err="1">
+                <a:latin typeface="+mj-lt"/>
+              </a:rPr>
+              <a:t>may</a:t>
+            </a:r>
+            <a:r>
+              <a:rPr lang="de-DE" sz="1600" dirty="0">
+                <a:latin typeface="+mj-lt"/>
+              </a:rPr>
+              <a:t> </a:t>
+            </a:r>
+            <a:r>
+              <a:rPr lang="de-DE" sz="1600" dirty="0" err="1">
+                <a:latin typeface="+mj-lt"/>
+              </a:rPr>
+              <a:t>decrease</a:t>
+            </a:r>
+            <a:r>
+              <a:rPr lang="de-DE" sz="1600" dirty="0">
+                <a:latin typeface="+mj-lt"/>
+              </a:rPr>
+              <a:t> </a:t>
+            </a:r>
+            <a:r>
+              <a:rPr lang="de-DE" sz="1600" dirty="0" err="1">
+                <a:latin typeface="+mj-lt"/>
+              </a:rPr>
+              <a:t>the</a:t>
+            </a:r>
+            <a:r>
+              <a:rPr lang="de-DE" sz="1600" dirty="0">
+                <a:latin typeface="+mj-lt"/>
+              </a:rPr>
+              <a:t> </a:t>
+            </a:r>
+            <a:r>
+              <a:rPr lang="de-DE" sz="1600" dirty="0" err="1">
+                <a:latin typeface="+mj-lt"/>
+              </a:rPr>
+              <a:t>performance</a:t>
+            </a:r>
+            <a:r>
+              <a:rPr lang="de-DE" sz="1600" dirty="0">
+                <a:latin typeface="+mj-lt"/>
+              </a:rPr>
+              <a:t> </a:t>
+            </a:r>
+            <a:r>
+              <a:rPr lang="de-DE" sz="1600" dirty="0" err="1">
+                <a:latin typeface="+mj-lt"/>
+              </a:rPr>
+              <a:t>of</a:t>
+            </a:r>
+            <a:r>
+              <a:rPr lang="de-DE" sz="1600" dirty="0">
+                <a:latin typeface="+mj-lt"/>
+              </a:rPr>
+              <a:t> </a:t>
+            </a:r>
+            <a:r>
+              <a:rPr lang="de-DE" sz="1600" dirty="0" err="1">
+                <a:latin typeface="+mj-lt"/>
+              </a:rPr>
+              <a:t>the</a:t>
+            </a:r>
+            <a:r>
+              <a:rPr lang="de-DE" sz="1600" dirty="0">
+                <a:latin typeface="+mj-lt"/>
+              </a:rPr>
+              <a:t> Classification Model. </a:t>
+            </a:r>
+          </a:p>
+        </p:txBody>
+      </p:sp>
+      <p:sp>
+        <p:nvSpPr>
+          <p:cNvPr id="15" name="Rechteck 14">
+            <a:extLst>
+              <a:ext uri="{FF2B5EF4-FFF2-40B4-BE49-F238E27FC236}">
+                <a16:creationId xmlns:a16="http://schemas.microsoft.com/office/drawing/2014/main" id="{EE1A4178-5A0B-40DA-8441-7D9F6975A7C1}"/>
+              </a:ext>
+            </a:extLst>
+          </p:cNvPr>
+          <p:cNvSpPr/>
+          <p:nvPr/>
+        </p:nvSpPr>
+        <p:spPr>
+          <a:xfrm>
+            <a:off x="6235659" y="4644756"/>
+            <a:ext cx="5058977" cy="584775"/>
+          </a:xfrm>
+          <a:prstGeom prst="rect">
+            <a:avLst/>
+          </a:prstGeom>
+        </p:spPr>
+        <p:txBody>
+          <a:bodyPr wrap="square">
+            <a:spAutoFit/>
+          </a:bodyPr>
+          <a:lstStyle/>
+          <a:p>
+            <a:r>
+              <a:rPr lang="de-DE" sz="1600" dirty="0" err="1">
+                <a:latin typeface="+mj-lt"/>
+              </a:rPr>
+              <a:t>Some</a:t>
+            </a:r>
+            <a:r>
+              <a:rPr lang="de-DE" sz="1600" dirty="0">
+                <a:latin typeface="+mj-lt"/>
+              </a:rPr>
+              <a:t> Features </a:t>
+            </a:r>
+            <a:r>
+              <a:rPr lang="de-DE" sz="1600" dirty="0" err="1">
+                <a:latin typeface="+mj-lt"/>
+              </a:rPr>
+              <a:t>have</a:t>
+            </a:r>
+            <a:r>
+              <a:rPr lang="de-DE" sz="1600" dirty="0">
+                <a:latin typeface="+mj-lt"/>
+              </a:rPr>
+              <a:t> a non normal </a:t>
+            </a:r>
+            <a:r>
+              <a:rPr lang="de-DE" sz="1600" dirty="0" err="1">
+                <a:latin typeface="+mj-lt"/>
+              </a:rPr>
+              <a:t>distribution</a:t>
+            </a:r>
+            <a:r>
+              <a:rPr lang="de-DE" sz="1600" dirty="0">
+                <a:latin typeface="+mj-lt"/>
+              </a:rPr>
+              <a:t> </a:t>
+            </a:r>
+            <a:r>
+              <a:rPr lang="de-DE" sz="1600" dirty="0" err="1">
+                <a:latin typeface="+mj-lt"/>
+              </a:rPr>
+              <a:t>which</a:t>
+            </a:r>
+            <a:r>
+              <a:rPr lang="de-DE" sz="1600" dirty="0">
+                <a:latin typeface="+mj-lt"/>
+              </a:rPr>
+              <a:t> </a:t>
+            </a:r>
+            <a:r>
+              <a:rPr lang="de-DE" sz="1600" dirty="0" err="1">
+                <a:latin typeface="+mj-lt"/>
+              </a:rPr>
+              <a:t>may</a:t>
+            </a:r>
+            <a:r>
+              <a:rPr lang="de-DE" sz="1600" dirty="0">
+                <a:latin typeface="+mj-lt"/>
+              </a:rPr>
+              <a:t> </a:t>
+            </a:r>
+            <a:r>
+              <a:rPr lang="de-DE" sz="1600" dirty="0" err="1">
+                <a:latin typeface="+mj-lt"/>
+              </a:rPr>
+              <a:t>aggravate</a:t>
+            </a:r>
+            <a:r>
+              <a:rPr lang="de-DE" sz="1600" dirty="0">
+                <a:latin typeface="+mj-lt"/>
+              </a:rPr>
+              <a:t> </a:t>
+            </a:r>
+            <a:r>
+              <a:rPr lang="de-DE" sz="1600" dirty="0" err="1">
+                <a:latin typeface="+mj-lt"/>
+              </a:rPr>
+              <a:t>the</a:t>
+            </a:r>
+            <a:r>
+              <a:rPr lang="de-DE" sz="1600" dirty="0">
+                <a:latin typeface="+mj-lt"/>
+              </a:rPr>
+              <a:t> </a:t>
+            </a:r>
+            <a:r>
+              <a:rPr lang="de-DE" sz="1600" dirty="0" err="1">
+                <a:latin typeface="+mj-lt"/>
+              </a:rPr>
+              <a:t>training</a:t>
+            </a:r>
+            <a:r>
+              <a:rPr lang="de-DE" sz="1600" dirty="0">
+                <a:latin typeface="+mj-lt"/>
+              </a:rPr>
+              <a:t> </a:t>
+            </a:r>
+            <a:r>
+              <a:rPr lang="de-DE" sz="1600" dirty="0" err="1">
+                <a:latin typeface="+mj-lt"/>
+              </a:rPr>
+              <a:t>of</a:t>
+            </a:r>
+            <a:r>
+              <a:rPr lang="de-DE" sz="1600" dirty="0">
+                <a:latin typeface="+mj-lt"/>
+              </a:rPr>
+              <a:t> </a:t>
+            </a:r>
+            <a:r>
+              <a:rPr lang="de-DE" sz="1600" dirty="0" err="1">
+                <a:latin typeface="+mj-lt"/>
+              </a:rPr>
+              <a:t>the</a:t>
+            </a:r>
+            <a:r>
+              <a:rPr lang="de-DE" sz="1600" dirty="0">
+                <a:latin typeface="+mj-lt"/>
+              </a:rPr>
+              <a:t> </a:t>
+            </a:r>
+            <a:r>
+              <a:rPr lang="de-DE" sz="1600" dirty="0" err="1">
+                <a:latin typeface="+mj-lt"/>
+              </a:rPr>
+              <a:t>classification</a:t>
+            </a:r>
+            <a:r>
+              <a:rPr lang="de-DE" sz="1600" dirty="0">
+                <a:latin typeface="+mj-lt"/>
+              </a:rPr>
+              <a:t> </a:t>
+            </a:r>
+            <a:r>
+              <a:rPr lang="de-DE" sz="1600" dirty="0" err="1">
+                <a:latin typeface="+mj-lt"/>
+              </a:rPr>
+              <a:t>model</a:t>
+            </a:r>
+            <a:endParaRPr lang="de-DE" sz="1600" dirty="0">
+              <a:latin typeface="+mj-lt"/>
+            </a:endParaRPr>
+          </a:p>
+        </p:txBody>
+      </p:sp>
+      <p:sp>
+        <p:nvSpPr>
+          <p:cNvPr id="5" name="Textfeld 4">
+            <a:extLst>
+              <a:ext uri="{FF2B5EF4-FFF2-40B4-BE49-F238E27FC236}">
+                <a16:creationId xmlns:a16="http://schemas.microsoft.com/office/drawing/2014/main" id="{2E5B68E8-3ABF-4557-AD6B-C5727268A532}"/>
+              </a:ext>
+            </a:extLst>
+          </p:cNvPr>
+          <p:cNvSpPr txBox="1"/>
+          <p:nvPr/>
+        </p:nvSpPr>
+        <p:spPr>
+          <a:xfrm>
+            <a:off x="1799030" y="5708337"/>
+            <a:ext cx="9215053" cy="369332"/>
+          </a:xfrm>
+          <a:prstGeom prst="rect">
+            <a:avLst/>
+          </a:prstGeom>
+          <a:noFill/>
+        </p:spPr>
+        <p:txBody>
+          <a:bodyPr wrap="square" rtlCol="0">
+            <a:spAutoFit/>
+          </a:bodyPr>
+          <a:lstStyle/>
+          <a:p>
+            <a:r>
+              <a:rPr lang="de-DE" dirty="0" err="1">
+                <a:latin typeface="+mj-lt"/>
+              </a:rPr>
+              <a:t>Correlations</a:t>
+            </a:r>
+            <a:r>
+              <a:rPr lang="de-DE" dirty="0">
+                <a:latin typeface="+mj-lt"/>
+              </a:rPr>
+              <a:t> </a:t>
+            </a:r>
+            <a:r>
+              <a:rPr lang="de-DE" dirty="0" err="1">
+                <a:latin typeface="+mj-lt"/>
+              </a:rPr>
+              <a:t>should</a:t>
+            </a:r>
+            <a:r>
+              <a:rPr lang="de-DE" dirty="0">
+                <a:latin typeface="+mj-lt"/>
+              </a:rPr>
+              <a:t> </a:t>
+            </a:r>
+            <a:r>
+              <a:rPr lang="de-DE" dirty="0" err="1">
+                <a:latin typeface="+mj-lt"/>
+              </a:rPr>
+              <a:t>be</a:t>
+            </a:r>
+            <a:r>
+              <a:rPr lang="de-DE" dirty="0">
+                <a:latin typeface="+mj-lt"/>
+              </a:rPr>
+              <a:t> </a:t>
+            </a:r>
+            <a:r>
+              <a:rPr lang="de-DE" dirty="0" err="1">
+                <a:latin typeface="+mj-lt"/>
+              </a:rPr>
+              <a:t>eleminated</a:t>
+            </a:r>
+            <a:r>
+              <a:rPr lang="de-DE" dirty="0">
+                <a:latin typeface="+mj-lt"/>
+              </a:rPr>
+              <a:t> and </a:t>
+            </a:r>
+            <a:r>
+              <a:rPr lang="de-DE" dirty="0" err="1">
+                <a:latin typeface="+mj-lt"/>
+              </a:rPr>
+              <a:t>features</a:t>
+            </a:r>
+            <a:r>
+              <a:rPr lang="de-DE" dirty="0">
+                <a:latin typeface="+mj-lt"/>
+              </a:rPr>
+              <a:t> </a:t>
+            </a:r>
+            <a:r>
+              <a:rPr lang="de-DE" dirty="0" err="1">
+                <a:latin typeface="+mj-lt"/>
+              </a:rPr>
+              <a:t>if</a:t>
+            </a:r>
+            <a:r>
+              <a:rPr lang="de-DE" dirty="0">
+                <a:latin typeface="+mj-lt"/>
+              </a:rPr>
+              <a:t> possible </a:t>
+            </a:r>
+            <a:r>
+              <a:rPr lang="de-DE" dirty="0" err="1">
+                <a:latin typeface="+mj-lt"/>
+              </a:rPr>
+              <a:t>transformed</a:t>
+            </a:r>
+            <a:r>
+              <a:rPr lang="de-DE" dirty="0">
+                <a:latin typeface="+mj-lt"/>
+              </a:rPr>
+              <a:t> </a:t>
+            </a:r>
+            <a:r>
+              <a:rPr lang="de-DE" dirty="0" err="1">
+                <a:latin typeface="+mj-lt"/>
+              </a:rPr>
+              <a:t>to</a:t>
+            </a:r>
+            <a:r>
+              <a:rPr lang="de-DE" dirty="0">
+                <a:latin typeface="+mj-lt"/>
+              </a:rPr>
+              <a:t> normal </a:t>
+            </a:r>
+            <a:r>
+              <a:rPr lang="de-DE" dirty="0" err="1">
+                <a:latin typeface="+mj-lt"/>
+              </a:rPr>
+              <a:t>distribution</a:t>
+            </a:r>
+            <a:r>
+              <a:rPr lang="de-DE" dirty="0">
+                <a:latin typeface="+mj-lt"/>
+              </a:rPr>
+              <a:t> </a:t>
+            </a:r>
+          </a:p>
+        </p:txBody>
+      </p:sp>
+    </p:spTree>
+    <p:extLst>
+      <p:ext uri="{BB962C8B-B14F-4D97-AF65-F5344CB8AC3E}">
+        <p14:creationId xmlns:p14="http://schemas.microsoft.com/office/powerpoint/2010/main" val="914021857"/>
+      </p:ext>
+    </p:extLst>
+  </p:cSld>
+  <p:clrMapOvr>
+    <a:masterClrMapping/>
+  </p:clrMapOvr>
+</p:sld>
+</file>
+
+<file path=ppt/slides/slide4.xml><?xml version="1.0" encoding="utf-8"?>
+<p:sld xmlns:a="http://schemas.openxmlformats.org/drawingml/2006/main" xmlns:r="http://schemas.openxmlformats.org/officeDocument/2006/relationships" xmlns:p="http://schemas.openxmlformats.org/presentationml/2006/main">
+  <p:cSld>
+    <p:spTree>
+      <p:nvGrpSpPr>
+        <p:cNvPr id="1" name=""/>
+        <p:cNvGrpSpPr/>
+        <p:nvPr/>
+      </p:nvGrpSpPr>
+      <p:grpSpPr>
+        <a:xfrm>
+          <a:off x="0" y="0"/>
+          <a:ext cx="0" cy="0"/>
+          <a:chOff x="0" y="0"/>
+          <a:chExt cx="0" cy="0"/>
+        </a:xfrm>
+      </p:grpSpPr>
+      <p:sp>
+        <p:nvSpPr>
+          <p:cNvPr id="4" name="Titel 3">
+            <a:extLst>
+              <a:ext uri="{FF2B5EF4-FFF2-40B4-BE49-F238E27FC236}">
+                <a16:creationId xmlns:a16="http://schemas.microsoft.com/office/drawing/2014/main" id="{DF525FEB-9A3A-4B44-8317-78A8A253F77A}"/>
+              </a:ext>
+            </a:extLst>
+          </p:cNvPr>
+          <p:cNvSpPr>
+            <a:spLocks noGrp="1"/>
+          </p:cNvSpPr>
+          <p:nvPr>
+            <p:ph type="title"/>
+          </p:nvPr>
+        </p:nvSpPr>
+        <p:spPr>
+          <a:xfrm>
+            <a:off x="838200" y="132651"/>
+            <a:ext cx="10515600" cy="646140"/>
+          </a:xfrm>
+        </p:spPr>
+        <p:txBody>
+          <a:bodyPr>
+            <a:normAutofit fontScale="90000"/>
+          </a:bodyPr>
+          <a:lstStyle/>
+          <a:p>
+            <a:r>
+              <a:rPr lang="de-DE" dirty="0"/>
+              <a:t>Solution</a:t>
+            </a:r>
+          </a:p>
+        </p:txBody>
+      </p:sp>
+      <p:sp>
+        <p:nvSpPr>
+          <p:cNvPr id="6" name="Titel 3">
+            <a:extLst>
+              <a:ext uri="{FF2B5EF4-FFF2-40B4-BE49-F238E27FC236}">
+                <a16:creationId xmlns:a16="http://schemas.microsoft.com/office/drawing/2014/main" id="{184ABA1D-901D-46EF-B342-1D914341B95A}"/>
               </a:ext>
             </a:extLst>
           </p:cNvPr>
@@ -5524,7 +6408,58 @@
         </p:nvSpPr>
         <p:spPr>
           <a:xfrm>
-            <a:off x="838200" y="852637"/>
+            <a:off x="789122" y="681037"/>
+            <a:ext cx="10515600" cy="646140"/>
+          </a:xfrm>
+          <a:prstGeom prst="rect">
+            <a:avLst/>
+          </a:prstGeom>
+        </p:spPr>
+        <p:txBody>
+          <a:bodyPr vert="horz" lIns="91440" tIns="45720" rIns="91440" bIns="45720" rtlCol="0" anchor="ctr">
+            <a:normAutofit fontScale="97500" lnSpcReduction="10000"/>
+          </a:bodyPr>
+          <a:lstStyle>
+            <a:lvl1pPr algn="l" defTabSz="914400" rtl="0" eaLnBrk="1" latinLnBrk="0" hangingPunct="1">
+              <a:lnSpc>
+                <a:spcPct val="90000"/>
+              </a:lnSpc>
+              <a:spcBef>
+                <a:spcPct val="0"/>
+              </a:spcBef>
+              <a:buNone/>
+              <a:defRPr sz="4400" kern="1200">
+                <a:solidFill>
+                  <a:schemeClr val="tx1"/>
+                </a:solidFill>
+                <a:latin typeface="+mj-lt"/>
+                <a:ea typeface="+mj-ea"/>
+                <a:cs typeface="+mj-cs"/>
+              </a:defRPr>
+            </a:lvl1pPr>
+          </a:lstStyle>
+          <a:p>
+            <a:endParaRPr lang="de-DE" dirty="0"/>
+          </a:p>
+        </p:txBody>
+      </p:sp>
+      <p:sp>
+        <p:nvSpPr>
+          <p:cNvPr id="7" name="Titel 3">
+            <a:extLst>
+              <a:ext uri="{FF2B5EF4-FFF2-40B4-BE49-F238E27FC236}">
+                <a16:creationId xmlns:a16="http://schemas.microsoft.com/office/drawing/2014/main" id="{8FFFBFA7-2967-4206-BCCD-A38584B24862}"/>
+              </a:ext>
+            </a:extLst>
+          </p:cNvPr>
+          <p:cNvSpPr txBox="1">
+            <a:spLocks/>
+          </p:cNvSpPr>
+          <p:nvPr/>
+        </p:nvSpPr>
+        <p:spPr>
+          <a:xfrm>
+            <a:off x="789122" y="778791"/>
             <a:ext cx="10515600" cy="646140"/>
           </a:xfrm>
           <a:prstGeom prst="rect">
@@ -5555,6 +6490,1424 @@
             </a:lvl1pPr>
           </a:lstStyle>
           <a:p>
+            <a:endParaRPr lang="de-DE" sz="3200" dirty="0"/>
+          </a:p>
+        </p:txBody>
+      </p:sp>
+      <p:sp>
+        <p:nvSpPr>
+          <p:cNvPr id="8" name="Titel 3">
+            <a:extLst>
+              <a:ext uri="{FF2B5EF4-FFF2-40B4-BE49-F238E27FC236}">
+                <a16:creationId xmlns:a16="http://schemas.microsoft.com/office/drawing/2014/main" id="{BBD9690B-01D5-485D-B4FA-29FC11C016E7}"/>
+              </a:ext>
+            </a:extLst>
+          </p:cNvPr>
+          <p:cNvSpPr txBox="1">
+            <a:spLocks/>
+          </p:cNvSpPr>
+          <p:nvPr/>
+        </p:nvSpPr>
+        <p:spPr>
+          <a:xfrm>
+            <a:off x="838200" y="778791"/>
+            <a:ext cx="10515600" cy="400694"/>
+          </a:xfrm>
+          <a:prstGeom prst="rect">
+            <a:avLst/>
+          </a:prstGeom>
+        </p:spPr>
+        <p:txBody>
+          <a:bodyPr vert="horz" lIns="91440" tIns="45720" rIns="91440" bIns="45720" rtlCol="0" anchor="ctr">
+            <a:normAutofit fontScale="60000" lnSpcReduction="20000"/>
+          </a:bodyPr>
+          <a:lstStyle>
+            <a:lvl1pPr algn="l" defTabSz="914400" rtl="0" eaLnBrk="1" latinLnBrk="0" hangingPunct="1">
+              <a:lnSpc>
+                <a:spcPct val="90000"/>
+              </a:lnSpc>
+              <a:spcBef>
+                <a:spcPct val="0"/>
+              </a:spcBef>
+              <a:buNone/>
+              <a:defRPr sz="4400" kern="1200">
+                <a:solidFill>
+                  <a:schemeClr val="tx1"/>
+                </a:solidFill>
+                <a:latin typeface="+mj-lt"/>
+                <a:ea typeface="+mj-ea"/>
+                <a:cs typeface="+mj-cs"/>
+              </a:defRPr>
+            </a:lvl1pPr>
+          </a:lstStyle>
+          <a:p>
+            <a:r>
+              <a:rPr lang="de-DE" dirty="0" err="1"/>
+              <a:t>To</a:t>
+            </a:r>
+            <a:r>
+              <a:rPr lang="de-DE" dirty="0"/>
+              <a:t> </a:t>
+            </a:r>
+            <a:r>
+              <a:rPr lang="de-DE" dirty="0" err="1"/>
+              <a:t>maximize</a:t>
+            </a:r>
+            <a:r>
+              <a:rPr lang="de-DE" dirty="0"/>
+              <a:t> </a:t>
+            </a:r>
+            <a:r>
+              <a:rPr lang="de-DE" dirty="0" err="1"/>
+              <a:t>the</a:t>
+            </a:r>
+            <a:r>
+              <a:rPr lang="de-DE" dirty="0"/>
+              <a:t> </a:t>
+            </a:r>
+            <a:r>
+              <a:rPr lang="de-DE" dirty="0" err="1"/>
+              <a:t>number</a:t>
+            </a:r>
+            <a:r>
+              <a:rPr lang="de-DE" dirty="0"/>
+              <a:t> </a:t>
+            </a:r>
+            <a:r>
+              <a:rPr lang="de-DE" dirty="0" err="1"/>
+              <a:t>of</a:t>
+            </a:r>
+            <a:r>
+              <a:rPr lang="de-DE" dirty="0"/>
+              <a:t> </a:t>
+            </a:r>
+            <a:r>
+              <a:rPr lang="de-DE" dirty="0" err="1"/>
+              <a:t>evaluated</a:t>
+            </a:r>
+            <a:r>
+              <a:rPr lang="de-DE" dirty="0"/>
+              <a:t> </a:t>
+            </a:r>
+            <a:r>
+              <a:rPr lang="de-DE" dirty="0" err="1"/>
+              <a:t>sampled</a:t>
+            </a:r>
+            <a:r>
+              <a:rPr lang="de-DE" dirty="0"/>
+              <a:t> </a:t>
+            </a:r>
+            <a:r>
+              <a:rPr lang="de-DE" dirty="0" err="1"/>
+              <a:t>we</a:t>
+            </a:r>
+            <a:r>
+              <a:rPr lang="de-DE" dirty="0"/>
+              <a:t> </a:t>
+            </a:r>
+            <a:r>
+              <a:rPr lang="de-DE" dirty="0" err="1"/>
+              <a:t>use</a:t>
+            </a:r>
+            <a:r>
+              <a:rPr lang="de-DE" dirty="0"/>
+              <a:t> </a:t>
+            </a:r>
+            <a:r>
+              <a:rPr lang="de-DE" dirty="0" err="1"/>
+              <a:t>cross</a:t>
+            </a:r>
+            <a:r>
+              <a:rPr lang="de-DE" dirty="0"/>
+              <a:t> </a:t>
+            </a:r>
+            <a:r>
+              <a:rPr lang="de-DE" dirty="0" err="1"/>
+              <a:t>validation</a:t>
+            </a:r>
+            <a:endParaRPr lang="de-DE" dirty="0"/>
+          </a:p>
+        </p:txBody>
+      </p:sp>
+      <p:pic>
+        <p:nvPicPr>
+          <p:cNvPr id="33" name="Grafik 32">
+            <a:extLst>
+              <a:ext uri="{FF2B5EF4-FFF2-40B4-BE49-F238E27FC236}">
+                <a16:creationId xmlns:a16="http://schemas.microsoft.com/office/drawing/2014/main" id="{3003D8A6-4C4C-4513-B8A2-0498C9B3FCD6}"/>
+              </a:ext>
+            </a:extLst>
+          </p:cNvPr>
+          <p:cNvPicPr>
+            <a:picLocks noChangeAspect="1"/>
+          </p:cNvPicPr>
+          <p:nvPr/>
+        </p:nvPicPr>
+        <p:blipFill>
+          <a:blip r:embed="rId2">
+            <a:extLst>
+              <a:ext uri="{28A0092B-C50C-407E-A947-70E740481C1C}">
+                <a14:useLocalDpi xmlns:a14="http://schemas.microsoft.com/office/drawing/2010/main" val="0"/>
+              </a:ext>
+            </a:extLst>
+          </a:blip>
+          <a:stretch>
+            <a:fillRect/>
+          </a:stretch>
+        </p:blipFill>
+        <p:spPr>
+          <a:xfrm>
+            <a:off x="666704" y="5292314"/>
+            <a:ext cx="1150358" cy="1150358"/>
+          </a:xfrm>
+          <a:prstGeom prst="rect">
+            <a:avLst/>
+          </a:prstGeom>
+        </p:spPr>
+      </p:pic>
+      <p:sp>
+        <p:nvSpPr>
+          <p:cNvPr id="13" name="Rechteck: abgerundete Ecken 12">
+            <a:extLst>
+              <a:ext uri="{FF2B5EF4-FFF2-40B4-BE49-F238E27FC236}">
+                <a16:creationId xmlns:a16="http://schemas.microsoft.com/office/drawing/2014/main" id="{7B031FC5-1FF3-4B68-8796-017983FDA3AF}"/>
+              </a:ext>
+            </a:extLst>
+          </p:cNvPr>
+          <p:cNvSpPr/>
+          <p:nvPr/>
+        </p:nvSpPr>
+        <p:spPr>
+          <a:xfrm>
+            <a:off x="1349409" y="1424931"/>
+            <a:ext cx="3994948" cy="376874"/>
+          </a:xfrm>
+          <a:prstGeom prst="roundRect">
+            <a:avLst/>
+          </a:prstGeom>
+          <a:solidFill>
+            <a:schemeClr val="bg1"/>
+          </a:solidFill>
+          <a:ln w="19050">
+            <a:solidFill>
+              <a:schemeClr val="tx1"/>
+            </a:solidFill>
+          </a:ln>
+        </p:spPr>
+        <p:style>
+          <a:lnRef idx="2">
+            <a:schemeClr val="accent1">
+              <a:shade val="50000"/>
+            </a:schemeClr>
+          </a:lnRef>
+          <a:fillRef idx="1">
+            <a:schemeClr val="accent1"/>
+          </a:fillRef>
+          <a:effectRef idx="0">
+            <a:schemeClr val="accent1"/>
+          </a:effectRef>
+          <a:fontRef idx="minor">
+            <a:schemeClr val="lt1"/>
+          </a:fontRef>
+        </p:style>
+        <p:txBody>
+          <a:bodyPr rtlCol="0" anchor="ctr"/>
+          <a:lstStyle/>
+          <a:p>
+            <a:pPr algn="ctr"/>
+            <a:r>
+              <a:rPr lang="de-DE" sz="1400" dirty="0">
+                <a:solidFill>
+                  <a:schemeClr val="tx1"/>
+                </a:solidFill>
+              </a:rPr>
+              <a:t>Data: 100 % </a:t>
+            </a:r>
+          </a:p>
+        </p:txBody>
+      </p:sp>
+      <p:sp>
+        <p:nvSpPr>
+          <p:cNvPr id="19" name="Rechteck: abgerundete Ecken 18">
+            <a:extLst>
+              <a:ext uri="{FF2B5EF4-FFF2-40B4-BE49-F238E27FC236}">
+                <a16:creationId xmlns:a16="http://schemas.microsoft.com/office/drawing/2014/main" id="{0C5ACBB4-A759-4B02-8EBD-7CFF2A541511}"/>
+              </a:ext>
+            </a:extLst>
+          </p:cNvPr>
+          <p:cNvSpPr/>
+          <p:nvPr/>
+        </p:nvSpPr>
+        <p:spPr>
+          <a:xfrm>
+            <a:off x="1349409" y="2292083"/>
+            <a:ext cx="3026263" cy="376874"/>
+          </a:xfrm>
+          <a:prstGeom prst="roundRect">
+            <a:avLst/>
+          </a:prstGeom>
+          <a:solidFill>
+            <a:schemeClr val="bg1"/>
+          </a:solidFill>
+          <a:ln w="19050">
+            <a:solidFill>
+              <a:schemeClr val="tx1"/>
+            </a:solidFill>
+          </a:ln>
+        </p:spPr>
+        <p:style>
+          <a:lnRef idx="2">
+            <a:schemeClr val="accent1">
+              <a:shade val="50000"/>
+            </a:schemeClr>
+          </a:lnRef>
+          <a:fillRef idx="1">
+            <a:schemeClr val="accent1"/>
+          </a:fillRef>
+          <a:effectRef idx="0">
+            <a:schemeClr val="accent1"/>
+          </a:effectRef>
+          <a:fontRef idx="minor">
+            <a:schemeClr val="lt1"/>
+          </a:fontRef>
+        </p:style>
+        <p:txBody>
+          <a:bodyPr rtlCol="0" anchor="ctr"/>
+          <a:lstStyle/>
+          <a:p>
+            <a:pPr algn="ctr"/>
+            <a:r>
+              <a:rPr lang="de-DE" sz="1400" dirty="0">
+                <a:solidFill>
+                  <a:schemeClr val="tx1"/>
+                </a:solidFill>
+              </a:rPr>
+              <a:t>Train: 80%</a:t>
+            </a:r>
+          </a:p>
+        </p:txBody>
+      </p:sp>
+      <p:sp>
+        <p:nvSpPr>
+          <p:cNvPr id="20" name="Rechteck: abgerundete Ecken 19">
+            <a:extLst>
+              <a:ext uri="{FF2B5EF4-FFF2-40B4-BE49-F238E27FC236}">
+                <a16:creationId xmlns:a16="http://schemas.microsoft.com/office/drawing/2014/main" id="{9E31CA4A-F3D5-4BBA-94A2-2C71DBB325AC}"/>
+              </a:ext>
+            </a:extLst>
+          </p:cNvPr>
+          <p:cNvSpPr/>
+          <p:nvPr/>
+        </p:nvSpPr>
+        <p:spPr>
+          <a:xfrm>
+            <a:off x="4431435" y="2263714"/>
+            <a:ext cx="918013" cy="393799"/>
+          </a:xfrm>
+          <a:prstGeom prst="roundRect">
+            <a:avLst/>
+          </a:prstGeom>
+          <a:solidFill>
+            <a:schemeClr val="bg1"/>
+          </a:solidFill>
+          <a:ln w="19050">
+            <a:solidFill>
+              <a:schemeClr val="tx1"/>
+            </a:solidFill>
+          </a:ln>
+        </p:spPr>
+        <p:style>
+          <a:lnRef idx="2">
+            <a:schemeClr val="accent1">
+              <a:shade val="50000"/>
+            </a:schemeClr>
+          </a:lnRef>
+          <a:fillRef idx="1">
+            <a:schemeClr val="accent1"/>
+          </a:fillRef>
+          <a:effectRef idx="0">
+            <a:schemeClr val="accent1"/>
+          </a:effectRef>
+          <a:fontRef idx="minor">
+            <a:schemeClr val="lt1"/>
+          </a:fontRef>
+        </p:style>
+        <p:txBody>
+          <a:bodyPr rtlCol="0" anchor="ctr"/>
+          <a:lstStyle/>
+          <a:p>
+            <a:pPr algn="ctr"/>
+            <a:r>
+              <a:rPr lang="de-DE" sz="1400" dirty="0">
+                <a:solidFill>
+                  <a:schemeClr val="tx1"/>
+                </a:solidFill>
+              </a:rPr>
+              <a:t>Test: 20%</a:t>
+            </a:r>
+          </a:p>
+        </p:txBody>
+      </p:sp>
+      <p:sp>
+        <p:nvSpPr>
+          <p:cNvPr id="21" name="Rechteck: abgerundete Ecken 20">
+            <a:extLst>
+              <a:ext uri="{FF2B5EF4-FFF2-40B4-BE49-F238E27FC236}">
+                <a16:creationId xmlns:a16="http://schemas.microsoft.com/office/drawing/2014/main" id="{A3425973-589F-45C8-9F7A-2A646DE623E6}"/>
+              </a:ext>
+            </a:extLst>
+          </p:cNvPr>
+          <p:cNvSpPr/>
+          <p:nvPr/>
+        </p:nvSpPr>
+        <p:spPr>
+          <a:xfrm>
+            <a:off x="1349411" y="2836998"/>
+            <a:ext cx="2050504" cy="376874"/>
+          </a:xfrm>
+          <a:prstGeom prst="roundRect">
+            <a:avLst/>
+          </a:prstGeom>
+          <a:solidFill>
+            <a:schemeClr val="bg1"/>
+          </a:solidFill>
+          <a:ln w="19050">
+            <a:solidFill>
+              <a:schemeClr val="tx1"/>
+            </a:solidFill>
+          </a:ln>
+        </p:spPr>
+        <p:style>
+          <a:lnRef idx="2">
+            <a:schemeClr val="accent1">
+              <a:shade val="50000"/>
+            </a:schemeClr>
+          </a:lnRef>
+          <a:fillRef idx="1">
+            <a:schemeClr val="accent1"/>
+          </a:fillRef>
+          <a:effectRef idx="0">
+            <a:schemeClr val="accent1"/>
+          </a:effectRef>
+          <a:fontRef idx="minor">
+            <a:schemeClr val="lt1"/>
+          </a:fontRef>
+        </p:style>
+        <p:txBody>
+          <a:bodyPr rtlCol="0" anchor="ctr"/>
+          <a:lstStyle/>
+          <a:p>
+            <a:pPr algn="ctr"/>
+            <a:r>
+              <a:rPr lang="de-DE" sz="1400" dirty="0">
+                <a:solidFill>
+                  <a:schemeClr val="tx1"/>
+                </a:solidFill>
+              </a:rPr>
+              <a:t>Train: 80%</a:t>
+            </a:r>
+          </a:p>
+        </p:txBody>
+      </p:sp>
+      <p:sp>
+        <p:nvSpPr>
+          <p:cNvPr id="22" name="Rechteck: abgerundete Ecken 21">
+            <a:extLst>
+              <a:ext uri="{FF2B5EF4-FFF2-40B4-BE49-F238E27FC236}">
+                <a16:creationId xmlns:a16="http://schemas.microsoft.com/office/drawing/2014/main" id="{0BB0D0A1-0073-492A-8FC5-2E12A9BECFE1}"/>
+              </a:ext>
+            </a:extLst>
+          </p:cNvPr>
+          <p:cNvSpPr/>
+          <p:nvPr/>
+        </p:nvSpPr>
+        <p:spPr>
+          <a:xfrm>
+            <a:off x="3456668" y="2820071"/>
+            <a:ext cx="918013" cy="393799"/>
+          </a:xfrm>
+          <a:prstGeom prst="roundRect">
+            <a:avLst/>
+          </a:prstGeom>
+          <a:solidFill>
+            <a:schemeClr val="bg1"/>
+          </a:solidFill>
+          <a:ln w="19050">
+            <a:solidFill>
+              <a:schemeClr val="tx1"/>
+            </a:solidFill>
+          </a:ln>
+        </p:spPr>
+        <p:style>
+          <a:lnRef idx="2">
+            <a:schemeClr val="accent1">
+              <a:shade val="50000"/>
+            </a:schemeClr>
+          </a:lnRef>
+          <a:fillRef idx="1">
+            <a:schemeClr val="accent1"/>
+          </a:fillRef>
+          <a:effectRef idx="0">
+            <a:schemeClr val="accent1"/>
+          </a:effectRef>
+          <a:fontRef idx="minor">
+            <a:schemeClr val="lt1"/>
+          </a:fontRef>
+        </p:style>
+        <p:txBody>
+          <a:bodyPr rtlCol="0" anchor="ctr"/>
+          <a:lstStyle/>
+          <a:p>
+            <a:pPr algn="ctr"/>
+            <a:r>
+              <a:rPr lang="de-DE" sz="1400" dirty="0">
+                <a:solidFill>
+                  <a:schemeClr val="tx1"/>
+                </a:solidFill>
+              </a:rPr>
+              <a:t>Test: 20%</a:t>
+            </a:r>
+          </a:p>
+        </p:txBody>
+      </p:sp>
+      <p:sp>
+        <p:nvSpPr>
+          <p:cNvPr id="25" name="Rechteck: abgerundete Ecken 24">
+            <a:extLst>
+              <a:ext uri="{FF2B5EF4-FFF2-40B4-BE49-F238E27FC236}">
+                <a16:creationId xmlns:a16="http://schemas.microsoft.com/office/drawing/2014/main" id="{F44400FB-F9A2-4CB0-BC99-B2E1FA3D20C8}"/>
+              </a:ext>
+            </a:extLst>
+          </p:cNvPr>
+          <p:cNvSpPr/>
+          <p:nvPr/>
+        </p:nvSpPr>
+        <p:spPr>
+          <a:xfrm>
+            <a:off x="4431435" y="2820071"/>
+            <a:ext cx="918013" cy="393799"/>
+          </a:xfrm>
+          <a:prstGeom prst="roundRect">
+            <a:avLst/>
+          </a:prstGeom>
+          <a:solidFill>
+            <a:schemeClr val="bg1"/>
+          </a:solidFill>
+          <a:ln w="19050">
+            <a:solidFill>
+              <a:schemeClr val="tx1"/>
+            </a:solidFill>
+          </a:ln>
+        </p:spPr>
+        <p:style>
+          <a:lnRef idx="2">
+            <a:schemeClr val="accent1">
+              <a:shade val="50000"/>
+            </a:schemeClr>
+          </a:lnRef>
+          <a:fillRef idx="1">
+            <a:schemeClr val="accent1"/>
+          </a:fillRef>
+          <a:effectRef idx="0">
+            <a:schemeClr val="accent1"/>
+          </a:effectRef>
+          <a:fontRef idx="minor">
+            <a:schemeClr val="lt1"/>
+          </a:fontRef>
+        </p:style>
+        <p:txBody>
+          <a:bodyPr rtlCol="0" anchor="ctr"/>
+          <a:lstStyle/>
+          <a:p>
+            <a:pPr algn="ctr"/>
+            <a:r>
+              <a:rPr lang="de-DE" sz="1400" dirty="0">
+                <a:solidFill>
+                  <a:schemeClr val="tx1"/>
+                </a:solidFill>
+              </a:rPr>
+              <a:t>Train</a:t>
+            </a:r>
+          </a:p>
+        </p:txBody>
+      </p:sp>
+      <p:sp>
+        <p:nvSpPr>
+          <p:cNvPr id="29" name="Rechteck: abgerundete Ecken 28">
+            <a:extLst>
+              <a:ext uri="{FF2B5EF4-FFF2-40B4-BE49-F238E27FC236}">
+                <a16:creationId xmlns:a16="http://schemas.microsoft.com/office/drawing/2014/main" id="{6B9D21D1-3979-4AD0-8686-7E7D86E557BC}"/>
+              </a:ext>
+            </a:extLst>
+          </p:cNvPr>
+          <p:cNvSpPr/>
+          <p:nvPr/>
+        </p:nvSpPr>
+        <p:spPr>
+          <a:xfrm>
+            <a:off x="1349409" y="3825317"/>
+            <a:ext cx="918013" cy="393799"/>
+          </a:xfrm>
+          <a:prstGeom prst="roundRect">
+            <a:avLst/>
+          </a:prstGeom>
+          <a:solidFill>
+            <a:schemeClr val="bg1"/>
+          </a:solidFill>
+          <a:ln w="19050">
+            <a:solidFill>
+              <a:schemeClr val="tx1"/>
+            </a:solidFill>
+          </a:ln>
+        </p:spPr>
+        <p:style>
+          <a:lnRef idx="2">
+            <a:schemeClr val="accent1">
+              <a:shade val="50000"/>
+            </a:schemeClr>
+          </a:lnRef>
+          <a:fillRef idx="1">
+            <a:schemeClr val="accent1"/>
+          </a:fillRef>
+          <a:effectRef idx="0">
+            <a:schemeClr val="accent1"/>
+          </a:effectRef>
+          <a:fontRef idx="minor">
+            <a:schemeClr val="lt1"/>
+          </a:fontRef>
+        </p:style>
+        <p:txBody>
+          <a:bodyPr rtlCol="0" anchor="ctr"/>
+          <a:lstStyle/>
+          <a:p>
+            <a:pPr algn="ctr"/>
+            <a:r>
+              <a:rPr lang="de-DE" sz="1400" dirty="0">
+                <a:solidFill>
+                  <a:schemeClr val="tx1"/>
+                </a:solidFill>
+              </a:rPr>
+              <a:t>Test: 20%</a:t>
+            </a:r>
+          </a:p>
+        </p:txBody>
+      </p:sp>
+      <p:sp>
+        <p:nvSpPr>
+          <p:cNvPr id="30" name="Rechteck: abgerundete Ecken 29">
+            <a:extLst>
+              <a:ext uri="{FF2B5EF4-FFF2-40B4-BE49-F238E27FC236}">
+                <a16:creationId xmlns:a16="http://schemas.microsoft.com/office/drawing/2014/main" id="{D4C5A428-02C8-45A4-998E-56DA2FB1A94A}"/>
+              </a:ext>
+            </a:extLst>
+          </p:cNvPr>
+          <p:cNvSpPr/>
+          <p:nvPr/>
+        </p:nvSpPr>
+        <p:spPr>
+          <a:xfrm>
+            <a:off x="2318094" y="3823910"/>
+            <a:ext cx="3026263" cy="393798"/>
+          </a:xfrm>
+          <a:prstGeom prst="roundRect">
+            <a:avLst/>
+          </a:prstGeom>
+          <a:solidFill>
+            <a:schemeClr val="bg1"/>
+          </a:solidFill>
+          <a:ln w="19050">
+            <a:solidFill>
+              <a:schemeClr val="tx1"/>
+            </a:solidFill>
+          </a:ln>
+        </p:spPr>
+        <p:style>
+          <a:lnRef idx="2">
+            <a:schemeClr val="accent1">
+              <a:shade val="50000"/>
+            </a:schemeClr>
+          </a:lnRef>
+          <a:fillRef idx="1">
+            <a:schemeClr val="accent1"/>
+          </a:fillRef>
+          <a:effectRef idx="0">
+            <a:schemeClr val="accent1"/>
+          </a:effectRef>
+          <a:fontRef idx="minor">
+            <a:schemeClr val="lt1"/>
+          </a:fontRef>
+        </p:style>
+        <p:txBody>
+          <a:bodyPr rtlCol="0" anchor="ctr"/>
+          <a:lstStyle/>
+          <a:p>
+            <a:pPr algn="ctr"/>
+            <a:r>
+              <a:rPr lang="de-DE" sz="1400" dirty="0">
+                <a:solidFill>
+                  <a:schemeClr val="tx1"/>
+                </a:solidFill>
+              </a:rPr>
+              <a:t>Train: 80%</a:t>
+            </a:r>
+          </a:p>
+        </p:txBody>
+      </p:sp>
+      <p:sp>
+        <p:nvSpPr>
+          <p:cNvPr id="14" name="Ellipse 13">
+            <a:extLst>
+              <a:ext uri="{FF2B5EF4-FFF2-40B4-BE49-F238E27FC236}">
+                <a16:creationId xmlns:a16="http://schemas.microsoft.com/office/drawing/2014/main" id="{9E65AD93-33AF-4D86-9E5F-7DC8D2D9A02F}"/>
+              </a:ext>
+            </a:extLst>
+          </p:cNvPr>
+          <p:cNvSpPr/>
+          <p:nvPr/>
+        </p:nvSpPr>
+        <p:spPr>
+          <a:xfrm>
+            <a:off x="3266987" y="3293616"/>
+            <a:ext cx="98990" cy="126464"/>
+          </a:xfrm>
+          <a:prstGeom prst="ellipse">
+            <a:avLst/>
+          </a:prstGeom>
+          <a:solidFill>
+            <a:schemeClr val="bg1"/>
+          </a:solidFill>
+          <a:ln w="19050">
+            <a:solidFill>
+              <a:schemeClr val="tx1"/>
+            </a:solidFill>
+          </a:ln>
+        </p:spPr>
+        <p:style>
+          <a:lnRef idx="2">
+            <a:schemeClr val="accent1">
+              <a:shade val="50000"/>
+            </a:schemeClr>
+          </a:lnRef>
+          <a:fillRef idx="1">
+            <a:schemeClr val="accent1"/>
+          </a:fillRef>
+          <a:effectRef idx="0">
+            <a:schemeClr val="accent1"/>
+          </a:effectRef>
+          <a:fontRef idx="minor">
+            <a:schemeClr val="lt1"/>
+          </a:fontRef>
+        </p:style>
+        <p:txBody>
+          <a:bodyPr rtlCol="0" anchor="ctr"/>
+          <a:lstStyle/>
+          <a:p>
+            <a:pPr algn="ctr"/>
+            <a:endParaRPr lang="de-DE">
+              <a:solidFill>
+                <a:schemeClr val="tx1"/>
+              </a:solidFill>
+            </a:endParaRPr>
+          </a:p>
+        </p:txBody>
+      </p:sp>
+      <p:sp>
+        <p:nvSpPr>
+          <p:cNvPr id="31" name="Ellipse 30">
+            <a:extLst>
+              <a:ext uri="{FF2B5EF4-FFF2-40B4-BE49-F238E27FC236}">
+                <a16:creationId xmlns:a16="http://schemas.microsoft.com/office/drawing/2014/main" id="{964BD021-8186-4C99-B7A8-C3316E097DB5}"/>
+              </a:ext>
+            </a:extLst>
+          </p:cNvPr>
+          <p:cNvSpPr/>
+          <p:nvPr/>
+        </p:nvSpPr>
+        <p:spPr>
+          <a:xfrm>
+            <a:off x="3266987" y="3471952"/>
+            <a:ext cx="98990" cy="126464"/>
+          </a:xfrm>
+          <a:prstGeom prst="ellipse">
+            <a:avLst/>
+          </a:prstGeom>
+          <a:solidFill>
+            <a:schemeClr val="bg1"/>
+          </a:solidFill>
+          <a:ln w="19050">
+            <a:solidFill>
+              <a:schemeClr val="tx1"/>
+            </a:solidFill>
+          </a:ln>
+        </p:spPr>
+        <p:style>
+          <a:lnRef idx="2">
+            <a:schemeClr val="accent1">
+              <a:shade val="50000"/>
+            </a:schemeClr>
+          </a:lnRef>
+          <a:fillRef idx="1">
+            <a:schemeClr val="accent1"/>
+          </a:fillRef>
+          <a:effectRef idx="0">
+            <a:schemeClr val="accent1"/>
+          </a:effectRef>
+          <a:fontRef idx="minor">
+            <a:schemeClr val="lt1"/>
+          </a:fontRef>
+        </p:style>
+        <p:txBody>
+          <a:bodyPr rtlCol="0" anchor="ctr"/>
+          <a:lstStyle/>
+          <a:p>
+            <a:pPr algn="ctr"/>
+            <a:endParaRPr lang="de-DE">
+              <a:solidFill>
+                <a:schemeClr val="tx1"/>
+              </a:solidFill>
+            </a:endParaRPr>
+          </a:p>
+        </p:txBody>
+      </p:sp>
+      <p:sp>
+        <p:nvSpPr>
+          <p:cNvPr id="32" name="Ellipse 31">
+            <a:extLst>
+              <a:ext uri="{FF2B5EF4-FFF2-40B4-BE49-F238E27FC236}">
+                <a16:creationId xmlns:a16="http://schemas.microsoft.com/office/drawing/2014/main" id="{AF0483D2-3249-46EE-96F2-A181C2013716}"/>
+              </a:ext>
+            </a:extLst>
+          </p:cNvPr>
+          <p:cNvSpPr/>
+          <p:nvPr/>
+        </p:nvSpPr>
+        <p:spPr>
+          <a:xfrm>
+            <a:off x="3266987" y="3636365"/>
+            <a:ext cx="98990" cy="126464"/>
+          </a:xfrm>
+          <a:prstGeom prst="ellipse">
+            <a:avLst/>
+          </a:prstGeom>
+          <a:solidFill>
+            <a:schemeClr val="bg1"/>
+          </a:solidFill>
+          <a:ln w="19050">
+            <a:solidFill>
+              <a:schemeClr val="tx1"/>
+            </a:solidFill>
+          </a:ln>
+        </p:spPr>
+        <p:style>
+          <a:lnRef idx="2">
+            <a:schemeClr val="accent1">
+              <a:shade val="50000"/>
+            </a:schemeClr>
+          </a:lnRef>
+          <a:fillRef idx="1">
+            <a:schemeClr val="accent1"/>
+          </a:fillRef>
+          <a:effectRef idx="0">
+            <a:schemeClr val="accent1"/>
+          </a:effectRef>
+          <a:fontRef idx="minor">
+            <a:schemeClr val="lt1"/>
+          </a:fontRef>
+        </p:style>
+        <p:txBody>
+          <a:bodyPr rtlCol="0" anchor="ctr"/>
+          <a:lstStyle/>
+          <a:p>
+            <a:pPr algn="ctr"/>
+            <a:endParaRPr lang="de-DE">
+              <a:solidFill>
+                <a:schemeClr val="tx1"/>
+              </a:solidFill>
+            </a:endParaRPr>
+          </a:p>
+        </p:txBody>
+      </p:sp>
+      <p:sp>
+        <p:nvSpPr>
+          <p:cNvPr id="16" name="Textfeld 15">
+            <a:extLst>
+              <a:ext uri="{FF2B5EF4-FFF2-40B4-BE49-F238E27FC236}">
+                <a16:creationId xmlns:a16="http://schemas.microsoft.com/office/drawing/2014/main" id="{19BC2E17-526D-45FD-B0D5-E5E32075592C}"/>
+              </a:ext>
+            </a:extLst>
+          </p:cNvPr>
+          <p:cNvSpPr txBox="1"/>
+          <p:nvPr/>
+        </p:nvSpPr>
+        <p:spPr>
+          <a:xfrm>
+            <a:off x="616505" y="1459479"/>
+            <a:ext cx="905522" cy="307777"/>
+          </a:xfrm>
+          <a:prstGeom prst="rect">
+            <a:avLst/>
+          </a:prstGeom>
+          <a:noFill/>
+        </p:spPr>
+        <p:txBody>
+          <a:bodyPr wrap="square" rtlCol="0">
+            <a:spAutoFit/>
+          </a:bodyPr>
+          <a:lstStyle/>
+          <a:p>
+            <a:r>
+              <a:rPr lang="de-DE" sz="1400" dirty="0"/>
+              <a:t>Input</a:t>
+            </a:r>
+          </a:p>
+        </p:txBody>
+      </p:sp>
+      <p:sp>
+        <p:nvSpPr>
+          <p:cNvPr id="34" name="Textfeld 33">
+            <a:extLst>
+              <a:ext uri="{FF2B5EF4-FFF2-40B4-BE49-F238E27FC236}">
+                <a16:creationId xmlns:a16="http://schemas.microsoft.com/office/drawing/2014/main" id="{822274E8-3099-466D-A8D9-A8836C16B44F}"/>
+              </a:ext>
+            </a:extLst>
+          </p:cNvPr>
+          <p:cNvSpPr txBox="1"/>
+          <p:nvPr/>
+        </p:nvSpPr>
+        <p:spPr>
+          <a:xfrm>
+            <a:off x="616505" y="2501530"/>
+            <a:ext cx="905522" cy="954107"/>
+          </a:xfrm>
+          <a:prstGeom prst="rect">
+            <a:avLst/>
+          </a:prstGeom>
+          <a:noFill/>
+        </p:spPr>
+        <p:txBody>
+          <a:bodyPr wrap="square" rtlCol="0">
+            <a:spAutoFit/>
+          </a:bodyPr>
+          <a:lstStyle/>
+          <a:p>
+            <a:r>
+              <a:rPr lang="de-DE" sz="1400" dirty="0"/>
+              <a:t>Train- </a:t>
+            </a:r>
+          </a:p>
+          <a:p>
+            <a:r>
+              <a:rPr lang="de-DE" sz="1400" dirty="0"/>
+              <a:t>And </a:t>
+            </a:r>
+          </a:p>
+          <a:p>
+            <a:r>
+              <a:rPr lang="de-DE" sz="1400" dirty="0"/>
+              <a:t>Test-</a:t>
+            </a:r>
+          </a:p>
+          <a:p>
+            <a:r>
+              <a:rPr lang="de-DE" sz="1400" dirty="0"/>
+              <a:t>Splits</a:t>
+            </a:r>
+          </a:p>
+        </p:txBody>
+      </p:sp>
+      <p:sp>
+        <p:nvSpPr>
+          <p:cNvPr id="18" name="Textfeld 17">
+            <a:extLst>
+              <a:ext uri="{FF2B5EF4-FFF2-40B4-BE49-F238E27FC236}">
+                <a16:creationId xmlns:a16="http://schemas.microsoft.com/office/drawing/2014/main" id="{8E726E2E-D7C8-48A9-A695-90255902B9EB}"/>
+              </a:ext>
+            </a:extLst>
+          </p:cNvPr>
+          <p:cNvSpPr txBox="1"/>
+          <p:nvPr/>
+        </p:nvSpPr>
+        <p:spPr>
+          <a:xfrm>
+            <a:off x="397512" y="4613359"/>
+            <a:ext cx="1031796" cy="307777"/>
+          </a:xfrm>
+          <a:prstGeom prst="rect">
+            <a:avLst/>
+          </a:prstGeom>
+          <a:noFill/>
+        </p:spPr>
+        <p:txBody>
+          <a:bodyPr wrap="square" rtlCol="0">
+            <a:spAutoFit/>
+          </a:bodyPr>
+          <a:lstStyle/>
+          <a:p>
+            <a:r>
+              <a:rPr lang="de-DE" sz="1400" dirty="0" err="1"/>
+              <a:t>Prediction</a:t>
+            </a:r>
+            <a:endParaRPr lang="de-DE" sz="1400" dirty="0"/>
+          </a:p>
+        </p:txBody>
+      </p:sp>
+      <p:sp>
+        <p:nvSpPr>
+          <p:cNvPr id="37" name="Rechteck: abgerundete Ecken 36">
+            <a:extLst>
+              <a:ext uri="{FF2B5EF4-FFF2-40B4-BE49-F238E27FC236}">
+                <a16:creationId xmlns:a16="http://schemas.microsoft.com/office/drawing/2014/main" id="{8D11CB97-8D46-4DF0-A065-22F25F1A10FC}"/>
+              </a:ext>
+            </a:extLst>
+          </p:cNvPr>
+          <p:cNvSpPr/>
+          <p:nvPr/>
+        </p:nvSpPr>
+        <p:spPr>
+          <a:xfrm>
+            <a:off x="1349409" y="4627753"/>
+            <a:ext cx="3994950" cy="376874"/>
+          </a:xfrm>
+          <a:prstGeom prst="roundRect">
+            <a:avLst/>
+          </a:prstGeom>
+          <a:solidFill>
+            <a:schemeClr val="bg1"/>
+          </a:solidFill>
+          <a:ln w="19050">
+            <a:solidFill>
+              <a:schemeClr val="tx1"/>
+            </a:solidFill>
+          </a:ln>
+        </p:spPr>
+        <p:style>
+          <a:lnRef idx="2">
+            <a:schemeClr val="accent1">
+              <a:shade val="50000"/>
+            </a:schemeClr>
+          </a:lnRef>
+          <a:fillRef idx="1">
+            <a:schemeClr val="accent1"/>
+          </a:fillRef>
+          <a:effectRef idx="0">
+            <a:schemeClr val="accent1"/>
+          </a:effectRef>
+          <a:fontRef idx="minor">
+            <a:schemeClr val="lt1"/>
+          </a:fontRef>
+        </p:style>
+        <p:txBody>
+          <a:bodyPr rtlCol="0" anchor="ctr"/>
+          <a:lstStyle/>
+          <a:p>
+            <a:pPr algn="ctr"/>
+            <a:r>
+              <a:rPr lang="de-DE" sz="1400" dirty="0" err="1">
+                <a:solidFill>
+                  <a:schemeClr val="tx1"/>
+                </a:solidFill>
+              </a:rPr>
+              <a:t>Prediction</a:t>
+            </a:r>
+            <a:r>
+              <a:rPr lang="de-DE" sz="1400" dirty="0">
+                <a:solidFill>
+                  <a:schemeClr val="tx1"/>
+                </a:solidFill>
+              </a:rPr>
+              <a:t> </a:t>
+            </a:r>
+            <a:r>
+              <a:rPr lang="de-DE" sz="1400" dirty="0" err="1">
+                <a:solidFill>
+                  <a:schemeClr val="tx1"/>
+                </a:solidFill>
+              </a:rPr>
+              <a:t>for</a:t>
+            </a:r>
+            <a:r>
+              <a:rPr lang="de-DE" sz="1400" dirty="0">
+                <a:solidFill>
+                  <a:schemeClr val="tx1"/>
+                </a:solidFill>
+              </a:rPr>
+              <a:t> </a:t>
+            </a:r>
+            <a:r>
+              <a:rPr lang="de-DE" sz="1400" dirty="0" err="1">
+                <a:solidFill>
+                  <a:schemeClr val="tx1"/>
+                </a:solidFill>
+              </a:rPr>
+              <a:t>each</a:t>
+            </a:r>
+            <a:r>
+              <a:rPr lang="de-DE" sz="1400" dirty="0">
+                <a:solidFill>
+                  <a:schemeClr val="tx1"/>
+                </a:solidFill>
+              </a:rPr>
+              <a:t> Observation</a:t>
+            </a:r>
+          </a:p>
+        </p:txBody>
+      </p:sp>
+      <p:cxnSp>
+        <p:nvCxnSpPr>
+          <p:cNvPr id="36" name="Gerade Verbindung mit Pfeil 35">
+            <a:extLst>
+              <a:ext uri="{FF2B5EF4-FFF2-40B4-BE49-F238E27FC236}">
+                <a16:creationId xmlns:a16="http://schemas.microsoft.com/office/drawing/2014/main" id="{53B6C454-E0B8-4385-81BA-1DE825F3AC97}"/>
+              </a:ext>
+            </a:extLst>
+          </p:cNvPr>
+          <p:cNvCxnSpPr/>
+          <p:nvPr/>
+        </p:nvCxnSpPr>
+        <p:spPr>
+          <a:xfrm>
+            <a:off x="265339" y="1438372"/>
+            <a:ext cx="0" cy="3496205"/>
+          </a:xfrm>
+          <a:prstGeom prst="straightConnector1">
+            <a:avLst/>
+          </a:prstGeom>
+          <a:ln w="28575">
+            <a:tailEnd type="triangle"/>
+          </a:ln>
+        </p:spPr>
+        <p:style>
+          <a:lnRef idx="1">
+            <a:schemeClr val="accent1"/>
+          </a:lnRef>
+          <a:fillRef idx="0">
+            <a:schemeClr val="accent1"/>
+          </a:fillRef>
+          <a:effectRef idx="0">
+            <a:schemeClr val="accent1"/>
+          </a:effectRef>
+          <a:fontRef idx="minor">
+            <a:schemeClr val="tx1"/>
+          </a:fontRef>
+        </p:style>
+      </p:cxnSp>
+    </p:spTree>
+    <p:extLst>
+      <p:ext uri="{BB962C8B-B14F-4D97-AF65-F5344CB8AC3E}">
+        <p14:creationId xmlns:p14="http://schemas.microsoft.com/office/powerpoint/2010/main" val="2209340228"/>
+      </p:ext>
+    </p:extLst>
+  </p:cSld>
+  <p:clrMapOvr>
+    <a:masterClrMapping/>
+  </p:clrMapOvr>
+</p:sld>
+</file>
+
+<file path=ppt/slides/slide5.xml><?xml version="1.0" encoding="utf-8"?>
+<p:sld xmlns:a="http://schemas.openxmlformats.org/drawingml/2006/main" xmlns:r="http://schemas.openxmlformats.org/officeDocument/2006/relationships" xmlns:p="http://schemas.openxmlformats.org/presentationml/2006/main">
+  <p:cSld>
+    <p:spTree>
+      <p:nvGrpSpPr>
+        <p:cNvPr id="1" name=""/>
+        <p:cNvGrpSpPr/>
+        <p:nvPr/>
+      </p:nvGrpSpPr>
+      <p:grpSpPr>
+        <a:xfrm>
+          <a:off x="0" y="0"/>
+          <a:ext cx="0" cy="0"/>
+          <a:chOff x="0" y="0"/>
+          <a:chExt cx="0" cy="0"/>
+        </a:xfrm>
+      </p:grpSpPr>
+      <p:sp>
+        <p:nvSpPr>
+          <p:cNvPr id="4" name="Titel 3">
+            <a:extLst>
+              <a:ext uri="{FF2B5EF4-FFF2-40B4-BE49-F238E27FC236}">
+                <a16:creationId xmlns:a16="http://schemas.microsoft.com/office/drawing/2014/main" id="{DF525FEB-9A3A-4B44-8317-78A8A253F77A}"/>
+              </a:ext>
+            </a:extLst>
+          </p:cNvPr>
+          <p:cNvSpPr>
+            <a:spLocks noGrp="1"/>
+          </p:cNvSpPr>
+          <p:nvPr>
+            <p:ph type="title"/>
+          </p:nvPr>
+        </p:nvSpPr>
+        <p:spPr>
+          <a:xfrm>
+            <a:off x="838200" y="132651"/>
+            <a:ext cx="10515600" cy="646140"/>
+          </a:xfrm>
+        </p:spPr>
+        <p:txBody>
+          <a:bodyPr>
+            <a:normAutofit fontScale="90000"/>
+          </a:bodyPr>
+          <a:lstStyle/>
+          <a:p>
+            <a:r>
+              <a:rPr lang="de-DE" dirty="0"/>
+              <a:t>Solution</a:t>
+            </a:r>
+          </a:p>
+        </p:txBody>
+      </p:sp>
+      <p:sp>
+        <p:nvSpPr>
+          <p:cNvPr id="5" name="Inhaltsplatzhalter 4">
+            <a:extLst>
+              <a:ext uri="{FF2B5EF4-FFF2-40B4-BE49-F238E27FC236}">
+                <a16:creationId xmlns:a16="http://schemas.microsoft.com/office/drawing/2014/main" id="{0F615D91-DCC0-42C6-85C6-0960A564BE37}"/>
+              </a:ext>
+            </a:extLst>
+          </p:cNvPr>
+          <p:cNvSpPr>
+            <a:spLocks noGrp="1"/>
+          </p:cNvSpPr>
+          <p:nvPr>
+            <p:ph idx="1"/>
+          </p:nvPr>
+        </p:nvSpPr>
+        <p:spPr>
+          <a:xfrm>
+            <a:off x="838197" y="3154605"/>
+            <a:ext cx="7329407" cy="894328"/>
+          </a:xfrm>
+        </p:spPr>
+        <p:txBody>
+          <a:bodyPr/>
+          <a:lstStyle/>
+          <a:p>
+            <a:pPr marL="0" indent="0">
+              <a:buNone/>
+            </a:pPr>
+            <a:r>
+              <a:rPr lang="de-DE" dirty="0"/>
+              <a:t>Hier </a:t>
+            </a:r>
+            <a:r>
+              <a:rPr lang="de-DE" dirty="0" err="1"/>
+              <a:t>XGBoost</a:t>
+            </a:r>
+            <a:r>
+              <a:rPr lang="de-DE" dirty="0"/>
+              <a:t> und </a:t>
+            </a:r>
+            <a:r>
+              <a:rPr lang="de-DE" dirty="0" err="1"/>
+              <a:t>LogisticRegression</a:t>
+            </a:r>
+            <a:r>
+              <a:rPr lang="de-DE" dirty="0"/>
+              <a:t> darstellen</a:t>
+            </a:r>
+          </a:p>
+        </p:txBody>
+      </p:sp>
+      <p:sp>
+        <p:nvSpPr>
+          <p:cNvPr id="6" name="Titel 3">
+            <a:extLst>
+              <a:ext uri="{FF2B5EF4-FFF2-40B4-BE49-F238E27FC236}">
+                <a16:creationId xmlns:a16="http://schemas.microsoft.com/office/drawing/2014/main" id="{184ABA1D-901D-46EF-B342-1D914341B95A}"/>
+              </a:ext>
+            </a:extLst>
+          </p:cNvPr>
+          <p:cNvSpPr txBox="1">
+            <a:spLocks/>
+          </p:cNvSpPr>
+          <p:nvPr/>
+        </p:nvSpPr>
+        <p:spPr>
+          <a:xfrm>
+            <a:off x="789122" y="681037"/>
+            <a:ext cx="10515600" cy="646140"/>
+          </a:xfrm>
+          <a:prstGeom prst="rect">
+            <a:avLst/>
+          </a:prstGeom>
+        </p:spPr>
+        <p:txBody>
+          <a:bodyPr vert="horz" lIns="91440" tIns="45720" rIns="91440" bIns="45720" rtlCol="0" anchor="ctr">
+            <a:normAutofit fontScale="97500" lnSpcReduction="10000"/>
+          </a:bodyPr>
+          <a:lstStyle>
+            <a:lvl1pPr algn="l" defTabSz="914400" rtl="0" eaLnBrk="1" latinLnBrk="0" hangingPunct="1">
+              <a:lnSpc>
+                <a:spcPct val="90000"/>
+              </a:lnSpc>
+              <a:spcBef>
+                <a:spcPct val="0"/>
+              </a:spcBef>
+              <a:buNone/>
+              <a:defRPr sz="4400" kern="1200">
+                <a:solidFill>
+                  <a:schemeClr val="tx1"/>
+                </a:solidFill>
+                <a:latin typeface="+mj-lt"/>
+                <a:ea typeface="+mj-ea"/>
+                <a:cs typeface="+mj-cs"/>
+              </a:defRPr>
+            </a:lvl1pPr>
+          </a:lstStyle>
+          <a:p>
+            <a:endParaRPr lang="de-DE" dirty="0"/>
+          </a:p>
+        </p:txBody>
+      </p:sp>
+      <p:sp>
+        <p:nvSpPr>
+          <p:cNvPr id="7" name="Titel 3">
+            <a:extLst>
+              <a:ext uri="{FF2B5EF4-FFF2-40B4-BE49-F238E27FC236}">
+                <a16:creationId xmlns:a16="http://schemas.microsoft.com/office/drawing/2014/main" id="{8FFFBFA7-2967-4206-BCCD-A38584B24862}"/>
+              </a:ext>
+            </a:extLst>
+          </p:cNvPr>
+          <p:cNvSpPr txBox="1">
+            <a:spLocks/>
+          </p:cNvSpPr>
+          <p:nvPr/>
+        </p:nvSpPr>
+        <p:spPr>
+          <a:xfrm>
+            <a:off x="789122" y="778791"/>
+            <a:ext cx="10515600" cy="646140"/>
+          </a:xfrm>
+          <a:prstGeom prst="rect">
+            <a:avLst/>
+          </a:prstGeom>
+        </p:spPr>
+        <p:txBody>
+          <a:bodyPr vert="horz" lIns="91440" tIns="45720" rIns="91440" bIns="45720" rtlCol="0" anchor="ctr">
+            <a:normAutofit fontScale="97500"/>
+          </a:bodyPr>
+          <a:lstStyle>
+            <a:lvl1pPr algn="l" defTabSz="914400" rtl="0" eaLnBrk="1" latinLnBrk="0" hangingPunct="1">
+              <a:lnSpc>
+                <a:spcPct val="90000"/>
+              </a:lnSpc>
+              <a:spcBef>
+                <a:spcPct val="0"/>
+              </a:spcBef>
+              <a:buNone/>
+              <a:defRPr sz="4400" kern="1200">
+                <a:solidFill>
+                  <a:schemeClr val="tx1"/>
+                </a:solidFill>
+                <a:latin typeface="+mj-lt"/>
+                <a:ea typeface="+mj-ea"/>
+                <a:cs typeface="+mj-cs"/>
+              </a:defRPr>
+            </a:lvl1pPr>
+          </a:lstStyle>
+          <a:p>
+            <a:endParaRPr lang="de-DE" sz="3200" dirty="0"/>
+          </a:p>
+        </p:txBody>
+      </p:sp>
+      <p:sp>
+        <p:nvSpPr>
+          <p:cNvPr id="8" name="Titel 3">
+            <a:extLst>
+              <a:ext uri="{FF2B5EF4-FFF2-40B4-BE49-F238E27FC236}">
+                <a16:creationId xmlns:a16="http://schemas.microsoft.com/office/drawing/2014/main" id="{BBD9690B-01D5-485D-B4FA-29FC11C016E7}"/>
+              </a:ext>
+            </a:extLst>
+          </p:cNvPr>
+          <p:cNvSpPr txBox="1">
+            <a:spLocks/>
+          </p:cNvSpPr>
+          <p:nvPr/>
+        </p:nvSpPr>
+        <p:spPr>
+          <a:xfrm>
+            <a:off x="838200" y="778791"/>
+            <a:ext cx="10515600" cy="400694"/>
+          </a:xfrm>
+          <a:prstGeom prst="rect">
+            <a:avLst/>
+          </a:prstGeom>
+        </p:spPr>
+        <p:txBody>
+          <a:bodyPr vert="horz" lIns="91440" tIns="45720" rIns="91440" bIns="45720" rtlCol="0" anchor="ctr">
+            <a:normAutofit fontScale="60000" lnSpcReduction="20000"/>
+          </a:bodyPr>
+          <a:lstStyle>
+            <a:lvl1pPr algn="l" defTabSz="914400" rtl="0" eaLnBrk="1" latinLnBrk="0" hangingPunct="1">
+              <a:lnSpc>
+                <a:spcPct val="90000"/>
+              </a:lnSpc>
+              <a:spcBef>
+                <a:spcPct val="0"/>
+              </a:spcBef>
+              <a:buNone/>
+              <a:defRPr sz="4400" kern="1200">
+                <a:solidFill>
+                  <a:schemeClr val="tx1"/>
+                </a:solidFill>
+                <a:latin typeface="+mj-lt"/>
+                <a:ea typeface="+mj-ea"/>
+                <a:cs typeface="+mj-cs"/>
+              </a:defRPr>
+            </a:lvl1pPr>
+          </a:lstStyle>
+          <a:p>
+            <a:endParaRPr lang="de-DE" dirty="0"/>
+          </a:p>
+        </p:txBody>
+      </p:sp>
+      <p:sp>
+        <p:nvSpPr>
+          <p:cNvPr id="9" name="Titel 3">
+            <a:extLst>
+              <a:ext uri="{FF2B5EF4-FFF2-40B4-BE49-F238E27FC236}">
+                <a16:creationId xmlns:a16="http://schemas.microsoft.com/office/drawing/2014/main" id="{AF35CB24-B4F2-4A70-85CA-8FFC67F899AD}"/>
+              </a:ext>
+            </a:extLst>
+          </p:cNvPr>
+          <p:cNvSpPr txBox="1">
+            <a:spLocks/>
+          </p:cNvSpPr>
+          <p:nvPr/>
+        </p:nvSpPr>
+        <p:spPr>
+          <a:xfrm>
+            <a:off x="838200" y="852637"/>
+            <a:ext cx="10515600" cy="646140"/>
+          </a:xfrm>
+          <a:prstGeom prst="rect">
+            <a:avLst/>
+          </a:prstGeom>
+        </p:spPr>
+        <p:txBody>
+          <a:bodyPr vert="horz" lIns="91440" tIns="45720" rIns="91440" bIns="45720" rtlCol="0" anchor="ctr">
+            <a:normAutofit fontScale="97500"/>
+          </a:bodyPr>
+          <a:lstStyle>
+            <a:lvl1pPr algn="l" defTabSz="914400" rtl="0" eaLnBrk="1" latinLnBrk="0" hangingPunct="1">
+              <a:lnSpc>
+                <a:spcPct val="90000"/>
+              </a:lnSpc>
+              <a:spcBef>
+                <a:spcPct val="0"/>
+              </a:spcBef>
+              <a:buNone/>
+              <a:defRPr sz="4400" kern="1200">
+                <a:solidFill>
+                  <a:schemeClr val="tx1"/>
+                </a:solidFill>
+                <a:latin typeface="+mj-lt"/>
+                <a:ea typeface="+mj-ea"/>
+                <a:cs typeface="+mj-cs"/>
+              </a:defRPr>
+            </a:lvl1pPr>
+          </a:lstStyle>
+          <a:p>
             <a:r>
               <a:rPr lang="de-DE" sz="3700" dirty="0" err="1"/>
               <a:t>summary</a:t>
@@ -5565,10 +7918,10 @@
       </p:sp>
       <p:sp>
         <p:nvSpPr>
-          <p:cNvPr id="10" name="Inhaltsplatzhalter 4">
-            <a:extLst>
-              <a:ext uri="{FF2B5EF4-FFF2-40B4-BE49-F238E27FC236}">
-                <a16:creationId xmlns:a16="http://schemas.microsoft.com/office/drawing/2014/main" id="{5B2F41FC-3B80-4886-A26B-2B0AA2EED67C}"/>
+          <p:cNvPr id="11" name="Inhaltsplatzhalter 4">
+            <a:extLst>
+              <a:ext uri="{FF2B5EF4-FFF2-40B4-BE49-F238E27FC236}">
+                <a16:creationId xmlns:a16="http://schemas.microsoft.com/office/drawing/2014/main" id="{A7B96437-9D93-4490-B546-67F8A2E3600A}"/>
               </a:ext>
             </a:extLst>
           </p:cNvPr>
@@ -5579,7 +7932,7 @@
         </p:nvSpPr>
         <p:spPr>
           <a:xfrm>
-            <a:off x="789122" y="3365123"/>
+            <a:off x="838196" y="1801453"/>
             <a:ext cx="7329407" cy="894328"/>
           </a:xfrm>
           <a:prstGeom prst="rect">
@@ -5761,15 +8114,398 @@
             </a:pPr>
             <a:r>
               <a:rPr lang="de-DE" dirty="0"/>
-              <a:t>Hier Ergebnisse der PCA darstellen</a:t>
-            </a:r>
-          </a:p>
-        </p:txBody>
-      </p:sp>
+              <a:t>Hier Evaluation darstellen</a:t>
+            </a:r>
+          </a:p>
+        </p:txBody>
+      </p:sp>
+      <p:graphicFrame>
+        <p:nvGraphicFramePr>
+          <p:cNvPr id="10" name="Tabelle 10">
+            <a:extLst>
+              <a:ext uri="{FF2B5EF4-FFF2-40B4-BE49-F238E27FC236}">
+                <a16:creationId xmlns:a16="http://schemas.microsoft.com/office/drawing/2014/main" id="{6658CE65-7909-4F3C-ACB8-60D2A5EB0C99}"/>
+              </a:ext>
+            </a:extLst>
+          </p:cNvPr>
+          <p:cNvGraphicFramePr>
+            <a:graphicFrameLocks noGrp="1"/>
+          </p:cNvGraphicFramePr>
+          <p:nvPr>
+            <p:extLst>
+              <p:ext uri="{D42A27DB-BD31-4B8C-83A1-F6EECF244321}">
+                <p14:modId xmlns:p14="http://schemas.microsoft.com/office/powerpoint/2010/main" val="3188726080"/>
+              </p:ext>
+            </p:extLst>
+          </p:nvPr>
+        </p:nvGraphicFramePr>
+        <p:xfrm>
+          <a:off x="887278" y="1277238"/>
+          <a:ext cx="10515600" cy="1732292"/>
+        </p:xfrm>
+        <a:graphic>
+          <a:graphicData uri="http://schemas.openxmlformats.org/drawingml/2006/table">
+            <a:tbl>
+              <a:tblPr firstRow="1" bandRow="1">
+                <a:tableStyleId>{5C22544A-7EE6-4342-B048-85BDC9FD1C3A}</a:tableStyleId>
+              </a:tblPr>
+              <a:tblGrid>
+                <a:gridCol w="1752600">
+                  <a:extLst>
+                    <a:ext uri="{9D8B030D-6E8A-4147-A177-3AD203B41FA5}">
+                      <a16:colId xmlns:a16="http://schemas.microsoft.com/office/drawing/2014/main" val="1118657087"/>
+                    </a:ext>
+                  </a:extLst>
+                </a:gridCol>
+                <a:gridCol w="1752600">
+                  <a:extLst>
+                    <a:ext uri="{9D8B030D-6E8A-4147-A177-3AD203B41FA5}">
+                      <a16:colId xmlns:a16="http://schemas.microsoft.com/office/drawing/2014/main" val="2264026426"/>
+                    </a:ext>
+                  </a:extLst>
+                </a:gridCol>
+                <a:gridCol w="1752600">
+                  <a:extLst>
+                    <a:ext uri="{9D8B030D-6E8A-4147-A177-3AD203B41FA5}">
+                      <a16:colId xmlns:a16="http://schemas.microsoft.com/office/drawing/2014/main" val="614028354"/>
+                    </a:ext>
+                  </a:extLst>
+                </a:gridCol>
+                <a:gridCol w="1752600">
+                  <a:extLst>
+                    <a:ext uri="{9D8B030D-6E8A-4147-A177-3AD203B41FA5}">
+                      <a16:colId xmlns:a16="http://schemas.microsoft.com/office/drawing/2014/main" val="3074664205"/>
+                    </a:ext>
+                  </a:extLst>
+                </a:gridCol>
+                <a:gridCol w="1752600">
+                  <a:extLst>
+                    <a:ext uri="{9D8B030D-6E8A-4147-A177-3AD203B41FA5}">
+                      <a16:colId xmlns:a16="http://schemas.microsoft.com/office/drawing/2014/main" val="2418564615"/>
+                    </a:ext>
+                  </a:extLst>
+                </a:gridCol>
+                <a:gridCol w="1752600">
+                  <a:extLst>
+                    <a:ext uri="{9D8B030D-6E8A-4147-A177-3AD203B41FA5}">
+                      <a16:colId xmlns:a16="http://schemas.microsoft.com/office/drawing/2014/main" val="2015301357"/>
+                    </a:ext>
+                  </a:extLst>
+                </a:gridCol>
+              </a:tblGrid>
+              <a:tr h="433073">
+                <a:tc>
+                  <a:txBody>
+                    <a:bodyPr/>
+                    <a:lstStyle/>
+                    <a:p>
+                      <a:endParaRPr lang="de-DE"/>
+                    </a:p>
+                  </a:txBody>
+                  <a:tcPr/>
+                </a:tc>
+                <a:tc>
+                  <a:txBody>
+                    <a:bodyPr/>
+                    <a:lstStyle/>
+                    <a:p>
+                      <a:r>
+                        <a:rPr lang="de-DE" dirty="0"/>
+                        <a:t>Year 1</a:t>
+                      </a:r>
+                    </a:p>
+                  </a:txBody>
+                  <a:tcPr/>
+                </a:tc>
+                <a:tc>
+                  <a:txBody>
+                    <a:bodyPr/>
+                    <a:lstStyle/>
+                    <a:p>
+                      <a:r>
+                        <a:rPr lang="de-DE" dirty="0"/>
+                        <a:t>Year 2</a:t>
+                      </a:r>
+                    </a:p>
+                  </a:txBody>
+                  <a:tcPr/>
+                </a:tc>
+                <a:tc>
+                  <a:txBody>
+                    <a:bodyPr/>
+                    <a:lstStyle/>
+                    <a:p>
+                      <a:r>
+                        <a:rPr lang="de-DE" dirty="0"/>
+                        <a:t>Year 3</a:t>
+                      </a:r>
+                    </a:p>
+                  </a:txBody>
+                  <a:tcPr/>
+                </a:tc>
+                <a:tc>
+                  <a:txBody>
+                    <a:bodyPr/>
+                    <a:lstStyle/>
+                    <a:p>
+                      <a:r>
+                        <a:rPr lang="de-DE" dirty="0"/>
+                        <a:t>Year 4</a:t>
+                      </a:r>
+                    </a:p>
+                  </a:txBody>
+                  <a:tcPr/>
+                </a:tc>
+                <a:tc>
+                  <a:txBody>
+                    <a:bodyPr/>
+                    <a:lstStyle/>
+                    <a:p>
+                      <a:r>
+                        <a:rPr lang="de-DE" dirty="0"/>
+                        <a:t>Year 5</a:t>
+                      </a:r>
+                    </a:p>
+                  </a:txBody>
+                  <a:tcPr/>
+                </a:tc>
+                <a:extLst>
+                  <a:ext uri="{0D108BD9-81ED-4DB2-BD59-A6C34878D82A}">
+                    <a16:rowId xmlns:a16="http://schemas.microsoft.com/office/drawing/2014/main" val="312162001"/>
+                  </a:ext>
+                </a:extLst>
+              </a:tr>
+              <a:tr h="433073">
+                <a:tc>
+                  <a:txBody>
+                    <a:bodyPr/>
+                    <a:lstStyle/>
+                    <a:p>
+                      <a:r>
+                        <a:rPr lang="de-DE" dirty="0" err="1"/>
+                        <a:t>Observations</a:t>
+                      </a:r>
+                      <a:endParaRPr lang="de-DE" dirty="0"/>
+                    </a:p>
+                  </a:txBody>
+                  <a:tcPr/>
+                </a:tc>
+                <a:tc>
+                  <a:txBody>
+                    <a:bodyPr/>
+                    <a:lstStyle/>
+                    <a:p>
+                      <a:r>
+                        <a:rPr lang="de-DE" dirty="0"/>
+                        <a:t>7027</a:t>
+                      </a:r>
+                    </a:p>
+                  </a:txBody>
+                  <a:tcPr/>
+                </a:tc>
+                <a:tc>
+                  <a:txBody>
+                    <a:bodyPr/>
+                    <a:lstStyle/>
+                    <a:p>
+                      <a:endParaRPr lang="de-DE"/>
+                    </a:p>
+                  </a:txBody>
+                  <a:tcPr/>
+                </a:tc>
+                <a:tc>
+                  <a:txBody>
+                    <a:bodyPr/>
+                    <a:lstStyle/>
+                    <a:p>
+                      <a:endParaRPr lang="de-DE"/>
+                    </a:p>
+                  </a:txBody>
+                  <a:tcPr/>
+                </a:tc>
+                <a:tc>
+                  <a:txBody>
+                    <a:bodyPr/>
+                    <a:lstStyle/>
+                    <a:p>
+                      <a:endParaRPr lang="de-DE"/>
+                    </a:p>
+                  </a:txBody>
+                  <a:tcPr/>
+                </a:tc>
+                <a:tc>
+                  <a:txBody>
+                    <a:bodyPr/>
+                    <a:lstStyle/>
+                    <a:p>
+                      <a:endParaRPr lang="de-DE"/>
+                    </a:p>
+                  </a:txBody>
+                  <a:tcPr/>
+                </a:tc>
+                <a:extLst>
+                  <a:ext uri="{0D108BD9-81ED-4DB2-BD59-A6C34878D82A}">
+                    <a16:rowId xmlns:a16="http://schemas.microsoft.com/office/drawing/2014/main" val="2050518902"/>
+                  </a:ext>
+                </a:extLst>
+              </a:tr>
+              <a:tr h="433073">
+                <a:tc>
+                  <a:txBody>
+                    <a:bodyPr/>
+                    <a:lstStyle/>
+                    <a:p>
+                      <a:r>
+                        <a:rPr lang="de-DE" dirty="0" err="1"/>
+                        <a:t>Insolvencies</a:t>
+                      </a:r>
+                      <a:endParaRPr lang="de-DE" dirty="0"/>
+                    </a:p>
+                  </a:txBody>
+                  <a:tcPr/>
+                </a:tc>
+                <a:tc>
+                  <a:txBody>
+                    <a:bodyPr/>
+                    <a:lstStyle/>
+                    <a:p>
+                      <a:endParaRPr lang="de-DE"/>
+                    </a:p>
+                  </a:txBody>
+                  <a:tcPr/>
+                </a:tc>
+                <a:tc>
+                  <a:txBody>
+                    <a:bodyPr/>
+                    <a:lstStyle/>
+                    <a:p>
+                      <a:endParaRPr lang="de-DE"/>
+                    </a:p>
+                  </a:txBody>
+                  <a:tcPr/>
+                </a:tc>
+                <a:tc>
+                  <a:txBody>
+                    <a:bodyPr/>
+                    <a:lstStyle/>
+                    <a:p>
+                      <a:endParaRPr lang="de-DE"/>
+                    </a:p>
+                  </a:txBody>
+                  <a:tcPr/>
+                </a:tc>
+                <a:tc>
+                  <a:txBody>
+                    <a:bodyPr/>
+                    <a:lstStyle/>
+                    <a:p>
+                      <a:endParaRPr lang="de-DE"/>
+                    </a:p>
+                  </a:txBody>
+                  <a:tcPr/>
+                </a:tc>
+                <a:tc>
+                  <a:txBody>
+                    <a:bodyPr/>
+                    <a:lstStyle/>
+                    <a:p>
+                      <a:endParaRPr lang="de-DE"/>
+                    </a:p>
+                  </a:txBody>
+                  <a:tcPr/>
+                </a:tc>
+                <a:extLst>
+                  <a:ext uri="{0D108BD9-81ED-4DB2-BD59-A6C34878D82A}">
+                    <a16:rowId xmlns:a16="http://schemas.microsoft.com/office/drawing/2014/main" val="1947461743"/>
+                  </a:ext>
+                </a:extLst>
+              </a:tr>
+              <a:tr h="433073">
+                <a:tc>
+                  <a:txBody>
+                    <a:bodyPr/>
+                    <a:lstStyle/>
+                    <a:p>
+                      <a:r>
+                        <a:rPr lang="de-DE" dirty="0"/>
+                        <a:t>Share </a:t>
+                      </a:r>
+                      <a:r>
+                        <a:rPr lang="de-DE" dirty="0" err="1"/>
+                        <a:t>of</a:t>
+                      </a:r>
+                      <a:r>
+                        <a:rPr lang="de-DE" dirty="0"/>
+                        <a:t> Ins.</a:t>
+                      </a:r>
+                    </a:p>
+                  </a:txBody>
+                  <a:tcPr/>
+                </a:tc>
+                <a:tc>
+                  <a:txBody>
+                    <a:bodyPr/>
+                    <a:lstStyle/>
+                    <a:p>
+                      <a:endParaRPr lang="de-DE" dirty="0"/>
+                    </a:p>
+                  </a:txBody>
+                  <a:tcPr/>
+                </a:tc>
+                <a:tc>
+                  <a:txBody>
+                    <a:bodyPr/>
+                    <a:lstStyle/>
+                    <a:p>
+                      <a:endParaRPr lang="de-DE"/>
+                    </a:p>
+                  </a:txBody>
+                  <a:tcPr/>
+                </a:tc>
+                <a:tc>
+                  <a:txBody>
+                    <a:bodyPr/>
+                    <a:lstStyle/>
+                    <a:p>
+                      <a:endParaRPr lang="de-DE"/>
+                    </a:p>
+                  </a:txBody>
+                  <a:tcPr/>
+                </a:tc>
+                <a:tc>
+                  <a:txBody>
+                    <a:bodyPr/>
+                    <a:lstStyle/>
+                    <a:p>
+                      <a:endParaRPr lang="de-DE"/>
+                    </a:p>
+                  </a:txBody>
+                  <a:tcPr/>
+                </a:tc>
+                <a:tc>
+                  <a:txBody>
+                    <a:bodyPr/>
+                    <a:lstStyle/>
+                    <a:p>
+                      <a:endParaRPr lang="de-DE" dirty="0"/>
+                    </a:p>
+                  </a:txBody>
+                  <a:tcPr/>
+                </a:tc>
+                <a:extLst>
+                  <a:ext uri="{0D108BD9-81ED-4DB2-BD59-A6C34878D82A}">
+                    <a16:rowId xmlns:a16="http://schemas.microsoft.com/office/drawing/2014/main" val="978254453"/>
+                  </a:ext>
+                </a:extLst>
+              </a:tr>
+            </a:tbl>
+          </a:graphicData>
+        </a:graphic>
+      </p:graphicFrame>
     </p:spTree>
     <p:extLst>
       <p:ext uri="{BB962C8B-B14F-4D97-AF65-F5344CB8AC3E}">
-        <p14:creationId xmlns:p14="http://schemas.microsoft.com/office/powerpoint/2010/main" val="3141092426"/>
+        <p14:creationId xmlns:p14="http://schemas.microsoft.com/office/powerpoint/2010/main" val="558116886"/>
       </p:ext>
     </p:extLst>
   </p:cSld>
@@ -5779,7 +8515,7 @@
 </p:sld>
 </file>
 
-<file path=ppt/slides/slide4.xml><?xml version="1.0" encoding="utf-8"?>
+<file path=ppt/slides/slide6.xml><?xml version="1.0" encoding="utf-8"?>
 <p:sld xmlns:a="http://schemas.openxmlformats.org/drawingml/2006/main" xmlns:r="http://schemas.openxmlformats.org/officeDocument/2006/relationships" xmlns:p="http://schemas.openxmlformats.org/presentationml/2006/main">
   <p:cSld>
     <p:spTree>
@@ -5849,7 +8585,7 @@
         </p:nvSpPr>
         <p:spPr>
           <a:xfrm>
-            <a:off x="838197" y="3154605"/>
+            <a:off x="838200" y="4185563"/>
             <a:ext cx="7329407" cy="894328"/>
           </a:xfrm>
         </p:spPr>
@@ -5862,19 +8598,11 @@
             </a:pPr>
             <a:r>
               <a:rPr lang="de-DE" dirty="0"/>
-              <a:t>Hier </a:t>
+              <a:t>Hier Feature </a:t>
             </a:r>
             <a:r>
               <a:rPr lang="de-DE" dirty="0" err="1"/>
-              <a:t>XGBoost</a:t>
-            </a:r>
-            <a:r>
-              <a:rPr lang="de-DE" dirty="0"/>
-              <a:t> und </a:t>
-            </a:r>
-            <a:r>
-              <a:rPr lang="de-DE" dirty="0" err="1"/>
-              <a:t>LogisticRegression</a:t>
+              <a:t>Selection</a:t>
             </a:r>
             <a:r>
               <a:rPr lang="de-DE" dirty="0"/>
@@ -6093,10 +8821,10 @@
       </p:sp>
       <p:sp>
         <p:nvSpPr>
-          <p:cNvPr id="11" name="Inhaltsplatzhalter 4">
-            <a:extLst>
-              <a:ext uri="{FF2B5EF4-FFF2-40B4-BE49-F238E27FC236}">
-                <a16:creationId xmlns:a16="http://schemas.microsoft.com/office/drawing/2014/main" id="{A7B96437-9D93-4490-B546-67F8A2E3600A}"/>
+          <p:cNvPr id="10" name="Inhaltsplatzhalter 4">
+            <a:extLst>
+              <a:ext uri="{FF2B5EF4-FFF2-40B4-BE49-F238E27FC236}">
+                <a16:creationId xmlns:a16="http://schemas.microsoft.com/office/drawing/2014/main" id="{BD982A2F-6CC1-46FB-95F6-8EA7E2FB6D68}"/>
               </a:ext>
             </a:extLst>
           </p:cNvPr>
@@ -6107,7 +8835,7 @@
         </p:nvSpPr>
         <p:spPr>
           <a:xfrm>
-            <a:off x="838196" y="1801453"/>
+            <a:off x="789122" y="2357733"/>
             <a:ext cx="7329407" cy="894328"/>
           </a:xfrm>
           <a:prstGeom prst="rect">
@@ -6289,7 +9017,7 @@
             </a:pPr>
             <a:r>
               <a:rPr lang="de-DE" dirty="0"/>
-              <a:t>Hier Evaluation darstellen</a:t>
+              <a:t>Hier CV Framework darstellen</a:t>
             </a:r>
           </a:p>
         </p:txBody>
@@ -6297,7 +9025,7 @@
     </p:spTree>
     <p:extLst>
       <p:ext uri="{BB962C8B-B14F-4D97-AF65-F5344CB8AC3E}">
-        <p14:creationId xmlns:p14="http://schemas.microsoft.com/office/powerpoint/2010/main" val="558116886"/>
+        <p14:creationId xmlns:p14="http://schemas.microsoft.com/office/powerpoint/2010/main" val="2798534179"/>
       </p:ext>
     </p:extLst>
   </p:cSld>
@@ -6307,7 +9035,7 @@
 </p:sld>
 </file>
 
-<file path=ppt/slides/slide5.xml><?xml version="1.0" encoding="utf-8"?>
+<file path=ppt/slides/slide7.xml><?xml version="1.0" encoding="utf-8"?>
 <p:sld xmlns:a="http://schemas.openxmlformats.org/drawingml/2006/main" xmlns:r="http://schemas.openxmlformats.org/officeDocument/2006/relationships" xmlns:p="http://schemas.openxmlformats.org/presentationml/2006/main">
   <p:cSld>
     <p:spTree>
@@ -6390,16 +9118,13 @@
             </a:pPr>
             <a:r>
               <a:rPr lang="de-DE" dirty="0"/>
-              <a:t>Hier Feature </a:t>
+              <a:t>Hier Ergebnisse der Feature </a:t>
             </a:r>
             <a:r>
               <a:rPr lang="de-DE" dirty="0" err="1"/>
               <a:t>Selection</a:t>
             </a:r>
-            <a:r>
-              <a:rPr lang="de-DE" dirty="0"/>
-              <a:t> darstellen</a:t>
-            </a:r>
+            <a:endParaRPr lang="de-DE" dirty="0"/>
           </a:p>
         </p:txBody>
       </p:sp>
@@ -6605,7 +9330,7 @@
           <a:p>
             <a:r>
               <a:rPr lang="de-DE" sz="3700" dirty="0" err="1"/>
-              <a:t>summary</a:t>
+              <a:t>results</a:t>
             </a:r>
             <a:endParaRPr lang="de-DE" dirty="0"/>
           </a:p>
@@ -6808,523 +9533,6 @@
               <a:buNone/>
             </a:pPr>
             <a:r>
-              <a:rPr lang="de-DE" dirty="0"/>
-              <a:t>Hier CV Framework darstellen</a:t>
-            </a:r>
-          </a:p>
-        </p:txBody>
-      </p:sp>
-    </p:spTree>
-    <p:extLst>
-      <p:ext uri="{BB962C8B-B14F-4D97-AF65-F5344CB8AC3E}">
-        <p14:creationId xmlns:p14="http://schemas.microsoft.com/office/powerpoint/2010/main" val="2798534179"/>
-      </p:ext>
-    </p:extLst>
-  </p:cSld>
-  <p:clrMapOvr>
-    <a:masterClrMapping/>
-  </p:clrMapOvr>
-</p:sld>
-</file>
-
-<file path=ppt/slides/slide6.xml><?xml version="1.0" encoding="utf-8"?>
-<p:sld xmlns:a="http://schemas.openxmlformats.org/drawingml/2006/main" xmlns:r="http://schemas.openxmlformats.org/officeDocument/2006/relationships" xmlns:p="http://schemas.openxmlformats.org/presentationml/2006/main">
-  <p:cSld>
-    <p:spTree>
-      <p:nvGrpSpPr>
-        <p:cNvPr id="1" name=""/>
-        <p:cNvGrpSpPr/>
-        <p:nvPr/>
-      </p:nvGrpSpPr>
-      <p:grpSpPr>
-        <a:xfrm>
-          <a:off x="0" y="0"/>
-          <a:ext cx="0" cy="0"/>
-          <a:chOff x="0" y="0"/>
-          <a:chExt cx="0" cy="0"/>
-        </a:xfrm>
-      </p:grpSpPr>
-      <p:sp>
-        <p:nvSpPr>
-          <p:cNvPr id="4" name="Titel 3">
-            <a:extLst>
-              <a:ext uri="{FF2B5EF4-FFF2-40B4-BE49-F238E27FC236}">
-                <a16:creationId xmlns:a16="http://schemas.microsoft.com/office/drawing/2014/main" id="{DF525FEB-9A3A-4B44-8317-78A8A253F77A}"/>
-              </a:ext>
-            </a:extLst>
-          </p:cNvPr>
-          <p:cNvSpPr>
-            <a:spLocks noGrp="1"/>
-          </p:cNvSpPr>
-          <p:nvPr>
-            <p:ph type="title"/>
-          </p:nvPr>
-        </p:nvSpPr>
-        <p:spPr>
-          <a:xfrm>
-            <a:off x="838200" y="132651"/>
-            <a:ext cx="10515600" cy="646140"/>
-          </a:xfrm>
-        </p:spPr>
-        <p:txBody>
-          <a:bodyPr>
-            <a:normAutofit fontScale="90000"/>
-          </a:bodyPr>
-          <a:lstStyle/>
-          <a:p>
-            <a:r>
-              <a:rPr lang="de-DE" dirty="0"/>
-              <a:t>Solution</a:t>
-            </a:r>
-          </a:p>
-        </p:txBody>
-      </p:sp>
-      <p:sp>
-        <p:nvSpPr>
-          <p:cNvPr id="5" name="Inhaltsplatzhalter 4">
-            <a:extLst>
-              <a:ext uri="{FF2B5EF4-FFF2-40B4-BE49-F238E27FC236}">
-                <a16:creationId xmlns:a16="http://schemas.microsoft.com/office/drawing/2014/main" id="{0F615D91-DCC0-42C6-85C6-0960A564BE37}"/>
-              </a:ext>
-            </a:extLst>
-          </p:cNvPr>
-          <p:cNvSpPr>
-            <a:spLocks noGrp="1"/>
-          </p:cNvSpPr>
-          <p:nvPr>
-            <p:ph idx="1"/>
-          </p:nvPr>
-        </p:nvSpPr>
-        <p:spPr>
-          <a:xfrm>
-            <a:off x="838200" y="4185563"/>
-            <a:ext cx="7329407" cy="894328"/>
-          </a:xfrm>
-        </p:spPr>
-        <p:txBody>
-          <a:bodyPr/>
-          <a:lstStyle/>
-          <a:p>
-            <a:pPr marL="0" indent="0">
-              <a:buNone/>
-            </a:pPr>
-            <a:r>
-              <a:rPr lang="de-DE" dirty="0"/>
-              <a:t>Hier Ergebnisse der Feature </a:t>
-            </a:r>
-            <a:r>
-              <a:rPr lang="de-DE" dirty="0" err="1"/>
-              <a:t>Selection</a:t>
-            </a:r>
-            <a:endParaRPr lang="de-DE" dirty="0"/>
-          </a:p>
-        </p:txBody>
-      </p:sp>
-      <p:sp>
-        <p:nvSpPr>
-          <p:cNvPr id="6" name="Titel 3">
-            <a:extLst>
-              <a:ext uri="{FF2B5EF4-FFF2-40B4-BE49-F238E27FC236}">
-                <a16:creationId xmlns:a16="http://schemas.microsoft.com/office/drawing/2014/main" id="{184ABA1D-901D-46EF-B342-1D914341B95A}"/>
-              </a:ext>
-            </a:extLst>
-          </p:cNvPr>
-          <p:cNvSpPr txBox="1">
-            <a:spLocks/>
-          </p:cNvSpPr>
-          <p:nvPr/>
-        </p:nvSpPr>
-        <p:spPr>
-          <a:xfrm>
-            <a:off x="789122" y="681037"/>
-            <a:ext cx="10515600" cy="646140"/>
-          </a:xfrm>
-          <a:prstGeom prst="rect">
-            <a:avLst/>
-          </a:prstGeom>
-        </p:spPr>
-        <p:txBody>
-          <a:bodyPr vert="horz" lIns="91440" tIns="45720" rIns="91440" bIns="45720" rtlCol="0" anchor="ctr">
-            <a:normAutofit fontScale="97500" lnSpcReduction="10000"/>
-          </a:bodyPr>
-          <a:lstStyle>
-            <a:lvl1pPr algn="l" defTabSz="914400" rtl="0" eaLnBrk="1" latinLnBrk="0" hangingPunct="1">
-              <a:lnSpc>
-                <a:spcPct val="90000"/>
-              </a:lnSpc>
-              <a:spcBef>
-                <a:spcPct val="0"/>
-              </a:spcBef>
-              <a:buNone/>
-              <a:defRPr sz="4400" kern="1200">
-                <a:solidFill>
-                  <a:schemeClr val="tx1"/>
-                </a:solidFill>
-                <a:latin typeface="+mj-lt"/>
-                <a:ea typeface="+mj-ea"/>
-                <a:cs typeface="+mj-cs"/>
-              </a:defRPr>
-            </a:lvl1pPr>
-          </a:lstStyle>
-          <a:p>
-            <a:endParaRPr lang="de-DE" dirty="0"/>
-          </a:p>
-        </p:txBody>
-      </p:sp>
-      <p:sp>
-        <p:nvSpPr>
-          <p:cNvPr id="7" name="Titel 3">
-            <a:extLst>
-              <a:ext uri="{FF2B5EF4-FFF2-40B4-BE49-F238E27FC236}">
-                <a16:creationId xmlns:a16="http://schemas.microsoft.com/office/drawing/2014/main" id="{8FFFBFA7-2967-4206-BCCD-A38584B24862}"/>
-              </a:ext>
-            </a:extLst>
-          </p:cNvPr>
-          <p:cNvSpPr txBox="1">
-            <a:spLocks/>
-          </p:cNvSpPr>
-          <p:nvPr/>
-        </p:nvSpPr>
-        <p:spPr>
-          <a:xfrm>
-            <a:off x="789122" y="778791"/>
-            <a:ext cx="10515600" cy="646140"/>
-          </a:xfrm>
-          <a:prstGeom prst="rect">
-            <a:avLst/>
-          </a:prstGeom>
-        </p:spPr>
-        <p:txBody>
-          <a:bodyPr vert="horz" lIns="91440" tIns="45720" rIns="91440" bIns="45720" rtlCol="0" anchor="ctr">
-            <a:normAutofit fontScale="97500"/>
-          </a:bodyPr>
-          <a:lstStyle>
-            <a:lvl1pPr algn="l" defTabSz="914400" rtl="0" eaLnBrk="1" latinLnBrk="0" hangingPunct="1">
-              <a:lnSpc>
-                <a:spcPct val="90000"/>
-              </a:lnSpc>
-              <a:spcBef>
-                <a:spcPct val="0"/>
-              </a:spcBef>
-              <a:buNone/>
-              <a:defRPr sz="4400" kern="1200">
-                <a:solidFill>
-                  <a:schemeClr val="tx1"/>
-                </a:solidFill>
-                <a:latin typeface="+mj-lt"/>
-                <a:ea typeface="+mj-ea"/>
-                <a:cs typeface="+mj-cs"/>
-              </a:defRPr>
-            </a:lvl1pPr>
-          </a:lstStyle>
-          <a:p>
-            <a:endParaRPr lang="de-DE" sz="3200" dirty="0"/>
-          </a:p>
-        </p:txBody>
-      </p:sp>
-      <p:sp>
-        <p:nvSpPr>
-          <p:cNvPr id="8" name="Titel 3">
-            <a:extLst>
-              <a:ext uri="{FF2B5EF4-FFF2-40B4-BE49-F238E27FC236}">
-                <a16:creationId xmlns:a16="http://schemas.microsoft.com/office/drawing/2014/main" id="{BBD9690B-01D5-485D-B4FA-29FC11C016E7}"/>
-              </a:ext>
-            </a:extLst>
-          </p:cNvPr>
-          <p:cNvSpPr txBox="1">
-            <a:spLocks/>
-          </p:cNvSpPr>
-          <p:nvPr/>
-        </p:nvSpPr>
-        <p:spPr>
-          <a:xfrm>
-            <a:off x="838200" y="778791"/>
-            <a:ext cx="10515600" cy="400694"/>
-          </a:xfrm>
-          <a:prstGeom prst="rect">
-            <a:avLst/>
-          </a:prstGeom>
-        </p:spPr>
-        <p:txBody>
-          <a:bodyPr vert="horz" lIns="91440" tIns="45720" rIns="91440" bIns="45720" rtlCol="0" anchor="ctr">
-            <a:normAutofit fontScale="60000" lnSpcReduction="20000"/>
-          </a:bodyPr>
-          <a:lstStyle>
-            <a:lvl1pPr algn="l" defTabSz="914400" rtl="0" eaLnBrk="1" latinLnBrk="0" hangingPunct="1">
-              <a:lnSpc>
-                <a:spcPct val="90000"/>
-              </a:lnSpc>
-              <a:spcBef>
-                <a:spcPct val="0"/>
-              </a:spcBef>
-              <a:buNone/>
-              <a:defRPr sz="4400" kern="1200">
-                <a:solidFill>
-                  <a:schemeClr val="tx1"/>
-                </a:solidFill>
-                <a:latin typeface="+mj-lt"/>
-                <a:ea typeface="+mj-ea"/>
-                <a:cs typeface="+mj-cs"/>
-              </a:defRPr>
-            </a:lvl1pPr>
-          </a:lstStyle>
-          <a:p>
-            <a:endParaRPr lang="de-DE" dirty="0"/>
-          </a:p>
-        </p:txBody>
-      </p:sp>
-      <p:sp>
-        <p:nvSpPr>
-          <p:cNvPr id="9" name="Titel 3">
-            <a:extLst>
-              <a:ext uri="{FF2B5EF4-FFF2-40B4-BE49-F238E27FC236}">
-                <a16:creationId xmlns:a16="http://schemas.microsoft.com/office/drawing/2014/main" id="{AF35CB24-B4F2-4A70-85CA-8FFC67F899AD}"/>
-              </a:ext>
-            </a:extLst>
-          </p:cNvPr>
-          <p:cNvSpPr txBox="1">
-            <a:spLocks/>
-          </p:cNvSpPr>
-          <p:nvPr/>
-        </p:nvSpPr>
-        <p:spPr>
-          <a:xfrm>
-            <a:off x="838200" y="852637"/>
-            <a:ext cx="10515600" cy="646140"/>
-          </a:xfrm>
-          <a:prstGeom prst="rect">
-            <a:avLst/>
-          </a:prstGeom>
-        </p:spPr>
-        <p:txBody>
-          <a:bodyPr vert="horz" lIns="91440" tIns="45720" rIns="91440" bIns="45720" rtlCol="0" anchor="ctr">
-            <a:normAutofit fontScale="97500"/>
-          </a:bodyPr>
-          <a:lstStyle>
-            <a:lvl1pPr algn="l" defTabSz="914400" rtl="0" eaLnBrk="1" latinLnBrk="0" hangingPunct="1">
-              <a:lnSpc>
-                <a:spcPct val="90000"/>
-              </a:lnSpc>
-              <a:spcBef>
-                <a:spcPct val="0"/>
-              </a:spcBef>
-              <a:buNone/>
-              <a:defRPr sz="4400" kern="1200">
-                <a:solidFill>
-                  <a:schemeClr val="tx1"/>
-                </a:solidFill>
-                <a:latin typeface="+mj-lt"/>
-                <a:ea typeface="+mj-ea"/>
-                <a:cs typeface="+mj-cs"/>
-              </a:defRPr>
-            </a:lvl1pPr>
-          </a:lstStyle>
-          <a:p>
-            <a:r>
-              <a:rPr lang="de-DE" sz="3700" dirty="0" err="1"/>
-              <a:t>results</a:t>
-            </a:r>
-            <a:endParaRPr lang="de-DE" dirty="0"/>
-          </a:p>
-        </p:txBody>
-      </p:sp>
-      <p:sp>
-        <p:nvSpPr>
-          <p:cNvPr id="10" name="Inhaltsplatzhalter 4">
-            <a:extLst>
-              <a:ext uri="{FF2B5EF4-FFF2-40B4-BE49-F238E27FC236}">
-                <a16:creationId xmlns:a16="http://schemas.microsoft.com/office/drawing/2014/main" id="{BD982A2F-6CC1-46FB-95F6-8EA7E2FB6D68}"/>
-              </a:ext>
-            </a:extLst>
-          </p:cNvPr>
-          <p:cNvSpPr txBox="1">
-            <a:spLocks/>
-          </p:cNvSpPr>
-          <p:nvPr/>
-        </p:nvSpPr>
-        <p:spPr>
-          <a:xfrm>
-            <a:off x="789122" y="2357733"/>
-            <a:ext cx="7329407" cy="894328"/>
-          </a:xfrm>
-          <a:prstGeom prst="rect">
-            <a:avLst/>
-          </a:prstGeom>
-        </p:spPr>
-        <p:txBody>
-          <a:bodyPr vert="horz" lIns="91440" tIns="45720" rIns="91440" bIns="45720" rtlCol="0">
-            <a:normAutofit/>
-          </a:bodyPr>
-          <a:lstStyle>
-            <a:lvl1pPr marL="228600" indent="-228600" algn="l" defTabSz="914400" rtl="0" eaLnBrk="1" latinLnBrk="0" hangingPunct="1">
-              <a:lnSpc>
-                <a:spcPct val="90000"/>
-              </a:lnSpc>
-              <a:spcBef>
-                <a:spcPts val="1000"/>
-              </a:spcBef>
-              <a:buFont typeface="Arial" panose="020B0604020202020204" pitchFamily="34" charset="0"/>
-              <a:buChar char="•"/>
-              <a:defRPr sz="2800" kern="1200">
-                <a:solidFill>
-                  <a:schemeClr val="tx1"/>
-                </a:solidFill>
-                <a:latin typeface="+mn-lt"/>
-                <a:ea typeface="+mn-ea"/>
-                <a:cs typeface="+mn-cs"/>
-              </a:defRPr>
-            </a:lvl1pPr>
-            <a:lvl2pPr marL="685800" indent="-228600" algn="l" defTabSz="914400" rtl="0" eaLnBrk="1" latinLnBrk="0" hangingPunct="1">
-              <a:lnSpc>
-                <a:spcPct val="90000"/>
-              </a:lnSpc>
-              <a:spcBef>
-                <a:spcPts val="500"/>
-              </a:spcBef>
-              <a:buFont typeface="Arial" panose="020B0604020202020204" pitchFamily="34" charset="0"/>
-              <a:buChar char="•"/>
-              <a:defRPr sz="2400" kern="1200">
-                <a:solidFill>
-                  <a:schemeClr val="tx1"/>
-                </a:solidFill>
-                <a:latin typeface="+mn-lt"/>
-                <a:ea typeface="+mn-ea"/>
-                <a:cs typeface="+mn-cs"/>
-              </a:defRPr>
-            </a:lvl2pPr>
-            <a:lvl3pPr marL="1143000" indent="-228600" algn="l" defTabSz="914400" rtl="0" eaLnBrk="1" latinLnBrk="0" hangingPunct="1">
-              <a:lnSpc>
-                <a:spcPct val="90000"/>
-              </a:lnSpc>
-              <a:spcBef>
-                <a:spcPts val="500"/>
-              </a:spcBef>
-              <a:buFont typeface="Arial" panose="020B0604020202020204" pitchFamily="34" charset="0"/>
-              <a:buChar char="•"/>
-              <a:defRPr sz="2000" kern="1200">
-                <a:solidFill>
-                  <a:schemeClr val="tx1"/>
-                </a:solidFill>
-                <a:latin typeface="+mn-lt"/>
-                <a:ea typeface="+mn-ea"/>
-                <a:cs typeface="+mn-cs"/>
-              </a:defRPr>
-            </a:lvl3pPr>
-            <a:lvl4pPr marL="1600200" indent="-228600" algn="l" defTabSz="914400" rtl="0" eaLnBrk="1" latinLnBrk="0" hangingPunct="1">
-              <a:lnSpc>
-                <a:spcPct val="90000"/>
-              </a:lnSpc>
-              <a:spcBef>
-                <a:spcPts val="500"/>
-              </a:spcBef>
-              <a:buFont typeface="Arial" panose="020B0604020202020204" pitchFamily="34" charset="0"/>
-              <a:buChar char="•"/>
-              <a:defRPr sz="1800" kern="1200">
-                <a:solidFill>
-                  <a:schemeClr val="tx1"/>
-                </a:solidFill>
-                <a:latin typeface="+mn-lt"/>
-                <a:ea typeface="+mn-ea"/>
-                <a:cs typeface="+mn-cs"/>
-              </a:defRPr>
-            </a:lvl4pPr>
-            <a:lvl5pPr marL="2057400" indent="-228600" algn="l" defTabSz="914400" rtl="0" eaLnBrk="1" latinLnBrk="0" hangingPunct="1">
-              <a:lnSpc>
-                <a:spcPct val="90000"/>
-              </a:lnSpc>
-              <a:spcBef>
-                <a:spcPts val="500"/>
-              </a:spcBef>
-              <a:buFont typeface="Arial" panose="020B0604020202020204" pitchFamily="34" charset="0"/>
-              <a:buChar char="•"/>
-              <a:defRPr sz="1800" kern="1200">
-                <a:solidFill>
-                  <a:schemeClr val="tx1"/>
-                </a:solidFill>
-                <a:latin typeface="+mn-lt"/>
-                <a:ea typeface="+mn-ea"/>
-                <a:cs typeface="+mn-cs"/>
-              </a:defRPr>
-            </a:lvl5pPr>
-            <a:lvl6pPr marL="2514600" indent="-228600" algn="l" defTabSz="914400" rtl="0" eaLnBrk="1" latinLnBrk="0" hangingPunct="1">
-              <a:lnSpc>
-                <a:spcPct val="90000"/>
-              </a:lnSpc>
-              <a:spcBef>
-                <a:spcPts val="500"/>
-              </a:spcBef>
-              <a:buFont typeface="Arial" panose="020B0604020202020204" pitchFamily="34" charset="0"/>
-              <a:buChar char="•"/>
-              <a:defRPr sz="1800" kern="1200">
-                <a:solidFill>
-                  <a:schemeClr val="tx1"/>
-                </a:solidFill>
-                <a:latin typeface="+mn-lt"/>
-                <a:ea typeface="+mn-ea"/>
-                <a:cs typeface="+mn-cs"/>
-              </a:defRPr>
-            </a:lvl6pPr>
-            <a:lvl7pPr marL="2971800" indent="-228600" algn="l" defTabSz="914400" rtl="0" eaLnBrk="1" latinLnBrk="0" hangingPunct="1">
-              <a:lnSpc>
-                <a:spcPct val="90000"/>
-              </a:lnSpc>
-              <a:spcBef>
-                <a:spcPts val="500"/>
-              </a:spcBef>
-              <a:buFont typeface="Arial" panose="020B0604020202020204" pitchFamily="34" charset="0"/>
-              <a:buChar char="•"/>
-              <a:defRPr sz="1800" kern="1200">
-                <a:solidFill>
-                  <a:schemeClr val="tx1"/>
-                </a:solidFill>
-                <a:latin typeface="+mn-lt"/>
-                <a:ea typeface="+mn-ea"/>
-                <a:cs typeface="+mn-cs"/>
-              </a:defRPr>
-            </a:lvl7pPr>
-            <a:lvl8pPr marL="3429000" indent="-228600" algn="l" defTabSz="914400" rtl="0" eaLnBrk="1" latinLnBrk="0" hangingPunct="1">
-              <a:lnSpc>
-                <a:spcPct val="90000"/>
-              </a:lnSpc>
-              <a:spcBef>
-                <a:spcPts val="500"/>
-              </a:spcBef>
-              <a:buFont typeface="Arial" panose="020B0604020202020204" pitchFamily="34" charset="0"/>
-              <a:buChar char="•"/>
-              <a:defRPr sz="1800" kern="1200">
-                <a:solidFill>
-                  <a:schemeClr val="tx1"/>
-                </a:solidFill>
-                <a:latin typeface="+mn-lt"/>
-                <a:ea typeface="+mn-ea"/>
-                <a:cs typeface="+mn-cs"/>
-              </a:defRPr>
-            </a:lvl8pPr>
-            <a:lvl9pPr marL="3886200" indent="-228600" algn="l" defTabSz="914400" rtl="0" eaLnBrk="1" latinLnBrk="0" hangingPunct="1">
-              <a:lnSpc>
-                <a:spcPct val="90000"/>
-              </a:lnSpc>
-              <a:spcBef>
-                <a:spcPts val="500"/>
-              </a:spcBef>
-              <a:buFont typeface="Arial" panose="020B0604020202020204" pitchFamily="34" charset="0"/>
-              <a:buChar char="•"/>
-              <a:defRPr sz="1800" kern="1200">
-                <a:solidFill>
-                  <a:schemeClr val="tx1"/>
-                </a:solidFill>
-                <a:latin typeface="+mn-lt"/>
-                <a:ea typeface="+mn-ea"/>
-                <a:cs typeface="+mn-cs"/>
-              </a:defRPr>
-            </a:lvl9pPr>
-          </a:lstStyle>
-          <a:p>
-            <a:pPr marL="0" indent="0">
-              <a:buFont typeface="Arial" panose="020B0604020202020204" pitchFamily="34" charset="0"/>
-              <a:buNone/>
-            </a:pPr>
-            <a:r>
               <a:rPr lang="de-DE" dirty="0" err="1"/>
               <a:t>Measures</a:t>
             </a:r>
@@ -7348,7 +9556,7 @@
 </p:sld>
 </file>
 
-<file path=ppt/slides/slide7.xml><?xml version="1.0" encoding="utf-8"?>
+<file path=ppt/slides/slide8.xml><?xml version="1.0" encoding="utf-8"?>
 <p:sld xmlns:a="http://schemas.openxmlformats.org/drawingml/2006/main" xmlns:r="http://schemas.openxmlformats.org/officeDocument/2006/relationships" xmlns:p="http://schemas.openxmlformats.org/presentationml/2006/main">
   <p:cSld>
     <p:spTree>

--- a/docs/final_presentation.pptx
+++ b/docs/final_presentation.pptx
@@ -9,10 +9,12 @@
     <p:sldId id="257" r:id="rId3"/>
     <p:sldId id="263" r:id="rId4"/>
     <p:sldId id="264" r:id="rId5"/>
-    <p:sldId id="259" r:id="rId6"/>
-    <p:sldId id="260" r:id="rId7"/>
-    <p:sldId id="261" r:id="rId8"/>
-    <p:sldId id="262" r:id="rId9"/>
+    <p:sldId id="265" r:id="rId6"/>
+    <p:sldId id="267" r:id="rId7"/>
+    <p:sldId id="269" r:id="rId8"/>
+    <p:sldId id="270" r:id="rId9"/>
+    <p:sldId id="268" r:id="rId10"/>
+    <p:sldId id="266" r:id="rId11"/>
   </p:sldIdLst>
   <p:sldSz cx="12192000" cy="6858000"/>
   <p:notesSz cx="6858000" cy="9144000"/>
@@ -119,6 +121,32 @@
 </p:presentation>
 </file>
 
+<file path=ppt/commentAuthors.xml><?xml version="1.0" encoding="utf-8"?>
+<p:cmAuthorLst xmlns:a="http://schemas.openxmlformats.org/drawingml/2006/main" xmlns:r="http://schemas.openxmlformats.org/officeDocument/2006/relationships" xmlns:p="http://schemas.openxmlformats.org/presentationml/2006/main">
+  <p:cmAuthor id="1" name="Felix Kleine Bösing" initials="FKB" lastIdx="1" clrIdx="0">
+    <p:extLst>
+      <p:ext uri="{19B8F6BF-5375-455C-9EA6-DF929625EA0E}">
+        <p15:presenceInfo xmlns:p15="http://schemas.microsoft.com/office/powerpoint/2012/main" userId="c906c0fe4c0c30c4" providerId="Windows Live"/>
+      </p:ext>
+    </p:extLst>
+  </p:cmAuthor>
+</p:cmAuthorLst>
+</file>
+
+<file path=ppt/comments/comment1.xml><?xml version="1.0" encoding="utf-8"?>
+<p:cmLst xmlns:a="http://schemas.openxmlformats.org/drawingml/2006/main" xmlns:r="http://schemas.openxmlformats.org/officeDocument/2006/relationships" xmlns:p="http://schemas.openxmlformats.org/presentationml/2006/main">
+  <p:cm authorId="1" dt="2020-10-22T19:02:33.822" idx="1">
+    <p:pos x="10" y="10"/>
+    <p:text/>
+    <p:extLst>
+      <p:ext uri="{C676402C-5697-4E1C-873F-D02D1690AC5C}">
+        <p15:threadingInfo xmlns:p15="http://schemas.microsoft.com/office/powerpoint/2012/main" timeZoneBias="-120"/>
+      </p:ext>
+    </p:extLst>
+  </p:cm>
+</p:cmLst>
+</file>
+
 <file path=ppt/slideLayouts/slideLayout1.xml><?xml version="1.0" encoding="utf-8"?>
 <p:sldLayout xmlns:a="http://schemas.openxmlformats.org/drawingml/2006/main" xmlns:r="http://schemas.openxmlformats.org/officeDocument/2006/relationships" xmlns:p="http://schemas.openxmlformats.org/presentationml/2006/main" type="title" preserve="1">
   <p:cSld name="Titelfolie">
@@ -375,7 +403,13 @@
         <p:spPr/>
         <p:txBody>
           <a:bodyPr/>
-          <a:lstStyle/>
+          <a:lstStyle>
+            <a:lvl1pPr>
+              <a:defRPr>
+                <a:latin typeface="+mj-lt"/>
+              </a:defRPr>
+            </a:lvl1pPr>
+          </a:lstStyle>
           <a:p>
             <a:r>
               <a:rPr lang="de-DE"/>
@@ -403,7 +437,33 @@
         <p:spPr/>
         <p:txBody>
           <a:bodyPr vert="eaVert"/>
-          <a:lstStyle/>
+          <a:lstStyle>
+            <a:lvl1pPr>
+              <a:defRPr>
+                <a:latin typeface="+mj-lt"/>
+              </a:defRPr>
+            </a:lvl1pPr>
+            <a:lvl2pPr>
+              <a:defRPr>
+                <a:latin typeface="+mj-lt"/>
+              </a:defRPr>
+            </a:lvl2pPr>
+            <a:lvl3pPr>
+              <a:defRPr>
+                <a:latin typeface="+mj-lt"/>
+              </a:defRPr>
+            </a:lvl3pPr>
+            <a:lvl4pPr>
+              <a:defRPr>
+                <a:latin typeface="+mj-lt"/>
+              </a:defRPr>
+            </a:lvl4pPr>
+            <a:lvl5pPr>
+              <a:defRPr>
+                <a:latin typeface="+mj-lt"/>
+              </a:defRPr>
+            </a:lvl5pPr>
+          </a:lstStyle>
           <a:p>
             <a:pPr lvl="0"/>
             <a:r>
@@ -460,13 +520,22 @@
         <p:spPr/>
         <p:txBody>
           <a:bodyPr/>
-          <a:lstStyle/>
+          <a:lstStyle>
+            <a:lvl1pPr>
+              <a:defRPr>
+                <a:latin typeface="+mj-lt"/>
+              </a:defRPr>
+            </a:lvl1pPr>
+          </a:lstStyle>
           <a:p>
             <a:fld id="{DA2479C5-C604-4AE7-B663-7513951F8A4E}" type="datetimeFigureOut">
               <a:rPr lang="de-DE" smtClean="0"/>
+              <a:pPr/>
               <a:t>22.10.2020</a:t>
             </a:fld>
-            <a:endParaRPr lang="de-DE"/>
+            <a:endParaRPr lang="de-DE">
+              <a:latin typeface="+mj-lt"/>
+            </a:endParaRPr>
           </a:p>
         </p:txBody>
       </p:sp>
@@ -489,9 +558,17 @@
         <p:spPr/>
         <p:txBody>
           <a:bodyPr/>
-          <a:lstStyle/>
-          <a:p>
-            <a:endParaRPr lang="de-DE"/>
+          <a:lstStyle>
+            <a:lvl1pPr>
+              <a:defRPr>
+                <a:latin typeface="+mj-lt"/>
+              </a:defRPr>
+            </a:lvl1pPr>
+          </a:lstStyle>
+          <a:p>
+            <a:endParaRPr lang="de-DE">
+              <a:latin typeface="+mj-lt"/>
+            </a:endParaRPr>
           </a:p>
         </p:txBody>
       </p:sp>
@@ -514,13 +591,22 @@
         <p:spPr/>
         <p:txBody>
           <a:bodyPr/>
-          <a:lstStyle/>
+          <a:lstStyle>
+            <a:lvl1pPr>
+              <a:defRPr>
+                <a:latin typeface="+mj-lt"/>
+              </a:defRPr>
+            </a:lvl1pPr>
+          </a:lstStyle>
           <a:p>
             <a:fld id="{DA978850-A3AC-4BFA-AB42-B41DB1A38613}" type="slidenum">
               <a:rPr lang="de-DE" smtClean="0"/>
+              <a:pPr/>
               <a:t>‹Nr.›</a:t>
             </a:fld>
-            <a:endParaRPr lang="de-DE"/>
+            <a:endParaRPr lang="de-DE">
+              <a:latin typeface="+mj-lt"/>
+            </a:endParaRPr>
           </a:p>
         </p:txBody>
       </p:sp>
@@ -809,39 +895,57 @@
         <p:spPr/>
         <p:txBody>
           <a:bodyPr/>
-          <a:lstStyle/>
+          <a:lstStyle>
+            <a:lvl1pPr>
+              <a:defRPr>
+                <a:latin typeface="+mj-lt"/>
+              </a:defRPr>
+            </a:lvl1pPr>
+            <a:lvl2pPr>
+              <a:defRPr/>
+            </a:lvl2pPr>
+            <a:lvl3pPr>
+              <a:defRPr/>
+            </a:lvl3pPr>
+            <a:lvl4pPr>
+              <a:defRPr/>
+            </a:lvl4pPr>
+            <a:lvl5pPr>
+              <a:defRPr/>
+            </a:lvl5pPr>
+          </a:lstStyle>
           <a:p>
             <a:pPr lvl="0"/>
             <a:r>
-              <a:rPr lang="de-DE"/>
+              <a:rPr lang="de-DE" dirty="0"/>
               <a:t>Mastertextformat bearbeiten</a:t>
             </a:r>
           </a:p>
           <a:p>
             <a:pPr lvl="1"/>
             <a:r>
-              <a:rPr lang="de-DE"/>
+              <a:rPr lang="de-DE" dirty="0"/>
               <a:t>Zweite Ebene</a:t>
             </a:r>
           </a:p>
           <a:p>
             <a:pPr lvl="2"/>
             <a:r>
-              <a:rPr lang="de-DE"/>
+              <a:rPr lang="de-DE" dirty="0"/>
               <a:t>Dritte Ebene</a:t>
             </a:r>
           </a:p>
           <a:p>
             <a:pPr lvl="3"/>
             <a:r>
-              <a:rPr lang="de-DE"/>
+              <a:rPr lang="de-DE" dirty="0"/>
               <a:t>Vierte Ebene</a:t>
             </a:r>
           </a:p>
           <a:p>
             <a:pPr lvl="4"/>
             <a:r>
-              <a:rPr lang="de-DE"/>
+              <a:rPr lang="de-DE" dirty="0"/>
               <a:t>Fünfte Ebene</a:t>
             </a:r>
           </a:p>
@@ -3519,7 +3623,7 @@
         <p:spPr>
           <a:xfrm>
             <a:off x="825285" y="3707967"/>
-            <a:ext cx="3851329" cy="646331"/>
+            <a:ext cx="3851329" cy="369332"/>
           </a:xfrm>
           <a:prstGeom prst="rect">
             <a:avLst/>
@@ -3533,22 +3637,10 @@
           <a:lstStyle/>
           <a:p>
             <a:r>
-              <a:rPr lang="de-DE" dirty="0" err="1">
-                <a:latin typeface="+mj-lt"/>
-              </a:rPr>
-              <a:t>Identifying</a:t>
-            </a:r>
-            <a:r>
-              <a:rPr lang="de-DE" dirty="0">
-                <a:latin typeface="+mj-lt"/>
-              </a:rPr>
-              <a:t> </a:t>
-            </a:r>
-            <a:r>
               <a:rPr lang="en-US" dirty="0">
                 <a:latin typeface="+mj-lt"/>
               </a:rPr>
-              <a:t>Identification of future insolvent companies </a:t>
+              <a:t>Identification of insolvent clients </a:t>
             </a:r>
             <a:endParaRPr lang="de-DE" dirty="0">
               <a:latin typeface="+mj-lt"/>
@@ -3606,6 +3698,1250 @@
 </p:sld>
 </file>
 
+<file path=ppt/slides/slide10.xml><?xml version="1.0" encoding="utf-8"?>
+<p:sld xmlns:a="http://schemas.openxmlformats.org/drawingml/2006/main" xmlns:r="http://schemas.openxmlformats.org/officeDocument/2006/relationships" xmlns:p="http://schemas.openxmlformats.org/presentationml/2006/main">
+  <p:cSld>
+    <p:spTree>
+      <p:nvGrpSpPr>
+        <p:cNvPr id="1" name=""/>
+        <p:cNvGrpSpPr/>
+        <p:nvPr/>
+      </p:nvGrpSpPr>
+      <p:grpSpPr>
+        <a:xfrm>
+          <a:off x="0" y="0"/>
+          <a:ext cx="0" cy="0"/>
+          <a:chOff x="0" y="0"/>
+          <a:chExt cx="0" cy="0"/>
+        </a:xfrm>
+      </p:grpSpPr>
+      <p:sp>
+        <p:nvSpPr>
+          <p:cNvPr id="4" name="Titel 3">
+            <a:extLst>
+              <a:ext uri="{FF2B5EF4-FFF2-40B4-BE49-F238E27FC236}">
+                <a16:creationId xmlns:a16="http://schemas.microsoft.com/office/drawing/2014/main" id="{DF525FEB-9A3A-4B44-8317-78A8A253F77A}"/>
+              </a:ext>
+            </a:extLst>
+          </p:cNvPr>
+          <p:cNvSpPr>
+            <a:spLocks noGrp="1"/>
+          </p:cNvSpPr>
+          <p:nvPr>
+            <p:ph type="title"/>
+          </p:nvPr>
+        </p:nvSpPr>
+        <p:spPr>
+          <a:xfrm>
+            <a:off x="838200" y="137111"/>
+            <a:ext cx="10515600" cy="646140"/>
+          </a:xfrm>
+        </p:spPr>
+        <p:txBody>
+          <a:bodyPr>
+            <a:normAutofit fontScale="90000"/>
+          </a:bodyPr>
+          <a:lstStyle/>
+          <a:p>
+            <a:r>
+              <a:rPr lang="de-DE" dirty="0" err="1"/>
+              <a:t>Excourse</a:t>
+            </a:r>
+            <a:r>
+              <a:rPr lang="de-DE" dirty="0"/>
+              <a:t>: </a:t>
+            </a:r>
+            <a:r>
+              <a:rPr lang="de-DE" dirty="0" err="1"/>
+              <a:t>Weighted</a:t>
+            </a:r>
+            <a:r>
+              <a:rPr lang="de-DE" dirty="0"/>
+              <a:t> </a:t>
+            </a:r>
+            <a:r>
+              <a:rPr lang="de-DE" dirty="0" err="1"/>
+              <a:t>Accuracy</a:t>
+            </a:r>
+            <a:endParaRPr lang="de-DE" dirty="0"/>
+          </a:p>
+        </p:txBody>
+      </p:sp>
+      <p:sp>
+        <p:nvSpPr>
+          <p:cNvPr id="6" name="Titel 3">
+            <a:extLst>
+              <a:ext uri="{FF2B5EF4-FFF2-40B4-BE49-F238E27FC236}">
+                <a16:creationId xmlns:a16="http://schemas.microsoft.com/office/drawing/2014/main" id="{184ABA1D-901D-46EF-B342-1D914341B95A}"/>
+              </a:ext>
+            </a:extLst>
+          </p:cNvPr>
+          <p:cNvSpPr txBox="1">
+            <a:spLocks/>
+          </p:cNvSpPr>
+          <p:nvPr/>
+        </p:nvSpPr>
+        <p:spPr>
+          <a:xfrm>
+            <a:off x="789122" y="685497"/>
+            <a:ext cx="10515600" cy="646140"/>
+          </a:xfrm>
+          <a:prstGeom prst="rect">
+            <a:avLst/>
+          </a:prstGeom>
+        </p:spPr>
+        <p:txBody>
+          <a:bodyPr vert="horz" lIns="91440" tIns="45720" rIns="91440" bIns="45720" rtlCol="0" anchor="ctr">
+            <a:normAutofit fontScale="97500" lnSpcReduction="10000"/>
+          </a:bodyPr>
+          <a:lstStyle>
+            <a:lvl1pPr algn="l" defTabSz="914400" rtl="0" eaLnBrk="1" latinLnBrk="0" hangingPunct="1">
+              <a:lnSpc>
+                <a:spcPct val="90000"/>
+              </a:lnSpc>
+              <a:spcBef>
+                <a:spcPct val="0"/>
+              </a:spcBef>
+              <a:buNone/>
+              <a:defRPr sz="4400" kern="1200">
+                <a:solidFill>
+                  <a:schemeClr val="tx1"/>
+                </a:solidFill>
+                <a:latin typeface="+mj-lt"/>
+                <a:ea typeface="+mj-ea"/>
+                <a:cs typeface="+mj-cs"/>
+              </a:defRPr>
+            </a:lvl1pPr>
+          </a:lstStyle>
+          <a:p>
+            <a:endParaRPr lang="de-DE" dirty="0"/>
+          </a:p>
+        </p:txBody>
+      </p:sp>
+      <p:sp>
+        <p:nvSpPr>
+          <p:cNvPr id="7" name="Titel 3">
+            <a:extLst>
+              <a:ext uri="{FF2B5EF4-FFF2-40B4-BE49-F238E27FC236}">
+                <a16:creationId xmlns:a16="http://schemas.microsoft.com/office/drawing/2014/main" id="{8FFFBFA7-2967-4206-BCCD-A38584B24862}"/>
+              </a:ext>
+            </a:extLst>
+          </p:cNvPr>
+          <p:cNvSpPr txBox="1">
+            <a:spLocks/>
+          </p:cNvSpPr>
+          <p:nvPr/>
+        </p:nvSpPr>
+        <p:spPr>
+          <a:xfrm>
+            <a:off x="789122" y="783251"/>
+            <a:ext cx="10515600" cy="646140"/>
+          </a:xfrm>
+          <a:prstGeom prst="rect">
+            <a:avLst/>
+          </a:prstGeom>
+        </p:spPr>
+        <p:txBody>
+          <a:bodyPr vert="horz" lIns="91440" tIns="45720" rIns="91440" bIns="45720" rtlCol="0" anchor="ctr">
+            <a:normAutofit fontScale="97500"/>
+          </a:bodyPr>
+          <a:lstStyle>
+            <a:lvl1pPr algn="l" defTabSz="914400" rtl="0" eaLnBrk="1" latinLnBrk="0" hangingPunct="1">
+              <a:lnSpc>
+                <a:spcPct val="90000"/>
+              </a:lnSpc>
+              <a:spcBef>
+                <a:spcPct val="0"/>
+              </a:spcBef>
+              <a:buNone/>
+              <a:defRPr sz="4400" kern="1200">
+                <a:solidFill>
+                  <a:schemeClr val="tx1"/>
+                </a:solidFill>
+                <a:latin typeface="+mj-lt"/>
+                <a:ea typeface="+mj-ea"/>
+                <a:cs typeface="+mj-cs"/>
+              </a:defRPr>
+            </a:lvl1pPr>
+          </a:lstStyle>
+          <a:p>
+            <a:endParaRPr lang="de-DE" sz="3200" dirty="0"/>
+          </a:p>
+        </p:txBody>
+      </p:sp>
+      <p:sp>
+        <p:nvSpPr>
+          <p:cNvPr id="8" name="Titel 3">
+            <a:extLst>
+              <a:ext uri="{FF2B5EF4-FFF2-40B4-BE49-F238E27FC236}">
+                <a16:creationId xmlns:a16="http://schemas.microsoft.com/office/drawing/2014/main" id="{BBD9690B-01D5-485D-B4FA-29FC11C016E7}"/>
+              </a:ext>
+            </a:extLst>
+          </p:cNvPr>
+          <p:cNvSpPr txBox="1">
+            <a:spLocks/>
+          </p:cNvSpPr>
+          <p:nvPr/>
+        </p:nvSpPr>
+        <p:spPr>
+          <a:xfrm>
+            <a:off x="838200" y="783251"/>
+            <a:ext cx="10515600" cy="400694"/>
+          </a:xfrm>
+          <a:prstGeom prst="rect">
+            <a:avLst/>
+          </a:prstGeom>
+        </p:spPr>
+        <p:txBody>
+          <a:bodyPr vert="horz" lIns="91440" tIns="45720" rIns="91440" bIns="45720" rtlCol="0" anchor="ctr">
+            <a:normAutofit fontScale="52500" lnSpcReduction="20000"/>
+          </a:bodyPr>
+          <a:lstStyle>
+            <a:lvl1pPr algn="l" defTabSz="914400" rtl="0" eaLnBrk="1" latinLnBrk="0" hangingPunct="1">
+              <a:lnSpc>
+                <a:spcPct val="90000"/>
+              </a:lnSpc>
+              <a:spcBef>
+                <a:spcPct val="0"/>
+              </a:spcBef>
+              <a:buNone/>
+              <a:defRPr sz="4400" kern="1200">
+                <a:solidFill>
+                  <a:schemeClr val="tx1"/>
+                </a:solidFill>
+                <a:latin typeface="+mj-lt"/>
+                <a:ea typeface="+mj-ea"/>
+                <a:cs typeface="+mj-cs"/>
+              </a:defRPr>
+            </a:lvl1pPr>
+          </a:lstStyle>
+          <a:p>
+            <a:r>
+              <a:rPr lang="de-DE" dirty="0" err="1"/>
+              <a:t>Weighted</a:t>
+            </a:r>
+            <a:r>
+              <a:rPr lang="de-DE" dirty="0"/>
+              <a:t> </a:t>
+            </a:r>
+            <a:r>
+              <a:rPr lang="de-DE" dirty="0" err="1"/>
+              <a:t>accuracy</a:t>
+            </a:r>
+            <a:r>
+              <a:rPr lang="de-DE" dirty="0"/>
+              <a:t> </a:t>
+            </a:r>
+            <a:r>
+              <a:rPr lang="de-DE" dirty="0" err="1"/>
+              <a:t>captures</a:t>
+            </a:r>
+            <a:r>
+              <a:rPr lang="de-DE" dirty="0"/>
+              <a:t> </a:t>
+            </a:r>
+            <a:r>
+              <a:rPr lang="de-DE" dirty="0" err="1"/>
+              <a:t>cost</a:t>
+            </a:r>
+            <a:r>
+              <a:rPr lang="de-DE" dirty="0"/>
+              <a:t> </a:t>
+            </a:r>
+            <a:r>
+              <a:rPr lang="de-DE" dirty="0" err="1"/>
+              <a:t>differences</a:t>
+            </a:r>
+            <a:r>
+              <a:rPr lang="de-DE" dirty="0"/>
+              <a:t> </a:t>
+            </a:r>
+            <a:r>
+              <a:rPr lang="de-DE" dirty="0" err="1"/>
+              <a:t>between</a:t>
+            </a:r>
+            <a:r>
+              <a:rPr lang="de-DE" dirty="0"/>
+              <a:t> </a:t>
+            </a:r>
+            <a:r>
+              <a:rPr lang="de-DE" dirty="0" err="1"/>
+              <a:t>the</a:t>
+            </a:r>
+            <a:r>
+              <a:rPr lang="de-DE" dirty="0"/>
+              <a:t> positive and negative </a:t>
+            </a:r>
+            <a:r>
+              <a:rPr lang="de-DE" dirty="0" err="1"/>
+              <a:t>class</a:t>
+            </a:r>
+            <a:endParaRPr lang="de-DE" dirty="0"/>
+          </a:p>
+        </p:txBody>
+      </p:sp>
+      <mc:AlternateContent xmlns:mc="http://schemas.openxmlformats.org/markup-compatibility/2006" xmlns:a14="http://schemas.microsoft.com/office/drawing/2010/main">
+        <mc:Choice Requires="a14">
+          <p:sp>
+            <p:nvSpPr>
+              <p:cNvPr id="5" name="Textfeld 4">
+                <a:extLst>
+                  <a:ext uri="{FF2B5EF4-FFF2-40B4-BE49-F238E27FC236}">
+                    <a16:creationId xmlns:a16="http://schemas.microsoft.com/office/drawing/2014/main" id="{C0C88ECA-9134-4F9B-BD96-3FE0693B0459}"/>
+                  </a:ext>
+                </a:extLst>
+              </p:cNvPr>
+              <p:cNvSpPr txBox="1"/>
+              <p:nvPr/>
+            </p:nvSpPr>
+            <p:spPr>
+              <a:xfrm>
+                <a:off x="2738739" y="2219092"/>
+                <a:ext cx="7143750" cy="584840"/>
+              </a:xfrm>
+              <a:prstGeom prst="rect">
+                <a:avLst/>
+              </a:prstGeom>
+              <a:noFill/>
+            </p:spPr>
+            <p:txBody>
+              <a:bodyPr wrap="none" lIns="0" tIns="0" rIns="0" bIns="0" rtlCol="0">
+                <a:spAutoFit/>
+              </a:bodyPr>
+              <a:lstStyle/>
+              <a:p>
+                <a:pPr/>
+                <a14:m>
+                  <m:oMathPara xmlns:m="http://schemas.openxmlformats.org/officeDocument/2006/math">
+                    <m:oMathParaPr>
+                      <m:jc m:val="centerGroup"/>
+                    </m:oMathParaPr>
+                    <m:oMath xmlns:m="http://schemas.openxmlformats.org/officeDocument/2006/math">
+                      <m:r>
+                        <a:rPr lang="de-DE" b="0" i="1" smtClean="0">
+                          <a:latin typeface="Cambria Math" panose="02040503050406030204" pitchFamily="18" charset="0"/>
+                        </a:rPr>
+                        <m:t>𝑊𝑒𝑖𝑔h𝑡𝑒𝑑</m:t>
+                      </m:r>
+                      <m:r>
+                        <a:rPr lang="de-DE" b="0" i="1" smtClean="0">
+                          <a:latin typeface="Cambria Math" panose="02040503050406030204" pitchFamily="18" charset="0"/>
+                        </a:rPr>
+                        <m:t> </m:t>
+                      </m:r>
+                      <m:r>
+                        <a:rPr lang="de-DE" b="0" i="1" smtClean="0">
+                          <a:latin typeface="Cambria Math" panose="02040503050406030204" pitchFamily="18" charset="0"/>
+                        </a:rPr>
+                        <m:t>𝐴𝑐𝑐𝑢𝑟𝑎𝑐𝑦</m:t>
+                      </m:r>
+                      <m:r>
+                        <a:rPr lang="de-DE" b="0" i="1" smtClean="0">
+                          <a:latin typeface="Cambria Math" panose="02040503050406030204" pitchFamily="18" charset="0"/>
+                        </a:rPr>
+                        <m:t>= </m:t>
+                      </m:r>
+                      <m:f>
+                        <m:fPr>
+                          <m:ctrlPr>
+                            <a:rPr lang="de-DE" b="0" i="1" smtClean="0">
+                              <a:latin typeface="Cambria Math" panose="02040503050406030204" pitchFamily="18" charset="0"/>
+                            </a:rPr>
+                          </m:ctrlPr>
+                        </m:fPr>
+                        <m:num>
+                          <m:nary>
+                            <m:naryPr>
+                              <m:chr m:val="∑"/>
+                              <m:subHide m:val="on"/>
+                              <m:supHide m:val="on"/>
+                              <m:ctrlPr>
+                                <a:rPr lang="de-DE" b="0" i="1" smtClean="0">
+                                  <a:latin typeface="Cambria Math" panose="02040503050406030204" pitchFamily="18" charset="0"/>
+                                </a:rPr>
+                              </m:ctrlPr>
+                            </m:naryPr>
+                            <m:sub/>
+                            <m:sup/>
+                            <m:e>
+                              <m:r>
+                                <a:rPr lang="de-DE" i="1">
+                                  <a:latin typeface="Cambria Math" panose="02040503050406030204" pitchFamily="18" charset="0"/>
+                                </a:rPr>
+                                <m:t>(</m:t>
+                              </m:r>
+                              <m:d>
+                                <m:dPr>
+                                  <m:ctrlPr>
+                                    <a:rPr lang="de-DE" i="1">
+                                      <a:latin typeface="Cambria Math" panose="02040503050406030204" pitchFamily="18" charset="0"/>
+                                    </a:rPr>
+                                  </m:ctrlPr>
+                                </m:dPr>
+                                <m:e>
+                                  <m:r>
+                                    <a:rPr lang="de-DE" i="1">
+                                      <a:latin typeface="Cambria Math" panose="02040503050406030204" pitchFamily="18" charset="0"/>
+                                    </a:rPr>
+                                    <m:t>𝑦</m:t>
+                                  </m:r>
+                                  <m:r>
+                                    <a:rPr lang="de-DE" i="1">
+                                      <a:latin typeface="Cambria Math" panose="02040503050406030204" pitchFamily="18" charset="0"/>
+                                      <a:ea typeface="Cambria Math" panose="02040503050406030204" pitchFamily="18" charset="0"/>
+                                    </a:rPr>
+                                    <m:t>∧1</m:t>
+                                  </m:r>
+                                </m:e>
+                              </m:d>
+                              <m:r>
+                                <a:rPr lang="de-DE" i="1">
+                                  <a:latin typeface="Cambria Math" panose="02040503050406030204" pitchFamily="18" charset="0"/>
+                                  <a:ea typeface="Cambria Math" panose="02040503050406030204" pitchFamily="18" charset="0"/>
+                                </a:rPr>
+                                <m:t>∧</m:t>
+                              </m:r>
+                              <m:d>
+                                <m:dPr>
+                                  <m:ctrlPr>
+                                    <a:rPr lang="de-DE" i="1">
+                                      <a:latin typeface="Cambria Math" panose="02040503050406030204" pitchFamily="18" charset="0"/>
+                                      <a:ea typeface="Cambria Math" panose="02040503050406030204" pitchFamily="18" charset="0"/>
+                                    </a:rPr>
+                                  </m:ctrlPr>
+                                </m:dPr>
+                                <m:e>
+                                  <m:acc>
+                                    <m:accPr>
+                                      <m:chr m:val="̂"/>
+                                      <m:ctrlPr>
+                                        <a:rPr lang="de-DE" i="1">
+                                          <a:latin typeface="Cambria Math" panose="02040503050406030204" pitchFamily="18" charset="0"/>
+                                          <a:ea typeface="Cambria Math" panose="02040503050406030204" pitchFamily="18" charset="0"/>
+                                        </a:rPr>
+                                      </m:ctrlPr>
+                                    </m:accPr>
+                                    <m:e>
+                                      <m:r>
+                                        <a:rPr lang="de-DE" i="1">
+                                          <a:latin typeface="Cambria Math" panose="02040503050406030204" pitchFamily="18" charset="0"/>
+                                          <a:ea typeface="Cambria Math" panose="02040503050406030204" pitchFamily="18" charset="0"/>
+                                        </a:rPr>
+                                        <m:t>𝑦</m:t>
+                                      </m:r>
+                                    </m:e>
+                                  </m:acc>
+                                  <m:r>
+                                    <a:rPr lang="de-DE" i="1">
+                                      <a:latin typeface="Cambria Math" panose="02040503050406030204" pitchFamily="18" charset="0"/>
+                                      <a:ea typeface="Cambria Math" panose="02040503050406030204" pitchFamily="18" charset="0"/>
+                                    </a:rPr>
+                                    <m:t>∧1)</m:t>
+                                  </m:r>
+                                </m:e>
+                              </m:d>
+                            </m:e>
+                          </m:nary>
+                          <m:r>
+                            <a:rPr lang="de-DE" i="1">
+                              <a:latin typeface="Cambria Math" panose="02040503050406030204" pitchFamily="18" charset="0"/>
+                              <a:ea typeface="Cambria Math" panose="02040503050406030204" pitchFamily="18" charset="0"/>
+                            </a:rPr>
+                            <m:t> ∗ </m:t>
+                          </m:r>
+                          <m:r>
+                            <a:rPr lang="de-DE" i="1">
+                              <a:latin typeface="Cambria Math" panose="02040503050406030204" pitchFamily="18" charset="0"/>
+                              <a:ea typeface="Cambria Math" panose="02040503050406030204" pitchFamily="18" charset="0"/>
+                            </a:rPr>
+                            <m:t>𝛼</m:t>
+                          </m:r>
+                          <m:r>
+                            <a:rPr lang="de-DE" i="1">
+                              <a:latin typeface="Cambria Math" panose="02040503050406030204" pitchFamily="18" charset="0"/>
+                              <a:ea typeface="Cambria Math" panose="02040503050406030204" pitchFamily="18" charset="0"/>
+                            </a:rPr>
+                            <m:t>+</m:t>
+                          </m:r>
+                          <m:nary>
+                            <m:naryPr>
+                              <m:chr m:val="∑"/>
+                              <m:subHide m:val="on"/>
+                              <m:supHide m:val="on"/>
+                              <m:ctrlPr>
+                                <a:rPr lang="de-DE" i="1" smtClean="0">
+                                  <a:latin typeface="Cambria Math" panose="02040503050406030204" pitchFamily="18" charset="0"/>
+                                  <a:ea typeface="Cambria Math" panose="02040503050406030204" pitchFamily="18" charset="0"/>
+                                </a:rPr>
+                              </m:ctrlPr>
+                            </m:naryPr>
+                            <m:sub/>
+                            <m:sup/>
+                            <m:e>
+                              <m:r>
+                                <a:rPr lang="de-DE" i="1">
+                                  <a:latin typeface="Cambria Math" panose="02040503050406030204" pitchFamily="18" charset="0"/>
+                                  <a:ea typeface="Cambria Math" panose="02040503050406030204" pitchFamily="18" charset="0"/>
+                                </a:rPr>
+                                <m:t>(</m:t>
+                              </m:r>
+                              <m:d>
+                                <m:dPr>
+                                  <m:ctrlPr>
+                                    <a:rPr lang="de-DE" i="1">
+                                      <a:latin typeface="Cambria Math" panose="02040503050406030204" pitchFamily="18" charset="0"/>
+                                    </a:rPr>
+                                  </m:ctrlPr>
+                                </m:dPr>
+                                <m:e>
+                                  <m:r>
+                                    <a:rPr lang="de-DE" i="1">
+                                      <a:latin typeface="Cambria Math" panose="02040503050406030204" pitchFamily="18" charset="0"/>
+                                    </a:rPr>
+                                    <m:t>𝑦</m:t>
+                                  </m:r>
+                                  <m:r>
+                                    <a:rPr lang="de-DE" i="1">
+                                      <a:latin typeface="Cambria Math" panose="02040503050406030204" pitchFamily="18" charset="0"/>
+                                      <a:ea typeface="Cambria Math" panose="02040503050406030204" pitchFamily="18" charset="0"/>
+                                    </a:rPr>
+                                    <m:t>∧0</m:t>
+                                  </m:r>
+                                </m:e>
+                              </m:d>
+                              <m:r>
+                                <a:rPr lang="de-DE" i="1">
+                                  <a:latin typeface="Cambria Math" panose="02040503050406030204" pitchFamily="18" charset="0"/>
+                                  <a:ea typeface="Cambria Math" panose="02040503050406030204" pitchFamily="18" charset="0"/>
+                                </a:rPr>
+                                <m:t>∧</m:t>
+                              </m:r>
+                              <m:d>
+                                <m:dPr>
+                                  <m:ctrlPr>
+                                    <a:rPr lang="de-DE" i="1">
+                                      <a:latin typeface="Cambria Math" panose="02040503050406030204" pitchFamily="18" charset="0"/>
+                                      <a:ea typeface="Cambria Math" panose="02040503050406030204" pitchFamily="18" charset="0"/>
+                                    </a:rPr>
+                                  </m:ctrlPr>
+                                </m:dPr>
+                                <m:e>
+                                  <m:acc>
+                                    <m:accPr>
+                                      <m:chr m:val="̂"/>
+                                      <m:ctrlPr>
+                                        <a:rPr lang="de-DE" i="1">
+                                          <a:latin typeface="Cambria Math" panose="02040503050406030204" pitchFamily="18" charset="0"/>
+                                          <a:ea typeface="Cambria Math" panose="02040503050406030204" pitchFamily="18" charset="0"/>
+                                        </a:rPr>
+                                      </m:ctrlPr>
+                                    </m:accPr>
+                                    <m:e>
+                                      <m:r>
+                                        <a:rPr lang="de-DE" i="1">
+                                          <a:latin typeface="Cambria Math" panose="02040503050406030204" pitchFamily="18" charset="0"/>
+                                          <a:ea typeface="Cambria Math" panose="02040503050406030204" pitchFamily="18" charset="0"/>
+                                        </a:rPr>
+                                        <m:t>𝑦</m:t>
+                                      </m:r>
+                                    </m:e>
+                                  </m:acc>
+                                  <m:r>
+                                    <a:rPr lang="de-DE" i="1">
+                                      <a:latin typeface="Cambria Math" panose="02040503050406030204" pitchFamily="18" charset="0"/>
+                                      <a:ea typeface="Cambria Math" panose="02040503050406030204" pitchFamily="18" charset="0"/>
+                                    </a:rPr>
+                                    <m:t>∧0)</m:t>
+                                  </m:r>
+                                </m:e>
+                              </m:d>
+                            </m:e>
+                          </m:nary>
+                        </m:num>
+                        <m:den>
+                          <m:nary>
+                            <m:naryPr>
+                              <m:chr m:val="∑"/>
+                              <m:subHide m:val="on"/>
+                              <m:supHide m:val="on"/>
+                              <m:ctrlPr>
+                                <a:rPr lang="de-DE" b="0" i="1" smtClean="0">
+                                  <a:latin typeface="Cambria Math" panose="02040503050406030204" pitchFamily="18" charset="0"/>
+                                </a:rPr>
+                              </m:ctrlPr>
+                            </m:naryPr>
+                            <m:sub/>
+                            <m:sup/>
+                            <m:e>
+                              <m:d>
+                                <m:dPr>
+                                  <m:ctrlPr>
+                                    <a:rPr lang="de-DE" i="1">
+                                      <a:latin typeface="Cambria Math" panose="02040503050406030204" pitchFamily="18" charset="0"/>
+                                    </a:rPr>
+                                  </m:ctrlPr>
+                                </m:dPr>
+                                <m:e>
+                                  <m:r>
+                                    <a:rPr lang="de-DE" i="1">
+                                      <a:latin typeface="Cambria Math" panose="02040503050406030204" pitchFamily="18" charset="0"/>
+                                    </a:rPr>
+                                    <m:t>𝑦</m:t>
+                                  </m:r>
+                                  <m:r>
+                                    <a:rPr lang="de-DE" i="1">
+                                      <a:latin typeface="Cambria Math" panose="02040503050406030204" pitchFamily="18" charset="0"/>
+                                      <a:ea typeface="Cambria Math" panose="02040503050406030204" pitchFamily="18" charset="0"/>
+                                    </a:rPr>
+                                    <m:t>∧1</m:t>
+                                  </m:r>
+                                </m:e>
+                              </m:d>
+                              <m:r>
+                                <a:rPr lang="de-DE" i="1">
+                                  <a:latin typeface="Cambria Math" panose="02040503050406030204" pitchFamily="18" charset="0"/>
+                                  <a:ea typeface="Cambria Math" panose="02040503050406030204" pitchFamily="18" charset="0"/>
+                                </a:rPr>
+                                <m:t>∗</m:t>
+                              </m:r>
+                              <m:r>
+                                <a:rPr lang="de-DE" i="1">
+                                  <a:latin typeface="Cambria Math" panose="02040503050406030204" pitchFamily="18" charset="0"/>
+                                  <a:ea typeface="Cambria Math" panose="02040503050406030204" pitchFamily="18" charset="0"/>
+                                </a:rPr>
+                                <m:t>𝛼</m:t>
+                              </m:r>
+                              <m:r>
+                                <a:rPr lang="de-DE" i="1">
+                                  <a:latin typeface="Cambria Math" panose="02040503050406030204" pitchFamily="18" charset="0"/>
+                                  <a:ea typeface="Cambria Math" panose="02040503050406030204" pitchFamily="18" charset="0"/>
+                                </a:rPr>
+                                <m:t>+</m:t>
+                              </m:r>
+                              <m:d>
+                                <m:dPr>
+                                  <m:ctrlPr>
+                                    <a:rPr lang="de-DE" i="1">
+                                      <a:latin typeface="Cambria Math" panose="02040503050406030204" pitchFamily="18" charset="0"/>
+                                    </a:rPr>
+                                  </m:ctrlPr>
+                                </m:dPr>
+                                <m:e>
+                                  <m:r>
+                                    <a:rPr lang="de-DE" i="1">
+                                      <a:latin typeface="Cambria Math" panose="02040503050406030204" pitchFamily="18" charset="0"/>
+                                    </a:rPr>
+                                    <m:t>𝑦</m:t>
+                                  </m:r>
+                                  <m:r>
+                                    <a:rPr lang="de-DE" i="1">
+                                      <a:latin typeface="Cambria Math" panose="02040503050406030204" pitchFamily="18" charset="0"/>
+                                      <a:ea typeface="Cambria Math" panose="02040503050406030204" pitchFamily="18" charset="0"/>
+                                    </a:rPr>
+                                    <m:t>∧0</m:t>
+                                  </m:r>
+                                </m:e>
+                              </m:d>
+                            </m:e>
+                          </m:nary>
+                        </m:den>
+                      </m:f>
+                    </m:oMath>
+                  </m:oMathPara>
+                </a14:m>
+                <a:endParaRPr lang="de-DE" b="0" dirty="0"/>
+              </a:p>
+            </p:txBody>
+          </p:sp>
+        </mc:Choice>
+        <mc:Fallback xmlns="">
+          <p:sp>
+            <p:nvSpPr>
+              <p:cNvPr id="5" name="Textfeld 4">
+                <a:extLst>
+                  <a:ext uri="{FF2B5EF4-FFF2-40B4-BE49-F238E27FC236}">
+                    <a16:creationId xmlns:a16="http://schemas.microsoft.com/office/drawing/2014/main" id="{C0C88ECA-9134-4F9B-BD96-3FE0693B0459}"/>
+                  </a:ext>
+                </a:extLst>
+              </p:cNvPr>
+              <p:cNvSpPr txBox="1">
+                <a:spLocks noRot="1" noChangeAspect="1" noMove="1" noResize="1" noEditPoints="1" noAdjustHandles="1" noChangeArrowheads="1" noChangeShapeType="1" noTextEdit="1"/>
+              </p:cNvSpPr>
+              <p:nvPr/>
+            </p:nvSpPr>
+            <p:spPr>
+              <a:xfrm>
+                <a:off x="2738739" y="2219092"/>
+                <a:ext cx="7143750" cy="584840"/>
+              </a:xfrm>
+              <a:prstGeom prst="rect">
+                <a:avLst/>
+              </a:prstGeom>
+              <a:blipFill>
+                <a:blip r:embed="rId2"/>
+                <a:stretch>
+                  <a:fillRect/>
+                </a:stretch>
+              </a:blipFill>
+            </p:spPr>
+            <p:txBody>
+              <a:bodyPr/>
+              <a:lstStyle/>
+              <a:p>
+                <a:r>
+                  <a:rPr lang="de-DE">
+                    <a:noFill/>
+                  </a:rPr>
+                  <a:t> </a:t>
+                </a:r>
+              </a:p>
+            </p:txBody>
+          </p:sp>
+        </mc:Fallback>
+      </mc:AlternateContent>
+      <mc:AlternateContent xmlns:mc="http://schemas.openxmlformats.org/markup-compatibility/2006" xmlns:a14="http://schemas.microsoft.com/office/drawing/2010/main">
+        <mc:Choice Requires="a14">
+          <p:sp>
+            <p:nvSpPr>
+              <p:cNvPr id="10" name="Textfeld 9">
+                <a:extLst>
+                  <a:ext uri="{FF2B5EF4-FFF2-40B4-BE49-F238E27FC236}">
+                    <a16:creationId xmlns:a16="http://schemas.microsoft.com/office/drawing/2014/main" id="{BEBA2228-BDB3-449B-9A9B-4CE64BC78C06}"/>
+                  </a:ext>
+                </a:extLst>
+              </p:cNvPr>
+              <p:cNvSpPr txBox="1"/>
+              <p:nvPr/>
+            </p:nvSpPr>
+            <p:spPr>
+              <a:xfrm>
+                <a:off x="3992136" y="3030516"/>
+                <a:ext cx="4488023" cy="575157"/>
+              </a:xfrm>
+              <a:prstGeom prst="rect">
+                <a:avLst/>
+              </a:prstGeom>
+              <a:noFill/>
+            </p:spPr>
+            <p:txBody>
+              <a:bodyPr wrap="none" lIns="0" tIns="0" rIns="0" bIns="0" rtlCol="0">
+                <a:spAutoFit/>
+              </a:bodyPr>
+              <a:lstStyle/>
+              <a:p>
+                <a:pPr/>
+                <a14:m>
+                  <m:oMathPara xmlns:m="http://schemas.openxmlformats.org/officeDocument/2006/math">
+                    <m:oMathParaPr>
+                      <m:jc m:val="centerGroup"/>
+                    </m:oMathParaPr>
+                    <m:oMath xmlns:m="http://schemas.openxmlformats.org/officeDocument/2006/math">
+                      <m:r>
+                        <a:rPr lang="de-DE" b="0" i="1" smtClean="0">
+                          <a:latin typeface="Cambria Math" panose="02040503050406030204" pitchFamily="18" charset="0"/>
+                        </a:rPr>
+                        <m:t>𝑤𝑖𝑡h</m:t>
+                      </m:r>
+                      <m:r>
+                        <a:rPr lang="de-DE" b="0" i="1" smtClean="0">
+                          <a:latin typeface="Cambria Math" panose="02040503050406030204" pitchFamily="18" charset="0"/>
+                        </a:rPr>
+                        <m:t> </m:t>
+                      </m:r>
+                      <m:r>
+                        <a:rPr lang="de-DE" b="0" i="1" smtClean="0">
+                          <a:latin typeface="Cambria Math" panose="02040503050406030204" pitchFamily="18" charset="0"/>
+                          <a:ea typeface="Cambria Math" panose="02040503050406030204" pitchFamily="18" charset="0"/>
+                        </a:rPr>
+                        <m:t>𝛼</m:t>
+                      </m:r>
+                      <m:r>
+                        <a:rPr lang="de-DE" b="0" i="1" smtClean="0">
+                          <a:latin typeface="Cambria Math" panose="02040503050406030204" pitchFamily="18" charset="0"/>
+                          <a:ea typeface="Cambria Math" panose="02040503050406030204" pitchFamily="18" charset="0"/>
+                        </a:rPr>
+                        <m:t>= </m:t>
+                      </m:r>
+                      <m:f>
+                        <m:fPr>
+                          <m:ctrlPr>
+                            <a:rPr lang="de-DE" b="0" i="1" smtClean="0">
+                              <a:latin typeface="Cambria Math" panose="02040503050406030204" pitchFamily="18" charset="0"/>
+                              <a:ea typeface="Cambria Math" panose="02040503050406030204" pitchFamily="18" charset="0"/>
+                            </a:rPr>
+                          </m:ctrlPr>
+                        </m:fPr>
+                        <m:num>
+                          <m:r>
+                            <a:rPr lang="de-DE" b="0" i="1" smtClean="0">
+                              <a:latin typeface="Cambria Math" panose="02040503050406030204" pitchFamily="18" charset="0"/>
+                              <a:ea typeface="Cambria Math" panose="02040503050406030204" pitchFamily="18" charset="0"/>
+                            </a:rPr>
+                            <m:t>𝑐𝑜𝑠𝑡</m:t>
+                          </m:r>
+                          <m:r>
+                            <a:rPr lang="de-DE" b="0" i="1" smtClean="0">
+                              <a:latin typeface="Cambria Math" panose="02040503050406030204" pitchFamily="18" charset="0"/>
+                              <a:ea typeface="Cambria Math" panose="02040503050406030204" pitchFamily="18" charset="0"/>
+                            </a:rPr>
+                            <m:t> </m:t>
+                          </m:r>
+                          <m:r>
+                            <a:rPr lang="de-DE" b="0" i="1" smtClean="0">
+                              <a:latin typeface="Cambria Math" panose="02040503050406030204" pitchFamily="18" charset="0"/>
+                              <a:ea typeface="Cambria Math" panose="02040503050406030204" pitchFamily="18" charset="0"/>
+                            </a:rPr>
+                            <m:t>𝑛𝑜𝑡</m:t>
+                          </m:r>
+                          <m:r>
+                            <a:rPr lang="de-DE" b="0" i="1" smtClean="0">
+                              <a:latin typeface="Cambria Math" panose="02040503050406030204" pitchFamily="18" charset="0"/>
+                              <a:ea typeface="Cambria Math" panose="02040503050406030204" pitchFamily="18" charset="0"/>
+                            </a:rPr>
+                            <m:t> </m:t>
+                          </m:r>
+                          <m:r>
+                            <a:rPr lang="de-DE" b="0" i="1" smtClean="0">
+                              <a:latin typeface="Cambria Math" panose="02040503050406030204" pitchFamily="18" charset="0"/>
+                              <a:ea typeface="Cambria Math" panose="02040503050406030204" pitchFamily="18" charset="0"/>
+                            </a:rPr>
+                            <m:t>𝑖𝑑𝑒𝑛𝑡𝑖𝑓𝑖𝑒𝑑</m:t>
+                          </m:r>
+                          <m:r>
+                            <a:rPr lang="de-DE" b="0" i="1" smtClean="0">
+                              <a:latin typeface="Cambria Math" panose="02040503050406030204" pitchFamily="18" charset="0"/>
+                              <a:ea typeface="Cambria Math" panose="02040503050406030204" pitchFamily="18" charset="0"/>
+                            </a:rPr>
+                            <m:t> </m:t>
+                          </m:r>
+                          <m:r>
+                            <a:rPr lang="de-DE" b="0" i="1" smtClean="0">
+                              <a:latin typeface="Cambria Math" panose="02040503050406030204" pitchFamily="18" charset="0"/>
+                              <a:ea typeface="Cambria Math" panose="02040503050406030204" pitchFamily="18" charset="0"/>
+                            </a:rPr>
+                            <m:t>𝑝𝑜𝑠𝑖𝑡𝑖𝑣𝑒</m:t>
+                          </m:r>
+                          <m:r>
+                            <a:rPr lang="de-DE" b="0" i="1" smtClean="0">
+                              <a:latin typeface="Cambria Math" panose="02040503050406030204" pitchFamily="18" charset="0"/>
+                              <a:ea typeface="Cambria Math" panose="02040503050406030204" pitchFamily="18" charset="0"/>
+                            </a:rPr>
+                            <m:t> </m:t>
+                          </m:r>
+                          <m:r>
+                            <a:rPr lang="de-DE" b="0" i="1" smtClean="0">
+                              <a:latin typeface="Cambria Math" panose="02040503050406030204" pitchFamily="18" charset="0"/>
+                              <a:ea typeface="Cambria Math" panose="02040503050406030204" pitchFamily="18" charset="0"/>
+                            </a:rPr>
+                            <m:t>𝑐𝑎𝑠𝑒</m:t>
+                          </m:r>
+                          <m:r>
+                            <a:rPr lang="de-DE" b="0" i="1" smtClean="0">
+                              <a:latin typeface="Cambria Math" panose="02040503050406030204" pitchFamily="18" charset="0"/>
+                              <a:ea typeface="Cambria Math" panose="02040503050406030204" pitchFamily="18" charset="0"/>
+                            </a:rPr>
+                            <m:t> </m:t>
+                          </m:r>
+                        </m:num>
+                        <m:den>
+                          <m:r>
+                            <a:rPr lang="de-DE" b="0" i="1" smtClean="0">
+                              <a:latin typeface="Cambria Math" panose="02040503050406030204" pitchFamily="18" charset="0"/>
+                              <a:ea typeface="Cambria Math" panose="02040503050406030204" pitchFamily="18" charset="0"/>
+                            </a:rPr>
+                            <m:t>𝑐𝑜𝑠𝑡</m:t>
+                          </m:r>
+                          <m:r>
+                            <a:rPr lang="de-DE" b="0" i="1" smtClean="0">
+                              <a:latin typeface="Cambria Math" panose="02040503050406030204" pitchFamily="18" charset="0"/>
+                              <a:ea typeface="Cambria Math" panose="02040503050406030204" pitchFamily="18" charset="0"/>
+                            </a:rPr>
+                            <m:t> </m:t>
+                          </m:r>
+                          <m:r>
+                            <a:rPr lang="de-DE" b="0" i="1" smtClean="0">
+                              <a:latin typeface="Cambria Math" panose="02040503050406030204" pitchFamily="18" charset="0"/>
+                              <a:ea typeface="Cambria Math" panose="02040503050406030204" pitchFamily="18" charset="0"/>
+                            </a:rPr>
+                            <m:t>𝑛𝑜𝑡</m:t>
+                          </m:r>
+                          <m:r>
+                            <a:rPr lang="de-DE" b="0" i="1" smtClean="0">
+                              <a:latin typeface="Cambria Math" panose="02040503050406030204" pitchFamily="18" charset="0"/>
+                              <a:ea typeface="Cambria Math" panose="02040503050406030204" pitchFamily="18" charset="0"/>
+                            </a:rPr>
+                            <m:t> </m:t>
+                          </m:r>
+                          <m:r>
+                            <a:rPr lang="de-DE" b="0" i="1" smtClean="0">
+                              <a:latin typeface="Cambria Math" panose="02040503050406030204" pitchFamily="18" charset="0"/>
+                              <a:ea typeface="Cambria Math" panose="02040503050406030204" pitchFamily="18" charset="0"/>
+                            </a:rPr>
+                            <m:t>𝑖𝑑𝑒𝑛𝑡𝑖𝑓𝑖𝑒𝑑</m:t>
+                          </m:r>
+                          <m:r>
+                            <a:rPr lang="de-DE" b="0" i="1" smtClean="0">
+                              <a:latin typeface="Cambria Math" panose="02040503050406030204" pitchFamily="18" charset="0"/>
+                              <a:ea typeface="Cambria Math" panose="02040503050406030204" pitchFamily="18" charset="0"/>
+                            </a:rPr>
+                            <m:t> </m:t>
+                          </m:r>
+                          <m:r>
+                            <a:rPr lang="de-DE" b="0" i="1" smtClean="0">
+                              <a:latin typeface="Cambria Math" panose="02040503050406030204" pitchFamily="18" charset="0"/>
+                              <a:ea typeface="Cambria Math" panose="02040503050406030204" pitchFamily="18" charset="0"/>
+                            </a:rPr>
+                            <m:t>𝑛𝑒𝑔𝑎𝑡𝑖𝑣𝑒</m:t>
+                          </m:r>
+                          <m:r>
+                            <a:rPr lang="de-DE" b="0" i="1" smtClean="0">
+                              <a:latin typeface="Cambria Math" panose="02040503050406030204" pitchFamily="18" charset="0"/>
+                              <a:ea typeface="Cambria Math" panose="02040503050406030204" pitchFamily="18" charset="0"/>
+                            </a:rPr>
+                            <m:t> </m:t>
+                          </m:r>
+                          <m:r>
+                            <a:rPr lang="de-DE" b="0" i="1" smtClean="0">
+                              <a:latin typeface="Cambria Math" panose="02040503050406030204" pitchFamily="18" charset="0"/>
+                              <a:ea typeface="Cambria Math" panose="02040503050406030204" pitchFamily="18" charset="0"/>
+                            </a:rPr>
+                            <m:t>𝑐𝑎𝑠𝑒</m:t>
+                          </m:r>
+                        </m:den>
+                      </m:f>
+                    </m:oMath>
+                  </m:oMathPara>
+                </a14:m>
+                <a:endParaRPr lang="de-DE" dirty="0"/>
+              </a:p>
+            </p:txBody>
+          </p:sp>
+        </mc:Choice>
+        <mc:Fallback xmlns="">
+          <p:sp>
+            <p:nvSpPr>
+              <p:cNvPr id="10" name="Textfeld 9">
+                <a:extLst>
+                  <a:ext uri="{FF2B5EF4-FFF2-40B4-BE49-F238E27FC236}">
+                    <a16:creationId xmlns:a16="http://schemas.microsoft.com/office/drawing/2014/main" id="{BEBA2228-BDB3-449B-9A9B-4CE64BC78C06}"/>
+                  </a:ext>
+                </a:extLst>
+              </p:cNvPr>
+              <p:cNvSpPr txBox="1">
+                <a:spLocks noRot="1" noChangeAspect="1" noMove="1" noResize="1" noEditPoints="1" noAdjustHandles="1" noChangeArrowheads="1" noChangeShapeType="1" noTextEdit="1"/>
+              </p:cNvSpPr>
+              <p:nvPr/>
+            </p:nvSpPr>
+            <p:spPr>
+              <a:xfrm>
+                <a:off x="3992136" y="3030516"/>
+                <a:ext cx="4488023" cy="575157"/>
+              </a:xfrm>
+              <a:prstGeom prst="rect">
+                <a:avLst/>
+              </a:prstGeom>
+              <a:blipFill>
+                <a:blip r:embed="rId3"/>
+                <a:stretch>
+                  <a:fillRect/>
+                </a:stretch>
+              </a:blipFill>
+            </p:spPr>
+            <p:txBody>
+              <a:bodyPr/>
+              <a:lstStyle/>
+              <a:p>
+                <a:r>
+                  <a:rPr lang="de-DE">
+                    <a:noFill/>
+                  </a:rPr>
+                  <a:t> </a:t>
+                </a:r>
+              </a:p>
+            </p:txBody>
+          </p:sp>
+        </mc:Fallback>
+      </mc:AlternateContent>
+      <p:sp>
+        <p:nvSpPr>
+          <p:cNvPr id="11" name="Textfeld 10">
+            <a:extLst>
+              <a:ext uri="{FF2B5EF4-FFF2-40B4-BE49-F238E27FC236}">
+                <a16:creationId xmlns:a16="http://schemas.microsoft.com/office/drawing/2014/main" id="{D3B9F025-C219-47EB-833D-2B888BABADD0}"/>
+              </a:ext>
+            </a:extLst>
+          </p:cNvPr>
+          <p:cNvSpPr txBox="1"/>
+          <p:nvPr/>
+        </p:nvSpPr>
+        <p:spPr>
+          <a:xfrm>
+            <a:off x="700297" y="3884649"/>
+            <a:ext cx="10147610" cy="923330"/>
+          </a:xfrm>
+          <a:prstGeom prst="rect">
+            <a:avLst/>
+          </a:prstGeom>
+          <a:noFill/>
+        </p:spPr>
+        <p:txBody>
+          <a:bodyPr wrap="square" rtlCol="0">
+            <a:spAutoFit/>
+          </a:bodyPr>
+          <a:lstStyle/>
+          <a:p>
+            <a:pPr marL="285750" indent="-285750">
+              <a:buFont typeface="Arial" panose="020B0604020202020204" pitchFamily="34" charset="0"/>
+              <a:buChar char="•"/>
+            </a:pPr>
+            <a:r>
+              <a:rPr lang="de-DE" dirty="0" err="1"/>
+              <a:t>If</a:t>
+            </a:r>
+            <a:r>
+              <a:rPr lang="de-DE" dirty="0"/>
+              <a:t> </a:t>
+            </a:r>
+            <a:r>
+              <a:rPr lang="de-DE" dirty="0" err="1"/>
+              <a:t>alpha</a:t>
+            </a:r>
+            <a:r>
+              <a:rPr lang="de-DE" dirty="0"/>
+              <a:t> </a:t>
+            </a:r>
+            <a:r>
+              <a:rPr lang="de-DE" dirty="0" err="1"/>
+              <a:t>goes</a:t>
+            </a:r>
+            <a:r>
+              <a:rPr lang="de-DE" dirty="0"/>
+              <a:t> </a:t>
+            </a:r>
+            <a:r>
+              <a:rPr lang="de-DE" dirty="0" err="1"/>
+              <a:t>against</a:t>
+            </a:r>
+            <a:r>
+              <a:rPr lang="de-DE" dirty="0"/>
+              <a:t> </a:t>
+            </a:r>
+            <a:r>
+              <a:rPr lang="de-DE" dirty="0" err="1"/>
+              <a:t>infinity</a:t>
+            </a:r>
+            <a:r>
+              <a:rPr lang="de-DE" dirty="0"/>
+              <a:t> </a:t>
+            </a:r>
+            <a:r>
+              <a:rPr lang="de-DE" dirty="0" err="1"/>
+              <a:t>the</a:t>
+            </a:r>
+            <a:r>
+              <a:rPr lang="de-DE" dirty="0"/>
+              <a:t> </a:t>
+            </a:r>
+            <a:r>
+              <a:rPr lang="de-DE" dirty="0" err="1"/>
+              <a:t>weighted</a:t>
+            </a:r>
+            <a:r>
+              <a:rPr lang="de-DE" dirty="0"/>
+              <a:t> </a:t>
+            </a:r>
+            <a:r>
+              <a:rPr lang="de-DE" dirty="0" err="1"/>
+              <a:t>accuracy</a:t>
+            </a:r>
+            <a:r>
+              <a:rPr lang="de-DE" dirty="0"/>
+              <a:t> will </a:t>
+            </a:r>
+            <a:r>
+              <a:rPr lang="de-DE" dirty="0" err="1"/>
+              <a:t>only</a:t>
+            </a:r>
+            <a:r>
+              <a:rPr lang="de-DE" dirty="0"/>
+              <a:t> </a:t>
+            </a:r>
+            <a:r>
+              <a:rPr lang="de-DE" dirty="0" err="1"/>
+              <a:t>the</a:t>
+            </a:r>
+            <a:r>
+              <a:rPr lang="de-DE" dirty="0"/>
+              <a:t> </a:t>
+            </a:r>
+            <a:r>
+              <a:rPr lang="de-DE" dirty="0" err="1"/>
+              <a:t>accuracy</a:t>
+            </a:r>
+            <a:r>
+              <a:rPr lang="de-DE" dirty="0"/>
+              <a:t> </a:t>
+            </a:r>
+            <a:r>
+              <a:rPr lang="de-DE" dirty="0" err="1"/>
+              <a:t>of</a:t>
+            </a:r>
+            <a:r>
+              <a:rPr lang="de-DE" dirty="0"/>
+              <a:t> </a:t>
+            </a:r>
+            <a:r>
+              <a:rPr lang="de-DE" dirty="0" err="1"/>
+              <a:t>matching</a:t>
+            </a:r>
+            <a:r>
+              <a:rPr lang="de-DE" dirty="0"/>
+              <a:t> all positive </a:t>
+            </a:r>
+            <a:r>
+              <a:rPr lang="de-DE" dirty="0" err="1"/>
+              <a:t>cases</a:t>
+            </a:r>
+            <a:endParaRPr lang="de-DE" dirty="0"/>
+          </a:p>
+          <a:p>
+            <a:pPr marL="285750" indent="-285750">
+              <a:buFont typeface="Arial" panose="020B0604020202020204" pitchFamily="34" charset="0"/>
+              <a:buChar char="•"/>
+            </a:pPr>
+            <a:r>
+              <a:rPr lang="de-DE" dirty="0" err="1"/>
+              <a:t>If</a:t>
+            </a:r>
+            <a:r>
+              <a:rPr lang="de-DE" dirty="0"/>
+              <a:t> </a:t>
+            </a:r>
+            <a:r>
+              <a:rPr lang="de-DE" dirty="0" err="1"/>
+              <a:t>alpha</a:t>
+            </a:r>
+            <a:r>
+              <a:rPr lang="de-DE" dirty="0"/>
+              <a:t> </a:t>
+            </a:r>
+            <a:r>
+              <a:rPr lang="de-DE" dirty="0" err="1"/>
+              <a:t>goes</a:t>
+            </a:r>
+            <a:r>
+              <a:rPr lang="de-DE" dirty="0"/>
+              <a:t> </a:t>
+            </a:r>
+            <a:r>
+              <a:rPr lang="de-DE" dirty="0" err="1"/>
+              <a:t>against</a:t>
+            </a:r>
+            <a:r>
+              <a:rPr lang="de-DE" dirty="0"/>
+              <a:t> negative </a:t>
+            </a:r>
+            <a:r>
+              <a:rPr lang="de-DE" dirty="0" err="1"/>
+              <a:t>infinity</a:t>
+            </a:r>
+            <a:r>
+              <a:rPr lang="de-DE" dirty="0"/>
+              <a:t> </a:t>
+            </a:r>
+            <a:r>
+              <a:rPr lang="de-DE" dirty="0" err="1"/>
+              <a:t>the</a:t>
+            </a:r>
+            <a:r>
+              <a:rPr lang="de-DE" dirty="0"/>
+              <a:t> </a:t>
+            </a:r>
+            <a:r>
+              <a:rPr lang="de-DE" dirty="0" err="1"/>
+              <a:t>weighted</a:t>
+            </a:r>
+            <a:r>
+              <a:rPr lang="de-DE" dirty="0"/>
+              <a:t> </a:t>
+            </a:r>
+            <a:r>
+              <a:rPr lang="de-DE" dirty="0" err="1"/>
+              <a:t>accuracy</a:t>
+            </a:r>
+            <a:r>
+              <a:rPr lang="de-DE" dirty="0"/>
+              <a:t> will </a:t>
+            </a:r>
+            <a:r>
+              <a:rPr lang="de-DE" dirty="0" err="1"/>
+              <a:t>only</a:t>
+            </a:r>
+            <a:r>
+              <a:rPr lang="de-DE" dirty="0"/>
+              <a:t> </a:t>
+            </a:r>
+            <a:r>
+              <a:rPr lang="de-DE" dirty="0" err="1"/>
+              <a:t>be</a:t>
+            </a:r>
+            <a:r>
+              <a:rPr lang="de-DE" dirty="0"/>
+              <a:t> </a:t>
+            </a:r>
+            <a:r>
+              <a:rPr lang="de-DE" dirty="0" err="1"/>
+              <a:t>the</a:t>
+            </a:r>
+            <a:r>
+              <a:rPr lang="de-DE" dirty="0"/>
+              <a:t> </a:t>
+            </a:r>
+            <a:r>
+              <a:rPr lang="de-DE" dirty="0" err="1"/>
+              <a:t>accuracy</a:t>
+            </a:r>
+            <a:r>
+              <a:rPr lang="de-DE" dirty="0"/>
+              <a:t> </a:t>
+            </a:r>
+            <a:r>
+              <a:rPr lang="de-DE" dirty="0" err="1"/>
+              <a:t>of</a:t>
+            </a:r>
+            <a:r>
+              <a:rPr lang="de-DE" dirty="0"/>
+              <a:t> </a:t>
+            </a:r>
+            <a:r>
+              <a:rPr lang="de-DE" dirty="0" err="1"/>
+              <a:t>matching</a:t>
+            </a:r>
+            <a:r>
+              <a:rPr lang="de-DE" dirty="0"/>
+              <a:t> all negative </a:t>
+            </a:r>
+            <a:r>
+              <a:rPr lang="de-DE" dirty="0" err="1"/>
+              <a:t>cases</a:t>
+            </a:r>
+            <a:endParaRPr lang="de-DE" dirty="0"/>
+          </a:p>
+        </p:txBody>
+      </p:sp>
+    </p:spTree>
+    <p:extLst>
+      <p:ext uri="{BB962C8B-B14F-4D97-AF65-F5344CB8AC3E}">
+        <p14:creationId xmlns:p14="http://schemas.microsoft.com/office/powerpoint/2010/main" val="350240787"/>
+      </p:ext>
+    </p:extLst>
+  </p:cSld>
+  <p:clrMapOvr>
+    <a:masterClrMapping/>
+  </p:clrMapOvr>
+</p:sld>
+</file>
+
 <file path=ppt/slides/slide2.xml><?xml version="1.0" encoding="utf-8"?>
 <p:sld xmlns:a="http://schemas.openxmlformats.org/drawingml/2006/main" xmlns:r="http://schemas.openxmlformats.org/officeDocument/2006/relationships" xmlns:p="http://schemas.openxmlformats.org/presentationml/2006/main">
   <p:cSld>
@@ -3825,19 +5161,11 @@
             </a:r>
             <a:r>
               <a:rPr lang="de-DE" dirty="0"/>
-              <a:t> positive </a:t>
+              <a:t> </a:t>
             </a:r>
             <a:r>
               <a:rPr lang="de-DE" dirty="0" err="1"/>
-              <a:t>cases</a:t>
-            </a:r>
-            <a:r>
-              <a:rPr lang="de-DE" dirty="0"/>
-              <a:t> </a:t>
-            </a:r>
-            <a:r>
-              <a:rPr lang="de-DE" dirty="0" err="1"/>
-              <a:t>that</a:t>
+              <a:t>insolvencies</a:t>
             </a:r>
             <a:r>
               <a:rPr lang="de-DE" dirty="0"/>
@@ -3926,7 +5254,7 @@
         </p:nvSpPr>
         <p:spPr>
           <a:xfrm>
-            <a:off x="1969581" y="5737365"/>
+            <a:off x="1543377" y="6007686"/>
             <a:ext cx="8724249" cy="338554"/>
           </a:xfrm>
           <a:prstGeom prst="rect">
@@ -4098,16 +5426,10 @@
           <a:lstStyle/>
           <a:p>
             <a:r>
-              <a:rPr lang="de-DE" sz="1600" dirty="0">
-                <a:latin typeface="+mj-lt"/>
-              </a:rPr>
-              <a:t>Not </a:t>
-            </a:r>
-            <a:r>
               <a:rPr lang="de-DE" sz="1600" dirty="0" err="1">
                 <a:latin typeface="+mj-lt"/>
               </a:rPr>
-              <a:t>identified</a:t>
+              <a:t>Unidentified</a:t>
             </a:r>
             <a:r>
               <a:rPr lang="de-DE" sz="1600" dirty="0">
@@ -4814,10 +6136,10 @@
       </p:pic>
       <p:pic>
         <p:nvPicPr>
-          <p:cNvPr id="33" name="Grafik 32">
-            <a:extLst>
-              <a:ext uri="{FF2B5EF4-FFF2-40B4-BE49-F238E27FC236}">
-                <a16:creationId xmlns:a16="http://schemas.microsoft.com/office/drawing/2014/main" id="{3003D8A6-4C4C-4513-B8A2-0498C9B3FCD6}"/>
+          <p:cNvPr id="37" name="Grafik 36">
+            <a:extLst>
+              <a:ext uri="{FF2B5EF4-FFF2-40B4-BE49-F238E27FC236}">
+                <a16:creationId xmlns:a16="http://schemas.microsoft.com/office/drawing/2014/main" id="{D50AC269-931E-4601-A340-0E17401BF646}"/>
               </a:ext>
             </a:extLst>
           </p:cNvPr>
@@ -4828,42 +6150,6 @@
         </p:nvPicPr>
         <p:blipFill>
           <a:blip r:embed="rId5">
-            <a:extLst>
-              <a:ext uri="{28A0092B-C50C-407E-A947-70E740481C1C}">
-                <a14:useLocalDpi xmlns:a14="http://schemas.microsoft.com/office/drawing/2010/main" val="0"/>
-              </a:ext>
-            </a:extLst>
-          </a:blip>
-          <a:stretch>
-            <a:fillRect/>
-          </a:stretch>
-        </p:blipFill>
-        <p:spPr>
-          <a:xfrm>
-            <a:off x="694391" y="5331463"/>
-            <a:ext cx="1150358" cy="1150358"/>
-          </a:xfrm>
-          <a:prstGeom prst="rect">
-            <a:avLst/>
-          </a:prstGeom>
-        </p:spPr>
-      </p:pic>
-      <p:pic>
-        <p:nvPicPr>
-          <p:cNvPr id="37" name="Grafik 36">
-            <a:extLst>
-              <a:ext uri="{FF2B5EF4-FFF2-40B4-BE49-F238E27FC236}">
-                <a16:creationId xmlns:a16="http://schemas.microsoft.com/office/drawing/2014/main" id="{D50AC269-931E-4601-A340-0E17401BF646}"/>
-              </a:ext>
-            </a:extLst>
-          </p:cNvPr>
-          <p:cNvPicPr>
-            <a:picLocks noChangeAspect="1"/>
-          </p:cNvPicPr>
-          <p:nvPr/>
-        </p:nvPicPr>
-        <p:blipFill>
-          <a:blip r:embed="rId6">
             <a:extLst>
               <a:ext uri="{28A0092B-C50C-407E-A947-70E740481C1C}">
                 <a14:useLocalDpi xmlns:a14="http://schemas.microsoft.com/office/drawing/2010/main" val="0"/>
@@ -4995,7 +6281,7 @@
         <p:spPr>
           <a:xfrm>
             <a:off x="6373554" y="4328291"/>
-            <a:ext cx="4073595" cy="1077218"/>
+            <a:ext cx="4073595" cy="1323439"/>
           </a:xfrm>
           <a:prstGeom prst="rect">
             <a:avLst/>
@@ -5259,8 +6545,53 @@
               <a:t> time</a:t>
             </a:r>
           </a:p>
-        </p:txBody>
-      </p:sp>
+          <a:p>
+            <a:pPr marL="285750" indent="-285750">
+              <a:buFont typeface="Wingdings" panose="05000000000000000000" pitchFamily="2" charset="2"/>
+              <a:buChar char="§"/>
+            </a:pPr>
+            <a:endParaRPr lang="de-DE" sz="1600" dirty="0">
+              <a:latin typeface="+mj-lt"/>
+            </a:endParaRPr>
+          </a:p>
+        </p:txBody>
+      </p:sp>
+      <p:pic>
+        <p:nvPicPr>
+          <p:cNvPr id="2" name="Grafik 1">
+            <a:extLst>
+              <a:ext uri="{FF2B5EF4-FFF2-40B4-BE49-F238E27FC236}">
+                <a16:creationId xmlns:a16="http://schemas.microsoft.com/office/drawing/2014/main" id="{120970E9-2DCC-4E45-B3BC-6D83F4C990AC}"/>
+              </a:ext>
+            </a:extLst>
+          </p:cNvPr>
+          <p:cNvPicPr>
+            <a:picLocks noChangeAspect="1"/>
+          </p:cNvPicPr>
+          <p:nvPr/>
+        </p:nvPicPr>
+        <p:blipFill>
+          <a:blip r:embed="rId6">
+            <a:extLst>
+              <a:ext uri="{28A0092B-C50C-407E-A947-70E740481C1C}">
+                <a14:useLocalDpi xmlns:a14="http://schemas.microsoft.com/office/drawing/2010/main" val="0"/>
+              </a:ext>
+            </a:extLst>
+          </a:blip>
+          <a:stretch>
+            <a:fillRect/>
+          </a:stretch>
+        </p:blipFill>
+        <p:spPr>
+          <a:xfrm>
+            <a:off x="506126" y="5622026"/>
+            <a:ext cx="1150358" cy="1150358"/>
+          </a:xfrm>
+          <a:prstGeom prst="rect">
+            <a:avLst/>
+          </a:prstGeom>
+        </p:spPr>
+      </p:pic>
     </p:spTree>
     <p:extLst>
       <p:ext uri="{BB962C8B-B14F-4D97-AF65-F5344CB8AC3E}">
@@ -5293,10 +6624,10 @@
       </p:grpSpPr>
       <p:pic>
         <p:nvPicPr>
-          <p:cNvPr id="3" name="Grafik 2">
-            <a:extLst>
-              <a:ext uri="{FF2B5EF4-FFF2-40B4-BE49-F238E27FC236}">
-                <a16:creationId xmlns:a16="http://schemas.microsoft.com/office/drawing/2014/main" id="{46F110E0-79F1-4C7E-982E-58421A324E17}"/>
+          <p:cNvPr id="13" name="Grafik 12">
+            <a:extLst>
+              <a:ext uri="{FF2B5EF4-FFF2-40B4-BE49-F238E27FC236}">
+                <a16:creationId xmlns:a16="http://schemas.microsoft.com/office/drawing/2014/main" id="{B6CF559C-9E4C-4FE8-B9DB-2F4527F90A7B}"/>
               </a:ext>
             </a:extLst>
           </p:cNvPr>
@@ -5319,8 +6650,8 @@
         </p:blipFill>
         <p:spPr>
           <a:xfrm>
-            <a:off x="887278" y="1286021"/>
-            <a:ext cx="5058977" cy="3252200"/>
+            <a:off x="216379" y="1382246"/>
+            <a:ext cx="5596193" cy="3597553"/>
           </a:xfrm>
           <a:prstGeom prst="rect">
             <a:avLst/>
@@ -5489,7 +6820,7 @@
         </p:spPr>
         <p:txBody>
           <a:bodyPr vert="horz" lIns="91440" tIns="45720" rIns="91440" bIns="45720" rtlCol="0" anchor="ctr">
-            <a:normAutofit fontScale="60000" lnSpcReduction="20000"/>
+            <a:normAutofit fontScale="52500" lnSpcReduction="20000"/>
           </a:bodyPr>
           <a:lstStyle>
             <a:lvl1pPr algn="l" defTabSz="914400" rtl="0" eaLnBrk="1" latinLnBrk="0" hangingPunct="1">
@@ -5513,11 +6844,11 @@
           <a:p>
             <a:r>
               <a:rPr lang="de-DE" dirty="0"/>
-              <a:t>Small </a:t>
+              <a:t>64 </a:t>
             </a:r>
             <a:r>
               <a:rPr lang="de-DE" dirty="0" err="1"/>
-              <a:t>number</a:t>
+              <a:t>financial</a:t>
             </a:r>
             <a:r>
               <a:rPr lang="de-DE" dirty="0"/>
@@ -5525,15 +6856,15 @@
             </a:r>
             <a:r>
               <a:rPr lang="de-DE" dirty="0" err="1"/>
-              <a:t>of</a:t>
+              <a:t>kpis</a:t>
             </a:r>
             <a:r>
               <a:rPr lang="de-DE" dirty="0"/>
-              <a:t> positive </a:t>
+              <a:t> </a:t>
             </a:r>
             <a:r>
               <a:rPr lang="de-DE" dirty="0" err="1"/>
-              <a:t>cases</a:t>
+              <a:t>are</a:t>
             </a:r>
             <a:r>
               <a:rPr lang="de-DE" dirty="0"/>
@@ -5541,41 +6872,44 @@
             </a:r>
             <a:r>
               <a:rPr lang="de-DE" dirty="0" err="1"/>
-              <a:t>that</a:t>
+              <a:t>available</a:t>
             </a:r>
             <a:r>
               <a:rPr lang="de-DE" dirty="0"/>
-              <a:t> </a:t>
+              <a:t> and </a:t>
             </a:r>
             <a:r>
               <a:rPr lang="de-DE" dirty="0" err="1"/>
-              <a:t>have</a:t>
+              <a:t>mostly</a:t>
             </a:r>
             <a:r>
               <a:rPr lang="de-DE" dirty="0"/>
-              <a:t> a </a:t>
+              <a:t> </a:t>
             </a:r>
             <a:r>
               <a:rPr lang="de-DE" dirty="0" err="1"/>
-              <a:t>potentially</a:t>
+              <a:t>complete</a:t>
             </a:r>
             <a:r>
               <a:rPr lang="de-DE" dirty="0"/>
-              <a:t> high </a:t>
+              <a:t> (1.24% </a:t>
             </a:r>
             <a:r>
               <a:rPr lang="de-DE" dirty="0" err="1"/>
-              <a:t>impact</a:t>
+              <a:t>missing</a:t>
             </a:r>
             <a:r>
               <a:rPr lang="de-DE" dirty="0"/>
-              <a:t> on </a:t>
+              <a:t> </a:t>
             </a:r>
             <a:r>
               <a:rPr lang="de-DE" dirty="0" err="1"/>
-              <a:t>costs</a:t>
-            </a:r>
-            <a:endParaRPr lang="de-DE" dirty="0"/>
+              <a:t>data</a:t>
+            </a:r>
+            <a:r>
+              <a:rPr lang="de-DE" dirty="0"/>
+              <a:t> in total)</a:t>
+            </a:r>
           </a:p>
         </p:txBody>
       </p:sp>
@@ -5657,42 +6991,6 @@
           </a:fontRef>
         </p:style>
       </p:cxnSp>
-      <p:pic>
-        <p:nvPicPr>
-          <p:cNvPr id="33" name="Grafik 32">
-            <a:extLst>
-              <a:ext uri="{FF2B5EF4-FFF2-40B4-BE49-F238E27FC236}">
-                <a16:creationId xmlns:a16="http://schemas.microsoft.com/office/drawing/2014/main" id="{3003D8A6-4C4C-4513-B8A2-0498C9B3FCD6}"/>
-              </a:ext>
-            </a:extLst>
-          </p:cNvPr>
-          <p:cNvPicPr>
-            <a:picLocks noChangeAspect="1"/>
-          </p:cNvPicPr>
-          <p:nvPr/>
-        </p:nvPicPr>
-        <p:blipFill>
-          <a:blip r:embed="rId3">
-            <a:extLst>
-              <a:ext uri="{28A0092B-C50C-407E-A947-70E740481C1C}">
-                <a14:useLocalDpi xmlns:a14="http://schemas.microsoft.com/office/drawing/2010/main" val="0"/>
-              </a:ext>
-            </a:extLst>
-          </a:blip>
-          <a:stretch>
-            <a:fillRect/>
-          </a:stretch>
-        </p:blipFill>
-        <p:spPr>
-          <a:xfrm>
-            <a:off x="694391" y="5331463"/>
-            <a:ext cx="1150358" cy="1150358"/>
-          </a:xfrm>
-          <a:prstGeom prst="rect">
-            <a:avLst/>
-          </a:prstGeom>
-        </p:spPr>
-      </p:pic>
       <p:sp>
         <p:nvSpPr>
           <p:cNvPr id="42" name="Textfeld 41">
@@ -5786,7 +7084,7 @@
           <p:nvPr/>
         </p:nvPicPr>
         <p:blipFill>
-          <a:blip r:embed="rId4">
+          <a:blip r:embed="rId3">
             <a:extLst>
               <a:ext uri="{28A0092B-C50C-407E-A947-70E740481C1C}">
                 <a14:useLocalDpi xmlns:a14="http://schemas.microsoft.com/office/drawing/2010/main" val="0"/>
@@ -6032,7 +7330,7 @@
         <p:spPr>
           <a:xfrm>
             <a:off x="6235659" y="4644756"/>
-            <a:ext cx="5058977" cy="584775"/>
+            <a:ext cx="5058977" cy="830997"/>
           </a:xfrm>
           <a:prstGeom prst="rect">
             <a:avLst/>
@@ -6045,146 +7343,11 @@
           <a:lstStyle/>
           <a:p>
             <a:r>
-              <a:rPr lang="de-DE" sz="1600" dirty="0" err="1">
-                <a:latin typeface="+mj-lt"/>
-              </a:rPr>
-              <a:t>Some</a:t>
-            </a:r>
-            <a:r>
-              <a:rPr lang="de-DE" sz="1600" dirty="0">
-                <a:latin typeface="+mj-lt"/>
-              </a:rPr>
-              <a:t> Features </a:t>
-            </a:r>
-            <a:r>
-              <a:rPr lang="de-DE" sz="1600" dirty="0" err="1">
-                <a:latin typeface="+mj-lt"/>
-              </a:rPr>
-              <a:t>have</a:t>
-            </a:r>
-            <a:r>
-              <a:rPr lang="de-DE" sz="1600" dirty="0">
-                <a:latin typeface="+mj-lt"/>
-              </a:rPr>
-              <a:t> a non normal </a:t>
-            </a:r>
-            <a:r>
-              <a:rPr lang="de-DE" sz="1600" dirty="0" err="1">
-                <a:latin typeface="+mj-lt"/>
-              </a:rPr>
-              <a:t>distribution</a:t>
-            </a:r>
-            <a:r>
-              <a:rPr lang="de-DE" sz="1600" dirty="0">
-                <a:latin typeface="+mj-lt"/>
-              </a:rPr>
-              <a:t> </a:t>
-            </a:r>
-            <a:r>
-              <a:rPr lang="de-DE" sz="1600" dirty="0" err="1">
-                <a:latin typeface="+mj-lt"/>
-              </a:rPr>
-              <a:t>which</a:t>
-            </a:r>
-            <a:r>
-              <a:rPr lang="de-DE" sz="1600" dirty="0">
-                <a:latin typeface="+mj-lt"/>
-              </a:rPr>
-              <a:t> </a:t>
-            </a:r>
-            <a:r>
-              <a:rPr lang="de-DE" sz="1600" dirty="0" err="1">
-                <a:latin typeface="+mj-lt"/>
-              </a:rPr>
-              <a:t>may</a:t>
-            </a:r>
-            <a:r>
-              <a:rPr lang="de-DE" sz="1600" dirty="0">
-                <a:latin typeface="+mj-lt"/>
-              </a:rPr>
-              <a:t> </a:t>
-            </a:r>
-            <a:r>
-              <a:rPr lang="de-DE" sz="1600" dirty="0" err="1">
-                <a:latin typeface="+mj-lt"/>
-              </a:rPr>
-              <a:t>aggravate</a:t>
-            </a:r>
-            <a:r>
-              <a:rPr lang="de-DE" sz="1600" dirty="0">
-                <a:latin typeface="+mj-lt"/>
-              </a:rPr>
-              <a:t> </a:t>
-            </a:r>
-            <a:r>
-              <a:rPr lang="de-DE" sz="1600" dirty="0" err="1">
-                <a:latin typeface="+mj-lt"/>
-              </a:rPr>
-              <a:t>the</a:t>
-            </a:r>
-            <a:r>
-              <a:rPr lang="de-DE" sz="1600" dirty="0">
-                <a:latin typeface="+mj-lt"/>
-              </a:rPr>
-              <a:t> </a:t>
-            </a:r>
-            <a:r>
-              <a:rPr lang="de-DE" sz="1600" dirty="0" err="1">
-                <a:latin typeface="+mj-lt"/>
-              </a:rPr>
-              <a:t>training</a:t>
-            </a:r>
-            <a:r>
-              <a:rPr lang="de-DE" sz="1600" dirty="0">
-                <a:latin typeface="+mj-lt"/>
-              </a:rPr>
-              <a:t> </a:t>
-            </a:r>
-            <a:r>
-              <a:rPr lang="de-DE" sz="1600" dirty="0" err="1">
-                <a:latin typeface="+mj-lt"/>
-              </a:rPr>
-              <a:t>of</a:t>
-            </a:r>
-            <a:r>
-              <a:rPr lang="de-DE" sz="1600" dirty="0">
-                <a:latin typeface="+mj-lt"/>
-              </a:rPr>
-              <a:t> </a:t>
-            </a:r>
-            <a:r>
-              <a:rPr lang="de-DE" sz="1600" dirty="0" err="1">
-                <a:latin typeface="+mj-lt"/>
-              </a:rPr>
-              <a:t>the</a:t>
-            </a:r>
-            <a:r>
-              <a:rPr lang="de-DE" sz="1600" dirty="0">
-                <a:latin typeface="+mj-lt"/>
-              </a:rPr>
-              <a:t> </a:t>
-            </a:r>
-            <a:r>
-              <a:rPr lang="de-DE" sz="1600" dirty="0" err="1">
-                <a:latin typeface="+mj-lt"/>
-              </a:rPr>
-              <a:t>classification</a:t>
-            </a:r>
-            <a:r>
-              <a:rPr lang="de-DE" sz="1600" dirty="0">
-                <a:latin typeface="+mj-lt"/>
-              </a:rPr>
-              <a:t> </a:t>
-            </a:r>
-            <a:r>
-              <a:rPr lang="de-DE" sz="1600" dirty="0" err="1">
-                <a:latin typeface="+mj-lt"/>
-              </a:rPr>
-              <a:t>model</a:t>
-            </a:r>
-            <a:endParaRPr lang="de-DE" sz="1600" dirty="0">
-              <a:latin typeface="+mj-lt"/>
-            </a:endParaRPr>
+              <a:rPr lang="en-US" sz="1600" dirty="0">
+                <a:latin typeface="+mj-lt"/>
+              </a:rPr>
+              <a:t>Some Features have a non normal distribution which may aggravate the training of the classification model. Since this is not necessary it is an optional preprocessing step.</a:t>
+            </a:r>
           </a:p>
         </p:txBody>
       </p:sp>
@@ -6202,7 +7365,7 @@
         </p:nvSpPr>
         <p:spPr>
           <a:xfrm>
-            <a:off x="1799030" y="5708337"/>
+            <a:off x="1628132" y="5992297"/>
             <a:ext cx="9215053" cy="369332"/>
           </a:xfrm>
           <a:prstGeom prst="rect">
@@ -6327,6 +7490,42 @@
           </a:p>
         </p:txBody>
       </p:sp>
+      <p:pic>
+        <p:nvPicPr>
+          <p:cNvPr id="11" name="Grafik 10">
+            <a:extLst>
+              <a:ext uri="{FF2B5EF4-FFF2-40B4-BE49-F238E27FC236}">
+                <a16:creationId xmlns:a16="http://schemas.microsoft.com/office/drawing/2014/main" id="{E2B748D3-EFB3-4F30-BB06-B3A47A588638}"/>
+              </a:ext>
+            </a:extLst>
+          </p:cNvPr>
+          <p:cNvPicPr>
+            <a:picLocks noChangeAspect="1"/>
+          </p:cNvPicPr>
+          <p:nvPr/>
+        </p:nvPicPr>
+        <p:blipFill>
+          <a:blip r:embed="rId4">
+            <a:extLst>
+              <a:ext uri="{28A0092B-C50C-407E-A947-70E740481C1C}">
+                <a14:useLocalDpi xmlns:a14="http://schemas.microsoft.com/office/drawing/2010/main" val="0"/>
+              </a:ext>
+            </a:extLst>
+          </a:blip>
+          <a:stretch>
+            <a:fillRect/>
+          </a:stretch>
+        </p:blipFill>
+        <p:spPr>
+          <a:xfrm>
+            <a:off x="506126" y="5622026"/>
+            <a:ext cx="1150358" cy="1150358"/>
+          </a:xfrm>
+          <a:prstGeom prst="rect">
+            <a:avLst/>
+          </a:prstGeom>
+        </p:spPr>
+      </p:pic>
     </p:spTree>
     <p:extLst>
       <p:ext uri="{BB962C8B-B14F-4D97-AF65-F5344CB8AC3E}">
@@ -6567,7 +7766,7 @@
             </a:r>
             <a:r>
               <a:rPr lang="de-DE" dirty="0" err="1"/>
-              <a:t>number</a:t>
+              <a:t>generalization</a:t>
             </a:r>
             <a:r>
               <a:rPr lang="de-DE" dirty="0"/>
@@ -6583,7 +7782,7 @@
             </a:r>
             <a:r>
               <a:rPr lang="de-DE" dirty="0" err="1"/>
-              <a:t>evaluated</a:t>
+              <a:t>our</a:t>
             </a:r>
             <a:r>
               <a:rPr lang="de-DE" dirty="0"/>
@@ -6591,7 +7790,7 @@
             </a:r>
             <a:r>
               <a:rPr lang="de-DE" dirty="0" err="1"/>
-              <a:t>sampled</a:t>
+              <a:t>models</a:t>
             </a:r>
             <a:r>
               <a:rPr lang="de-DE" dirty="0"/>
@@ -6629,42 +7828,6 @@
           </a:p>
         </p:txBody>
       </p:sp>
-      <p:pic>
-        <p:nvPicPr>
-          <p:cNvPr id="33" name="Grafik 32">
-            <a:extLst>
-              <a:ext uri="{FF2B5EF4-FFF2-40B4-BE49-F238E27FC236}">
-                <a16:creationId xmlns:a16="http://schemas.microsoft.com/office/drawing/2014/main" id="{3003D8A6-4C4C-4513-B8A2-0498C9B3FCD6}"/>
-              </a:ext>
-            </a:extLst>
-          </p:cNvPr>
-          <p:cNvPicPr>
-            <a:picLocks noChangeAspect="1"/>
-          </p:cNvPicPr>
-          <p:nvPr/>
-        </p:nvPicPr>
-        <p:blipFill>
-          <a:blip r:embed="rId2">
-            <a:extLst>
-              <a:ext uri="{28A0092B-C50C-407E-A947-70E740481C1C}">
-                <a14:useLocalDpi xmlns:a14="http://schemas.microsoft.com/office/drawing/2010/main" val="0"/>
-              </a:ext>
-            </a:extLst>
-          </a:blip>
-          <a:stretch>
-            <a:fillRect/>
-          </a:stretch>
-        </p:blipFill>
-        <p:spPr>
-          <a:xfrm>
-            <a:off x="666704" y="5292314"/>
-            <a:ext cx="1150358" cy="1150358"/>
-          </a:xfrm>
-          <a:prstGeom prst="rect">
-            <a:avLst/>
-          </a:prstGeom>
-        </p:spPr>
-      </p:pic>
       <p:sp>
         <p:nvSpPr>
           <p:cNvPr id="13" name="Rechteck: abgerundete Ecken 12">
@@ -6679,7 +7842,7 @@
         </p:nvSpPr>
         <p:spPr>
           <a:xfrm>
-            <a:off x="1349409" y="1424931"/>
+            <a:off x="1349409" y="1866515"/>
             <a:ext cx="3994948" cy="376874"/>
           </a:xfrm>
           <a:prstGeom prst="roundRect">
@@ -6720,6 +7883,7 @@
                 <a:solidFill>
                   <a:schemeClr val="tx1"/>
                 </a:solidFill>
+                <a:latin typeface="+mj-lt"/>
               </a:rPr>
               <a:t>Data: 100 % </a:t>
             </a:r>
@@ -6740,7 +7904,7 @@
         </p:nvSpPr>
         <p:spPr>
           <a:xfrm>
-            <a:off x="1349409" y="2292083"/>
+            <a:off x="1349409" y="2733667"/>
             <a:ext cx="3026263" cy="376874"/>
           </a:xfrm>
           <a:prstGeom prst="roundRect">
@@ -6781,6 +7945,7 @@
                 <a:solidFill>
                   <a:schemeClr val="tx1"/>
                 </a:solidFill>
+                <a:latin typeface="+mj-lt"/>
               </a:rPr>
               <a:t>Train: 80%</a:t>
             </a:r>
@@ -6801,8 +7966,8 @@
         </p:nvSpPr>
         <p:spPr>
           <a:xfrm>
-            <a:off x="4431435" y="2263714"/>
-            <a:ext cx="918013" cy="393799"/>
+            <a:off x="4431435" y="2728739"/>
+            <a:ext cx="918013" cy="384993"/>
           </a:xfrm>
           <a:prstGeom prst="roundRect">
             <a:avLst/>
@@ -6842,6 +8007,7 @@
                 <a:solidFill>
                   <a:schemeClr val="tx1"/>
                 </a:solidFill>
+                <a:latin typeface="+mj-lt"/>
               </a:rPr>
               <a:t>Test: 20%</a:t>
             </a:r>
@@ -6862,7 +8028,7 @@
         </p:nvSpPr>
         <p:spPr>
           <a:xfrm>
-            <a:off x="1349411" y="2836998"/>
+            <a:off x="1349411" y="3278582"/>
             <a:ext cx="2050504" cy="376874"/>
           </a:xfrm>
           <a:prstGeom prst="roundRect">
@@ -6903,6 +8069,7 @@
                 <a:solidFill>
                   <a:schemeClr val="tx1"/>
                 </a:solidFill>
+                <a:latin typeface="+mj-lt"/>
               </a:rPr>
               <a:t>Train: 80%</a:t>
             </a:r>
@@ -6923,7 +8090,7 @@
         </p:nvSpPr>
         <p:spPr>
           <a:xfrm>
-            <a:off x="3456668" y="2820071"/>
+            <a:off x="3456668" y="3261655"/>
             <a:ext cx="918013" cy="393799"/>
           </a:xfrm>
           <a:prstGeom prst="roundRect">
@@ -6964,6 +8131,7 @@
                 <a:solidFill>
                   <a:schemeClr val="tx1"/>
                 </a:solidFill>
+                <a:latin typeface="+mj-lt"/>
               </a:rPr>
               <a:t>Test: 20%</a:t>
             </a:r>
@@ -6984,7 +8152,7 @@
         </p:nvSpPr>
         <p:spPr>
           <a:xfrm>
-            <a:off x="4431435" y="2820071"/>
+            <a:off x="4431435" y="3261655"/>
             <a:ext cx="918013" cy="393799"/>
           </a:xfrm>
           <a:prstGeom prst="roundRect">
@@ -7025,6 +8193,7 @@
                 <a:solidFill>
                   <a:schemeClr val="tx1"/>
                 </a:solidFill>
+                <a:latin typeface="+mj-lt"/>
               </a:rPr>
               <a:t>Train</a:t>
             </a:r>
@@ -7045,7 +8214,7 @@
         </p:nvSpPr>
         <p:spPr>
           <a:xfrm>
-            <a:off x="1349409" y="3825317"/>
+            <a:off x="1349409" y="4266901"/>
             <a:ext cx="918013" cy="393799"/>
           </a:xfrm>
           <a:prstGeom prst="roundRect">
@@ -7086,6 +8255,7 @@
                 <a:solidFill>
                   <a:schemeClr val="tx1"/>
                 </a:solidFill>
+                <a:latin typeface="+mj-lt"/>
               </a:rPr>
               <a:t>Test: 20%</a:t>
             </a:r>
@@ -7106,7 +8276,7 @@
         </p:nvSpPr>
         <p:spPr>
           <a:xfrm>
-            <a:off x="2318094" y="3823910"/>
+            <a:off x="2318094" y="4265494"/>
             <a:ext cx="3026263" cy="393798"/>
           </a:xfrm>
           <a:prstGeom prst="roundRect">
@@ -7147,6 +8317,7 @@
                 <a:solidFill>
                   <a:schemeClr val="tx1"/>
                 </a:solidFill>
+                <a:latin typeface="+mj-lt"/>
               </a:rPr>
               <a:t>Train: 80%</a:t>
             </a:r>
@@ -7167,7 +8338,7 @@
         </p:nvSpPr>
         <p:spPr>
           <a:xfrm>
-            <a:off x="3266987" y="3293616"/>
+            <a:off x="3266987" y="3735200"/>
             <a:ext cx="98990" cy="126464"/>
           </a:xfrm>
           <a:prstGeom prst="ellipse">
@@ -7207,6 +8378,7 @@
               <a:solidFill>
                 <a:schemeClr val="tx1"/>
               </a:solidFill>
+              <a:latin typeface="+mj-lt"/>
             </a:endParaRPr>
           </a:p>
         </p:txBody>
@@ -7225,7 +8397,7 @@
         </p:nvSpPr>
         <p:spPr>
           <a:xfrm>
-            <a:off x="3266987" y="3471952"/>
+            <a:off x="3266987" y="3913536"/>
             <a:ext cx="98990" cy="126464"/>
           </a:xfrm>
           <a:prstGeom prst="ellipse">
@@ -7265,6 +8437,7 @@
               <a:solidFill>
                 <a:schemeClr val="tx1"/>
               </a:solidFill>
+              <a:latin typeface="+mj-lt"/>
             </a:endParaRPr>
           </a:p>
         </p:txBody>
@@ -7283,7 +8456,7 @@
         </p:nvSpPr>
         <p:spPr>
           <a:xfrm>
-            <a:off x="3266987" y="3636365"/>
+            <a:off x="3266987" y="4077949"/>
             <a:ext cx="98990" cy="126464"/>
           </a:xfrm>
           <a:prstGeom prst="ellipse">
@@ -7323,131 +8496,8 @@
               <a:solidFill>
                 <a:schemeClr val="tx1"/>
               </a:solidFill>
+              <a:latin typeface="+mj-lt"/>
             </a:endParaRPr>
-          </a:p>
-        </p:txBody>
-      </p:sp>
-      <p:sp>
-        <p:nvSpPr>
-          <p:cNvPr id="16" name="Textfeld 15">
-            <a:extLst>
-              <a:ext uri="{FF2B5EF4-FFF2-40B4-BE49-F238E27FC236}">
-                <a16:creationId xmlns:a16="http://schemas.microsoft.com/office/drawing/2014/main" id="{19BC2E17-526D-45FD-B0D5-E5E32075592C}"/>
-              </a:ext>
-            </a:extLst>
-          </p:cNvPr>
-          <p:cNvSpPr txBox="1"/>
-          <p:nvPr/>
-        </p:nvSpPr>
-        <p:spPr>
-          <a:xfrm>
-            <a:off x="616505" y="1459479"/>
-            <a:ext cx="905522" cy="307777"/>
-          </a:xfrm>
-          <a:prstGeom prst="rect">
-            <a:avLst/>
-          </a:prstGeom>
-          <a:noFill/>
-        </p:spPr>
-        <p:txBody>
-          <a:bodyPr wrap="square" rtlCol="0">
-            <a:spAutoFit/>
-          </a:bodyPr>
-          <a:lstStyle/>
-          <a:p>
-            <a:r>
-              <a:rPr lang="de-DE" sz="1400" dirty="0"/>
-              <a:t>Input</a:t>
-            </a:r>
-          </a:p>
-        </p:txBody>
-      </p:sp>
-      <p:sp>
-        <p:nvSpPr>
-          <p:cNvPr id="34" name="Textfeld 33">
-            <a:extLst>
-              <a:ext uri="{FF2B5EF4-FFF2-40B4-BE49-F238E27FC236}">
-                <a16:creationId xmlns:a16="http://schemas.microsoft.com/office/drawing/2014/main" id="{822274E8-3099-466D-A8D9-A8836C16B44F}"/>
-              </a:ext>
-            </a:extLst>
-          </p:cNvPr>
-          <p:cNvSpPr txBox="1"/>
-          <p:nvPr/>
-        </p:nvSpPr>
-        <p:spPr>
-          <a:xfrm>
-            <a:off x="616505" y="2501530"/>
-            <a:ext cx="905522" cy="954107"/>
-          </a:xfrm>
-          <a:prstGeom prst="rect">
-            <a:avLst/>
-          </a:prstGeom>
-          <a:noFill/>
-        </p:spPr>
-        <p:txBody>
-          <a:bodyPr wrap="square" rtlCol="0">
-            <a:spAutoFit/>
-          </a:bodyPr>
-          <a:lstStyle/>
-          <a:p>
-            <a:r>
-              <a:rPr lang="de-DE" sz="1400" dirty="0"/>
-              <a:t>Train- </a:t>
-            </a:r>
-          </a:p>
-          <a:p>
-            <a:r>
-              <a:rPr lang="de-DE" sz="1400" dirty="0"/>
-              <a:t>And </a:t>
-            </a:r>
-          </a:p>
-          <a:p>
-            <a:r>
-              <a:rPr lang="de-DE" sz="1400" dirty="0"/>
-              <a:t>Test-</a:t>
-            </a:r>
-          </a:p>
-          <a:p>
-            <a:r>
-              <a:rPr lang="de-DE" sz="1400" dirty="0"/>
-              <a:t>Splits</a:t>
-            </a:r>
-          </a:p>
-        </p:txBody>
-      </p:sp>
-      <p:sp>
-        <p:nvSpPr>
-          <p:cNvPr id="18" name="Textfeld 17">
-            <a:extLst>
-              <a:ext uri="{FF2B5EF4-FFF2-40B4-BE49-F238E27FC236}">
-                <a16:creationId xmlns:a16="http://schemas.microsoft.com/office/drawing/2014/main" id="{8E726E2E-D7C8-48A9-A695-90255902B9EB}"/>
-              </a:ext>
-            </a:extLst>
-          </p:cNvPr>
-          <p:cNvSpPr txBox="1"/>
-          <p:nvPr/>
-        </p:nvSpPr>
-        <p:spPr>
-          <a:xfrm>
-            <a:off x="397512" y="4613359"/>
-            <a:ext cx="1031796" cy="307777"/>
-          </a:xfrm>
-          <a:prstGeom prst="rect">
-            <a:avLst/>
-          </a:prstGeom>
-          <a:noFill/>
-        </p:spPr>
-        <p:txBody>
-          <a:bodyPr wrap="square" rtlCol="0">
-            <a:spAutoFit/>
-          </a:bodyPr>
-          <a:lstStyle/>
-          <a:p>
-            <a:r>
-              <a:rPr lang="de-DE" sz="1400" dirty="0" err="1"/>
-              <a:t>Prediction</a:t>
-            </a:r>
-            <a:endParaRPr lang="de-DE" sz="1400" dirty="0"/>
           </a:p>
         </p:txBody>
       </p:sp>
@@ -7465,7 +8515,7 @@
         </p:nvSpPr>
         <p:spPr>
           <a:xfrm>
-            <a:off x="1349409" y="4627753"/>
+            <a:off x="1349409" y="5069337"/>
             <a:ext cx="3994950" cy="376874"/>
           </a:xfrm>
           <a:prstGeom prst="roundRect">
@@ -7506,6 +8556,7 @@
                 <a:solidFill>
                   <a:schemeClr val="tx1"/>
                 </a:solidFill>
+                <a:latin typeface="+mj-lt"/>
               </a:rPr>
               <a:t>Prediction</a:t>
             </a:r>
@@ -7514,6 +8565,7 @@
                 <a:solidFill>
                   <a:schemeClr val="tx1"/>
                 </a:solidFill>
+                <a:latin typeface="+mj-lt"/>
               </a:rPr>
               <a:t> </a:t>
             </a:r>
@@ -7522,6 +8574,7 @@
                 <a:solidFill>
                   <a:schemeClr val="tx1"/>
                 </a:solidFill>
+                <a:latin typeface="+mj-lt"/>
               </a:rPr>
               <a:t>for</a:t>
             </a:r>
@@ -7530,6 +8583,7 @@
                 <a:solidFill>
                   <a:schemeClr val="tx1"/>
                 </a:solidFill>
+                <a:latin typeface="+mj-lt"/>
               </a:rPr>
               <a:t> </a:t>
             </a:r>
@@ -7538,6 +8592,7 @@
                 <a:solidFill>
                   <a:schemeClr val="tx1"/>
                 </a:solidFill>
+                <a:latin typeface="+mj-lt"/>
               </a:rPr>
               <a:t>each</a:t>
             </a:r>
@@ -7546,51 +8601,1249 @@
                 <a:solidFill>
                   <a:schemeClr val="tx1"/>
                 </a:solidFill>
+                <a:latin typeface="+mj-lt"/>
               </a:rPr>
               <a:t> Observation</a:t>
             </a:r>
+          </a:p>
+        </p:txBody>
+      </p:sp>
+      <p:sp>
+        <p:nvSpPr>
+          <p:cNvPr id="23" name="Textfeld 22">
+            <a:extLst>
+              <a:ext uri="{FF2B5EF4-FFF2-40B4-BE49-F238E27FC236}">
+                <a16:creationId xmlns:a16="http://schemas.microsoft.com/office/drawing/2014/main" id="{867F5E80-7589-4D74-9BF9-5F7E6B9C89FC}"/>
+              </a:ext>
+            </a:extLst>
+          </p:cNvPr>
+          <p:cNvSpPr txBox="1"/>
+          <p:nvPr/>
+        </p:nvSpPr>
+        <p:spPr>
+          <a:xfrm>
+            <a:off x="838200" y="1376441"/>
+            <a:ext cx="4710193" cy="400110"/>
+          </a:xfrm>
+          <a:prstGeom prst="rect">
+            <a:avLst/>
+          </a:prstGeom>
+          <a:noFill/>
+        </p:spPr>
+        <p:txBody>
+          <a:bodyPr wrap="square" rtlCol="0">
+            <a:spAutoFit/>
+          </a:bodyPr>
+          <a:lstStyle/>
+          <a:p>
+            <a:r>
+              <a:rPr lang="de-DE" sz="2000" dirty="0">
+                <a:latin typeface="+mj-lt"/>
+              </a:rPr>
+              <a:t>Validation </a:t>
+            </a:r>
+            <a:r>
+              <a:rPr lang="de-DE" sz="2000" dirty="0" err="1">
+                <a:latin typeface="+mj-lt"/>
+              </a:rPr>
+              <a:t>framework</a:t>
+            </a:r>
+            <a:endParaRPr lang="de-DE" sz="2000" dirty="0">
+              <a:latin typeface="+mj-lt"/>
+            </a:endParaRPr>
           </a:p>
         </p:txBody>
       </p:sp>
       <p:cxnSp>
         <p:nvCxnSpPr>
-          <p:cNvPr id="36" name="Gerade Verbindung mit Pfeil 35">
-            <a:extLst>
-              <a:ext uri="{FF2B5EF4-FFF2-40B4-BE49-F238E27FC236}">
-                <a16:creationId xmlns:a16="http://schemas.microsoft.com/office/drawing/2014/main" id="{53B6C454-E0B8-4385-81BA-1DE825F3AC97}"/>
-              </a:ext>
-            </a:extLst>
-          </p:cNvPr>
-          <p:cNvCxnSpPr/>
+          <p:cNvPr id="24" name="Gerader Verbinder 23">
+            <a:extLst>
+              <a:ext uri="{FF2B5EF4-FFF2-40B4-BE49-F238E27FC236}">
+                <a16:creationId xmlns:a16="http://schemas.microsoft.com/office/drawing/2014/main" id="{39B66F71-6090-4180-8C59-B2E92800B3D4}"/>
+              </a:ext>
+            </a:extLst>
+          </p:cNvPr>
+          <p:cNvCxnSpPr>
+            <a:cxnSpLocks/>
+          </p:cNvCxnSpPr>
           <p:nvPr/>
         </p:nvCxnSpPr>
         <p:spPr>
-          <a:xfrm>
-            <a:off x="265339" y="1438372"/>
-            <a:ext cx="0" cy="3496205"/>
-          </a:xfrm>
-          <a:prstGeom prst="straightConnector1">
+          <a:xfrm flipV="1">
+            <a:off x="906651" y="1708689"/>
+            <a:ext cx="4641742" cy="20995"/>
+          </a:xfrm>
+          <a:prstGeom prst="line">
             <a:avLst/>
           </a:prstGeom>
-          <a:ln w="28575">
-            <a:tailEnd type="triangle"/>
-          </a:ln>
         </p:spPr>
         <p:style>
           <a:lnRef idx="1">
-            <a:schemeClr val="accent1"/>
+            <a:schemeClr val="dk1"/>
           </a:lnRef>
           <a:fillRef idx="0">
-            <a:schemeClr val="accent1"/>
+            <a:schemeClr val="dk1"/>
           </a:fillRef>
           <a:effectRef idx="0">
-            <a:schemeClr val="accent1"/>
+            <a:schemeClr val="dk1"/>
           </a:effectRef>
           <a:fontRef idx="minor">
             <a:schemeClr val="tx1"/>
           </a:fontRef>
         </p:style>
       </p:cxnSp>
+      <p:sp>
+        <p:nvSpPr>
+          <p:cNvPr id="26" name="Textfeld 25">
+            <a:extLst>
+              <a:ext uri="{FF2B5EF4-FFF2-40B4-BE49-F238E27FC236}">
+                <a16:creationId xmlns:a16="http://schemas.microsoft.com/office/drawing/2014/main" id="{A316B726-C55D-49D0-B0EF-6CBFBD6D2BC6}"/>
+              </a:ext>
+            </a:extLst>
+          </p:cNvPr>
+          <p:cNvSpPr txBox="1"/>
+          <p:nvPr/>
+        </p:nvSpPr>
+        <p:spPr>
+          <a:xfrm>
+            <a:off x="6235659" y="1373656"/>
+            <a:ext cx="4710193" cy="400110"/>
+          </a:xfrm>
+          <a:prstGeom prst="rect">
+            <a:avLst/>
+          </a:prstGeom>
+          <a:noFill/>
+        </p:spPr>
+        <p:txBody>
+          <a:bodyPr wrap="square" rtlCol="0">
+            <a:spAutoFit/>
+          </a:bodyPr>
+          <a:lstStyle/>
+          <a:p>
+            <a:r>
+              <a:rPr lang="de-DE" sz="2000" dirty="0" err="1">
+                <a:latin typeface="+mj-lt"/>
+              </a:rPr>
+              <a:t>Algorithms</a:t>
+            </a:r>
+            <a:endParaRPr lang="de-DE" sz="2000" dirty="0">
+              <a:latin typeface="+mj-lt"/>
+            </a:endParaRPr>
+          </a:p>
+        </p:txBody>
+      </p:sp>
+      <p:cxnSp>
+        <p:nvCxnSpPr>
+          <p:cNvPr id="27" name="Gerader Verbinder 26">
+            <a:extLst>
+              <a:ext uri="{FF2B5EF4-FFF2-40B4-BE49-F238E27FC236}">
+                <a16:creationId xmlns:a16="http://schemas.microsoft.com/office/drawing/2014/main" id="{ED0905CA-9F4B-4205-AA2D-2B388D6D9DFB}"/>
+              </a:ext>
+            </a:extLst>
+          </p:cNvPr>
+          <p:cNvCxnSpPr>
+            <a:cxnSpLocks/>
+          </p:cNvCxnSpPr>
+          <p:nvPr/>
+        </p:nvCxnSpPr>
+        <p:spPr>
+          <a:xfrm flipV="1">
+            <a:off x="6304110" y="1705904"/>
+            <a:ext cx="4641742" cy="20995"/>
+          </a:xfrm>
+          <a:prstGeom prst="line">
+            <a:avLst/>
+          </a:prstGeom>
+        </p:spPr>
+        <p:style>
+          <a:lnRef idx="1">
+            <a:schemeClr val="dk1"/>
+          </a:lnRef>
+          <a:fillRef idx="0">
+            <a:schemeClr val="dk1"/>
+          </a:fillRef>
+          <a:effectRef idx="0">
+            <a:schemeClr val="dk1"/>
+          </a:effectRef>
+          <a:fontRef idx="minor">
+            <a:schemeClr val="tx1"/>
+          </a:fontRef>
+        </p:style>
+      </p:cxnSp>
+      <p:pic>
+        <p:nvPicPr>
+          <p:cNvPr id="3" name="Grafik 2">
+            <a:extLst>
+              <a:ext uri="{FF2B5EF4-FFF2-40B4-BE49-F238E27FC236}">
+                <a16:creationId xmlns:a16="http://schemas.microsoft.com/office/drawing/2014/main" id="{4A1ACEE9-A8D6-44A6-9F10-C54FA4383B61}"/>
+              </a:ext>
+            </a:extLst>
+          </p:cNvPr>
+          <p:cNvPicPr>
+            <a:picLocks noChangeAspect="1"/>
+          </p:cNvPicPr>
+          <p:nvPr/>
+        </p:nvPicPr>
+        <p:blipFill>
+          <a:blip r:embed="rId2">
+            <a:extLst>
+              <a:ext uri="{28A0092B-C50C-407E-A947-70E740481C1C}">
+                <a14:useLocalDpi xmlns:a14="http://schemas.microsoft.com/office/drawing/2010/main" val="0"/>
+              </a:ext>
+            </a:extLst>
+          </a:blip>
+          <a:stretch>
+            <a:fillRect/>
+          </a:stretch>
+        </p:blipFill>
+        <p:spPr>
+          <a:xfrm>
+            <a:off x="6766599" y="1683460"/>
+            <a:ext cx="1238644" cy="1238644"/>
+          </a:xfrm>
+          <a:prstGeom prst="rect">
+            <a:avLst/>
+          </a:prstGeom>
+        </p:spPr>
+      </p:pic>
+      <p:pic>
+        <p:nvPicPr>
+          <p:cNvPr id="9" name="Grafik 8">
+            <a:extLst>
+              <a:ext uri="{FF2B5EF4-FFF2-40B4-BE49-F238E27FC236}">
+                <a16:creationId xmlns:a16="http://schemas.microsoft.com/office/drawing/2014/main" id="{5164D29D-94E8-4136-BA08-7FDBD12829FE}"/>
+              </a:ext>
+            </a:extLst>
+          </p:cNvPr>
+          <p:cNvPicPr>
+            <a:picLocks noChangeAspect="1"/>
+          </p:cNvPicPr>
+          <p:nvPr/>
+        </p:nvPicPr>
+        <p:blipFill>
+          <a:blip r:embed="rId3">
+            <a:extLst>
+              <a:ext uri="{28A0092B-C50C-407E-A947-70E740481C1C}">
+                <a14:useLocalDpi xmlns:a14="http://schemas.microsoft.com/office/drawing/2010/main" val="0"/>
+              </a:ext>
+            </a:extLst>
+          </a:blip>
+          <a:stretch>
+            <a:fillRect/>
+          </a:stretch>
+        </p:blipFill>
+        <p:spPr>
+          <a:xfrm>
+            <a:off x="9932491" y="1716401"/>
+            <a:ext cx="1238644" cy="1238644"/>
+          </a:xfrm>
+          <a:prstGeom prst="rect">
+            <a:avLst/>
+          </a:prstGeom>
+        </p:spPr>
+      </p:pic>
+      <p:pic>
+        <p:nvPicPr>
+          <p:cNvPr id="11" name="Grafik 10">
+            <a:extLst>
+              <a:ext uri="{FF2B5EF4-FFF2-40B4-BE49-F238E27FC236}">
+                <a16:creationId xmlns:a16="http://schemas.microsoft.com/office/drawing/2014/main" id="{963C3E60-8C9F-4654-AE1C-70294E39D1AC}"/>
+              </a:ext>
+            </a:extLst>
+          </p:cNvPr>
+          <p:cNvPicPr>
+            <a:picLocks noChangeAspect="1"/>
+          </p:cNvPicPr>
+          <p:nvPr/>
+        </p:nvPicPr>
+        <p:blipFill>
+          <a:blip r:embed="rId4">
+            <a:extLst>
+              <a:ext uri="{28A0092B-C50C-407E-A947-70E740481C1C}">
+                <a14:useLocalDpi xmlns:a14="http://schemas.microsoft.com/office/drawing/2010/main" val="0"/>
+              </a:ext>
+            </a:extLst>
+          </a:blip>
+          <a:stretch>
+            <a:fillRect/>
+          </a:stretch>
+        </p:blipFill>
+        <p:spPr>
+          <a:xfrm>
+            <a:off x="252645" y="1689247"/>
+            <a:ext cx="882401" cy="882401"/>
+          </a:xfrm>
+          <a:prstGeom prst="rect">
+            <a:avLst/>
+          </a:prstGeom>
+        </p:spPr>
+      </p:pic>
+      <p:pic>
+        <p:nvPicPr>
+          <p:cNvPr id="15" name="Grafik 14">
+            <a:extLst>
+              <a:ext uri="{FF2B5EF4-FFF2-40B4-BE49-F238E27FC236}">
+                <a16:creationId xmlns:a16="http://schemas.microsoft.com/office/drawing/2014/main" id="{AD885D56-494D-43A3-83E9-A99E14B23AE4}"/>
+              </a:ext>
+            </a:extLst>
+          </p:cNvPr>
+          <p:cNvPicPr>
+            <a:picLocks noChangeAspect="1"/>
+          </p:cNvPicPr>
+          <p:nvPr/>
+        </p:nvPicPr>
+        <p:blipFill>
+          <a:blip r:embed="rId5">
+            <a:extLst>
+              <a:ext uri="{28A0092B-C50C-407E-A947-70E740481C1C}">
+                <a14:useLocalDpi xmlns:a14="http://schemas.microsoft.com/office/drawing/2010/main" val="0"/>
+              </a:ext>
+            </a:extLst>
+          </a:blip>
+          <a:stretch>
+            <a:fillRect/>
+          </a:stretch>
+        </p:blipFill>
+        <p:spPr>
+          <a:xfrm>
+            <a:off x="242252" y="3119570"/>
+            <a:ext cx="882401" cy="882401"/>
+          </a:xfrm>
+          <a:prstGeom prst="rect">
+            <a:avLst/>
+          </a:prstGeom>
+        </p:spPr>
+      </p:pic>
+      <p:pic>
+        <p:nvPicPr>
+          <p:cNvPr id="28" name="Grafik 27">
+            <a:extLst>
+              <a:ext uri="{FF2B5EF4-FFF2-40B4-BE49-F238E27FC236}">
+                <a16:creationId xmlns:a16="http://schemas.microsoft.com/office/drawing/2014/main" id="{A4B5341C-7408-490B-BF5C-F9C9C665DC80}"/>
+              </a:ext>
+            </a:extLst>
+          </p:cNvPr>
+          <p:cNvPicPr>
+            <a:picLocks noChangeAspect="1"/>
+          </p:cNvPicPr>
+          <p:nvPr/>
+        </p:nvPicPr>
+        <p:blipFill>
+          <a:blip r:embed="rId6">
+            <a:extLst>
+              <a:ext uri="{28A0092B-C50C-407E-A947-70E740481C1C}">
+                <a14:useLocalDpi xmlns:a14="http://schemas.microsoft.com/office/drawing/2010/main" val="0"/>
+              </a:ext>
+            </a:extLst>
+          </a:blip>
+          <a:stretch>
+            <a:fillRect/>
+          </a:stretch>
+        </p:blipFill>
+        <p:spPr>
+          <a:xfrm>
+            <a:off x="275836" y="4787333"/>
+            <a:ext cx="882401" cy="882401"/>
+          </a:xfrm>
+          <a:prstGeom prst="rect">
+            <a:avLst/>
+          </a:prstGeom>
+        </p:spPr>
+      </p:pic>
+      <p:sp>
+        <p:nvSpPr>
+          <p:cNvPr id="35" name="Pfeil: nach unten 34">
+            <a:extLst>
+              <a:ext uri="{FF2B5EF4-FFF2-40B4-BE49-F238E27FC236}">
+                <a16:creationId xmlns:a16="http://schemas.microsoft.com/office/drawing/2014/main" id="{4B2303D1-ECD8-4579-820B-6FF5BB45FD9F}"/>
+              </a:ext>
+            </a:extLst>
+          </p:cNvPr>
+          <p:cNvSpPr/>
+          <p:nvPr/>
+        </p:nvSpPr>
+        <p:spPr>
+          <a:xfrm>
+            <a:off x="3068816" y="2310533"/>
+            <a:ext cx="387852" cy="269351"/>
+          </a:xfrm>
+          <a:prstGeom prst="downArrow">
+            <a:avLst/>
+          </a:prstGeom>
+        </p:spPr>
+        <p:style>
+          <a:lnRef idx="2">
+            <a:schemeClr val="dk1">
+              <a:shade val="50000"/>
+            </a:schemeClr>
+          </a:lnRef>
+          <a:fillRef idx="1">
+            <a:schemeClr val="dk1"/>
+          </a:fillRef>
+          <a:effectRef idx="0">
+            <a:schemeClr val="dk1"/>
+          </a:effectRef>
+          <a:fontRef idx="minor">
+            <a:schemeClr val="lt1"/>
+          </a:fontRef>
+        </p:style>
+        <p:txBody>
+          <a:bodyPr rtlCol="0" anchor="ctr"/>
+          <a:lstStyle/>
+          <a:p>
+            <a:pPr algn="ctr"/>
+            <a:endParaRPr lang="de-DE">
+              <a:latin typeface="+mj-lt"/>
+            </a:endParaRPr>
+          </a:p>
+        </p:txBody>
+      </p:sp>
+      <p:sp>
+        <p:nvSpPr>
+          <p:cNvPr id="39" name="Pfeil: nach unten 38">
+            <a:extLst>
+              <a:ext uri="{FF2B5EF4-FFF2-40B4-BE49-F238E27FC236}">
+                <a16:creationId xmlns:a16="http://schemas.microsoft.com/office/drawing/2014/main" id="{2316F15A-E49E-4B10-844E-2C4FE2B028C9}"/>
+              </a:ext>
+            </a:extLst>
+          </p:cNvPr>
+          <p:cNvSpPr/>
+          <p:nvPr/>
+        </p:nvSpPr>
+        <p:spPr>
+          <a:xfrm>
+            <a:off x="3068816" y="4729639"/>
+            <a:ext cx="387852" cy="269351"/>
+          </a:xfrm>
+          <a:prstGeom prst="downArrow">
+            <a:avLst/>
+          </a:prstGeom>
+        </p:spPr>
+        <p:style>
+          <a:lnRef idx="2">
+            <a:schemeClr val="dk1">
+              <a:shade val="50000"/>
+            </a:schemeClr>
+          </a:lnRef>
+          <a:fillRef idx="1">
+            <a:schemeClr val="dk1"/>
+          </a:fillRef>
+          <a:effectRef idx="0">
+            <a:schemeClr val="dk1"/>
+          </a:effectRef>
+          <a:fontRef idx="minor">
+            <a:schemeClr val="lt1"/>
+          </a:fontRef>
+        </p:style>
+        <p:txBody>
+          <a:bodyPr rtlCol="0" anchor="ctr"/>
+          <a:lstStyle/>
+          <a:p>
+            <a:pPr algn="ctr"/>
+            <a:endParaRPr lang="de-DE">
+              <a:latin typeface="+mj-lt"/>
+            </a:endParaRPr>
+          </a:p>
+        </p:txBody>
+      </p:sp>
+      <p:sp>
+        <p:nvSpPr>
+          <p:cNvPr id="40" name="Textfeld 39">
+            <a:extLst>
+              <a:ext uri="{FF2B5EF4-FFF2-40B4-BE49-F238E27FC236}">
+                <a16:creationId xmlns:a16="http://schemas.microsoft.com/office/drawing/2014/main" id="{BBE9FB24-5BFB-47B2-809B-76E524B0FCFF}"/>
+              </a:ext>
+            </a:extLst>
+          </p:cNvPr>
+          <p:cNvSpPr txBox="1"/>
+          <p:nvPr/>
+        </p:nvSpPr>
+        <p:spPr>
+          <a:xfrm>
+            <a:off x="6502509" y="2729765"/>
+            <a:ext cx="2632153" cy="369332"/>
+          </a:xfrm>
+          <a:prstGeom prst="rect">
+            <a:avLst/>
+          </a:prstGeom>
+          <a:noFill/>
+        </p:spPr>
+        <p:txBody>
+          <a:bodyPr wrap="square" rtlCol="0">
+            <a:spAutoFit/>
+          </a:bodyPr>
+          <a:lstStyle/>
+          <a:p>
+            <a:r>
+              <a:rPr lang="de-DE" b="1" dirty="0" err="1">
+                <a:latin typeface="+mj-lt"/>
+              </a:rPr>
+              <a:t>Logistic</a:t>
+            </a:r>
+            <a:r>
+              <a:rPr lang="de-DE" b="1" dirty="0">
+                <a:latin typeface="+mj-lt"/>
+              </a:rPr>
+              <a:t> Regression</a:t>
+            </a:r>
+          </a:p>
+        </p:txBody>
+      </p:sp>
+      <p:sp>
+        <p:nvSpPr>
+          <p:cNvPr id="42" name="Textfeld 41">
+            <a:extLst>
+              <a:ext uri="{FF2B5EF4-FFF2-40B4-BE49-F238E27FC236}">
+                <a16:creationId xmlns:a16="http://schemas.microsoft.com/office/drawing/2014/main" id="{AC10B551-F793-4EE9-8E5A-D28C66FD4F0F}"/>
+              </a:ext>
+            </a:extLst>
+          </p:cNvPr>
+          <p:cNvSpPr txBox="1"/>
+          <p:nvPr/>
+        </p:nvSpPr>
+        <p:spPr>
+          <a:xfrm>
+            <a:off x="9194684" y="2764843"/>
+            <a:ext cx="2714257" cy="369332"/>
+          </a:xfrm>
+          <a:prstGeom prst="rect">
+            <a:avLst/>
+          </a:prstGeom>
+          <a:noFill/>
+        </p:spPr>
+        <p:txBody>
+          <a:bodyPr wrap="square" rtlCol="0">
+            <a:spAutoFit/>
+          </a:bodyPr>
+          <a:lstStyle/>
+          <a:p>
+            <a:r>
+              <a:rPr lang="de-DE" b="1" dirty="0">
+                <a:latin typeface="+mj-lt"/>
+              </a:rPr>
+              <a:t>Extreme Gradient </a:t>
+            </a:r>
+            <a:r>
+              <a:rPr lang="de-DE" b="1" dirty="0" err="1">
+                <a:latin typeface="+mj-lt"/>
+              </a:rPr>
+              <a:t>Boosting</a:t>
+            </a:r>
+            <a:endParaRPr lang="de-DE" sz="1600" b="1" dirty="0">
+              <a:latin typeface="+mj-lt"/>
+            </a:endParaRPr>
+          </a:p>
+        </p:txBody>
+      </p:sp>
+      <p:sp>
+        <p:nvSpPr>
+          <p:cNvPr id="44" name="Textfeld 43">
+            <a:extLst>
+              <a:ext uri="{FF2B5EF4-FFF2-40B4-BE49-F238E27FC236}">
+                <a16:creationId xmlns:a16="http://schemas.microsoft.com/office/drawing/2014/main" id="{1376F2BA-6A9C-44C0-B0B2-E82F0B8D305C}"/>
+              </a:ext>
+            </a:extLst>
+          </p:cNvPr>
+          <p:cNvSpPr txBox="1"/>
+          <p:nvPr/>
+        </p:nvSpPr>
+        <p:spPr>
+          <a:xfrm>
+            <a:off x="5896776" y="3113732"/>
+            <a:ext cx="3091118" cy="2308324"/>
+          </a:xfrm>
+          <a:prstGeom prst="rect">
+            <a:avLst/>
+          </a:prstGeom>
+          <a:noFill/>
+          <a:ln>
+            <a:noFill/>
+          </a:ln>
+        </p:spPr>
+        <p:txBody>
+          <a:bodyPr wrap="square" rtlCol="0">
+            <a:spAutoFit/>
+          </a:bodyPr>
+          <a:lstStyle/>
+          <a:p>
+            <a:pPr marL="285750" indent="-285750">
+              <a:buFont typeface="Wingdings" panose="05000000000000000000" pitchFamily="2" charset="2"/>
+              <a:buChar char="§"/>
+            </a:pPr>
+            <a:r>
+              <a:rPr lang="de-DE" dirty="0" err="1">
+                <a:latin typeface="+mj-lt"/>
+              </a:rPr>
+              <a:t>Used</a:t>
+            </a:r>
+            <a:r>
+              <a:rPr lang="de-DE" dirty="0">
+                <a:latin typeface="+mj-lt"/>
+              </a:rPr>
+              <a:t> </a:t>
+            </a:r>
+            <a:r>
+              <a:rPr lang="de-DE" dirty="0" err="1">
+                <a:latin typeface="+mj-lt"/>
+              </a:rPr>
+              <a:t>for</a:t>
+            </a:r>
+            <a:r>
+              <a:rPr lang="de-DE" dirty="0">
+                <a:latin typeface="+mj-lt"/>
+              </a:rPr>
+              <a:t> </a:t>
+            </a:r>
+            <a:r>
+              <a:rPr lang="de-DE" dirty="0" err="1">
+                <a:latin typeface="+mj-lt"/>
+              </a:rPr>
+              <a:t>baseline</a:t>
+            </a:r>
+            <a:r>
+              <a:rPr lang="de-DE" dirty="0">
+                <a:latin typeface="+mj-lt"/>
+              </a:rPr>
+              <a:t> </a:t>
+            </a:r>
+            <a:r>
+              <a:rPr lang="de-DE" dirty="0" err="1">
+                <a:latin typeface="+mj-lt"/>
+              </a:rPr>
+              <a:t>prediction</a:t>
+            </a:r>
+            <a:endParaRPr lang="de-DE" dirty="0">
+              <a:latin typeface="+mj-lt"/>
+            </a:endParaRPr>
+          </a:p>
+          <a:p>
+            <a:pPr marL="285750" indent="-285750">
+              <a:buFont typeface="Wingdings" panose="05000000000000000000" pitchFamily="2" charset="2"/>
+              <a:buChar char="§"/>
+            </a:pPr>
+            <a:r>
+              <a:rPr lang="de-DE" dirty="0">
+                <a:latin typeface="+mj-lt"/>
+              </a:rPr>
+              <a:t>Linear </a:t>
+            </a:r>
+            <a:r>
+              <a:rPr lang="de-DE" dirty="0" err="1">
+                <a:latin typeface="+mj-lt"/>
+              </a:rPr>
+              <a:t>model</a:t>
+            </a:r>
+            <a:r>
+              <a:rPr lang="de-DE" dirty="0">
+                <a:latin typeface="+mj-lt"/>
+              </a:rPr>
+              <a:t> </a:t>
+            </a:r>
+            <a:r>
+              <a:rPr lang="de-DE" dirty="0" err="1">
+                <a:latin typeface="+mj-lt"/>
+              </a:rPr>
+              <a:t>that</a:t>
+            </a:r>
+            <a:r>
+              <a:rPr lang="de-DE" dirty="0">
+                <a:latin typeface="+mj-lt"/>
+              </a:rPr>
+              <a:t> </a:t>
+            </a:r>
+            <a:r>
+              <a:rPr lang="de-DE" dirty="0" err="1">
+                <a:latin typeface="+mj-lt"/>
+              </a:rPr>
+              <a:t>is</a:t>
+            </a:r>
+            <a:r>
+              <a:rPr lang="de-DE" dirty="0">
+                <a:latin typeface="+mj-lt"/>
+              </a:rPr>
+              <a:t> easy </a:t>
+            </a:r>
+            <a:r>
+              <a:rPr lang="de-DE" dirty="0" err="1">
+                <a:latin typeface="+mj-lt"/>
+              </a:rPr>
+              <a:t>to</a:t>
+            </a:r>
+            <a:r>
+              <a:rPr lang="de-DE" dirty="0">
+                <a:latin typeface="+mj-lt"/>
+              </a:rPr>
+              <a:t> </a:t>
+            </a:r>
+            <a:r>
+              <a:rPr lang="de-DE" dirty="0" err="1">
+                <a:latin typeface="+mj-lt"/>
+              </a:rPr>
+              <a:t>interpret</a:t>
+            </a:r>
+            <a:r>
+              <a:rPr lang="de-DE" dirty="0">
+                <a:latin typeface="+mj-lt"/>
+              </a:rPr>
+              <a:t> </a:t>
+            </a:r>
+            <a:r>
+              <a:rPr lang="de-DE" dirty="0" err="1">
+                <a:latin typeface="+mj-lt"/>
+              </a:rPr>
+              <a:t>since</a:t>
+            </a:r>
+            <a:r>
+              <a:rPr lang="de-DE" dirty="0">
+                <a:latin typeface="+mj-lt"/>
+              </a:rPr>
+              <a:t> </a:t>
+            </a:r>
+            <a:r>
+              <a:rPr lang="de-DE" dirty="0" err="1">
+                <a:latin typeface="+mj-lt"/>
+              </a:rPr>
+              <a:t>we</a:t>
+            </a:r>
+            <a:r>
+              <a:rPr lang="de-DE" dirty="0">
+                <a:latin typeface="+mj-lt"/>
+              </a:rPr>
+              <a:t> </a:t>
+            </a:r>
+            <a:r>
+              <a:rPr lang="de-DE" dirty="0" err="1">
+                <a:latin typeface="+mj-lt"/>
+              </a:rPr>
+              <a:t>have</a:t>
+            </a:r>
+            <a:r>
+              <a:rPr lang="de-DE" dirty="0">
+                <a:latin typeface="+mj-lt"/>
+              </a:rPr>
+              <a:t> </a:t>
+            </a:r>
+            <a:r>
+              <a:rPr lang="de-DE" dirty="0" err="1">
+                <a:latin typeface="+mj-lt"/>
+              </a:rPr>
+              <a:t>one</a:t>
+            </a:r>
+            <a:r>
+              <a:rPr lang="de-DE" dirty="0">
+                <a:latin typeface="+mj-lt"/>
+              </a:rPr>
+              <a:t> </a:t>
+            </a:r>
+            <a:r>
+              <a:rPr lang="de-DE" dirty="0" err="1">
+                <a:latin typeface="+mj-lt"/>
+              </a:rPr>
+              <a:t>coefficient</a:t>
+            </a:r>
+            <a:r>
+              <a:rPr lang="de-DE" dirty="0">
+                <a:latin typeface="+mj-lt"/>
+              </a:rPr>
+              <a:t> per feature</a:t>
+            </a:r>
+          </a:p>
+          <a:p>
+            <a:pPr marL="285750" indent="-285750">
+              <a:buFont typeface="Wingdings" panose="05000000000000000000" pitchFamily="2" charset="2"/>
+              <a:buChar char="§"/>
+            </a:pPr>
+            <a:r>
+              <a:rPr lang="de-DE" dirty="0">
+                <a:latin typeface="+mj-lt"/>
+              </a:rPr>
+              <a:t>Not </a:t>
+            </a:r>
+            <a:r>
+              <a:rPr lang="de-DE" dirty="0" err="1">
+                <a:latin typeface="+mj-lt"/>
+              </a:rPr>
+              <a:t>prone</a:t>
+            </a:r>
+            <a:r>
+              <a:rPr lang="de-DE" dirty="0">
+                <a:latin typeface="+mj-lt"/>
+              </a:rPr>
+              <a:t> </a:t>
+            </a:r>
+            <a:r>
+              <a:rPr lang="de-DE" dirty="0" err="1">
+                <a:latin typeface="+mj-lt"/>
+              </a:rPr>
+              <a:t>for</a:t>
+            </a:r>
+            <a:r>
+              <a:rPr lang="de-DE" dirty="0">
+                <a:latin typeface="+mj-lt"/>
+              </a:rPr>
+              <a:t> </a:t>
+            </a:r>
+            <a:r>
+              <a:rPr lang="de-DE" dirty="0" err="1">
+                <a:latin typeface="+mj-lt"/>
+              </a:rPr>
+              <a:t>overfitting</a:t>
+            </a:r>
+            <a:r>
+              <a:rPr lang="de-DE" dirty="0">
+                <a:latin typeface="+mj-lt"/>
+              </a:rPr>
+              <a:t> </a:t>
+            </a:r>
+            <a:r>
+              <a:rPr lang="de-DE" dirty="0" err="1">
+                <a:latin typeface="+mj-lt"/>
+              </a:rPr>
+              <a:t>cause</a:t>
+            </a:r>
+            <a:r>
+              <a:rPr lang="de-DE" dirty="0">
+                <a:latin typeface="+mj-lt"/>
+              </a:rPr>
+              <a:t> </a:t>
+            </a:r>
+            <a:r>
+              <a:rPr lang="de-DE" dirty="0" err="1">
+                <a:latin typeface="+mj-lt"/>
+              </a:rPr>
+              <a:t>of</a:t>
+            </a:r>
+            <a:r>
+              <a:rPr lang="de-DE" dirty="0">
+                <a:latin typeface="+mj-lt"/>
+              </a:rPr>
+              <a:t> </a:t>
+            </a:r>
+            <a:r>
+              <a:rPr lang="de-DE" dirty="0" err="1">
+                <a:latin typeface="+mj-lt"/>
+              </a:rPr>
+              <a:t>the</a:t>
+            </a:r>
+            <a:r>
+              <a:rPr lang="de-DE" dirty="0">
+                <a:latin typeface="+mj-lt"/>
+              </a:rPr>
+              <a:t> </a:t>
+            </a:r>
+            <a:r>
+              <a:rPr lang="de-DE" dirty="0" err="1">
+                <a:latin typeface="+mj-lt"/>
+              </a:rPr>
+              <a:t>linearity</a:t>
+            </a:r>
+            <a:r>
+              <a:rPr lang="de-DE" dirty="0">
+                <a:latin typeface="+mj-lt"/>
+              </a:rPr>
+              <a:t> </a:t>
+            </a:r>
+          </a:p>
+          <a:p>
+            <a:pPr marL="285750" indent="-285750">
+              <a:buFont typeface="Wingdings" panose="05000000000000000000" pitchFamily="2" charset="2"/>
+              <a:buChar char="§"/>
+            </a:pPr>
+            <a:r>
+              <a:rPr lang="de-DE" dirty="0">
+                <a:latin typeface="+mj-lt"/>
+              </a:rPr>
+              <a:t>Needs </a:t>
+            </a:r>
+            <a:r>
+              <a:rPr lang="de-DE" dirty="0" err="1">
+                <a:latin typeface="+mj-lt"/>
+              </a:rPr>
+              <a:t>several</a:t>
+            </a:r>
+            <a:r>
+              <a:rPr lang="de-DE" dirty="0">
+                <a:latin typeface="+mj-lt"/>
+              </a:rPr>
+              <a:t> </a:t>
+            </a:r>
+            <a:r>
+              <a:rPr lang="de-DE" dirty="0" err="1">
+                <a:latin typeface="+mj-lt"/>
+              </a:rPr>
+              <a:t>preprocessing</a:t>
+            </a:r>
+            <a:r>
+              <a:rPr lang="de-DE" dirty="0">
+                <a:latin typeface="+mj-lt"/>
+              </a:rPr>
+              <a:t> </a:t>
+            </a:r>
+            <a:r>
+              <a:rPr lang="de-DE" dirty="0" err="1">
+                <a:latin typeface="+mj-lt"/>
+              </a:rPr>
+              <a:t>steps</a:t>
+            </a:r>
+            <a:endParaRPr lang="de-DE" dirty="0">
+              <a:latin typeface="+mj-lt"/>
+            </a:endParaRPr>
+          </a:p>
+        </p:txBody>
+      </p:sp>
+      <p:sp>
+        <p:nvSpPr>
+          <p:cNvPr id="46" name="Textfeld 45">
+            <a:extLst>
+              <a:ext uri="{FF2B5EF4-FFF2-40B4-BE49-F238E27FC236}">
+                <a16:creationId xmlns:a16="http://schemas.microsoft.com/office/drawing/2014/main" id="{359B95BD-C02C-4EAD-BE61-B12FDBA2C6B4}"/>
+              </a:ext>
+            </a:extLst>
+          </p:cNvPr>
+          <p:cNvSpPr txBox="1"/>
+          <p:nvPr/>
+        </p:nvSpPr>
+        <p:spPr>
+          <a:xfrm>
+            <a:off x="9042581" y="3113732"/>
+            <a:ext cx="3091118" cy="2585323"/>
+          </a:xfrm>
+          <a:prstGeom prst="rect">
+            <a:avLst/>
+          </a:prstGeom>
+          <a:noFill/>
+          <a:ln>
+            <a:noFill/>
+          </a:ln>
+        </p:spPr>
+        <p:txBody>
+          <a:bodyPr wrap="square" rtlCol="0">
+            <a:spAutoFit/>
+          </a:bodyPr>
+          <a:lstStyle/>
+          <a:p>
+            <a:pPr marL="285750" indent="-285750">
+              <a:buFont typeface="Wingdings" panose="05000000000000000000" pitchFamily="2" charset="2"/>
+              <a:buChar char="§"/>
+            </a:pPr>
+            <a:r>
+              <a:rPr lang="de-DE" dirty="0" err="1">
+                <a:latin typeface="+mj-lt"/>
+              </a:rPr>
+              <a:t>Captures</a:t>
+            </a:r>
+            <a:r>
+              <a:rPr lang="de-DE" dirty="0">
+                <a:latin typeface="+mj-lt"/>
+              </a:rPr>
+              <a:t> non-linear </a:t>
+            </a:r>
+            <a:r>
+              <a:rPr lang="de-DE" dirty="0" err="1">
+                <a:latin typeface="+mj-lt"/>
+              </a:rPr>
+              <a:t>relations</a:t>
+            </a:r>
+            <a:endParaRPr lang="de-DE" dirty="0">
+              <a:latin typeface="+mj-lt"/>
+            </a:endParaRPr>
+          </a:p>
+          <a:p>
+            <a:pPr marL="285750" indent="-285750">
+              <a:buFont typeface="Wingdings" panose="05000000000000000000" pitchFamily="2" charset="2"/>
+              <a:buChar char="§"/>
+            </a:pPr>
+            <a:r>
+              <a:rPr lang="de-DE" dirty="0">
+                <a:latin typeface="+mj-lt"/>
+              </a:rPr>
+              <a:t>Ensemble </a:t>
+            </a:r>
+            <a:r>
+              <a:rPr lang="de-DE" dirty="0" err="1">
+                <a:latin typeface="+mj-lt"/>
+              </a:rPr>
+              <a:t>of</a:t>
+            </a:r>
+            <a:r>
+              <a:rPr lang="de-DE" dirty="0">
+                <a:latin typeface="+mj-lt"/>
+              </a:rPr>
+              <a:t> </a:t>
+            </a:r>
+            <a:r>
+              <a:rPr lang="de-DE" dirty="0" err="1">
+                <a:latin typeface="+mj-lt"/>
+              </a:rPr>
+              <a:t>Trees</a:t>
+            </a:r>
+            <a:r>
+              <a:rPr lang="de-DE" dirty="0">
+                <a:latin typeface="+mj-lt"/>
+              </a:rPr>
+              <a:t> </a:t>
+            </a:r>
+            <a:r>
+              <a:rPr lang="de-DE" dirty="0" err="1">
+                <a:latin typeface="+mj-lt"/>
+              </a:rPr>
+              <a:t>makes</a:t>
+            </a:r>
+            <a:r>
+              <a:rPr lang="de-DE" dirty="0">
+                <a:latin typeface="+mj-lt"/>
+              </a:rPr>
+              <a:t> </a:t>
+            </a:r>
+            <a:r>
+              <a:rPr lang="de-DE" dirty="0" err="1">
+                <a:latin typeface="+mj-lt"/>
+              </a:rPr>
+              <a:t>it</a:t>
+            </a:r>
+            <a:r>
+              <a:rPr lang="de-DE" dirty="0">
+                <a:latin typeface="+mj-lt"/>
+              </a:rPr>
+              <a:t> </a:t>
+            </a:r>
+            <a:r>
+              <a:rPr lang="de-DE" dirty="0" err="1">
+                <a:latin typeface="+mj-lt"/>
+              </a:rPr>
+              <a:t>harder</a:t>
+            </a:r>
+            <a:r>
+              <a:rPr lang="de-DE" dirty="0">
+                <a:latin typeface="+mj-lt"/>
+              </a:rPr>
+              <a:t> </a:t>
+            </a:r>
+            <a:r>
+              <a:rPr lang="de-DE" dirty="0" err="1">
+                <a:latin typeface="+mj-lt"/>
+              </a:rPr>
+              <a:t>to</a:t>
+            </a:r>
+            <a:r>
+              <a:rPr lang="de-DE" dirty="0">
+                <a:latin typeface="+mj-lt"/>
+              </a:rPr>
+              <a:t> </a:t>
+            </a:r>
+            <a:r>
+              <a:rPr lang="de-DE" dirty="0" err="1">
+                <a:latin typeface="+mj-lt"/>
+              </a:rPr>
+              <a:t>interpret</a:t>
+            </a:r>
+            <a:endParaRPr lang="de-DE" dirty="0">
+              <a:latin typeface="+mj-lt"/>
+            </a:endParaRPr>
+          </a:p>
+          <a:p>
+            <a:pPr marL="285750" indent="-285750">
+              <a:buFont typeface="Wingdings" panose="05000000000000000000" pitchFamily="2" charset="2"/>
+              <a:buChar char="§"/>
+            </a:pPr>
+            <a:r>
+              <a:rPr lang="de-DE" dirty="0" err="1">
+                <a:latin typeface="+mj-lt"/>
+              </a:rPr>
+              <a:t>Trees</a:t>
+            </a:r>
+            <a:r>
+              <a:rPr lang="de-DE" dirty="0">
+                <a:latin typeface="+mj-lt"/>
+              </a:rPr>
+              <a:t> </a:t>
+            </a:r>
+            <a:r>
+              <a:rPr lang="de-DE" dirty="0" err="1">
+                <a:latin typeface="+mj-lt"/>
+              </a:rPr>
+              <a:t>are</a:t>
+            </a:r>
+            <a:r>
+              <a:rPr lang="de-DE" dirty="0">
+                <a:latin typeface="+mj-lt"/>
+              </a:rPr>
+              <a:t> </a:t>
+            </a:r>
+            <a:r>
+              <a:rPr lang="de-DE" dirty="0" err="1">
+                <a:latin typeface="+mj-lt"/>
+              </a:rPr>
+              <a:t>able</a:t>
+            </a:r>
+            <a:r>
+              <a:rPr lang="de-DE" dirty="0">
+                <a:latin typeface="+mj-lt"/>
+              </a:rPr>
+              <a:t> </a:t>
+            </a:r>
+            <a:r>
+              <a:rPr lang="de-DE" dirty="0" err="1">
+                <a:latin typeface="+mj-lt"/>
+              </a:rPr>
+              <a:t>to</a:t>
+            </a:r>
+            <a:r>
+              <a:rPr lang="de-DE" dirty="0">
+                <a:latin typeface="+mj-lt"/>
+              </a:rPr>
+              <a:t> fit </a:t>
+            </a:r>
+            <a:r>
+              <a:rPr lang="de-DE" dirty="0" err="1">
+                <a:latin typeface="+mj-lt"/>
+              </a:rPr>
+              <a:t>to</a:t>
+            </a:r>
+            <a:r>
+              <a:rPr lang="de-DE" dirty="0">
+                <a:latin typeface="+mj-lt"/>
+              </a:rPr>
+              <a:t> </a:t>
+            </a:r>
+            <a:r>
+              <a:rPr lang="de-DE" dirty="0" err="1">
+                <a:latin typeface="+mj-lt"/>
+              </a:rPr>
+              <a:t>any</a:t>
+            </a:r>
+            <a:r>
+              <a:rPr lang="de-DE" dirty="0">
+                <a:latin typeface="+mj-lt"/>
+              </a:rPr>
+              <a:t> </a:t>
+            </a:r>
+            <a:r>
+              <a:rPr lang="de-DE" dirty="0" err="1">
+                <a:latin typeface="+mj-lt"/>
+              </a:rPr>
+              <a:t>function</a:t>
+            </a:r>
+            <a:r>
+              <a:rPr lang="de-DE" dirty="0">
+                <a:latin typeface="+mj-lt"/>
+              </a:rPr>
+              <a:t>. </a:t>
+            </a:r>
+            <a:r>
+              <a:rPr lang="de-DE" dirty="0" err="1">
+                <a:latin typeface="+mj-lt"/>
+              </a:rPr>
+              <a:t>Therfore</a:t>
+            </a:r>
+            <a:r>
+              <a:rPr lang="de-DE" dirty="0">
+                <a:latin typeface="+mj-lt"/>
+              </a:rPr>
+              <a:t>, </a:t>
+            </a:r>
+            <a:r>
+              <a:rPr lang="de-DE" dirty="0" err="1">
+                <a:latin typeface="+mj-lt"/>
+              </a:rPr>
+              <a:t>it´s</a:t>
+            </a:r>
+            <a:r>
+              <a:rPr lang="de-DE" dirty="0">
+                <a:latin typeface="+mj-lt"/>
+              </a:rPr>
+              <a:t> </a:t>
+            </a:r>
+            <a:r>
+              <a:rPr lang="de-DE" dirty="0" err="1">
+                <a:latin typeface="+mj-lt"/>
+              </a:rPr>
+              <a:t>prone</a:t>
+            </a:r>
+            <a:r>
+              <a:rPr lang="de-DE" dirty="0">
+                <a:latin typeface="+mj-lt"/>
+              </a:rPr>
+              <a:t> </a:t>
+            </a:r>
+            <a:r>
+              <a:rPr lang="de-DE" dirty="0" err="1">
+                <a:latin typeface="+mj-lt"/>
+              </a:rPr>
+              <a:t>to</a:t>
+            </a:r>
+            <a:r>
+              <a:rPr lang="de-DE" dirty="0">
+                <a:latin typeface="+mj-lt"/>
+              </a:rPr>
+              <a:t> </a:t>
+            </a:r>
+            <a:r>
+              <a:rPr lang="de-DE" dirty="0" err="1">
+                <a:latin typeface="+mj-lt"/>
+              </a:rPr>
+              <a:t>overfitting</a:t>
+            </a:r>
+            <a:endParaRPr lang="de-DE" dirty="0">
+              <a:latin typeface="+mj-lt"/>
+            </a:endParaRPr>
+          </a:p>
+          <a:p>
+            <a:pPr marL="285750" indent="-285750">
+              <a:buFont typeface="Wingdings" panose="05000000000000000000" pitchFamily="2" charset="2"/>
+              <a:buChar char="§"/>
+            </a:pPr>
+            <a:r>
+              <a:rPr lang="de-DE" dirty="0" err="1">
+                <a:latin typeface="+mj-lt"/>
+              </a:rPr>
+              <a:t>Does</a:t>
+            </a:r>
+            <a:r>
+              <a:rPr lang="de-DE" dirty="0">
+                <a:latin typeface="+mj-lt"/>
+              </a:rPr>
+              <a:t> not </a:t>
+            </a:r>
+            <a:r>
+              <a:rPr lang="de-DE" dirty="0" err="1">
+                <a:latin typeface="+mj-lt"/>
+              </a:rPr>
+              <a:t>need</a:t>
+            </a:r>
+            <a:r>
+              <a:rPr lang="de-DE" dirty="0">
+                <a:latin typeface="+mj-lt"/>
+              </a:rPr>
+              <a:t> </a:t>
+            </a:r>
+            <a:r>
+              <a:rPr lang="de-DE" dirty="0" err="1">
+                <a:latin typeface="+mj-lt"/>
+              </a:rPr>
+              <a:t>any</a:t>
+            </a:r>
+            <a:r>
+              <a:rPr lang="de-DE" dirty="0">
+                <a:latin typeface="+mj-lt"/>
+              </a:rPr>
+              <a:t> </a:t>
+            </a:r>
+            <a:r>
+              <a:rPr lang="de-DE" dirty="0" err="1">
+                <a:latin typeface="+mj-lt"/>
+              </a:rPr>
+              <a:t>preprocessing</a:t>
+            </a:r>
+            <a:r>
+              <a:rPr lang="de-DE" dirty="0">
+                <a:latin typeface="+mj-lt"/>
+              </a:rPr>
+              <a:t> </a:t>
+            </a:r>
+          </a:p>
+        </p:txBody>
+      </p:sp>
     </p:spTree>
     <p:extLst>
       <p:ext uri="{BB962C8B-B14F-4D97-AF65-F5344CB8AC3E}">
@@ -7658,58 +9911,6 @@
       </p:sp>
       <p:sp>
         <p:nvSpPr>
-          <p:cNvPr id="5" name="Inhaltsplatzhalter 4">
-            <a:extLst>
-              <a:ext uri="{FF2B5EF4-FFF2-40B4-BE49-F238E27FC236}">
-                <a16:creationId xmlns:a16="http://schemas.microsoft.com/office/drawing/2014/main" id="{0F615D91-DCC0-42C6-85C6-0960A564BE37}"/>
-              </a:ext>
-            </a:extLst>
-          </p:cNvPr>
-          <p:cNvSpPr>
-            <a:spLocks noGrp="1"/>
-          </p:cNvSpPr>
-          <p:nvPr>
-            <p:ph idx="1"/>
-          </p:nvPr>
-        </p:nvSpPr>
-        <p:spPr>
-          <a:xfrm>
-            <a:off x="838197" y="3154605"/>
-            <a:ext cx="7329407" cy="894328"/>
-          </a:xfrm>
-        </p:spPr>
-        <p:txBody>
-          <a:bodyPr/>
-          <a:lstStyle/>
-          <a:p>
-            <a:pPr marL="0" indent="0">
-              <a:buNone/>
-            </a:pPr>
-            <a:r>
-              <a:rPr lang="de-DE" dirty="0"/>
-              <a:t>Hier </a:t>
-            </a:r>
-            <a:r>
-              <a:rPr lang="de-DE" dirty="0" err="1"/>
-              <a:t>XGBoost</a:t>
-            </a:r>
-            <a:r>
-              <a:rPr lang="de-DE" dirty="0"/>
-              <a:t> und </a:t>
-            </a:r>
-            <a:r>
-              <a:rPr lang="de-DE" dirty="0" err="1"/>
-              <a:t>LogisticRegression</a:t>
-            </a:r>
-            <a:r>
-              <a:rPr lang="de-DE" dirty="0"/>
-              <a:t> darstellen</a:t>
-            </a:r>
-          </a:p>
-        </p:txBody>
-      </p:sp>
-      <p:sp>
-        <p:nvSpPr>
           <p:cNvPr id="6" name="Titel 3">
             <a:extLst>
               <a:ext uri="{FF2B5EF4-FFF2-40B4-BE49-F238E27FC236}">
@@ -7835,7 +10036,7 @@
         </p:spPr>
         <p:txBody>
           <a:bodyPr vert="horz" lIns="91440" tIns="45720" rIns="91440" bIns="45720" rtlCol="0" anchor="ctr">
-            <a:normAutofit fontScale="60000" lnSpcReduction="20000"/>
+            <a:normAutofit fontScale="45000" lnSpcReduction="20000"/>
           </a:bodyPr>
           <a:lstStyle>
             <a:lvl1pPr algn="l" defTabSz="914400" rtl="0" eaLnBrk="1" latinLnBrk="0" hangingPunct="1">
@@ -7857,655 +10058,1654 @@
             </a:lvl1pPr>
           </a:lstStyle>
           <a:p>
-            <a:endParaRPr lang="de-DE" dirty="0"/>
-          </a:p>
-        </p:txBody>
-      </p:sp>
-      <p:sp>
-        <p:nvSpPr>
-          <p:cNvPr id="9" name="Titel 3">
-            <a:extLst>
-              <a:ext uri="{FF2B5EF4-FFF2-40B4-BE49-F238E27FC236}">
-                <a16:creationId xmlns:a16="http://schemas.microsoft.com/office/drawing/2014/main" id="{AF35CB24-B4F2-4A70-85CA-8FFC67F899AD}"/>
-              </a:ext>
-            </a:extLst>
-          </p:cNvPr>
-          <p:cNvSpPr txBox="1">
-            <a:spLocks/>
-          </p:cNvSpPr>
+            <a:r>
+              <a:rPr lang="de-DE" dirty="0"/>
+              <a:t>The </a:t>
+            </a:r>
+            <a:r>
+              <a:rPr lang="de-DE" dirty="0" err="1"/>
+              <a:t>most</a:t>
+            </a:r>
+            <a:r>
+              <a:rPr lang="de-DE" dirty="0"/>
+              <a:t> </a:t>
+            </a:r>
+            <a:r>
+              <a:rPr lang="de-DE" dirty="0" err="1"/>
+              <a:t>important</a:t>
+            </a:r>
+            <a:r>
+              <a:rPr lang="de-DE" dirty="0"/>
+              <a:t> </a:t>
+            </a:r>
+            <a:r>
+              <a:rPr lang="de-DE" dirty="0" err="1"/>
+              <a:t>choice</a:t>
+            </a:r>
+            <a:r>
+              <a:rPr lang="de-DE" dirty="0"/>
+              <a:t> </a:t>
+            </a:r>
+            <a:r>
+              <a:rPr lang="de-DE" dirty="0" err="1"/>
+              <a:t>is</a:t>
+            </a:r>
+            <a:r>
+              <a:rPr lang="de-DE" dirty="0"/>
+              <a:t> </a:t>
+            </a:r>
+            <a:r>
+              <a:rPr lang="de-DE" dirty="0" err="1"/>
+              <a:t>the</a:t>
+            </a:r>
+            <a:r>
+              <a:rPr lang="de-DE" dirty="0"/>
+              <a:t> </a:t>
+            </a:r>
+            <a:r>
+              <a:rPr lang="de-DE" dirty="0" err="1"/>
+              <a:t>evaluation</a:t>
+            </a:r>
+            <a:r>
+              <a:rPr lang="de-DE" dirty="0"/>
+              <a:t> </a:t>
+            </a:r>
+            <a:r>
+              <a:rPr lang="de-DE" dirty="0" err="1"/>
+              <a:t>function</a:t>
+            </a:r>
+            <a:r>
+              <a:rPr lang="de-DE" dirty="0"/>
+              <a:t>. </a:t>
+            </a:r>
+            <a:r>
+              <a:rPr lang="de-DE" dirty="0" err="1"/>
+              <a:t>Especially</a:t>
+            </a:r>
+            <a:r>
+              <a:rPr lang="de-DE" dirty="0"/>
+              <a:t>, </a:t>
+            </a:r>
+            <a:r>
+              <a:rPr lang="de-DE" dirty="0" err="1"/>
+              <a:t>when</a:t>
+            </a:r>
+            <a:r>
+              <a:rPr lang="de-DE" dirty="0"/>
+              <a:t> </a:t>
+            </a:r>
+            <a:r>
+              <a:rPr lang="de-DE" dirty="0" err="1"/>
+              <a:t>handling</a:t>
+            </a:r>
+            <a:r>
+              <a:rPr lang="de-DE" dirty="0"/>
+              <a:t> </a:t>
+            </a:r>
+            <a:r>
+              <a:rPr lang="de-DE" dirty="0" err="1"/>
+              <a:t>imbalanced</a:t>
+            </a:r>
+            <a:r>
+              <a:rPr lang="de-DE" dirty="0"/>
+              <a:t> </a:t>
+            </a:r>
+            <a:r>
+              <a:rPr lang="de-DE" dirty="0" err="1"/>
+              <a:t>datasets</a:t>
+            </a:r>
+            <a:r>
+              <a:rPr lang="de-DE" dirty="0"/>
+              <a:t>.</a:t>
+            </a:r>
+          </a:p>
+        </p:txBody>
+      </p:sp>
+      <p:sp>
+        <p:nvSpPr>
+          <p:cNvPr id="23" name="Textfeld 22">
+            <a:extLst>
+              <a:ext uri="{FF2B5EF4-FFF2-40B4-BE49-F238E27FC236}">
+                <a16:creationId xmlns:a16="http://schemas.microsoft.com/office/drawing/2014/main" id="{867F5E80-7589-4D74-9BF9-5F7E6B9C89FC}"/>
+              </a:ext>
+            </a:extLst>
+          </p:cNvPr>
+          <p:cNvSpPr txBox="1"/>
           <p:nvPr/>
         </p:nvSpPr>
         <p:spPr>
           <a:xfrm>
-            <a:off x="838200" y="852637"/>
-            <a:ext cx="10515600" cy="646140"/>
+            <a:off x="838200" y="1376441"/>
+            <a:ext cx="4710193" cy="400110"/>
           </a:xfrm>
           <a:prstGeom prst="rect">
             <a:avLst/>
           </a:prstGeom>
-        </p:spPr>
-        <p:txBody>
-          <a:bodyPr vert="horz" lIns="91440" tIns="45720" rIns="91440" bIns="45720" rtlCol="0" anchor="ctr">
-            <a:normAutofit fontScale="97500"/>
+          <a:noFill/>
+        </p:spPr>
+        <p:txBody>
+          <a:bodyPr wrap="square" rtlCol="0">
+            <a:spAutoFit/>
           </a:bodyPr>
-          <a:lstStyle>
-            <a:lvl1pPr algn="l" defTabSz="914400" rtl="0" eaLnBrk="1" latinLnBrk="0" hangingPunct="1">
-              <a:lnSpc>
-                <a:spcPct val="90000"/>
-              </a:lnSpc>
-              <a:spcBef>
-                <a:spcPct val="0"/>
-              </a:spcBef>
-              <a:buNone/>
-              <a:defRPr sz="4400" kern="1200">
-                <a:solidFill>
-                  <a:schemeClr val="tx1"/>
-                </a:solidFill>
-                <a:latin typeface="+mj-lt"/>
-                <a:ea typeface="+mj-ea"/>
-                <a:cs typeface="+mj-cs"/>
-              </a:defRPr>
-            </a:lvl1pPr>
-          </a:lstStyle>
-          <a:p>
-            <a:r>
-              <a:rPr lang="de-DE" sz="3700" dirty="0" err="1"/>
-              <a:t>summary</a:t>
-            </a:r>
-            <a:endParaRPr lang="de-DE" dirty="0"/>
-          </a:p>
-        </p:txBody>
-      </p:sp>
-      <p:sp>
-        <p:nvSpPr>
-          <p:cNvPr id="11" name="Inhaltsplatzhalter 4">
-            <a:extLst>
-              <a:ext uri="{FF2B5EF4-FFF2-40B4-BE49-F238E27FC236}">
-                <a16:creationId xmlns:a16="http://schemas.microsoft.com/office/drawing/2014/main" id="{A7B96437-9D93-4490-B546-67F8A2E3600A}"/>
-              </a:ext>
-            </a:extLst>
-          </p:cNvPr>
-          <p:cNvSpPr txBox="1">
-            <a:spLocks/>
-          </p:cNvSpPr>
+          <a:lstStyle/>
+          <a:p>
+            <a:r>
+              <a:rPr lang="de-DE" sz="2000" dirty="0">
+                <a:latin typeface="+mj-lt"/>
+              </a:rPr>
+              <a:t>Evaluation</a:t>
+            </a:r>
+          </a:p>
+        </p:txBody>
+      </p:sp>
+      <p:cxnSp>
+        <p:nvCxnSpPr>
+          <p:cNvPr id="24" name="Gerader Verbinder 23">
+            <a:extLst>
+              <a:ext uri="{FF2B5EF4-FFF2-40B4-BE49-F238E27FC236}">
+                <a16:creationId xmlns:a16="http://schemas.microsoft.com/office/drawing/2014/main" id="{39B66F71-6090-4180-8C59-B2E92800B3D4}"/>
+              </a:ext>
+            </a:extLst>
+          </p:cNvPr>
+          <p:cNvCxnSpPr>
+            <a:cxnSpLocks/>
+          </p:cNvCxnSpPr>
           <p:nvPr/>
+        </p:nvCxnSpPr>
+        <p:spPr>
+          <a:xfrm flipV="1">
+            <a:off x="906651" y="1708689"/>
+            <a:ext cx="4641742" cy="20995"/>
+          </a:xfrm>
+          <a:prstGeom prst="line">
+            <a:avLst/>
+          </a:prstGeom>
+        </p:spPr>
+        <p:style>
+          <a:lnRef idx="1">
+            <a:schemeClr val="dk1"/>
+          </a:lnRef>
+          <a:fillRef idx="0">
+            <a:schemeClr val="dk1"/>
+          </a:fillRef>
+          <a:effectRef idx="0">
+            <a:schemeClr val="dk1"/>
+          </a:effectRef>
+          <a:fontRef idx="minor">
+            <a:schemeClr val="tx1"/>
+          </a:fontRef>
+        </p:style>
+      </p:cxnSp>
+      <p:sp>
+        <p:nvSpPr>
+          <p:cNvPr id="26" name="Textfeld 25">
+            <a:extLst>
+              <a:ext uri="{FF2B5EF4-FFF2-40B4-BE49-F238E27FC236}">
+                <a16:creationId xmlns:a16="http://schemas.microsoft.com/office/drawing/2014/main" id="{A316B726-C55D-49D0-B0EF-6CBFBD6D2BC6}"/>
+              </a:ext>
+            </a:extLst>
+          </p:cNvPr>
+          <p:cNvSpPr txBox="1"/>
+          <p:nvPr/>
         </p:nvSpPr>
         <p:spPr>
           <a:xfrm>
-            <a:off x="838196" y="1801453"/>
-            <a:ext cx="7329407" cy="894328"/>
+            <a:off x="6235659" y="1373656"/>
+            <a:ext cx="4710193" cy="400110"/>
           </a:xfrm>
           <a:prstGeom prst="rect">
             <a:avLst/>
           </a:prstGeom>
-        </p:spPr>
-        <p:txBody>
-          <a:bodyPr vert="horz" lIns="91440" tIns="45720" rIns="91440" bIns="45720" rtlCol="0">
-            <a:normAutofit/>
+          <a:noFill/>
+        </p:spPr>
+        <p:txBody>
+          <a:bodyPr wrap="square" rtlCol="0">
+            <a:spAutoFit/>
           </a:bodyPr>
-          <a:lstStyle>
-            <a:lvl1pPr marL="228600" indent="-228600" algn="l" defTabSz="914400" rtl="0" eaLnBrk="1" latinLnBrk="0" hangingPunct="1">
-              <a:lnSpc>
-                <a:spcPct val="90000"/>
-              </a:lnSpc>
-              <a:spcBef>
-                <a:spcPts val="1000"/>
-              </a:spcBef>
-              <a:buFont typeface="Arial" panose="020B0604020202020204" pitchFamily="34" charset="0"/>
-              <a:buChar char="•"/>
-              <a:defRPr sz="2800" kern="1200">
-                <a:solidFill>
-                  <a:schemeClr val="tx1"/>
-                </a:solidFill>
-                <a:latin typeface="+mn-lt"/>
-                <a:ea typeface="+mn-ea"/>
-                <a:cs typeface="+mn-cs"/>
-              </a:defRPr>
-            </a:lvl1pPr>
-            <a:lvl2pPr marL="685800" indent="-228600" algn="l" defTabSz="914400" rtl="0" eaLnBrk="1" latinLnBrk="0" hangingPunct="1">
-              <a:lnSpc>
-                <a:spcPct val="90000"/>
-              </a:lnSpc>
-              <a:spcBef>
-                <a:spcPts val="500"/>
-              </a:spcBef>
-              <a:buFont typeface="Arial" panose="020B0604020202020204" pitchFamily="34" charset="0"/>
-              <a:buChar char="•"/>
-              <a:defRPr sz="2400" kern="1200">
-                <a:solidFill>
-                  <a:schemeClr val="tx1"/>
-                </a:solidFill>
-                <a:latin typeface="+mn-lt"/>
-                <a:ea typeface="+mn-ea"/>
-                <a:cs typeface="+mn-cs"/>
-              </a:defRPr>
-            </a:lvl2pPr>
-            <a:lvl3pPr marL="1143000" indent="-228600" algn="l" defTabSz="914400" rtl="0" eaLnBrk="1" latinLnBrk="0" hangingPunct="1">
-              <a:lnSpc>
-                <a:spcPct val="90000"/>
-              </a:lnSpc>
-              <a:spcBef>
-                <a:spcPts val="500"/>
-              </a:spcBef>
-              <a:buFont typeface="Arial" panose="020B0604020202020204" pitchFamily="34" charset="0"/>
-              <a:buChar char="•"/>
-              <a:defRPr sz="2000" kern="1200">
-                <a:solidFill>
-                  <a:schemeClr val="tx1"/>
-                </a:solidFill>
-                <a:latin typeface="+mn-lt"/>
-                <a:ea typeface="+mn-ea"/>
-                <a:cs typeface="+mn-cs"/>
-              </a:defRPr>
-            </a:lvl3pPr>
-            <a:lvl4pPr marL="1600200" indent="-228600" algn="l" defTabSz="914400" rtl="0" eaLnBrk="1" latinLnBrk="0" hangingPunct="1">
-              <a:lnSpc>
-                <a:spcPct val="90000"/>
-              </a:lnSpc>
-              <a:spcBef>
-                <a:spcPts val="500"/>
-              </a:spcBef>
-              <a:buFont typeface="Arial" panose="020B0604020202020204" pitchFamily="34" charset="0"/>
-              <a:buChar char="•"/>
-              <a:defRPr sz="1800" kern="1200">
-                <a:solidFill>
-                  <a:schemeClr val="tx1"/>
-                </a:solidFill>
-                <a:latin typeface="+mn-lt"/>
-                <a:ea typeface="+mn-ea"/>
-                <a:cs typeface="+mn-cs"/>
-              </a:defRPr>
-            </a:lvl4pPr>
-            <a:lvl5pPr marL="2057400" indent="-228600" algn="l" defTabSz="914400" rtl="0" eaLnBrk="1" latinLnBrk="0" hangingPunct="1">
-              <a:lnSpc>
-                <a:spcPct val="90000"/>
-              </a:lnSpc>
-              <a:spcBef>
-                <a:spcPts val="500"/>
-              </a:spcBef>
-              <a:buFont typeface="Arial" panose="020B0604020202020204" pitchFamily="34" charset="0"/>
-              <a:buChar char="•"/>
-              <a:defRPr sz="1800" kern="1200">
-                <a:solidFill>
-                  <a:schemeClr val="tx1"/>
-                </a:solidFill>
-                <a:latin typeface="+mn-lt"/>
-                <a:ea typeface="+mn-ea"/>
-                <a:cs typeface="+mn-cs"/>
-              </a:defRPr>
-            </a:lvl5pPr>
-            <a:lvl6pPr marL="2514600" indent="-228600" algn="l" defTabSz="914400" rtl="0" eaLnBrk="1" latinLnBrk="0" hangingPunct="1">
-              <a:lnSpc>
-                <a:spcPct val="90000"/>
-              </a:lnSpc>
-              <a:spcBef>
-                <a:spcPts val="500"/>
-              </a:spcBef>
-              <a:buFont typeface="Arial" panose="020B0604020202020204" pitchFamily="34" charset="0"/>
-              <a:buChar char="•"/>
-              <a:defRPr sz="1800" kern="1200">
-                <a:solidFill>
-                  <a:schemeClr val="tx1"/>
-                </a:solidFill>
-                <a:latin typeface="+mn-lt"/>
-                <a:ea typeface="+mn-ea"/>
-                <a:cs typeface="+mn-cs"/>
-              </a:defRPr>
-            </a:lvl6pPr>
-            <a:lvl7pPr marL="2971800" indent="-228600" algn="l" defTabSz="914400" rtl="0" eaLnBrk="1" latinLnBrk="0" hangingPunct="1">
-              <a:lnSpc>
-                <a:spcPct val="90000"/>
-              </a:lnSpc>
-              <a:spcBef>
-                <a:spcPts val="500"/>
-              </a:spcBef>
-              <a:buFont typeface="Arial" panose="020B0604020202020204" pitchFamily="34" charset="0"/>
-              <a:buChar char="•"/>
-              <a:defRPr sz="1800" kern="1200">
-                <a:solidFill>
-                  <a:schemeClr val="tx1"/>
-                </a:solidFill>
-                <a:latin typeface="+mn-lt"/>
-                <a:ea typeface="+mn-ea"/>
-                <a:cs typeface="+mn-cs"/>
-              </a:defRPr>
-            </a:lvl7pPr>
-            <a:lvl8pPr marL="3429000" indent="-228600" algn="l" defTabSz="914400" rtl="0" eaLnBrk="1" latinLnBrk="0" hangingPunct="1">
-              <a:lnSpc>
-                <a:spcPct val="90000"/>
-              </a:lnSpc>
-              <a:spcBef>
-                <a:spcPts val="500"/>
-              </a:spcBef>
-              <a:buFont typeface="Arial" panose="020B0604020202020204" pitchFamily="34" charset="0"/>
-              <a:buChar char="•"/>
-              <a:defRPr sz="1800" kern="1200">
-                <a:solidFill>
-                  <a:schemeClr val="tx1"/>
-                </a:solidFill>
-                <a:latin typeface="+mn-lt"/>
-                <a:ea typeface="+mn-ea"/>
-                <a:cs typeface="+mn-cs"/>
-              </a:defRPr>
-            </a:lvl8pPr>
-            <a:lvl9pPr marL="3886200" indent="-228600" algn="l" defTabSz="914400" rtl="0" eaLnBrk="1" latinLnBrk="0" hangingPunct="1">
-              <a:lnSpc>
-                <a:spcPct val="90000"/>
-              </a:lnSpc>
-              <a:spcBef>
-                <a:spcPts val="500"/>
-              </a:spcBef>
-              <a:buFont typeface="Arial" panose="020B0604020202020204" pitchFamily="34" charset="0"/>
-              <a:buChar char="•"/>
-              <a:defRPr sz="1800" kern="1200">
-                <a:solidFill>
-                  <a:schemeClr val="tx1"/>
-                </a:solidFill>
-                <a:latin typeface="+mn-lt"/>
-                <a:ea typeface="+mn-ea"/>
-                <a:cs typeface="+mn-cs"/>
-              </a:defRPr>
-            </a:lvl9pPr>
-          </a:lstStyle>
-          <a:p>
-            <a:pPr marL="0" indent="0">
-              <a:buFont typeface="Arial" panose="020B0604020202020204" pitchFamily="34" charset="0"/>
-              <a:buNone/>
+          <a:lstStyle/>
+          <a:p>
+            <a:r>
+              <a:rPr lang="de-DE" sz="2000" dirty="0" err="1">
+                <a:latin typeface="+mj-lt"/>
+              </a:rPr>
+              <a:t>Results</a:t>
+            </a:r>
+            <a:r>
+              <a:rPr lang="de-DE" sz="2000" dirty="0">
+                <a:latin typeface="+mj-lt"/>
+              </a:rPr>
+              <a:t> – Best Model</a:t>
+            </a:r>
+          </a:p>
+        </p:txBody>
+      </p:sp>
+      <p:cxnSp>
+        <p:nvCxnSpPr>
+          <p:cNvPr id="27" name="Gerader Verbinder 26">
+            <a:extLst>
+              <a:ext uri="{FF2B5EF4-FFF2-40B4-BE49-F238E27FC236}">
+                <a16:creationId xmlns:a16="http://schemas.microsoft.com/office/drawing/2014/main" id="{ED0905CA-9F4B-4205-AA2D-2B388D6D9DFB}"/>
+              </a:ext>
+            </a:extLst>
+          </p:cNvPr>
+          <p:cNvCxnSpPr>
+            <a:cxnSpLocks/>
+          </p:cNvCxnSpPr>
+          <p:nvPr/>
+        </p:nvCxnSpPr>
+        <p:spPr>
+          <a:xfrm flipV="1">
+            <a:off x="6304110" y="1705904"/>
+            <a:ext cx="4641742" cy="20995"/>
+          </a:xfrm>
+          <a:prstGeom prst="line">
+            <a:avLst/>
+          </a:prstGeom>
+        </p:spPr>
+        <p:style>
+          <a:lnRef idx="1">
+            <a:schemeClr val="dk1"/>
+          </a:lnRef>
+          <a:fillRef idx="0">
+            <a:schemeClr val="dk1"/>
+          </a:fillRef>
+          <a:effectRef idx="0">
+            <a:schemeClr val="dk1"/>
+          </a:effectRef>
+          <a:fontRef idx="minor">
+            <a:schemeClr val="tx1"/>
+          </a:fontRef>
+        </p:style>
+      </p:cxnSp>
+      <p:sp>
+        <p:nvSpPr>
+          <p:cNvPr id="2" name="Textfeld 1">
+            <a:extLst>
+              <a:ext uri="{FF2B5EF4-FFF2-40B4-BE49-F238E27FC236}">
+                <a16:creationId xmlns:a16="http://schemas.microsoft.com/office/drawing/2014/main" id="{C21A1118-E057-4590-9E71-D3A97401B71B}"/>
+              </a:ext>
+            </a:extLst>
+          </p:cNvPr>
+          <p:cNvSpPr txBox="1"/>
+          <p:nvPr/>
+        </p:nvSpPr>
+        <p:spPr>
+          <a:xfrm>
+            <a:off x="906651" y="1971536"/>
+            <a:ext cx="4641742" cy="4247317"/>
+          </a:xfrm>
+          <a:prstGeom prst="rect">
+            <a:avLst/>
+          </a:prstGeom>
+          <a:noFill/>
+        </p:spPr>
+        <p:txBody>
+          <a:bodyPr wrap="square" rtlCol="0">
+            <a:spAutoFit/>
+          </a:bodyPr>
+          <a:lstStyle/>
+          <a:p>
+            <a:pPr marL="285750" indent="-285750">
+              <a:buFont typeface="Wingdings" panose="05000000000000000000" pitchFamily="2" charset="2"/>
+              <a:buChar char="§"/>
             </a:pPr>
             <a:r>
-              <a:rPr lang="de-DE" dirty="0"/>
-              <a:t>Hier Evaluation darstellen</a:t>
-            </a:r>
-          </a:p>
-        </p:txBody>
-      </p:sp>
-      <p:graphicFrame>
-        <p:nvGraphicFramePr>
-          <p:cNvPr id="10" name="Tabelle 10">
-            <a:extLst>
-              <a:ext uri="{FF2B5EF4-FFF2-40B4-BE49-F238E27FC236}">
-                <a16:creationId xmlns:a16="http://schemas.microsoft.com/office/drawing/2014/main" id="{6658CE65-7909-4F3C-ACB8-60D2A5EB0C99}"/>
-              </a:ext>
-            </a:extLst>
-          </p:cNvPr>
-          <p:cNvGraphicFramePr>
-            <a:graphicFrameLocks noGrp="1"/>
-          </p:cNvGraphicFramePr>
-          <p:nvPr>
-            <p:extLst>
-              <p:ext uri="{D42A27DB-BD31-4B8C-83A1-F6EECF244321}">
-                <p14:modId xmlns:p14="http://schemas.microsoft.com/office/powerpoint/2010/main" val="3188726080"/>
-              </p:ext>
-            </p:extLst>
-          </p:nvPr>
-        </p:nvGraphicFramePr>
-        <p:xfrm>
-          <a:off x="887278" y="1277238"/>
-          <a:ext cx="10515600" cy="1732292"/>
-        </p:xfrm>
-        <a:graphic>
-          <a:graphicData uri="http://schemas.openxmlformats.org/drawingml/2006/table">
-            <a:tbl>
-              <a:tblPr firstRow="1" bandRow="1">
-                <a:tableStyleId>{5C22544A-7EE6-4342-B048-85BDC9FD1C3A}</a:tableStyleId>
-              </a:tblPr>
-              <a:tblGrid>
-                <a:gridCol w="1752600">
-                  <a:extLst>
-                    <a:ext uri="{9D8B030D-6E8A-4147-A177-3AD203B41FA5}">
-                      <a16:colId xmlns:a16="http://schemas.microsoft.com/office/drawing/2014/main" val="1118657087"/>
-                    </a:ext>
-                  </a:extLst>
-                </a:gridCol>
-                <a:gridCol w="1752600">
-                  <a:extLst>
-                    <a:ext uri="{9D8B030D-6E8A-4147-A177-3AD203B41FA5}">
-                      <a16:colId xmlns:a16="http://schemas.microsoft.com/office/drawing/2014/main" val="2264026426"/>
-                    </a:ext>
-                  </a:extLst>
-                </a:gridCol>
-                <a:gridCol w="1752600">
-                  <a:extLst>
-                    <a:ext uri="{9D8B030D-6E8A-4147-A177-3AD203B41FA5}">
-                      <a16:colId xmlns:a16="http://schemas.microsoft.com/office/drawing/2014/main" val="614028354"/>
-                    </a:ext>
-                  </a:extLst>
-                </a:gridCol>
-                <a:gridCol w="1752600">
-                  <a:extLst>
-                    <a:ext uri="{9D8B030D-6E8A-4147-A177-3AD203B41FA5}">
-                      <a16:colId xmlns:a16="http://schemas.microsoft.com/office/drawing/2014/main" val="3074664205"/>
-                    </a:ext>
-                  </a:extLst>
-                </a:gridCol>
-                <a:gridCol w="1752600">
-                  <a:extLst>
-                    <a:ext uri="{9D8B030D-6E8A-4147-A177-3AD203B41FA5}">
-                      <a16:colId xmlns:a16="http://schemas.microsoft.com/office/drawing/2014/main" val="2418564615"/>
-                    </a:ext>
-                  </a:extLst>
-                </a:gridCol>
-                <a:gridCol w="1752600">
-                  <a:extLst>
-                    <a:ext uri="{9D8B030D-6E8A-4147-A177-3AD203B41FA5}">
-                      <a16:colId xmlns:a16="http://schemas.microsoft.com/office/drawing/2014/main" val="2015301357"/>
-                    </a:ext>
-                  </a:extLst>
-                </a:gridCol>
-              </a:tblGrid>
-              <a:tr h="433073">
-                <a:tc>
-                  <a:txBody>
-                    <a:bodyPr/>
-                    <a:lstStyle/>
-                    <a:p>
-                      <a:endParaRPr lang="de-DE"/>
-                    </a:p>
-                  </a:txBody>
-                  <a:tcPr/>
-                </a:tc>
-                <a:tc>
-                  <a:txBody>
-                    <a:bodyPr/>
-                    <a:lstStyle/>
-                    <a:p>
-                      <a:r>
-                        <a:rPr lang="de-DE" dirty="0"/>
-                        <a:t>Year 1</a:t>
-                      </a:r>
-                    </a:p>
-                  </a:txBody>
-                  <a:tcPr/>
-                </a:tc>
-                <a:tc>
-                  <a:txBody>
-                    <a:bodyPr/>
-                    <a:lstStyle/>
-                    <a:p>
-                      <a:r>
-                        <a:rPr lang="de-DE" dirty="0"/>
-                        <a:t>Year 2</a:t>
-                      </a:r>
-                    </a:p>
-                  </a:txBody>
-                  <a:tcPr/>
-                </a:tc>
-                <a:tc>
-                  <a:txBody>
-                    <a:bodyPr/>
-                    <a:lstStyle/>
-                    <a:p>
-                      <a:r>
-                        <a:rPr lang="de-DE" dirty="0"/>
-                        <a:t>Year 3</a:t>
-                      </a:r>
-                    </a:p>
-                  </a:txBody>
-                  <a:tcPr/>
-                </a:tc>
-                <a:tc>
-                  <a:txBody>
-                    <a:bodyPr/>
-                    <a:lstStyle/>
-                    <a:p>
-                      <a:r>
-                        <a:rPr lang="de-DE" dirty="0"/>
-                        <a:t>Year 4</a:t>
-                      </a:r>
-                    </a:p>
-                  </a:txBody>
-                  <a:tcPr/>
-                </a:tc>
-                <a:tc>
-                  <a:txBody>
-                    <a:bodyPr/>
-                    <a:lstStyle/>
-                    <a:p>
-                      <a:r>
-                        <a:rPr lang="de-DE" dirty="0"/>
-                        <a:t>Year 5</a:t>
-                      </a:r>
-                    </a:p>
-                  </a:txBody>
-                  <a:tcPr/>
-                </a:tc>
-                <a:extLst>
-                  <a:ext uri="{0D108BD9-81ED-4DB2-BD59-A6C34878D82A}">
-                    <a16:rowId xmlns:a16="http://schemas.microsoft.com/office/drawing/2014/main" val="312162001"/>
-                  </a:ext>
-                </a:extLst>
-              </a:tr>
-              <a:tr h="433073">
-                <a:tc>
-                  <a:txBody>
-                    <a:bodyPr/>
-                    <a:lstStyle/>
-                    <a:p>
-                      <a:r>
-                        <a:rPr lang="de-DE" dirty="0" err="1"/>
-                        <a:t>Observations</a:t>
-                      </a:r>
-                      <a:endParaRPr lang="de-DE" dirty="0"/>
-                    </a:p>
-                  </a:txBody>
-                  <a:tcPr/>
-                </a:tc>
-                <a:tc>
-                  <a:txBody>
-                    <a:bodyPr/>
-                    <a:lstStyle/>
-                    <a:p>
-                      <a:r>
-                        <a:rPr lang="de-DE" dirty="0"/>
-                        <a:t>7027</a:t>
-                      </a:r>
-                    </a:p>
-                  </a:txBody>
-                  <a:tcPr/>
-                </a:tc>
-                <a:tc>
-                  <a:txBody>
-                    <a:bodyPr/>
-                    <a:lstStyle/>
-                    <a:p>
-                      <a:endParaRPr lang="de-DE"/>
-                    </a:p>
-                  </a:txBody>
-                  <a:tcPr/>
-                </a:tc>
-                <a:tc>
-                  <a:txBody>
-                    <a:bodyPr/>
-                    <a:lstStyle/>
-                    <a:p>
-                      <a:endParaRPr lang="de-DE"/>
-                    </a:p>
-                  </a:txBody>
-                  <a:tcPr/>
-                </a:tc>
-                <a:tc>
-                  <a:txBody>
-                    <a:bodyPr/>
-                    <a:lstStyle/>
-                    <a:p>
-                      <a:endParaRPr lang="de-DE"/>
-                    </a:p>
-                  </a:txBody>
-                  <a:tcPr/>
-                </a:tc>
-                <a:tc>
-                  <a:txBody>
-                    <a:bodyPr/>
-                    <a:lstStyle/>
-                    <a:p>
-                      <a:endParaRPr lang="de-DE"/>
-                    </a:p>
-                  </a:txBody>
-                  <a:tcPr/>
-                </a:tc>
-                <a:extLst>
-                  <a:ext uri="{0D108BD9-81ED-4DB2-BD59-A6C34878D82A}">
-                    <a16:rowId xmlns:a16="http://schemas.microsoft.com/office/drawing/2014/main" val="2050518902"/>
-                  </a:ext>
-                </a:extLst>
-              </a:tr>
-              <a:tr h="433073">
-                <a:tc>
-                  <a:txBody>
-                    <a:bodyPr/>
-                    <a:lstStyle/>
-                    <a:p>
-                      <a:r>
-                        <a:rPr lang="de-DE" dirty="0" err="1"/>
-                        <a:t>Insolvencies</a:t>
-                      </a:r>
-                      <a:endParaRPr lang="de-DE" dirty="0"/>
-                    </a:p>
-                  </a:txBody>
-                  <a:tcPr/>
-                </a:tc>
-                <a:tc>
-                  <a:txBody>
-                    <a:bodyPr/>
-                    <a:lstStyle/>
-                    <a:p>
-                      <a:endParaRPr lang="de-DE"/>
-                    </a:p>
-                  </a:txBody>
-                  <a:tcPr/>
-                </a:tc>
-                <a:tc>
-                  <a:txBody>
-                    <a:bodyPr/>
-                    <a:lstStyle/>
-                    <a:p>
-                      <a:endParaRPr lang="de-DE"/>
-                    </a:p>
-                  </a:txBody>
-                  <a:tcPr/>
-                </a:tc>
-                <a:tc>
-                  <a:txBody>
-                    <a:bodyPr/>
-                    <a:lstStyle/>
-                    <a:p>
-                      <a:endParaRPr lang="de-DE"/>
-                    </a:p>
-                  </a:txBody>
-                  <a:tcPr/>
-                </a:tc>
-                <a:tc>
-                  <a:txBody>
-                    <a:bodyPr/>
-                    <a:lstStyle/>
-                    <a:p>
-                      <a:endParaRPr lang="de-DE"/>
-                    </a:p>
-                  </a:txBody>
-                  <a:tcPr/>
-                </a:tc>
-                <a:tc>
-                  <a:txBody>
-                    <a:bodyPr/>
-                    <a:lstStyle/>
-                    <a:p>
-                      <a:endParaRPr lang="de-DE"/>
-                    </a:p>
-                  </a:txBody>
-                  <a:tcPr/>
-                </a:tc>
-                <a:extLst>
-                  <a:ext uri="{0D108BD9-81ED-4DB2-BD59-A6C34878D82A}">
-                    <a16:rowId xmlns:a16="http://schemas.microsoft.com/office/drawing/2014/main" val="1947461743"/>
-                  </a:ext>
-                </a:extLst>
-              </a:tr>
-              <a:tr h="433073">
-                <a:tc>
-                  <a:txBody>
-                    <a:bodyPr/>
-                    <a:lstStyle/>
-                    <a:p>
-                      <a:r>
-                        <a:rPr lang="de-DE" dirty="0"/>
-                        <a:t>Share </a:t>
-                      </a:r>
-                      <a:r>
-                        <a:rPr lang="de-DE" dirty="0" err="1"/>
-                        <a:t>of</a:t>
-                      </a:r>
-                      <a:r>
-                        <a:rPr lang="de-DE" dirty="0"/>
-                        <a:t> Ins.</a:t>
-                      </a:r>
-                    </a:p>
-                  </a:txBody>
-                  <a:tcPr/>
-                </a:tc>
-                <a:tc>
-                  <a:txBody>
-                    <a:bodyPr/>
-                    <a:lstStyle/>
-                    <a:p>
-                      <a:endParaRPr lang="de-DE" dirty="0"/>
-                    </a:p>
-                  </a:txBody>
-                  <a:tcPr/>
-                </a:tc>
-                <a:tc>
-                  <a:txBody>
-                    <a:bodyPr/>
-                    <a:lstStyle/>
-                    <a:p>
-                      <a:endParaRPr lang="de-DE"/>
-                    </a:p>
-                  </a:txBody>
-                  <a:tcPr/>
-                </a:tc>
-                <a:tc>
-                  <a:txBody>
-                    <a:bodyPr/>
-                    <a:lstStyle/>
-                    <a:p>
-                      <a:endParaRPr lang="de-DE"/>
-                    </a:p>
-                  </a:txBody>
-                  <a:tcPr/>
-                </a:tc>
-                <a:tc>
-                  <a:txBody>
-                    <a:bodyPr/>
-                    <a:lstStyle/>
-                    <a:p>
-                      <a:endParaRPr lang="de-DE"/>
-                    </a:p>
-                  </a:txBody>
-                  <a:tcPr/>
-                </a:tc>
-                <a:tc>
-                  <a:txBody>
-                    <a:bodyPr/>
-                    <a:lstStyle/>
-                    <a:p>
-                      <a:endParaRPr lang="de-DE" dirty="0"/>
-                    </a:p>
-                  </a:txBody>
-                  <a:tcPr/>
-                </a:tc>
-                <a:extLst>
-                  <a:ext uri="{0D108BD9-81ED-4DB2-BD59-A6C34878D82A}">
-                    <a16:rowId xmlns:a16="http://schemas.microsoft.com/office/drawing/2014/main" val="978254453"/>
-                  </a:ext>
-                </a:extLst>
-              </a:tr>
-            </a:tbl>
-          </a:graphicData>
-        </a:graphic>
-      </p:graphicFrame>
+              <a:rPr lang="de-DE" dirty="0" err="1">
+                <a:latin typeface="+mj-lt"/>
+              </a:rPr>
+              <a:t>We</a:t>
+            </a:r>
+            <a:r>
+              <a:rPr lang="de-DE" dirty="0">
+                <a:latin typeface="+mj-lt"/>
+              </a:rPr>
+              <a:t> deal </a:t>
+            </a:r>
+            <a:r>
+              <a:rPr lang="de-DE" dirty="0" err="1">
+                <a:latin typeface="+mj-lt"/>
+              </a:rPr>
+              <a:t>with</a:t>
+            </a:r>
+            <a:r>
+              <a:rPr lang="de-DE" dirty="0">
+                <a:latin typeface="+mj-lt"/>
+              </a:rPr>
+              <a:t> 5-7% </a:t>
+            </a:r>
+            <a:r>
+              <a:rPr lang="de-DE" dirty="0" err="1">
+                <a:latin typeface="+mj-lt"/>
+              </a:rPr>
+              <a:t>of</a:t>
+            </a:r>
+            <a:r>
+              <a:rPr lang="de-DE" dirty="0">
+                <a:latin typeface="+mj-lt"/>
+              </a:rPr>
+              <a:t> </a:t>
+            </a:r>
+            <a:r>
+              <a:rPr lang="de-DE" dirty="0" err="1">
+                <a:latin typeface="+mj-lt"/>
+              </a:rPr>
+              <a:t>insolvencies</a:t>
+            </a:r>
+            <a:r>
+              <a:rPr lang="de-DE" dirty="0">
+                <a:latin typeface="+mj-lt"/>
+              </a:rPr>
+              <a:t> </a:t>
+            </a:r>
+            <a:r>
+              <a:rPr lang="de-DE" dirty="0" err="1">
+                <a:latin typeface="+mj-lt"/>
+              </a:rPr>
+              <a:t>for</a:t>
+            </a:r>
+            <a:r>
+              <a:rPr lang="de-DE" dirty="0">
+                <a:latin typeface="+mj-lt"/>
+              </a:rPr>
+              <a:t> </a:t>
+            </a:r>
+            <a:r>
+              <a:rPr lang="de-DE" dirty="0" err="1">
+                <a:latin typeface="+mj-lt"/>
+              </a:rPr>
+              <a:t>each</a:t>
+            </a:r>
+            <a:r>
+              <a:rPr lang="de-DE" dirty="0">
+                <a:latin typeface="+mj-lt"/>
+              </a:rPr>
+              <a:t> </a:t>
+            </a:r>
+            <a:r>
+              <a:rPr lang="de-DE" dirty="0" err="1">
+                <a:latin typeface="+mj-lt"/>
+              </a:rPr>
+              <a:t>year</a:t>
+            </a:r>
+            <a:r>
+              <a:rPr lang="de-DE" dirty="0">
+                <a:latin typeface="+mj-lt"/>
+              </a:rPr>
+              <a:t>. </a:t>
+            </a:r>
+            <a:r>
+              <a:rPr lang="de-DE" dirty="0" err="1">
+                <a:latin typeface="+mj-lt"/>
+              </a:rPr>
+              <a:t>Therefore</a:t>
+            </a:r>
+            <a:r>
+              <a:rPr lang="de-DE" dirty="0">
+                <a:latin typeface="+mj-lt"/>
+              </a:rPr>
+              <a:t>, a </a:t>
+            </a:r>
+            <a:r>
+              <a:rPr lang="de-DE" dirty="0" err="1">
+                <a:latin typeface="+mj-lt"/>
+              </a:rPr>
+              <a:t>model</a:t>
+            </a:r>
+            <a:r>
+              <a:rPr lang="de-DE" dirty="0">
+                <a:latin typeface="+mj-lt"/>
+              </a:rPr>
+              <a:t> </a:t>
+            </a:r>
+            <a:r>
+              <a:rPr lang="de-DE" dirty="0" err="1">
+                <a:latin typeface="+mj-lt"/>
+              </a:rPr>
+              <a:t>that</a:t>
+            </a:r>
+            <a:r>
+              <a:rPr lang="de-DE" dirty="0">
+                <a:latin typeface="+mj-lt"/>
+              </a:rPr>
+              <a:t> </a:t>
+            </a:r>
+            <a:r>
+              <a:rPr lang="de-DE" dirty="0" err="1">
+                <a:latin typeface="+mj-lt"/>
+              </a:rPr>
+              <a:t>predicts</a:t>
+            </a:r>
+            <a:r>
+              <a:rPr lang="de-DE" dirty="0">
+                <a:latin typeface="+mj-lt"/>
+              </a:rPr>
+              <a:t> </a:t>
+            </a:r>
+            <a:r>
+              <a:rPr lang="de-DE" dirty="0" err="1">
+                <a:latin typeface="+mj-lt"/>
+              </a:rPr>
+              <a:t>no</a:t>
+            </a:r>
+            <a:r>
+              <a:rPr lang="de-DE" dirty="0">
+                <a:latin typeface="+mj-lt"/>
+              </a:rPr>
+              <a:t> </a:t>
+            </a:r>
+            <a:r>
+              <a:rPr lang="de-DE" dirty="0" err="1">
+                <a:latin typeface="+mj-lt"/>
+              </a:rPr>
+              <a:t>insolvencies</a:t>
+            </a:r>
+            <a:r>
+              <a:rPr lang="de-DE" dirty="0">
+                <a:latin typeface="+mj-lt"/>
+              </a:rPr>
+              <a:t> </a:t>
+            </a:r>
+            <a:r>
+              <a:rPr lang="de-DE" dirty="0" err="1">
+                <a:latin typeface="+mj-lt"/>
+              </a:rPr>
+              <a:t>already</a:t>
+            </a:r>
+            <a:r>
+              <a:rPr lang="de-DE" dirty="0">
+                <a:latin typeface="+mj-lt"/>
+              </a:rPr>
+              <a:t> </a:t>
+            </a:r>
+            <a:r>
+              <a:rPr lang="de-DE" dirty="0" err="1">
+                <a:latin typeface="+mj-lt"/>
+              </a:rPr>
+              <a:t>achieves</a:t>
+            </a:r>
+            <a:r>
+              <a:rPr lang="de-DE" dirty="0">
+                <a:latin typeface="+mj-lt"/>
+              </a:rPr>
+              <a:t> an </a:t>
+            </a:r>
+            <a:r>
+              <a:rPr lang="de-DE" dirty="0" err="1">
+                <a:latin typeface="+mj-lt"/>
+              </a:rPr>
+              <a:t>accuracy</a:t>
+            </a:r>
+            <a:r>
+              <a:rPr lang="de-DE" dirty="0">
+                <a:latin typeface="+mj-lt"/>
+              </a:rPr>
+              <a:t> </a:t>
+            </a:r>
+            <a:r>
+              <a:rPr lang="de-DE" dirty="0" err="1">
+                <a:latin typeface="+mj-lt"/>
+              </a:rPr>
+              <a:t>of</a:t>
+            </a:r>
+            <a:r>
+              <a:rPr lang="de-DE" dirty="0">
+                <a:latin typeface="+mj-lt"/>
+              </a:rPr>
+              <a:t> 93-95%.</a:t>
+            </a:r>
+          </a:p>
+          <a:p>
+            <a:pPr marL="285750" indent="-285750">
+              <a:buFont typeface="Wingdings" panose="05000000000000000000" pitchFamily="2" charset="2"/>
+              <a:buChar char="§"/>
+            </a:pPr>
+            <a:r>
+              <a:rPr lang="de-DE" dirty="0">
+                <a:latin typeface="+mj-lt"/>
+              </a:rPr>
+              <a:t>The </a:t>
+            </a:r>
+            <a:r>
+              <a:rPr lang="de-DE" dirty="0" err="1">
+                <a:latin typeface="+mj-lt"/>
+              </a:rPr>
+              <a:t>choice</a:t>
+            </a:r>
+            <a:r>
+              <a:rPr lang="de-DE" dirty="0">
+                <a:latin typeface="+mj-lt"/>
+              </a:rPr>
+              <a:t> </a:t>
+            </a:r>
+            <a:r>
+              <a:rPr lang="de-DE" dirty="0" err="1">
+                <a:latin typeface="+mj-lt"/>
+              </a:rPr>
+              <a:t>of</a:t>
+            </a:r>
+            <a:r>
+              <a:rPr lang="de-DE" dirty="0">
+                <a:latin typeface="+mj-lt"/>
+              </a:rPr>
+              <a:t> </a:t>
+            </a:r>
+            <a:r>
+              <a:rPr lang="de-DE" dirty="0" err="1">
+                <a:latin typeface="+mj-lt"/>
+              </a:rPr>
+              <a:t>the</a:t>
+            </a:r>
+            <a:r>
+              <a:rPr lang="de-DE" dirty="0">
+                <a:latin typeface="+mj-lt"/>
+              </a:rPr>
+              <a:t> </a:t>
+            </a:r>
+            <a:r>
+              <a:rPr lang="de-DE" dirty="0" err="1">
+                <a:latin typeface="+mj-lt"/>
+              </a:rPr>
+              <a:t>evaluation</a:t>
+            </a:r>
+            <a:r>
+              <a:rPr lang="de-DE" dirty="0">
+                <a:latin typeface="+mj-lt"/>
+              </a:rPr>
+              <a:t> </a:t>
+            </a:r>
+            <a:r>
+              <a:rPr lang="de-DE" dirty="0" err="1">
+                <a:latin typeface="+mj-lt"/>
+              </a:rPr>
+              <a:t>measure</a:t>
+            </a:r>
+            <a:r>
+              <a:rPr lang="de-DE" dirty="0">
+                <a:latin typeface="+mj-lt"/>
+              </a:rPr>
+              <a:t> </a:t>
+            </a:r>
+            <a:r>
+              <a:rPr lang="de-DE" dirty="0" err="1">
+                <a:latin typeface="+mj-lt"/>
+              </a:rPr>
+              <a:t>dependes</a:t>
+            </a:r>
+            <a:r>
+              <a:rPr lang="de-DE" dirty="0">
+                <a:latin typeface="+mj-lt"/>
+              </a:rPr>
+              <a:t> on </a:t>
+            </a:r>
+            <a:r>
+              <a:rPr lang="de-DE" dirty="0" err="1">
+                <a:latin typeface="+mj-lt"/>
+              </a:rPr>
+              <a:t>the</a:t>
+            </a:r>
+            <a:r>
+              <a:rPr lang="de-DE" dirty="0">
+                <a:latin typeface="+mj-lt"/>
+              </a:rPr>
+              <a:t> </a:t>
+            </a:r>
+            <a:r>
+              <a:rPr lang="de-DE" dirty="0" err="1">
+                <a:latin typeface="+mj-lt"/>
+              </a:rPr>
+              <a:t>cost</a:t>
+            </a:r>
+            <a:r>
+              <a:rPr lang="de-DE" dirty="0">
+                <a:latin typeface="+mj-lt"/>
+              </a:rPr>
+              <a:t> </a:t>
+            </a:r>
+            <a:r>
+              <a:rPr lang="de-DE" dirty="0" err="1">
+                <a:latin typeface="+mj-lt"/>
+              </a:rPr>
+              <a:t>that</a:t>
+            </a:r>
+            <a:r>
+              <a:rPr lang="de-DE" dirty="0">
+                <a:latin typeface="+mj-lt"/>
+              </a:rPr>
+              <a:t> </a:t>
+            </a:r>
+            <a:r>
+              <a:rPr lang="de-DE" dirty="0" err="1">
+                <a:latin typeface="+mj-lt"/>
+              </a:rPr>
+              <a:t>is</a:t>
+            </a:r>
+            <a:r>
+              <a:rPr lang="de-DE" dirty="0">
+                <a:latin typeface="+mj-lt"/>
+              </a:rPr>
+              <a:t> </a:t>
+            </a:r>
+            <a:r>
+              <a:rPr lang="de-DE" dirty="0" err="1">
+                <a:latin typeface="+mj-lt"/>
+              </a:rPr>
+              <a:t>caused</a:t>
+            </a:r>
+            <a:r>
+              <a:rPr lang="de-DE" dirty="0">
+                <a:latin typeface="+mj-lt"/>
+              </a:rPr>
+              <a:t> </a:t>
+            </a:r>
+            <a:r>
+              <a:rPr lang="de-DE" dirty="0" err="1">
+                <a:latin typeface="+mj-lt"/>
+              </a:rPr>
+              <a:t>by</a:t>
+            </a:r>
+            <a:r>
+              <a:rPr lang="de-DE" dirty="0">
+                <a:latin typeface="+mj-lt"/>
+              </a:rPr>
+              <a:t> </a:t>
+            </a:r>
+            <a:r>
+              <a:rPr lang="de-DE" dirty="0" err="1">
+                <a:latin typeface="+mj-lt"/>
+              </a:rPr>
+              <a:t>false</a:t>
+            </a:r>
+            <a:r>
+              <a:rPr lang="de-DE" dirty="0">
+                <a:latin typeface="+mj-lt"/>
+              </a:rPr>
+              <a:t> </a:t>
+            </a:r>
+            <a:r>
+              <a:rPr lang="de-DE" dirty="0" err="1">
+                <a:latin typeface="+mj-lt"/>
+              </a:rPr>
+              <a:t>predictions</a:t>
+            </a:r>
+            <a:endParaRPr lang="de-DE" dirty="0">
+              <a:latin typeface="+mj-lt"/>
+            </a:endParaRPr>
+          </a:p>
+          <a:p>
+            <a:pPr marL="285750" indent="-285750">
+              <a:buFont typeface="Wingdings" panose="05000000000000000000" pitchFamily="2" charset="2"/>
+              <a:buChar char="§"/>
+            </a:pPr>
+            <a:r>
+              <a:rPr lang="de-DE" dirty="0" err="1">
+                <a:latin typeface="+mj-lt"/>
+              </a:rPr>
+              <a:t>Its</a:t>
+            </a:r>
+            <a:r>
+              <a:rPr lang="de-DE" dirty="0">
+                <a:latin typeface="+mj-lt"/>
+              </a:rPr>
+              <a:t> </a:t>
+            </a:r>
+            <a:r>
+              <a:rPr lang="de-DE" dirty="0" err="1">
+                <a:latin typeface="+mj-lt"/>
+              </a:rPr>
+              <a:t>far</a:t>
+            </a:r>
+            <a:r>
+              <a:rPr lang="de-DE" dirty="0">
+                <a:latin typeface="+mj-lt"/>
+              </a:rPr>
+              <a:t> </a:t>
+            </a:r>
+            <a:r>
+              <a:rPr lang="de-DE" dirty="0" err="1">
+                <a:latin typeface="+mj-lt"/>
+              </a:rPr>
+              <a:t>more</a:t>
+            </a:r>
+            <a:r>
+              <a:rPr lang="de-DE" dirty="0">
+                <a:latin typeface="+mj-lt"/>
+              </a:rPr>
+              <a:t> expensive </a:t>
+            </a:r>
+            <a:r>
+              <a:rPr lang="de-DE" dirty="0" err="1">
+                <a:latin typeface="+mj-lt"/>
+              </a:rPr>
+              <a:t>to</a:t>
+            </a:r>
+            <a:r>
+              <a:rPr lang="de-DE" dirty="0">
+                <a:latin typeface="+mj-lt"/>
+              </a:rPr>
+              <a:t> </a:t>
+            </a:r>
+            <a:r>
+              <a:rPr lang="de-DE" dirty="0" err="1">
+                <a:latin typeface="+mj-lt"/>
+              </a:rPr>
+              <a:t>pay</a:t>
+            </a:r>
+            <a:r>
+              <a:rPr lang="de-DE" dirty="0">
+                <a:latin typeface="+mj-lt"/>
+              </a:rPr>
+              <a:t> </a:t>
+            </a:r>
+            <a:r>
+              <a:rPr lang="de-DE" dirty="0" err="1">
+                <a:latin typeface="+mj-lt"/>
+              </a:rPr>
+              <a:t>compensation</a:t>
+            </a:r>
+            <a:r>
+              <a:rPr lang="de-DE" dirty="0">
+                <a:latin typeface="+mj-lt"/>
+              </a:rPr>
+              <a:t> </a:t>
+            </a:r>
+            <a:r>
+              <a:rPr lang="de-DE" dirty="0" err="1">
+                <a:latin typeface="+mj-lt"/>
+              </a:rPr>
+              <a:t>than</a:t>
+            </a:r>
+            <a:r>
+              <a:rPr lang="de-DE" dirty="0">
+                <a:latin typeface="+mj-lt"/>
+              </a:rPr>
+              <a:t> </a:t>
+            </a:r>
+            <a:r>
+              <a:rPr lang="de-DE" dirty="0" err="1">
+                <a:latin typeface="+mj-lt"/>
+              </a:rPr>
+              <a:t>to</a:t>
+            </a:r>
+            <a:r>
+              <a:rPr lang="de-DE" dirty="0">
+                <a:latin typeface="+mj-lt"/>
+              </a:rPr>
+              <a:t> lose a </a:t>
+            </a:r>
+            <a:r>
+              <a:rPr lang="de-DE" dirty="0" err="1">
+                <a:latin typeface="+mj-lt"/>
+              </a:rPr>
+              <a:t>customer</a:t>
+            </a:r>
+            <a:r>
+              <a:rPr lang="de-DE" dirty="0">
+                <a:latin typeface="+mj-lt"/>
+              </a:rPr>
+              <a:t> due </a:t>
+            </a:r>
+            <a:r>
+              <a:rPr lang="de-DE" dirty="0" err="1">
+                <a:latin typeface="+mj-lt"/>
+              </a:rPr>
+              <a:t>to</a:t>
+            </a:r>
+            <a:r>
+              <a:rPr lang="de-DE" dirty="0">
+                <a:latin typeface="+mj-lt"/>
+              </a:rPr>
+              <a:t> high </a:t>
+            </a:r>
+            <a:r>
+              <a:rPr lang="de-DE" dirty="0" err="1">
+                <a:latin typeface="+mj-lt"/>
+              </a:rPr>
+              <a:t>insurance</a:t>
+            </a:r>
+            <a:r>
+              <a:rPr lang="de-DE" dirty="0">
+                <a:latin typeface="+mj-lt"/>
+              </a:rPr>
+              <a:t> </a:t>
+            </a:r>
+            <a:r>
+              <a:rPr lang="de-DE" dirty="0" err="1">
+                <a:latin typeface="+mj-lt"/>
+              </a:rPr>
+              <a:t>premiums</a:t>
+            </a:r>
+            <a:r>
+              <a:rPr lang="de-DE" dirty="0">
+                <a:latin typeface="+mj-lt"/>
+              </a:rPr>
+              <a:t>. </a:t>
+            </a:r>
+            <a:r>
+              <a:rPr lang="de-DE" dirty="0" err="1">
+                <a:latin typeface="+mj-lt"/>
+              </a:rPr>
+              <a:t>Therefore</a:t>
+            </a:r>
+            <a:r>
+              <a:rPr lang="de-DE" dirty="0">
+                <a:latin typeface="+mj-lt"/>
+              </a:rPr>
+              <a:t> </a:t>
+            </a:r>
+            <a:r>
+              <a:rPr lang="de-DE" b="1" dirty="0">
+                <a:latin typeface="+mj-lt"/>
+              </a:rPr>
+              <a:t>Recall</a:t>
+            </a:r>
+            <a:r>
+              <a:rPr lang="de-DE" dirty="0">
+                <a:latin typeface="+mj-lt"/>
+              </a:rPr>
+              <a:t> </a:t>
+            </a:r>
+            <a:r>
+              <a:rPr lang="de-DE" dirty="0" err="1">
+                <a:latin typeface="+mj-lt"/>
+              </a:rPr>
+              <a:t>is</a:t>
+            </a:r>
+            <a:r>
+              <a:rPr lang="de-DE" dirty="0">
+                <a:latin typeface="+mj-lt"/>
+              </a:rPr>
+              <a:t> a </a:t>
+            </a:r>
+            <a:r>
+              <a:rPr lang="de-DE" dirty="0" err="1">
+                <a:latin typeface="+mj-lt"/>
+              </a:rPr>
+              <a:t>good</a:t>
+            </a:r>
+            <a:r>
+              <a:rPr lang="de-DE" dirty="0">
+                <a:latin typeface="+mj-lt"/>
+              </a:rPr>
+              <a:t> </a:t>
+            </a:r>
+            <a:r>
+              <a:rPr lang="de-DE" dirty="0" err="1">
+                <a:latin typeface="+mj-lt"/>
+              </a:rPr>
+              <a:t>base</a:t>
+            </a:r>
+            <a:r>
+              <a:rPr lang="de-DE" dirty="0">
+                <a:latin typeface="+mj-lt"/>
+              </a:rPr>
+              <a:t> </a:t>
+            </a:r>
+            <a:r>
+              <a:rPr lang="de-DE" dirty="0" err="1">
+                <a:latin typeface="+mj-lt"/>
+              </a:rPr>
+              <a:t>measurement</a:t>
+            </a:r>
+            <a:r>
+              <a:rPr lang="de-DE" dirty="0">
+                <a:latin typeface="+mj-lt"/>
+              </a:rPr>
+              <a:t> </a:t>
+            </a:r>
+            <a:r>
+              <a:rPr lang="de-DE" dirty="0" err="1">
+                <a:latin typeface="+mj-lt"/>
+              </a:rPr>
+              <a:t>for</a:t>
+            </a:r>
+            <a:r>
+              <a:rPr lang="de-DE" dirty="0">
+                <a:latin typeface="+mj-lt"/>
+              </a:rPr>
+              <a:t> </a:t>
+            </a:r>
+            <a:r>
+              <a:rPr lang="de-DE" dirty="0" err="1">
+                <a:latin typeface="+mj-lt"/>
+              </a:rPr>
+              <a:t>this</a:t>
+            </a:r>
+            <a:r>
+              <a:rPr lang="de-DE" dirty="0">
+                <a:latin typeface="+mj-lt"/>
+              </a:rPr>
+              <a:t> </a:t>
+            </a:r>
+            <a:r>
+              <a:rPr lang="de-DE" dirty="0" err="1">
+                <a:latin typeface="+mj-lt"/>
+              </a:rPr>
+              <a:t>case</a:t>
+            </a:r>
+            <a:r>
+              <a:rPr lang="de-DE" dirty="0">
+                <a:latin typeface="+mj-lt"/>
+              </a:rPr>
+              <a:t> in </a:t>
+            </a:r>
+            <a:r>
+              <a:rPr lang="de-DE" dirty="0" err="1">
+                <a:latin typeface="+mj-lt"/>
+              </a:rPr>
+              <a:t>combination</a:t>
+            </a:r>
+            <a:r>
+              <a:rPr lang="de-DE" dirty="0">
+                <a:latin typeface="+mj-lt"/>
+              </a:rPr>
+              <a:t> </a:t>
+            </a:r>
+            <a:r>
+              <a:rPr lang="de-DE" dirty="0" err="1">
+                <a:latin typeface="+mj-lt"/>
+              </a:rPr>
+              <a:t>with</a:t>
+            </a:r>
+            <a:r>
+              <a:rPr lang="de-DE" dirty="0">
+                <a:latin typeface="+mj-lt"/>
+              </a:rPr>
+              <a:t> a high </a:t>
+            </a:r>
+            <a:r>
+              <a:rPr lang="de-DE" b="1" dirty="0">
+                <a:latin typeface="+mj-lt"/>
+              </a:rPr>
+              <a:t>Area-</a:t>
+            </a:r>
+            <a:r>
+              <a:rPr lang="de-DE" b="1" dirty="0" err="1">
+                <a:latin typeface="+mj-lt"/>
+              </a:rPr>
+              <a:t>under</a:t>
+            </a:r>
+            <a:r>
+              <a:rPr lang="de-DE" b="1" dirty="0">
+                <a:latin typeface="+mj-lt"/>
+              </a:rPr>
+              <a:t>-</a:t>
+            </a:r>
+            <a:r>
+              <a:rPr lang="de-DE" b="1" dirty="0" err="1">
+                <a:latin typeface="+mj-lt"/>
+              </a:rPr>
+              <a:t>curve</a:t>
+            </a:r>
+            <a:endParaRPr lang="de-DE" b="1" dirty="0">
+              <a:latin typeface="+mj-lt"/>
+            </a:endParaRPr>
+          </a:p>
+          <a:p>
+            <a:pPr marL="285750" indent="-285750">
+              <a:buFont typeface="Wingdings" panose="05000000000000000000" pitchFamily="2" charset="2"/>
+              <a:buChar char="§"/>
+            </a:pPr>
+            <a:r>
+              <a:rPr lang="de-DE" dirty="0" err="1">
+                <a:latin typeface="+mj-lt"/>
+              </a:rPr>
+              <a:t>Furthermore</a:t>
+            </a:r>
+            <a:r>
+              <a:rPr lang="de-DE" dirty="0">
+                <a:latin typeface="+mj-lt"/>
+              </a:rPr>
+              <a:t>, </a:t>
+            </a:r>
+            <a:r>
+              <a:rPr lang="de-DE" dirty="0" err="1">
+                <a:latin typeface="+mj-lt"/>
+              </a:rPr>
+              <a:t>we</a:t>
+            </a:r>
+            <a:r>
+              <a:rPr lang="de-DE" dirty="0">
+                <a:latin typeface="+mj-lt"/>
+              </a:rPr>
+              <a:t> </a:t>
+            </a:r>
+            <a:r>
+              <a:rPr lang="de-DE" dirty="0" err="1">
+                <a:latin typeface="+mj-lt"/>
+              </a:rPr>
+              <a:t>created</a:t>
+            </a:r>
+            <a:r>
+              <a:rPr lang="de-DE" dirty="0">
+                <a:latin typeface="+mj-lt"/>
+              </a:rPr>
+              <a:t> </a:t>
+            </a:r>
+            <a:r>
+              <a:rPr lang="de-DE" dirty="0" err="1">
+                <a:latin typeface="+mj-lt"/>
+              </a:rPr>
+              <a:t>the</a:t>
+            </a:r>
+            <a:r>
+              <a:rPr lang="de-DE" dirty="0">
+                <a:latin typeface="+mj-lt"/>
+              </a:rPr>
+              <a:t> </a:t>
+            </a:r>
+            <a:r>
+              <a:rPr lang="de-DE" dirty="0" err="1">
+                <a:latin typeface="+mj-lt"/>
+              </a:rPr>
+              <a:t>measure</a:t>
+            </a:r>
+            <a:r>
+              <a:rPr lang="de-DE" dirty="0">
+                <a:latin typeface="+mj-lt"/>
+              </a:rPr>
+              <a:t> „</a:t>
+            </a:r>
+            <a:r>
+              <a:rPr lang="de-DE" dirty="0" err="1">
+                <a:latin typeface="+mj-lt"/>
+              </a:rPr>
+              <a:t>Weigthed</a:t>
+            </a:r>
+            <a:r>
+              <a:rPr lang="de-DE" dirty="0">
+                <a:latin typeface="+mj-lt"/>
+              </a:rPr>
+              <a:t> </a:t>
+            </a:r>
+            <a:r>
+              <a:rPr lang="de-DE" dirty="0" err="1">
+                <a:latin typeface="+mj-lt"/>
+              </a:rPr>
+              <a:t>Accuracy</a:t>
+            </a:r>
+            <a:r>
+              <a:rPr lang="de-DE" dirty="0">
+                <a:latin typeface="+mj-lt"/>
+              </a:rPr>
+              <a:t>“ </a:t>
+            </a:r>
+            <a:r>
+              <a:rPr lang="de-DE" dirty="0" err="1">
+                <a:latin typeface="+mj-lt"/>
+              </a:rPr>
+              <a:t>which</a:t>
+            </a:r>
+            <a:r>
+              <a:rPr lang="de-DE" dirty="0">
+                <a:latin typeface="+mj-lt"/>
+              </a:rPr>
+              <a:t> </a:t>
+            </a:r>
+            <a:r>
+              <a:rPr lang="de-DE" dirty="0" err="1">
+                <a:latin typeface="+mj-lt"/>
+              </a:rPr>
+              <a:t>weights</a:t>
+            </a:r>
+            <a:r>
+              <a:rPr lang="de-DE" dirty="0">
+                <a:latin typeface="+mj-lt"/>
+              </a:rPr>
+              <a:t> </a:t>
+            </a:r>
+            <a:r>
+              <a:rPr lang="de-DE" dirty="0" err="1">
+                <a:latin typeface="+mj-lt"/>
+              </a:rPr>
+              <a:t>the</a:t>
+            </a:r>
+            <a:r>
+              <a:rPr lang="de-DE" dirty="0">
+                <a:latin typeface="+mj-lt"/>
+              </a:rPr>
+              <a:t> positive </a:t>
+            </a:r>
+            <a:r>
+              <a:rPr lang="de-DE" dirty="0" err="1">
+                <a:latin typeface="+mj-lt"/>
+              </a:rPr>
+              <a:t>cases</a:t>
+            </a:r>
+            <a:r>
+              <a:rPr lang="de-DE" dirty="0">
+                <a:latin typeface="+mj-lt"/>
+              </a:rPr>
+              <a:t> </a:t>
+            </a:r>
+            <a:r>
+              <a:rPr lang="de-DE" dirty="0" err="1">
+                <a:latin typeface="+mj-lt"/>
+              </a:rPr>
+              <a:t>by</a:t>
+            </a:r>
+            <a:r>
+              <a:rPr lang="de-DE" dirty="0">
+                <a:latin typeface="+mj-lt"/>
+              </a:rPr>
+              <a:t> a </a:t>
+            </a:r>
+            <a:r>
+              <a:rPr lang="de-DE" dirty="0" err="1">
+                <a:latin typeface="+mj-lt"/>
+              </a:rPr>
+              <a:t>numerical</a:t>
+            </a:r>
+            <a:r>
+              <a:rPr lang="de-DE" dirty="0">
+                <a:latin typeface="+mj-lt"/>
+              </a:rPr>
+              <a:t> </a:t>
+            </a:r>
+            <a:r>
+              <a:rPr lang="de-DE" dirty="0" err="1">
+                <a:latin typeface="+mj-lt"/>
+              </a:rPr>
+              <a:t>factor</a:t>
+            </a:r>
+            <a:r>
+              <a:rPr lang="de-DE" dirty="0">
+                <a:latin typeface="+mj-lt"/>
+              </a:rPr>
+              <a:t>. </a:t>
+            </a:r>
+          </a:p>
+        </p:txBody>
+      </p:sp>
+      <p:pic>
+        <p:nvPicPr>
+          <p:cNvPr id="10" name="Grafik 9">
+            <a:extLst>
+              <a:ext uri="{FF2B5EF4-FFF2-40B4-BE49-F238E27FC236}">
+                <a16:creationId xmlns:a16="http://schemas.microsoft.com/office/drawing/2014/main" id="{9280EAD0-C19E-46A5-8BB4-BF9EAD4D169E}"/>
+              </a:ext>
+            </a:extLst>
+          </p:cNvPr>
+          <p:cNvPicPr>
+            <a:picLocks noChangeAspect="1"/>
+          </p:cNvPicPr>
+          <p:nvPr/>
+        </p:nvPicPr>
+        <p:blipFill>
+          <a:blip r:embed="rId2">
+            <a:extLst>
+              <a:ext uri="{28A0092B-C50C-407E-A947-70E740481C1C}">
+                <a14:useLocalDpi xmlns:a14="http://schemas.microsoft.com/office/drawing/2010/main" val="0"/>
+              </a:ext>
+            </a:extLst>
+          </a:blip>
+          <a:stretch>
+            <a:fillRect/>
+          </a:stretch>
+        </p:blipFill>
+        <p:spPr>
+          <a:xfrm>
+            <a:off x="6766599" y="1683460"/>
+            <a:ext cx="1238644" cy="1238644"/>
+          </a:xfrm>
+          <a:prstGeom prst="rect">
+            <a:avLst/>
+          </a:prstGeom>
+        </p:spPr>
+      </p:pic>
+      <p:pic>
+        <p:nvPicPr>
+          <p:cNvPr id="11" name="Grafik 10">
+            <a:extLst>
+              <a:ext uri="{FF2B5EF4-FFF2-40B4-BE49-F238E27FC236}">
+                <a16:creationId xmlns:a16="http://schemas.microsoft.com/office/drawing/2014/main" id="{B68297AC-7F2E-468E-BFB0-90F338962B3E}"/>
+              </a:ext>
+            </a:extLst>
+          </p:cNvPr>
+          <p:cNvPicPr>
+            <a:picLocks noChangeAspect="1"/>
+          </p:cNvPicPr>
+          <p:nvPr/>
+        </p:nvPicPr>
+        <p:blipFill>
+          <a:blip r:embed="rId3">
+            <a:extLst>
+              <a:ext uri="{28A0092B-C50C-407E-A947-70E740481C1C}">
+                <a14:useLocalDpi xmlns:a14="http://schemas.microsoft.com/office/drawing/2010/main" val="0"/>
+              </a:ext>
+            </a:extLst>
+          </a:blip>
+          <a:stretch>
+            <a:fillRect/>
+          </a:stretch>
+        </p:blipFill>
+        <p:spPr>
+          <a:xfrm>
+            <a:off x="9932491" y="1716401"/>
+            <a:ext cx="1238644" cy="1238644"/>
+          </a:xfrm>
+          <a:prstGeom prst="rect">
+            <a:avLst/>
+          </a:prstGeom>
+        </p:spPr>
+      </p:pic>
+      <p:sp>
+        <p:nvSpPr>
+          <p:cNvPr id="12" name="Textfeld 11">
+            <a:extLst>
+              <a:ext uri="{FF2B5EF4-FFF2-40B4-BE49-F238E27FC236}">
+                <a16:creationId xmlns:a16="http://schemas.microsoft.com/office/drawing/2014/main" id="{74A21A2D-3422-4B2A-B493-3376FC70B95F}"/>
+              </a:ext>
+            </a:extLst>
+          </p:cNvPr>
+          <p:cNvSpPr txBox="1"/>
+          <p:nvPr/>
+        </p:nvSpPr>
+        <p:spPr>
+          <a:xfrm>
+            <a:off x="6502509" y="2729765"/>
+            <a:ext cx="2632153" cy="369332"/>
+          </a:xfrm>
+          <a:prstGeom prst="rect">
+            <a:avLst/>
+          </a:prstGeom>
+          <a:noFill/>
+        </p:spPr>
+        <p:txBody>
+          <a:bodyPr wrap="square" rtlCol="0">
+            <a:spAutoFit/>
+          </a:bodyPr>
+          <a:lstStyle/>
+          <a:p>
+            <a:r>
+              <a:rPr lang="de-DE" b="1" dirty="0" err="1">
+                <a:latin typeface="+mj-lt"/>
+              </a:rPr>
+              <a:t>Logistic</a:t>
+            </a:r>
+            <a:r>
+              <a:rPr lang="de-DE" b="1" dirty="0">
+                <a:latin typeface="+mj-lt"/>
+              </a:rPr>
+              <a:t> Regression</a:t>
+            </a:r>
+          </a:p>
+        </p:txBody>
+      </p:sp>
+      <p:sp>
+        <p:nvSpPr>
+          <p:cNvPr id="13" name="Textfeld 12">
+            <a:extLst>
+              <a:ext uri="{FF2B5EF4-FFF2-40B4-BE49-F238E27FC236}">
+                <a16:creationId xmlns:a16="http://schemas.microsoft.com/office/drawing/2014/main" id="{975A99FE-5EB3-488F-94E3-3C103165775B}"/>
+              </a:ext>
+            </a:extLst>
+          </p:cNvPr>
+          <p:cNvSpPr txBox="1"/>
+          <p:nvPr/>
+        </p:nvSpPr>
+        <p:spPr>
+          <a:xfrm>
+            <a:off x="9194684" y="2764843"/>
+            <a:ext cx="2714257" cy="369332"/>
+          </a:xfrm>
+          <a:prstGeom prst="rect">
+            <a:avLst/>
+          </a:prstGeom>
+          <a:noFill/>
+        </p:spPr>
+        <p:txBody>
+          <a:bodyPr wrap="square" rtlCol="0">
+            <a:spAutoFit/>
+          </a:bodyPr>
+          <a:lstStyle/>
+          <a:p>
+            <a:r>
+              <a:rPr lang="de-DE" b="1" dirty="0">
+                <a:latin typeface="+mj-lt"/>
+              </a:rPr>
+              <a:t>Extreme Gradient </a:t>
+            </a:r>
+            <a:r>
+              <a:rPr lang="de-DE" b="1" dirty="0" err="1">
+                <a:latin typeface="+mj-lt"/>
+              </a:rPr>
+              <a:t>Boosting</a:t>
+            </a:r>
+            <a:endParaRPr lang="de-DE" sz="1600" b="1" dirty="0">
+              <a:latin typeface="+mj-lt"/>
+            </a:endParaRPr>
+          </a:p>
+        </p:txBody>
+      </p:sp>
+      <p:sp>
+        <p:nvSpPr>
+          <p:cNvPr id="14" name="Textfeld 13">
+            <a:extLst>
+              <a:ext uri="{FF2B5EF4-FFF2-40B4-BE49-F238E27FC236}">
+                <a16:creationId xmlns:a16="http://schemas.microsoft.com/office/drawing/2014/main" id="{C80891D9-3D47-46A1-9968-EF7733BABC61}"/>
+              </a:ext>
+            </a:extLst>
+          </p:cNvPr>
+          <p:cNvSpPr txBox="1"/>
+          <p:nvPr/>
+        </p:nvSpPr>
+        <p:spPr>
+          <a:xfrm>
+            <a:off x="6066845" y="3291840"/>
+            <a:ext cx="2874397" cy="3139321"/>
+          </a:xfrm>
+          <a:prstGeom prst="rect">
+            <a:avLst/>
+          </a:prstGeom>
+          <a:noFill/>
+        </p:spPr>
+        <p:txBody>
+          <a:bodyPr wrap="square" rtlCol="0">
+            <a:spAutoFit/>
+          </a:bodyPr>
+          <a:lstStyle/>
+          <a:p>
+            <a:pPr marL="285750" indent="-285750">
+              <a:buFont typeface="Wingdings" panose="05000000000000000000" pitchFamily="2" charset="2"/>
+              <a:buChar char="§"/>
+            </a:pPr>
+            <a:r>
+              <a:rPr lang="en-US" dirty="0" err="1">
+                <a:latin typeface="+mj-lt"/>
+              </a:rPr>
+              <a:t>max_iter</a:t>
+            </a:r>
+            <a:r>
+              <a:rPr lang="en-US" dirty="0">
+                <a:latin typeface="+mj-lt"/>
+              </a:rPr>
+              <a:t>: 1000</a:t>
+            </a:r>
+          </a:p>
+          <a:p>
+            <a:pPr marL="285750" indent="-285750">
+              <a:buFont typeface="Wingdings" panose="05000000000000000000" pitchFamily="2" charset="2"/>
+              <a:buChar char="§"/>
+            </a:pPr>
+            <a:r>
+              <a:rPr lang="en-US" dirty="0">
+                <a:latin typeface="+mj-lt"/>
+              </a:rPr>
+              <a:t>Preprocessor:</a:t>
+            </a:r>
+          </a:p>
+          <a:p>
+            <a:pPr marL="742950" lvl="1" indent="-285750">
+              <a:buFont typeface="Courier New" panose="02070309020205020404" pitchFamily="49" charset="0"/>
+              <a:buChar char="o"/>
+            </a:pPr>
+            <a:r>
+              <a:rPr lang="en-US" dirty="0">
+                <a:latin typeface="+mj-lt"/>
+              </a:rPr>
+              <a:t> PCA with 99,9% variance</a:t>
+            </a:r>
+          </a:p>
+          <a:p>
+            <a:pPr marL="742950" lvl="1" indent="-285750">
+              <a:buFont typeface="Courier New" panose="02070309020205020404" pitchFamily="49" charset="0"/>
+              <a:buChar char="o"/>
+            </a:pPr>
+            <a:r>
+              <a:rPr lang="en-US" dirty="0" err="1">
+                <a:latin typeface="+mj-lt"/>
+              </a:rPr>
+              <a:t>Downsampling</a:t>
+            </a:r>
+            <a:endParaRPr lang="en-US" dirty="0">
+              <a:latin typeface="+mj-lt"/>
+            </a:endParaRPr>
+          </a:p>
+          <a:p>
+            <a:pPr marL="742950" lvl="1" indent="-285750">
+              <a:buFont typeface="Courier New" panose="02070309020205020404" pitchFamily="49" charset="0"/>
+              <a:buChar char="o"/>
+            </a:pPr>
+            <a:r>
+              <a:rPr lang="en-US" dirty="0" err="1">
+                <a:latin typeface="+mj-lt"/>
+              </a:rPr>
+              <a:t>MeanReplacement</a:t>
+            </a:r>
+            <a:endParaRPr lang="en-US" dirty="0">
+              <a:latin typeface="+mj-lt"/>
+            </a:endParaRPr>
+          </a:p>
+          <a:p>
+            <a:pPr marL="742950" lvl="1" indent="-285750">
+              <a:buFont typeface="Courier New" panose="02070309020205020404" pitchFamily="49" charset="0"/>
+              <a:buChar char="o"/>
+            </a:pPr>
+            <a:r>
+              <a:rPr lang="en-US" dirty="0">
+                <a:latin typeface="+mj-lt"/>
+              </a:rPr>
+              <a:t>Standardizing</a:t>
+            </a:r>
+          </a:p>
+          <a:p>
+            <a:pPr marL="742950" lvl="1" indent="-285750">
+              <a:buFont typeface="Courier New" panose="02070309020205020404" pitchFamily="49" charset="0"/>
+              <a:buChar char="o"/>
+            </a:pPr>
+            <a:endParaRPr lang="en-US" dirty="0">
+              <a:latin typeface="+mj-lt"/>
+            </a:endParaRPr>
+          </a:p>
+          <a:p>
+            <a:pPr marL="742950" lvl="1" indent="-285750">
+              <a:buFont typeface="Courier New" panose="02070309020205020404" pitchFamily="49" charset="0"/>
+              <a:buChar char="o"/>
+            </a:pPr>
+            <a:endParaRPr lang="en-US" dirty="0">
+              <a:latin typeface="+mj-lt"/>
+            </a:endParaRPr>
+          </a:p>
+          <a:p>
+            <a:pPr marL="285750" indent="-285750">
+              <a:buFont typeface="Wingdings" panose="05000000000000000000" pitchFamily="2" charset="2"/>
+              <a:buChar char="§"/>
+            </a:pPr>
+            <a:r>
+              <a:rPr lang="en-US" dirty="0">
+                <a:latin typeface="+mj-lt"/>
+              </a:rPr>
+              <a:t>AUC: 0.765</a:t>
+            </a:r>
+          </a:p>
+          <a:p>
+            <a:pPr marL="285750" indent="-285750">
+              <a:buFont typeface="Wingdings" panose="05000000000000000000" pitchFamily="2" charset="2"/>
+              <a:buChar char="§"/>
+            </a:pPr>
+            <a:r>
+              <a:rPr lang="en-US" dirty="0">
+                <a:latin typeface="+mj-lt"/>
+              </a:rPr>
+              <a:t>WA: 0.713</a:t>
+            </a:r>
+          </a:p>
+        </p:txBody>
+      </p:sp>
+      <p:sp>
+        <p:nvSpPr>
+          <p:cNvPr id="15" name="Textfeld 14">
+            <a:extLst>
+              <a:ext uri="{FF2B5EF4-FFF2-40B4-BE49-F238E27FC236}">
+                <a16:creationId xmlns:a16="http://schemas.microsoft.com/office/drawing/2014/main" id="{794E9988-0270-449F-9B2B-BFBA15F735D2}"/>
+              </a:ext>
+            </a:extLst>
+          </p:cNvPr>
+          <p:cNvSpPr txBox="1"/>
+          <p:nvPr/>
+        </p:nvSpPr>
+        <p:spPr>
+          <a:xfrm>
+            <a:off x="8941242" y="3291840"/>
+            <a:ext cx="3212327" cy="3139321"/>
+          </a:xfrm>
+          <a:prstGeom prst="rect">
+            <a:avLst/>
+          </a:prstGeom>
+          <a:noFill/>
+        </p:spPr>
+        <p:txBody>
+          <a:bodyPr wrap="square" rtlCol="0">
+            <a:spAutoFit/>
+          </a:bodyPr>
+          <a:lstStyle/>
+          <a:p>
+            <a:pPr marL="285750" indent="-285750">
+              <a:buFont typeface="Wingdings" panose="05000000000000000000" pitchFamily="2" charset="2"/>
+              <a:buChar char="§"/>
+            </a:pPr>
+            <a:r>
+              <a:rPr lang="en-US" dirty="0" err="1">
+                <a:latin typeface="+mj-lt"/>
+              </a:rPr>
+              <a:t>n_rounds</a:t>
+            </a:r>
+            <a:r>
+              <a:rPr lang="en-US" dirty="0">
+                <a:latin typeface="+mj-lt"/>
+              </a:rPr>
+              <a:t>: 50</a:t>
+            </a:r>
+          </a:p>
+          <a:p>
+            <a:pPr marL="285750" indent="-285750">
+              <a:buFont typeface="Wingdings" panose="05000000000000000000" pitchFamily="2" charset="2"/>
+              <a:buChar char="§"/>
+            </a:pPr>
+            <a:r>
+              <a:rPr lang="en-US" dirty="0">
+                <a:latin typeface="+mj-lt"/>
+              </a:rPr>
+              <a:t>lambda (L2): 5</a:t>
+            </a:r>
+          </a:p>
+          <a:p>
+            <a:pPr marL="285750" indent="-285750">
+              <a:buFont typeface="Wingdings" panose="05000000000000000000" pitchFamily="2" charset="2"/>
+              <a:buChar char="§"/>
+            </a:pPr>
+            <a:r>
+              <a:rPr lang="en-US" dirty="0" err="1">
+                <a:latin typeface="+mj-lt"/>
+              </a:rPr>
+              <a:t>max_depth</a:t>
+            </a:r>
+            <a:r>
+              <a:rPr lang="en-US" dirty="0">
+                <a:latin typeface="+mj-lt"/>
+              </a:rPr>
+              <a:t>: 4</a:t>
+            </a:r>
+          </a:p>
+          <a:p>
+            <a:pPr marL="285750" indent="-285750">
+              <a:buFont typeface="Wingdings" panose="05000000000000000000" pitchFamily="2" charset="2"/>
+              <a:buChar char="§"/>
+            </a:pPr>
+            <a:r>
+              <a:rPr lang="en-US" dirty="0">
+                <a:latin typeface="+mj-lt"/>
+              </a:rPr>
+              <a:t>Column- and </a:t>
+            </a:r>
+            <a:r>
+              <a:rPr lang="en-US" dirty="0" err="1">
+                <a:latin typeface="+mj-lt"/>
+              </a:rPr>
+              <a:t>rowsample</a:t>
+            </a:r>
+            <a:r>
+              <a:rPr lang="en-US" dirty="0">
+                <a:latin typeface="+mj-lt"/>
+              </a:rPr>
+              <a:t>: 0.7</a:t>
+            </a:r>
+          </a:p>
+          <a:p>
+            <a:pPr marL="285750" indent="-285750">
+              <a:buFont typeface="Wingdings" panose="05000000000000000000" pitchFamily="2" charset="2"/>
+              <a:buChar char="§"/>
+            </a:pPr>
+            <a:endParaRPr lang="en-US" dirty="0">
+              <a:latin typeface="+mj-lt"/>
+            </a:endParaRPr>
+          </a:p>
+          <a:p>
+            <a:pPr marL="285750" indent="-285750">
+              <a:buFont typeface="Wingdings" panose="05000000000000000000" pitchFamily="2" charset="2"/>
+              <a:buChar char="§"/>
+            </a:pPr>
+            <a:endParaRPr lang="en-US" dirty="0">
+              <a:latin typeface="+mj-lt"/>
+            </a:endParaRPr>
+          </a:p>
+          <a:p>
+            <a:pPr marL="285750" indent="-285750">
+              <a:buFont typeface="Wingdings" panose="05000000000000000000" pitchFamily="2" charset="2"/>
+              <a:buChar char="§"/>
+            </a:pPr>
+            <a:endParaRPr lang="en-US" dirty="0">
+              <a:latin typeface="+mj-lt"/>
+            </a:endParaRPr>
+          </a:p>
+          <a:p>
+            <a:pPr marL="285750" indent="-285750">
+              <a:buFont typeface="Wingdings" panose="05000000000000000000" pitchFamily="2" charset="2"/>
+              <a:buChar char="§"/>
+            </a:pPr>
+            <a:endParaRPr lang="en-US" dirty="0">
+              <a:latin typeface="+mj-lt"/>
+            </a:endParaRPr>
+          </a:p>
+          <a:p>
+            <a:pPr marL="285750" indent="-285750">
+              <a:buFont typeface="Wingdings" panose="05000000000000000000" pitchFamily="2" charset="2"/>
+              <a:buChar char="§"/>
+            </a:pPr>
+            <a:endParaRPr lang="en-US" dirty="0">
+              <a:latin typeface="+mj-lt"/>
+            </a:endParaRPr>
+          </a:p>
+          <a:p>
+            <a:pPr marL="285750" indent="-285750">
+              <a:buFont typeface="Wingdings" panose="05000000000000000000" pitchFamily="2" charset="2"/>
+              <a:buChar char="§"/>
+            </a:pPr>
+            <a:r>
+              <a:rPr lang="en-US" dirty="0">
+                <a:latin typeface="+mj-lt"/>
+              </a:rPr>
+              <a:t>AUC: 0.952</a:t>
+            </a:r>
+          </a:p>
+          <a:p>
+            <a:pPr marL="285750" indent="-285750">
+              <a:buFont typeface="Wingdings" panose="05000000000000000000" pitchFamily="2" charset="2"/>
+              <a:buChar char="§"/>
+            </a:pPr>
+            <a:r>
+              <a:rPr lang="en-US" dirty="0">
+                <a:latin typeface="+mj-lt"/>
+              </a:rPr>
+              <a:t>WA: 0.881</a:t>
+            </a:r>
+          </a:p>
+        </p:txBody>
+      </p:sp>
     </p:spTree>
     <p:extLst>
       <p:ext uri="{BB962C8B-B14F-4D97-AF65-F5344CB8AC3E}">
-        <p14:creationId xmlns:p14="http://schemas.microsoft.com/office/powerpoint/2010/main" val="558116886"/>
+        <p14:creationId xmlns:p14="http://schemas.microsoft.com/office/powerpoint/2010/main" val="718892958"/>
       </p:ext>
     </p:extLst>
   </p:cSld>
@@ -8569,50 +11769,6 @@
       </p:sp>
       <p:sp>
         <p:nvSpPr>
-          <p:cNvPr id="5" name="Inhaltsplatzhalter 4">
-            <a:extLst>
-              <a:ext uri="{FF2B5EF4-FFF2-40B4-BE49-F238E27FC236}">
-                <a16:creationId xmlns:a16="http://schemas.microsoft.com/office/drawing/2014/main" id="{0F615D91-DCC0-42C6-85C6-0960A564BE37}"/>
-              </a:ext>
-            </a:extLst>
-          </p:cNvPr>
-          <p:cNvSpPr>
-            <a:spLocks noGrp="1"/>
-          </p:cNvSpPr>
-          <p:nvPr>
-            <p:ph idx="1"/>
-          </p:nvPr>
-        </p:nvSpPr>
-        <p:spPr>
-          <a:xfrm>
-            <a:off x="838200" y="4185563"/>
-            <a:ext cx="7329407" cy="894328"/>
-          </a:xfrm>
-        </p:spPr>
-        <p:txBody>
-          <a:bodyPr/>
-          <a:lstStyle/>
-          <a:p>
-            <a:pPr marL="0" indent="0">
-              <a:buNone/>
-            </a:pPr>
-            <a:r>
-              <a:rPr lang="de-DE" dirty="0"/>
-              <a:t>Hier Feature </a:t>
-            </a:r>
-            <a:r>
-              <a:rPr lang="de-DE" dirty="0" err="1"/>
-              <a:t>Selection</a:t>
-            </a:r>
-            <a:r>
-              <a:rPr lang="de-DE" dirty="0"/>
-              <a:t> darstellen</a:t>
-            </a:r>
-          </a:p>
-        </p:txBody>
-      </p:sp>
-      <p:sp>
-        <p:nvSpPr>
           <p:cNvPr id="6" name="Titel 3">
             <a:extLst>
               <a:ext uri="{FF2B5EF4-FFF2-40B4-BE49-F238E27FC236}">
@@ -8766,10 +11922,169 @@
       </p:sp>
       <p:sp>
         <p:nvSpPr>
-          <p:cNvPr id="9" name="Titel 3">
-            <a:extLst>
-              <a:ext uri="{FF2B5EF4-FFF2-40B4-BE49-F238E27FC236}">
-                <a16:creationId xmlns:a16="http://schemas.microsoft.com/office/drawing/2014/main" id="{AF35CB24-B4F2-4A70-85CA-8FFC67F899AD}"/>
+          <p:cNvPr id="23" name="Textfeld 22">
+            <a:extLst>
+              <a:ext uri="{FF2B5EF4-FFF2-40B4-BE49-F238E27FC236}">
+                <a16:creationId xmlns:a16="http://schemas.microsoft.com/office/drawing/2014/main" id="{867F5E80-7589-4D74-9BF9-5F7E6B9C89FC}"/>
+              </a:ext>
+            </a:extLst>
+          </p:cNvPr>
+          <p:cNvSpPr txBox="1"/>
+          <p:nvPr/>
+        </p:nvSpPr>
+        <p:spPr>
+          <a:xfrm>
+            <a:off x="838200" y="1376441"/>
+            <a:ext cx="4710193" cy="400110"/>
+          </a:xfrm>
+          <a:prstGeom prst="rect">
+            <a:avLst/>
+          </a:prstGeom>
+          <a:noFill/>
+        </p:spPr>
+        <p:txBody>
+          <a:bodyPr wrap="square" rtlCol="0">
+            <a:spAutoFit/>
+          </a:bodyPr>
+          <a:lstStyle/>
+          <a:p>
+            <a:r>
+              <a:rPr lang="de-DE" sz="2000" dirty="0">
+                <a:latin typeface="+mj-lt"/>
+              </a:rPr>
+              <a:t>Evaluation</a:t>
+            </a:r>
+          </a:p>
+        </p:txBody>
+      </p:sp>
+      <p:cxnSp>
+        <p:nvCxnSpPr>
+          <p:cNvPr id="24" name="Gerader Verbinder 23">
+            <a:extLst>
+              <a:ext uri="{FF2B5EF4-FFF2-40B4-BE49-F238E27FC236}">
+                <a16:creationId xmlns:a16="http://schemas.microsoft.com/office/drawing/2014/main" id="{39B66F71-6090-4180-8C59-B2E92800B3D4}"/>
+              </a:ext>
+            </a:extLst>
+          </p:cNvPr>
+          <p:cNvCxnSpPr>
+            <a:cxnSpLocks/>
+          </p:cNvCxnSpPr>
+          <p:nvPr/>
+        </p:nvCxnSpPr>
+        <p:spPr>
+          <a:xfrm flipV="1">
+            <a:off x="906651" y="1708689"/>
+            <a:ext cx="4641742" cy="20995"/>
+          </a:xfrm>
+          <a:prstGeom prst="line">
+            <a:avLst/>
+          </a:prstGeom>
+        </p:spPr>
+        <p:style>
+          <a:lnRef idx="1">
+            <a:schemeClr val="dk1"/>
+          </a:lnRef>
+          <a:fillRef idx="0">
+            <a:schemeClr val="dk1"/>
+          </a:fillRef>
+          <a:effectRef idx="0">
+            <a:schemeClr val="dk1"/>
+          </a:effectRef>
+          <a:fontRef idx="minor">
+            <a:schemeClr val="tx1"/>
+          </a:fontRef>
+        </p:style>
+      </p:cxnSp>
+      <p:sp>
+        <p:nvSpPr>
+          <p:cNvPr id="26" name="Textfeld 25">
+            <a:extLst>
+              <a:ext uri="{FF2B5EF4-FFF2-40B4-BE49-F238E27FC236}">
+                <a16:creationId xmlns:a16="http://schemas.microsoft.com/office/drawing/2014/main" id="{A316B726-C55D-49D0-B0EF-6CBFBD6D2BC6}"/>
+              </a:ext>
+            </a:extLst>
+          </p:cNvPr>
+          <p:cNvSpPr txBox="1"/>
+          <p:nvPr/>
+        </p:nvSpPr>
+        <p:spPr>
+          <a:xfrm>
+            <a:off x="6235659" y="1373656"/>
+            <a:ext cx="4710193" cy="400110"/>
+          </a:xfrm>
+          <a:prstGeom prst="rect">
+            <a:avLst/>
+          </a:prstGeom>
+          <a:noFill/>
+        </p:spPr>
+        <p:txBody>
+          <a:bodyPr wrap="square" rtlCol="0">
+            <a:spAutoFit/>
+          </a:bodyPr>
+          <a:lstStyle/>
+          <a:p>
+            <a:r>
+              <a:rPr lang="de-DE" sz="2000" dirty="0">
+                <a:latin typeface="+mj-lt"/>
+              </a:rPr>
+              <a:t>Feature </a:t>
+            </a:r>
+            <a:r>
+              <a:rPr lang="de-DE" sz="2000" dirty="0" err="1">
+                <a:latin typeface="+mj-lt"/>
+              </a:rPr>
+              <a:t>Importance</a:t>
+            </a:r>
+            <a:endParaRPr lang="de-DE" sz="2000" dirty="0">
+              <a:latin typeface="+mj-lt"/>
+            </a:endParaRPr>
+          </a:p>
+        </p:txBody>
+      </p:sp>
+      <p:cxnSp>
+        <p:nvCxnSpPr>
+          <p:cNvPr id="27" name="Gerader Verbinder 26">
+            <a:extLst>
+              <a:ext uri="{FF2B5EF4-FFF2-40B4-BE49-F238E27FC236}">
+                <a16:creationId xmlns:a16="http://schemas.microsoft.com/office/drawing/2014/main" id="{ED0905CA-9F4B-4205-AA2D-2B388D6D9DFB}"/>
+              </a:ext>
+            </a:extLst>
+          </p:cNvPr>
+          <p:cNvCxnSpPr>
+            <a:cxnSpLocks/>
+          </p:cNvCxnSpPr>
+          <p:nvPr/>
+        </p:nvCxnSpPr>
+        <p:spPr>
+          <a:xfrm flipV="1">
+            <a:off x="6304110" y="1705904"/>
+            <a:ext cx="4641742" cy="20995"/>
+          </a:xfrm>
+          <a:prstGeom prst="line">
+            <a:avLst/>
+          </a:prstGeom>
+        </p:spPr>
+        <p:style>
+          <a:lnRef idx="1">
+            <a:schemeClr val="dk1"/>
+          </a:lnRef>
+          <a:fillRef idx="0">
+            <a:schemeClr val="dk1"/>
+          </a:fillRef>
+          <a:effectRef idx="0">
+            <a:schemeClr val="dk1"/>
+          </a:effectRef>
+          <a:fontRef idx="minor">
+            <a:schemeClr val="tx1"/>
+          </a:fontRef>
+        </p:style>
+      </p:cxnSp>
+      <p:sp>
+        <p:nvSpPr>
+          <p:cNvPr id="11" name="Titel 3">
+            <a:extLst>
+              <a:ext uri="{FF2B5EF4-FFF2-40B4-BE49-F238E27FC236}">
+                <a16:creationId xmlns:a16="http://schemas.microsoft.com/office/drawing/2014/main" id="{24547740-50EC-45B4-9FD8-189A94821357}"/>
               </a:ext>
             </a:extLst>
           </p:cNvPr>
@@ -8780,8 +12095,8 @@
         </p:nvSpPr>
         <p:spPr>
           <a:xfrm>
-            <a:off x="838200" y="852637"/>
-            <a:ext cx="10515600" cy="646140"/>
+            <a:off x="789122" y="778791"/>
+            <a:ext cx="10515600" cy="400694"/>
           </a:xfrm>
           <a:prstGeom prst="rect">
             <a:avLst/>
@@ -8789,7 +12104,7 @@
         </p:spPr>
         <p:txBody>
           <a:bodyPr vert="horz" lIns="91440" tIns="45720" rIns="91440" bIns="45720" rtlCol="0" anchor="ctr">
-            <a:normAutofit fontScale="97500"/>
+            <a:normAutofit fontScale="52500" lnSpcReduction="20000"/>
           </a:bodyPr>
           <a:lstStyle>
             <a:lvl1pPr algn="l" defTabSz="914400" rtl="0" eaLnBrk="1" latinLnBrk="0" hangingPunct="1">
@@ -8812,212 +12127,374 @@
           </a:lstStyle>
           <a:p>
             <a:r>
-              <a:rPr lang="de-DE" sz="3700" dirty="0" err="1"/>
-              <a:t>summary</a:t>
+              <a:rPr lang="de-DE" dirty="0" err="1"/>
+              <a:t>There</a:t>
+            </a:r>
+            <a:r>
+              <a:rPr lang="de-DE" dirty="0"/>
+              <a:t> </a:t>
+            </a:r>
+            <a:r>
+              <a:rPr lang="de-DE" dirty="0" err="1"/>
+              <a:t>are</a:t>
+            </a:r>
+            <a:r>
+              <a:rPr lang="de-DE" dirty="0"/>
+              <a:t> </a:t>
+            </a:r>
+            <a:r>
+              <a:rPr lang="de-DE" dirty="0" err="1"/>
+              <a:t>some</a:t>
+            </a:r>
+            <a:r>
+              <a:rPr lang="de-DE" dirty="0"/>
+              <a:t> </a:t>
+            </a:r>
+            <a:r>
+              <a:rPr lang="de-DE" dirty="0" err="1"/>
+              <a:t>single</a:t>
+            </a:r>
+            <a:r>
+              <a:rPr lang="de-DE" dirty="0"/>
+              <a:t> Features </a:t>
+            </a:r>
+            <a:r>
+              <a:rPr lang="de-DE" dirty="0" err="1"/>
+              <a:t>that</a:t>
+            </a:r>
+            <a:r>
+              <a:rPr lang="de-DE" dirty="0"/>
+              <a:t> </a:t>
+            </a:r>
+            <a:r>
+              <a:rPr lang="de-DE" dirty="0" err="1"/>
+              <a:t>have</a:t>
+            </a:r>
+            <a:r>
+              <a:rPr lang="de-DE" dirty="0"/>
+              <a:t> a strong </a:t>
+            </a:r>
+            <a:r>
+              <a:rPr lang="de-DE" dirty="0" err="1"/>
+              <a:t>impact</a:t>
+            </a:r>
+            <a:r>
+              <a:rPr lang="de-DE" dirty="0"/>
+              <a:t> on </a:t>
+            </a:r>
+            <a:r>
+              <a:rPr lang="de-DE" dirty="0" err="1"/>
+              <a:t>the</a:t>
+            </a:r>
+            <a:r>
+              <a:rPr lang="de-DE" dirty="0"/>
+              <a:t> </a:t>
+            </a:r>
+            <a:r>
+              <a:rPr lang="de-DE" dirty="0" err="1"/>
+              <a:t>model</a:t>
+            </a:r>
+            <a:r>
+              <a:rPr lang="de-DE" dirty="0"/>
+              <a:t> </a:t>
+            </a:r>
+            <a:r>
+              <a:rPr lang="de-DE" dirty="0" err="1"/>
+              <a:t>performance</a:t>
             </a:r>
             <a:endParaRPr lang="de-DE" dirty="0"/>
           </a:p>
         </p:txBody>
       </p:sp>
-      <p:sp>
-        <p:nvSpPr>
-          <p:cNvPr id="10" name="Inhaltsplatzhalter 4">
-            <a:extLst>
-              <a:ext uri="{FF2B5EF4-FFF2-40B4-BE49-F238E27FC236}">
-                <a16:creationId xmlns:a16="http://schemas.microsoft.com/office/drawing/2014/main" id="{BD982A2F-6CC1-46FB-95F6-8EA7E2FB6D68}"/>
-              </a:ext>
-            </a:extLst>
-          </p:cNvPr>
-          <p:cNvSpPr txBox="1">
-            <a:spLocks/>
-          </p:cNvSpPr>
+      <p:pic>
+        <p:nvPicPr>
+          <p:cNvPr id="3" name="Grafik 2">
+            <a:extLst>
+              <a:ext uri="{FF2B5EF4-FFF2-40B4-BE49-F238E27FC236}">
+                <a16:creationId xmlns:a16="http://schemas.microsoft.com/office/drawing/2014/main" id="{6658C9B9-F262-4F1B-9465-E88FB92CD2F6}"/>
+              </a:ext>
+            </a:extLst>
+          </p:cNvPr>
+          <p:cNvPicPr>
+            <a:picLocks noChangeAspect="1"/>
+          </p:cNvPicPr>
           <p:nvPr/>
-        </p:nvSpPr>
+        </p:nvPicPr>
+        <p:blipFill>
+          <a:blip r:embed="rId2">
+            <a:extLst>
+              <a:ext uri="{28A0092B-C50C-407E-A947-70E740481C1C}">
+                <a14:useLocalDpi xmlns:a14="http://schemas.microsoft.com/office/drawing/2010/main" val="0"/>
+              </a:ext>
+            </a:extLst>
+          </a:blip>
+          <a:stretch>
+            <a:fillRect/>
+          </a:stretch>
+        </p:blipFill>
         <p:spPr>
           <a:xfrm>
-            <a:off x="789122" y="2357733"/>
-            <a:ext cx="7329407" cy="894328"/>
+            <a:off x="657925" y="1635807"/>
+            <a:ext cx="4995981" cy="3211702"/>
           </a:xfrm>
           <a:prstGeom prst="rect">
             <a:avLst/>
           </a:prstGeom>
         </p:spPr>
-        <p:txBody>
-          <a:bodyPr vert="horz" lIns="91440" tIns="45720" rIns="91440" bIns="45720" rtlCol="0">
-            <a:normAutofit/>
+      </p:pic>
+      <p:pic>
+        <p:nvPicPr>
+          <p:cNvPr id="13" name="Grafik 12">
+            <a:extLst>
+              <a:ext uri="{FF2B5EF4-FFF2-40B4-BE49-F238E27FC236}">
+                <a16:creationId xmlns:a16="http://schemas.microsoft.com/office/drawing/2014/main" id="{31B20A95-2B86-4892-8E70-73C0055AC19D}"/>
+              </a:ext>
+            </a:extLst>
+          </p:cNvPr>
+          <p:cNvPicPr>
+            <a:picLocks noChangeAspect="1"/>
+          </p:cNvPicPr>
+          <p:nvPr/>
+        </p:nvPicPr>
+        <p:blipFill>
+          <a:blip r:embed="rId3">
+            <a:extLst>
+              <a:ext uri="{28A0092B-C50C-407E-A947-70E740481C1C}">
+                <a14:useLocalDpi xmlns:a14="http://schemas.microsoft.com/office/drawing/2010/main" val="0"/>
+              </a:ext>
+            </a:extLst>
+          </a:blip>
+          <a:stretch>
+            <a:fillRect/>
+          </a:stretch>
+        </p:blipFill>
+        <p:spPr>
+          <a:xfrm>
+            <a:off x="8461513" y="1635807"/>
+            <a:ext cx="3513151" cy="2654270"/>
+          </a:xfrm>
+          <a:prstGeom prst="rect">
+            <a:avLst/>
+          </a:prstGeom>
+        </p:spPr>
+      </p:pic>
+      <p:pic>
+        <p:nvPicPr>
+          <p:cNvPr id="15" name="Grafik 14">
+            <a:extLst>
+              <a:ext uri="{FF2B5EF4-FFF2-40B4-BE49-F238E27FC236}">
+                <a16:creationId xmlns:a16="http://schemas.microsoft.com/office/drawing/2014/main" id="{FB3AE1B0-8B62-42E2-B14A-B91890B7EB43}"/>
+              </a:ext>
+            </a:extLst>
+          </p:cNvPr>
+          <p:cNvPicPr>
+            <a:picLocks noChangeAspect="1"/>
+          </p:cNvPicPr>
+          <p:nvPr/>
+        </p:nvPicPr>
+        <p:blipFill>
+          <a:blip r:embed="rId4">
+            <a:extLst>
+              <a:ext uri="{28A0092B-C50C-407E-A947-70E740481C1C}">
+                <a14:useLocalDpi xmlns:a14="http://schemas.microsoft.com/office/drawing/2010/main" val="0"/>
+              </a:ext>
+            </a:extLst>
+          </a:blip>
+          <a:stretch>
+            <a:fillRect/>
+          </a:stretch>
+        </p:blipFill>
+        <p:spPr>
+          <a:xfrm>
+            <a:off x="5782549" y="1837589"/>
+            <a:ext cx="3200526" cy="2475922"/>
+          </a:xfrm>
+          <a:prstGeom prst="rect">
+            <a:avLst/>
+          </a:prstGeom>
+        </p:spPr>
+      </p:pic>
+      <p:pic>
+        <p:nvPicPr>
+          <p:cNvPr id="17" name="Grafik 16">
+            <a:extLst>
+              <a:ext uri="{FF2B5EF4-FFF2-40B4-BE49-F238E27FC236}">
+                <a16:creationId xmlns:a16="http://schemas.microsoft.com/office/drawing/2014/main" id="{C55EDE26-3910-4568-9E2C-109ACD333A5A}"/>
+              </a:ext>
+            </a:extLst>
+          </p:cNvPr>
+          <p:cNvPicPr>
+            <a:picLocks noChangeAspect="1"/>
+          </p:cNvPicPr>
+          <p:nvPr/>
+        </p:nvPicPr>
+        <p:blipFill>
+          <a:blip r:embed="rId5">
+            <a:extLst>
+              <a:ext uri="{28A0092B-C50C-407E-A947-70E740481C1C}">
+                <a14:useLocalDpi xmlns:a14="http://schemas.microsoft.com/office/drawing/2010/main" val="0"/>
+              </a:ext>
+            </a:extLst>
+          </a:blip>
+          <a:stretch>
+            <a:fillRect/>
+          </a:stretch>
+        </p:blipFill>
+        <p:spPr>
+          <a:xfrm>
+            <a:off x="245144" y="5417702"/>
+            <a:ext cx="1323014" cy="1323014"/>
+          </a:xfrm>
+          <a:prstGeom prst="rect">
+            <a:avLst/>
+          </a:prstGeom>
+        </p:spPr>
+      </p:pic>
+      <p:sp>
+        <p:nvSpPr>
+          <p:cNvPr id="19" name="Textfeld 18">
+            <a:extLst>
+              <a:ext uri="{FF2B5EF4-FFF2-40B4-BE49-F238E27FC236}">
+                <a16:creationId xmlns:a16="http://schemas.microsoft.com/office/drawing/2014/main" id="{5626268A-14A1-433A-88F2-BBD4479D5C80}"/>
+              </a:ext>
+            </a:extLst>
+          </p:cNvPr>
+          <p:cNvSpPr txBox="1"/>
+          <p:nvPr/>
+        </p:nvSpPr>
+        <p:spPr>
+          <a:xfrm>
+            <a:off x="612452" y="4657109"/>
+            <a:ext cx="4050988" cy="861774"/>
+          </a:xfrm>
+          <a:prstGeom prst="rect">
+            <a:avLst/>
+          </a:prstGeom>
+          <a:noFill/>
+        </p:spPr>
+        <p:txBody>
+          <a:bodyPr wrap="square" rtlCol="0">
+            <a:spAutoFit/>
           </a:bodyPr>
-          <a:lstStyle>
-            <a:lvl1pPr marL="228600" indent="-228600" algn="l" defTabSz="914400" rtl="0" eaLnBrk="1" latinLnBrk="0" hangingPunct="1">
-              <a:lnSpc>
-                <a:spcPct val="90000"/>
-              </a:lnSpc>
-              <a:spcBef>
-                <a:spcPts val="1000"/>
-              </a:spcBef>
+          <a:lstStyle/>
+          <a:p>
+            <a:pPr marL="285750" indent="-285750">
               <a:buFont typeface="Arial" panose="020B0604020202020204" pitchFamily="34" charset="0"/>
               <a:buChar char="•"/>
-              <a:defRPr sz="2800" kern="1200">
-                <a:solidFill>
-                  <a:schemeClr val="tx1"/>
-                </a:solidFill>
-                <a:latin typeface="+mn-lt"/>
-                <a:ea typeface="+mn-ea"/>
-                <a:cs typeface="+mn-cs"/>
-              </a:defRPr>
-            </a:lvl1pPr>
-            <a:lvl2pPr marL="685800" indent="-228600" algn="l" defTabSz="914400" rtl="0" eaLnBrk="1" latinLnBrk="0" hangingPunct="1">
-              <a:lnSpc>
-                <a:spcPct val="90000"/>
-              </a:lnSpc>
-              <a:spcBef>
-                <a:spcPts val="500"/>
-              </a:spcBef>
+            </a:pPr>
+            <a:r>
+              <a:rPr lang="en-US" sz="1600" dirty="0" err="1">
+                <a:latin typeface="+mj-lt"/>
+              </a:rPr>
+              <a:t>XGBoost</a:t>
+            </a:r>
+            <a:r>
+              <a:rPr lang="en-US" sz="1600" dirty="0">
+                <a:latin typeface="+mj-lt"/>
+              </a:rPr>
+              <a:t> outperforms Logistic Regression by more than 20%</a:t>
+            </a:r>
+          </a:p>
+          <a:p>
+            <a:pPr marL="285750" indent="-285750">
               <a:buFont typeface="Arial" panose="020B0604020202020204" pitchFamily="34" charset="0"/>
               <a:buChar char="•"/>
-              <a:defRPr sz="2400" kern="1200">
-                <a:solidFill>
-                  <a:schemeClr val="tx1"/>
-                </a:solidFill>
-                <a:latin typeface="+mn-lt"/>
-                <a:ea typeface="+mn-ea"/>
-                <a:cs typeface="+mn-cs"/>
-              </a:defRPr>
-            </a:lvl2pPr>
-            <a:lvl3pPr marL="1143000" indent="-228600" algn="l" defTabSz="914400" rtl="0" eaLnBrk="1" latinLnBrk="0" hangingPunct="1">
-              <a:lnSpc>
-                <a:spcPct val="90000"/>
-              </a:lnSpc>
-              <a:spcBef>
-                <a:spcPts val="500"/>
-              </a:spcBef>
-              <a:buFont typeface="Arial" panose="020B0604020202020204" pitchFamily="34" charset="0"/>
-              <a:buChar char="•"/>
-              <a:defRPr sz="2000" kern="1200">
-                <a:solidFill>
-                  <a:schemeClr val="tx1"/>
-                </a:solidFill>
-                <a:latin typeface="+mn-lt"/>
-                <a:ea typeface="+mn-ea"/>
-                <a:cs typeface="+mn-cs"/>
-              </a:defRPr>
-            </a:lvl3pPr>
-            <a:lvl4pPr marL="1600200" indent="-228600" algn="l" defTabSz="914400" rtl="0" eaLnBrk="1" latinLnBrk="0" hangingPunct="1">
-              <a:lnSpc>
-                <a:spcPct val="90000"/>
-              </a:lnSpc>
-              <a:spcBef>
-                <a:spcPts val="500"/>
-              </a:spcBef>
-              <a:buFont typeface="Arial" panose="020B0604020202020204" pitchFamily="34" charset="0"/>
-              <a:buChar char="•"/>
-              <a:defRPr sz="1800" kern="1200">
-                <a:solidFill>
-                  <a:schemeClr val="tx1"/>
-                </a:solidFill>
-                <a:latin typeface="+mn-lt"/>
-                <a:ea typeface="+mn-ea"/>
-                <a:cs typeface="+mn-cs"/>
-              </a:defRPr>
-            </a:lvl4pPr>
-            <a:lvl5pPr marL="2057400" indent="-228600" algn="l" defTabSz="914400" rtl="0" eaLnBrk="1" latinLnBrk="0" hangingPunct="1">
-              <a:lnSpc>
-                <a:spcPct val="90000"/>
-              </a:lnSpc>
-              <a:spcBef>
-                <a:spcPts val="500"/>
-              </a:spcBef>
-              <a:buFont typeface="Arial" panose="020B0604020202020204" pitchFamily="34" charset="0"/>
-              <a:buChar char="•"/>
-              <a:defRPr sz="1800" kern="1200">
-                <a:solidFill>
-                  <a:schemeClr val="tx1"/>
-                </a:solidFill>
-                <a:latin typeface="+mn-lt"/>
-                <a:ea typeface="+mn-ea"/>
-                <a:cs typeface="+mn-cs"/>
-              </a:defRPr>
-            </a:lvl5pPr>
-            <a:lvl6pPr marL="2514600" indent="-228600" algn="l" defTabSz="914400" rtl="0" eaLnBrk="1" latinLnBrk="0" hangingPunct="1">
-              <a:lnSpc>
-                <a:spcPct val="90000"/>
-              </a:lnSpc>
-              <a:spcBef>
-                <a:spcPts val="500"/>
-              </a:spcBef>
-              <a:buFont typeface="Arial" panose="020B0604020202020204" pitchFamily="34" charset="0"/>
-              <a:buChar char="•"/>
-              <a:defRPr sz="1800" kern="1200">
-                <a:solidFill>
-                  <a:schemeClr val="tx1"/>
-                </a:solidFill>
-                <a:latin typeface="+mn-lt"/>
-                <a:ea typeface="+mn-ea"/>
-                <a:cs typeface="+mn-cs"/>
-              </a:defRPr>
-            </a:lvl6pPr>
-            <a:lvl7pPr marL="2971800" indent="-228600" algn="l" defTabSz="914400" rtl="0" eaLnBrk="1" latinLnBrk="0" hangingPunct="1">
-              <a:lnSpc>
-                <a:spcPct val="90000"/>
-              </a:lnSpc>
-              <a:spcBef>
-                <a:spcPts val="500"/>
-              </a:spcBef>
-              <a:buFont typeface="Arial" panose="020B0604020202020204" pitchFamily="34" charset="0"/>
-              <a:buChar char="•"/>
-              <a:defRPr sz="1800" kern="1200">
-                <a:solidFill>
-                  <a:schemeClr val="tx1"/>
-                </a:solidFill>
-                <a:latin typeface="+mn-lt"/>
-                <a:ea typeface="+mn-ea"/>
-                <a:cs typeface="+mn-cs"/>
-              </a:defRPr>
-            </a:lvl7pPr>
-            <a:lvl8pPr marL="3429000" indent="-228600" algn="l" defTabSz="914400" rtl="0" eaLnBrk="1" latinLnBrk="0" hangingPunct="1">
-              <a:lnSpc>
-                <a:spcPct val="90000"/>
-              </a:lnSpc>
-              <a:spcBef>
-                <a:spcPts val="500"/>
-              </a:spcBef>
-              <a:buFont typeface="Arial" panose="020B0604020202020204" pitchFamily="34" charset="0"/>
-              <a:buChar char="•"/>
-              <a:defRPr sz="1800" kern="1200">
-                <a:solidFill>
-                  <a:schemeClr val="tx1"/>
-                </a:solidFill>
-                <a:latin typeface="+mn-lt"/>
-                <a:ea typeface="+mn-ea"/>
-                <a:cs typeface="+mn-cs"/>
-              </a:defRPr>
-            </a:lvl8pPr>
-            <a:lvl9pPr marL="3886200" indent="-228600" algn="l" defTabSz="914400" rtl="0" eaLnBrk="1" latinLnBrk="0" hangingPunct="1">
-              <a:lnSpc>
-                <a:spcPct val="90000"/>
-              </a:lnSpc>
-              <a:spcBef>
-                <a:spcPts val="500"/>
-              </a:spcBef>
-              <a:buFont typeface="Arial" panose="020B0604020202020204" pitchFamily="34" charset="0"/>
-              <a:buChar char="•"/>
-              <a:defRPr sz="1800" kern="1200">
-                <a:solidFill>
-                  <a:schemeClr val="tx1"/>
-                </a:solidFill>
-                <a:latin typeface="+mn-lt"/>
-                <a:ea typeface="+mn-ea"/>
-                <a:cs typeface="+mn-cs"/>
-              </a:defRPr>
-            </a:lvl9pPr>
-          </a:lstStyle>
-          <a:p>
-            <a:pPr marL="0" indent="0">
-              <a:buFont typeface="Arial" panose="020B0604020202020204" pitchFamily="34" charset="0"/>
-              <a:buNone/>
             </a:pPr>
             <a:r>
-              <a:rPr lang="de-DE" dirty="0"/>
-              <a:t>Hier CV Framework darstellen</a:t>
+              <a:rPr lang="en-US" sz="1600" dirty="0">
+                <a:latin typeface="+mj-lt"/>
+              </a:rPr>
+              <a:t>Both have a similar pattern </a:t>
+            </a:r>
+          </a:p>
+        </p:txBody>
+      </p:sp>
+      <p:sp>
+        <p:nvSpPr>
+          <p:cNvPr id="20" name="Textfeld 19">
+            <a:extLst>
+              <a:ext uri="{FF2B5EF4-FFF2-40B4-BE49-F238E27FC236}">
+                <a16:creationId xmlns:a16="http://schemas.microsoft.com/office/drawing/2014/main" id="{3838DC0E-B2BD-4757-9C02-7C20E2E4B82C}"/>
+              </a:ext>
+            </a:extLst>
+          </p:cNvPr>
+          <p:cNvSpPr txBox="1"/>
+          <p:nvPr/>
+        </p:nvSpPr>
+        <p:spPr>
+          <a:xfrm>
+            <a:off x="5992171" y="4579351"/>
+            <a:ext cx="5477586" cy="1077218"/>
+          </a:xfrm>
+          <a:prstGeom prst="rect">
+            <a:avLst/>
+          </a:prstGeom>
+          <a:noFill/>
+        </p:spPr>
+        <p:txBody>
+          <a:bodyPr wrap="square" rtlCol="0">
+            <a:spAutoFit/>
+          </a:bodyPr>
+          <a:lstStyle/>
+          <a:p>
+            <a:pPr marL="285750" indent="-285750">
+              <a:buFont typeface="Wingdings" panose="05000000000000000000" pitchFamily="2" charset="2"/>
+              <a:buChar char="§"/>
+            </a:pPr>
+            <a:r>
+              <a:rPr lang="en-US" sz="1600" dirty="0">
+                <a:latin typeface="+mj-lt"/>
+              </a:rPr>
+              <a:t>Most of the information is covered by a small amount of features</a:t>
+            </a:r>
+          </a:p>
+          <a:p>
+            <a:pPr marL="285750" indent="-285750">
+              <a:buFont typeface="Wingdings" panose="05000000000000000000" pitchFamily="2" charset="2"/>
+              <a:buChar char="§"/>
+            </a:pPr>
+            <a:r>
+              <a:rPr lang="en-US" sz="1600" dirty="0">
+                <a:latin typeface="+mj-lt"/>
+              </a:rPr>
+              <a:t>Important features for Year 1 differ from the features of Year 5 (right figure)</a:t>
+            </a:r>
+          </a:p>
+        </p:txBody>
+      </p:sp>
+      <p:sp>
+        <p:nvSpPr>
+          <p:cNvPr id="22" name="Textfeld 21">
+            <a:extLst>
+              <a:ext uri="{FF2B5EF4-FFF2-40B4-BE49-F238E27FC236}">
+                <a16:creationId xmlns:a16="http://schemas.microsoft.com/office/drawing/2014/main" id="{3EA66F27-AA5A-443C-A1C3-E48CC12ECDE8}"/>
+              </a:ext>
+            </a:extLst>
+          </p:cNvPr>
+          <p:cNvSpPr txBox="1"/>
+          <p:nvPr/>
+        </p:nvSpPr>
+        <p:spPr>
+          <a:xfrm>
+            <a:off x="1411357" y="5839641"/>
+            <a:ext cx="9478836" cy="707886"/>
+          </a:xfrm>
+          <a:prstGeom prst="rect">
+            <a:avLst/>
+          </a:prstGeom>
+          <a:noFill/>
+        </p:spPr>
+        <p:txBody>
+          <a:bodyPr wrap="square" rtlCol="0">
+            <a:spAutoFit/>
+          </a:bodyPr>
+          <a:lstStyle/>
+          <a:p>
+            <a:r>
+              <a:rPr lang="en-US" sz="2000" dirty="0">
+                <a:latin typeface="+mj-lt"/>
+              </a:rPr>
+              <a:t>There is potential in Feature Selecting since we a small amount of variables with a high information value and a lot of values with high correlations to each other</a:t>
             </a:r>
           </a:p>
         </p:txBody>
@@ -9025,7 +12502,7 @@
     </p:spTree>
     <p:extLst>
       <p:ext uri="{BB962C8B-B14F-4D97-AF65-F5344CB8AC3E}">
-        <p14:creationId xmlns:p14="http://schemas.microsoft.com/office/powerpoint/2010/main" val="2798534179"/>
+        <p14:creationId xmlns:p14="http://schemas.microsoft.com/office/powerpoint/2010/main" val="3828669589"/>
       </p:ext>
     </p:extLst>
   </p:cSld>
@@ -9089,47 +12566,6 @@
       </p:sp>
       <p:sp>
         <p:nvSpPr>
-          <p:cNvPr id="5" name="Inhaltsplatzhalter 4">
-            <a:extLst>
-              <a:ext uri="{FF2B5EF4-FFF2-40B4-BE49-F238E27FC236}">
-                <a16:creationId xmlns:a16="http://schemas.microsoft.com/office/drawing/2014/main" id="{0F615D91-DCC0-42C6-85C6-0960A564BE37}"/>
-              </a:ext>
-            </a:extLst>
-          </p:cNvPr>
-          <p:cNvSpPr>
-            <a:spLocks noGrp="1"/>
-          </p:cNvSpPr>
-          <p:nvPr>
-            <p:ph idx="1"/>
-          </p:nvPr>
-        </p:nvSpPr>
-        <p:spPr>
-          <a:xfrm>
-            <a:off x="838200" y="4185563"/>
-            <a:ext cx="7329407" cy="894328"/>
-          </a:xfrm>
-        </p:spPr>
-        <p:txBody>
-          <a:bodyPr/>
-          <a:lstStyle/>
-          <a:p>
-            <a:pPr marL="0" indent="0">
-              <a:buNone/>
-            </a:pPr>
-            <a:r>
-              <a:rPr lang="de-DE" dirty="0"/>
-              <a:t>Hier Ergebnisse der Feature </a:t>
-            </a:r>
-            <a:r>
-              <a:rPr lang="de-DE" dirty="0" err="1"/>
-              <a:t>Selection</a:t>
-            </a:r>
-            <a:endParaRPr lang="de-DE" dirty="0"/>
-          </a:p>
-        </p:txBody>
-      </p:sp>
-      <p:sp>
-        <p:nvSpPr>
           <p:cNvPr id="6" name="Titel 3">
             <a:extLst>
               <a:ext uri="{FF2B5EF4-FFF2-40B4-BE49-F238E27FC236}">
@@ -9283,10 +12719,94 @@
       </p:sp>
       <p:sp>
         <p:nvSpPr>
-          <p:cNvPr id="9" name="Titel 3">
-            <a:extLst>
-              <a:ext uri="{FF2B5EF4-FFF2-40B4-BE49-F238E27FC236}">
-                <a16:creationId xmlns:a16="http://schemas.microsoft.com/office/drawing/2014/main" id="{AF35CB24-B4F2-4A70-85CA-8FFC67F899AD}"/>
+          <p:cNvPr id="23" name="Textfeld 22">
+            <a:extLst>
+              <a:ext uri="{FF2B5EF4-FFF2-40B4-BE49-F238E27FC236}">
+                <a16:creationId xmlns:a16="http://schemas.microsoft.com/office/drawing/2014/main" id="{867F5E80-7589-4D74-9BF9-5F7E6B9C89FC}"/>
+              </a:ext>
+            </a:extLst>
+          </p:cNvPr>
+          <p:cNvSpPr txBox="1"/>
+          <p:nvPr/>
+        </p:nvSpPr>
+        <p:spPr>
+          <a:xfrm>
+            <a:off x="838200" y="1376441"/>
+            <a:ext cx="10511624" cy="400110"/>
+          </a:xfrm>
+          <a:prstGeom prst="rect">
+            <a:avLst/>
+          </a:prstGeom>
+          <a:noFill/>
+        </p:spPr>
+        <p:txBody>
+          <a:bodyPr wrap="square" rtlCol="0">
+            <a:spAutoFit/>
+          </a:bodyPr>
+          <a:lstStyle/>
+          <a:p>
+            <a:r>
+              <a:rPr lang="de-DE" sz="2000" dirty="0">
+                <a:latin typeface="+mj-lt"/>
+              </a:rPr>
+              <a:t>Feature </a:t>
+            </a:r>
+            <a:r>
+              <a:rPr lang="de-DE" sz="2000" dirty="0" err="1">
+                <a:latin typeface="+mj-lt"/>
+              </a:rPr>
+              <a:t>Selector</a:t>
+            </a:r>
+            <a:endParaRPr lang="de-DE" sz="2000" dirty="0">
+              <a:latin typeface="+mj-lt"/>
+            </a:endParaRPr>
+          </a:p>
+        </p:txBody>
+      </p:sp>
+      <p:cxnSp>
+        <p:nvCxnSpPr>
+          <p:cNvPr id="24" name="Gerader Verbinder 23">
+            <a:extLst>
+              <a:ext uri="{FF2B5EF4-FFF2-40B4-BE49-F238E27FC236}">
+                <a16:creationId xmlns:a16="http://schemas.microsoft.com/office/drawing/2014/main" id="{39B66F71-6090-4180-8C59-B2E92800B3D4}"/>
+              </a:ext>
+            </a:extLst>
+          </p:cNvPr>
+          <p:cNvCxnSpPr>
+            <a:cxnSpLocks/>
+          </p:cNvCxnSpPr>
+          <p:nvPr/>
+        </p:nvCxnSpPr>
+        <p:spPr>
+          <a:xfrm flipV="1">
+            <a:off x="906651" y="1689652"/>
+            <a:ext cx="10492251" cy="40033"/>
+          </a:xfrm>
+          <a:prstGeom prst="line">
+            <a:avLst/>
+          </a:prstGeom>
+        </p:spPr>
+        <p:style>
+          <a:lnRef idx="1">
+            <a:schemeClr val="dk1"/>
+          </a:lnRef>
+          <a:fillRef idx="0">
+            <a:schemeClr val="dk1"/>
+          </a:fillRef>
+          <a:effectRef idx="0">
+            <a:schemeClr val="dk1"/>
+          </a:effectRef>
+          <a:fontRef idx="minor">
+            <a:schemeClr val="tx1"/>
+          </a:fontRef>
+        </p:style>
+      </p:cxnSp>
+      <p:sp>
+        <p:nvSpPr>
+          <p:cNvPr id="11" name="Titel 3">
+            <a:extLst>
+              <a:ext uri="{FF2B5EF4-FFF2-40B4-BE49-F238E27FC236}">
+                <a16:creationId xmlns:a16="http://schemas.microsoft.com/office/drawing/2014/main" id="{24547740-50EC-45B4-9FD8-189A94821357}"/>
               </a:ext>
             </a:extLst>
           </p:cNvPr>
@@ -9297,8 +12817,8 @@
         </p:nvSpPr>
         <p:spPr>
           <a:xfrm>
-            <a:off x="838200" y="852637"/>
-            <a:ext cx="10515600" cy="646140"/>
+            <a:off x="789122" y="778791"/>
+            <a:ext cx="10515600" cy="400694"/>
           </a:xfrm>
           <a:prstGeom prst="rect">
             <a:avLst/>
@@ -9306,7 +12826,7 @@
         </p:spPr>
         <p:txBody>
           <a:bodyPr vert="horz" lIns="91440" tIns="45720" rIns="91440" bIns="45720" rtlCol="0" anchor="ctr">
-            <a:normAutofit fontScale="97500"/>
+            <a:normAutofit fontScale="37500" lnSpcReduction="20000"/>
           </a:bodyPr>
           <a:lstStyle>
             <a:lvl1pPr algn="l" defTabSz="914400" rtl="0" eaLnBrk="1" latinLnBrk="0" hangingPunct="1">
@@ -9329,8 +12849,108 @@
           </a:lstStyle>
           <a:p>
             <a:r>
-              <a:rPr lang="de-DE" sz="3700" dirty="0" err="1"/>
-              <a:t>results</a:t>
+              <a:rPr lang="de-DE" dirty="0"/>
+              <a:t>The </a:t>
+            </a:r>
+            <a:r>
+              <a:rPr lang="de-DE" dirty="0" err="1"/>
+              <a:t>number</a:t>
+            </a:r>
+            <a:r>
+              <a:rPr lang="de-DE" dirty="0"/>
+              <a:t> </a:t>
+            </a:r>
+            <a:r>
+              <a:rPr lang="de-DE" dirty="0" err="1"/>
+              <a:t>of</a:t>
+            </a:r>
+            <a:r>
+              <a:rPr lang="de-DE" dirty="0"/>
+              <a:t> </a:t>
+            </a:r>
+            <a:r>
+              <a:rPr lang="de-DE" dirty="0" err="1"/>
+              <a:t>required</a:t>
+            </a:r>
+            <a:r>
+              <a:rPr lang="de-DE" dirty="0"/>
+              <a:t> </a:t>
+            </a:r>
+            <a:r>
+              <a:rPr lang="de-DE" dirty="0" err="1"/>
+              <a:t>features</a:t>
+            </a:r>
+            <a:r>
+              <a:rPr lang="de-DE" dirty="0"/>
+              <a:t> </a:t>
+            </a:r>
+            <a:r>
+              <a:rPr lang="de-DE" dirty="0" err="1"/>
+              <a:t>can</a:t>
+            </a:r>
+            <a:r>
+              <a:rPr lang="de-DE" dirty="0"/>
+              <a:t> </a:t>
+            </a:r>
+            <a:r>
+              <a:rPr lang="de-DE" dirty="0" err="1"/>
+              <a:t>be</a:t>
+            </a:r>
+            <a:r>
+              <a:rPr lang="de-DE" dirty="0"/>
+              <a:t> </a:t>
+            </a:r>
+            <a:r>
+              <a:rPr lang="de-DE" dirty="0" err="1"/>
+              <a:t>significantly</a:t>
+            </a:r>
+            <a:r>
+              <a:rPr lang="de-DE" dirty="0"/>
+              <a:t> </a:t>
+            </a:r>
+            <a:r>
+              <a:rPr lang="de-DE" dirty="0" err="1"/>
+              <a:t>reduced</a:t>
+            </a:r>
+            <a:r>
+              <a:rPr lang="de-DE" dirty="0"/>
+              <a:t> </a:t>
+            </a:r>
+            <a:r>
+              <a:rPr lang="de-DE" dirty="0" err="1"/>
+              <a:t>with</a:t>
+            </a:r>
+            <a:r>
+              <a:rPr lang="de-DE" dirty="0"/>
+              <a:t> </a:t>
+            </a:r>
+            <a:r>
+              <a:rPr lang="de-DE" dirty="0" err="1"/>
+              <a:t>only</a:t>
+            </a:r>
+            <a:r>
+              <a:rPr lang="de-DE" dirty="0"/>
+              <a:t> a </a:t>
+            </a:r>
+            <a:r>
+              <a:rPr lang="de-DE" dirty="0" err="1"/>
+              <a:t>small</a:t>
+            </a:r>
+            <a:r>
+              <a:rPr lang="de-DE" dirty="0"/>
+              <a:t> </a:t>
+            </a:r>
+            <a:r>
+              <a:rPr lang="de-DE" dirty="0" err="1"/>
+              <a:t>decrease</a:t>
+            </a:r>
+            <a:r>
+              <a:rPr lang="de-DE" dirty="0"/>
+              <a:t> in </a:t>
+            </a:r>
+            <a:r>
+              <a:rPr lang="de-DE" dirty="0" err="1"/>
+              <a:t>performance</a:t>
             </a:r>
             <a:endParaRPr lang="de-DE" dirty="0"/>
           </a:p>
@@ -9338,215 +12958,386 @@
       </p:sp>
       <p:sp>
         <p:nvSpPr>
-          <p:cNvPr id="10" name="Inhaltsplatzhalter 4">
-            <a:extLst>
-              <a:ext uri="{FF2B5EF4-FFF2-40B4-BE49-F238E27FC236}">
-                <a16:creationId xmlns:a16="http://schemas.microsoft.com/office/drawing/2014/main" id="{BD982A2F-6CC1-46FB-95F6-8EA7E2FB6D68}"/>
-              </a:ext>
-            </a:extLst>
-          </p:cNvPr>
-          <p:cNvSpPr txBox="1">
-            <a:spLocks/>
-          </p:cNvSpPr>
+          <p:cNvPr id="2" name="Textfeld 1">
+            <a:extLst>
+              <a:ext uri="{FF2B5EF4-FFF2-40B4-BE49-F238E27FC236}">
+                <a16:creationId xmlns:a16="http://schemas.microsoft.com/office/drawing/2014/main" id="{C460E302-6B9A-4E68-9C13-E667FC83C0BB}"/>
+              </a:ext>
+            </a:extLst>
+          </p:cNvPr>
+          <p:cNvSpPr txBox="1"/>
           <p:nvPr/>
         </p:nvSpPr>
         <p:spPr>
           <a:xfrm>
-            <a:off x="789122" y="2357733"/>
-            <a:ext cx="7329407" cy="894328"/>
+            <a:off x="838200" y="1875563"/>
+            <a:ext cx="4767470" cy="2154436"/>
           </a:xfrm>
           <a:prstGeom prst="rect">
             <a:avLst/>
           </a:prstGeom>
-        </p:spPr>
-        <p:txBody>
-          <a:bodyPr vert="horz" lIns="91440" tIns="45720" rIns="91440" bIns="45720" rtlCol="0">
-            <a:normAutofit/>
+          <a:noFill/>
+        </p:spPr>
+        <p:txBody>
+          <a:bodyPr wrap="square" rtlCol="0">
+            <a:spAutoFit/>
           </a:bodyPr>
-          <a:lstStyle>
-            <a:lvl1pPr marL="228600" indent="-228600" algn="l" defTabSz="914400" rtl="0" eaLnBrk="1" latinLnBrk="0" hangingPunct="1">
-              <a:lnSpc>
-                <a:spcPct val="90000"/>
-              </a:lnSpc>
-              <a:spcBef>
-                <a:spcPts val="1000"/>
-              </a:spcBef>
-              <a:buFont typeface="Arial" panose="020B0604020202020204" pitchFamily="34" charset="0"/>
-              <a:buChar char="•"/>
-              <a:defRPr sz="2800" kern="1200">
-                <a:solidFill>
-                  <a:schemeClr val="tx1"/>
-                </a:solidFill>
-                <a:latin typeface="+mn-lt"/>
-                <a:ea typeface="+mn-ea"/>
-                <a:cs typeface="+mn-cs"/>
-              </a:defRPr>
-            </a:lvl1pPr>
-            <a:lvl2pPr marL="685800" indent="-228600" algn="l" defTabSz="914400" rtl="0" eaLnBrk="1" latinLnBrk="0" hangingPunct="1">
-              <a:lnSpc>
-                <a:spcPct val="90000"/>
-              </a:lnSpc>
-              <a:spcBef>
-                <a:spcPts val="500"/>
-              </a:spcBef>
-              <a:buFont typeface="Arial" panose="020B0604020202020204" pitchFamily="34" charset="0"/>
-              <a:buChar char="•"/>
-              <a:defRPr sz="2400" kern="1200">
-                <a:solidFill>
-                  <a:schemeClr val="tx1"/>
-                </a:solidFill>
-                <a:latin typeface="+mn-lt"/>
-                <a:ea typeface="+mn-ea"/>
-                <a:cs typeface="+mn-cs"/>
-              </a:defRPr>
-            </a:lvl2pPr>
-            <a:lvl3pPr marL="1143000" indent="-228600" algn="l" defTabSz="914400" rtl="0" eaLnBrk="1" latinLnBrk="0" hangingPunct="1">
-              <a:lnSpc>
-                <a:spcPct val="90000"/>
-              </a:lnSpc>
-              <a:spcBef>
-                <a:spcPts val="500"/>
-              </a:spcBef>
-              <a:buFont typeface="Arial" panose="020B0604020202020204" pitchFamily="34" charset="0"/>
-              <a:buChar char="•"/>
-              <a:defRPr sz="2000" kern="1200">
-                <a:solidFill>
-                  <a:schemeClr val="tx1"/>
-                </a:solidFill>
-                <a:latin typeface="+mn-lt"/>
-                <a:ea typeface="+mn-ea"/>
-                <a:cs typeface="+mn-cs"/>
-              </a:defRPr>
-            </a:lvl3pPr>
-            <a:lvl4pPr marL="1600200" indent="-228600" algn="l" defTabSz="914400" rtl="0" eaLnBrk="1" latinLnBrk="0" hangingPunct="1">
-              <a:lnSpc>
-                <a:spcPct val="90000"/>
-              </a:lnSpc>
-              <a:spcBef>
-                <a:spcPts val="500"/>
-              </a:spcBef>
-              <a:buFont typeface="Arial" panose="020B0604020202020204" pitchFamily="34" charset="0"/>
-              <a:buChar char="•"/>
-              <a:defRPr sz="1800" kern="1200">
-                <a:solidFill>
-                  <a:schemeClr val="tx1"/>
-                </a:solidFill>
-                <a:latin typeface="+mn-lt"/>
-                <a:ea typeface="+mn-ea"/>
-                <a:cs typeface="+mn-cs"/>
-              </a:defRPr>
-            </a:lvl4pPr>
-            <a:lvl5pPr marL="2057400" indent="-228600" algn="l" defTabSz="914400" rtl="0" eaLnBrk="1" latinLnBrk="0" hangingPunct="1">
-              <a:lnSpc>
-                <a:spcPct val="90000"/>
-              </a:lnSpc>
-              <a:spcBef>
-                <a:spcPts val="500"/>
-              </a:spcBef>
-              <a:buFont typeface="Arial" panose="020B0604020202020204" pitchFamily="34" charset="0"/>
-              <a:buChar char="•"/>
-              <a:defRPr sz="1800" kern="1200">
-                <a:solidFill>
-                  <a:schemeClr val="tx1"/>
-                </a:solidFill>
-                <a:latin typeface="+mn-lt"/>
-                <a:ea typeface="+mn-ea"/>
-                <a:cs typeface="+mn-cs"/>
-              </a:defRPr>
-            </a:lvl5pPr>
-            <a:lvl6pPr marL="2514600" indent="-228600" algn="l" defTabSz="914400" rtl="0" eaLnBrk="1" latinLnBrk="0" hangingPunct="1">
-              <a:lnSpc>
-                <a:spcPct val="90000"/>
-              </a:lnSpc>
-              <a:spcBef>
-                <a:spcPts val="500"/>
-              </a:spcBef>
-              <a:buFont typeface="Arial" panose="020B0604020202020204" pitchFamily="34" charset="0"/>
-              <a:buChar char="•"/>
-              <a:defRPr sz="1800" kern="1200">
-                <a:solidFill>
-                  <a:schemeClr val="tx1"/>
-                </a:solidFill>
-                <a:latin typeface="+mn-lt"/>
-                <a:ea typeface="+mn-ea"/>
-                <a:cs typeface="+mn-cs"/>
-              </a:defRPr>
-            </a:lvl6pPr>
-            <a:lvl7pPr marL="2971800" indent="-228600" algn="l" defTabSz="914400" rtl="0" eaLnBrk="1" latinLnBrk="0" hangingPunct="1">
-              <a:lnSpc>
-                <a:spcPct val="90000"/>
-              </a:lnSpc>
-              <a:spcBef>
-                <a:spcPts val="500"/>
-              </a:spcBef>
-              <a:buFont typeface="Arial" panose="020B0604020202020204" pitchFamily="34" charset="0"/>
-              <a:buChar char="•"/>
-              <a:defRPr sz="1800" kern="1200">
-                <a:solidFill>
-                  <a:schemeClr val="tx1"/>
-                </a:solidFill>
-                <a:latin typeface="+mn-lt"/>
-                <a:ea typeface="+mn-ea"/>
-                <a:cs typeface="+mn-cs"/>
-              </a:defRPr>
-            </a:lvl7pPr>
-            <a:lvl8pPr marL="3429000" indent="-228600" algn="l" defTabSz="914400" rtl="0" eaLnBrk="1" latinLnBrk="0" hangingPunct="1">
-              <a:lnSpc>
-                <a:spcPct val="90000"/>
-              </a:lnSpc>
-              <a:spcBef>
-                <a:spcPts val="500"/>
-              </a:spcBef>
-              <a:buFont typeface="Arial" panose="020B0604020202020204" pitchFamily="34" charset="0"/>
-              <a:buChar char="•"/>
-              <a:defRPr sz="1800" kern="1200">
-                <a:solidFill>
-                  <a:schemeClr val="tx1"/>
-                </a:solidFill>
-                <a:latin typeface="+mn-lt"/>
-                <a:ea typeface="+mn-ea"/>
-                <a:cs typeface="+mn-cs"/>
-              </a:defRPr>
-            </a:lvl8pPr>
-            <a:lvl9pPr marL="3886200" indent="-228600" algn="l" defTabSz="914400" rtl="0" eaLnBrk="1" latinLnBrk="0" hangingPunct="1">
-              <a:lnSpc>
-                <a:spcPct val="90000"/>
-              </a:lnSpc>
-              <a:spcBef>
-                <a:spcPts val="500"/>
-              </a:spcBef>
-              <a:buFont typeface="Arial" panose="020B0604020202020204" pitchFamily="34" charset="0"/>
-              <a:buChar char="•"/>
-              <a:defRPr sz="1800" kern="1200">
-                <a:solidFill>
-                  <a:schemeClr val="tx1"/>
-                </a:solidFill>
-                <a:latin typeface="+mn-lt"/>
-                <a:ea typeface="+mn-ea"/>
-                <a:cs typeface="+mn-cs"/>
-              </a:defRPr>
-            </a:lvl9pPr>
-          </a:lstStyle>
-          <a:p>
-            <a:pPr marL="0" indent="0">
-              <a:buFont typeface="Arial" panose="020B0604020202020204" pitchFamily="34" charset="0"/>
-              <a:buNone/>
+          <a:lstStyle/>
+          <a:p>
+            <a:pPr marL="285750" indent="-285750">
+              <a:buFont typeface="Wingdings" panose="05000000000000000000" pitchFamily="2" charset="2"/>
+              <a:buChar char="§"/>
             </a:pPr>
             <a:r>
-              <a:rPr lang="de-DE" dirty="0" err="1"/>
-              <a:t>Measures</a:t>
-            </a:r>
-            <a:r>
-              <a:rPr lang="de-DE" dirty="0"/>
-              <a:t> im Zeitverlauf darstellen</a:t>
-            </a:r>
+              <a:rPr lang="en-US" sz="1600" dirty="0">
+                <a:latin typeface="+mj-lt"/>
+              </a:rPr>
+              <a:t>We implemented two methods which iteratively reduce the amount of features</a:t>
+            </a:r>
+          </a:p>
+          <a:p>
+            <a:pPr marL="285750" indent="-285750">
+              <a:buFont typeface="Wingdings" panose="05000000000000000000" pitchFamily="2" charset="2"/>
+              <a:buChar char="§"/>
+            </a:pPr>
+            <a:r>
+              <a:rPr lang="en-US" sz="1600" dirty="0">
+                <a:latin typeface="+mj-lt"/>
+              </a:rPr>
+              <a:t>“Correlation Selection” selects features based on their sum of squared correlation to the remaining features. </a:t>
+            </a:r>
+          </a:p>
+          <a:p>
+            <a:pPr marL="285750" indent="-285750">
+              <a:buFont typeface="Wingdings" panose="05000000000000000000" pitchFamily="2" charset="2"/>
+              <a:buChar char="§"/>
+            </a:pPr>
+            <a:r>
+              <a:rPr lang="en-US" sz="1600" dirty="0">
+                <a:latin typeface="+mj-lt"/>
+              </a:rPr>
+              <a:t>“Greedy Selection” chooses iteratively the feature that improves the measure the most</a:t>
+            </a:r>
+          </a:p>
+          <a:p>
+            <a:endParaRPr lang="en-US" dirty="0">
+              <a:latin typeface="+mj-lt"/>
+            </a:endParaRPr>
+          </a:p>
+        </p:txBody>
+      </p:sp>
+      <p:pic>
+        <p:nvPicPr>
+          <p:cNvPr id="10" name="Grafik 9">
+            <a:extLst>
+              <a:ext uri="{FF2B5EF4-FFF2-40B4-BE49-F238E27FC236}">
+                <a16:creationId xmlns:a16="http://schemas.microsoft.com/office/drawing/2014/main" id="{E8284F86-DD8E-489B-9EAB-0C4CDE5C14DA}"/>
+              </a:ext>
+            </a:extLst>
+          </p:cNvPr>
+          <p:cNvPicPr>
+            <a:picLocks noChangeAspect="1"/>
+          </p:cNvPicPr>
+          <p:nvPr/>
+        </p:nvPicPr>
+        <p:blipFill>
+          <a:blip r:embed="rId2">
+            <a:extLst>
+              <a:ext uri="{28A0092B-C50C-407E-A947-70E740481C1C}">
+                <a14:useLocalDpi xmlns:a14="http://schemas.microsoft.com/office/drawing/2010/main" val="0"/>
+              </a:ext>
+            </a:extLst>
+          </a:blip>
+          <a:stretch>
+            <a:fillRect/>
+          </a:stretch>
+        </p:blipFill>
+        <p:spPr>
+          <a:xfrm>
+            <a:off x="6231683" y="3795723"/>
+            <a:ext cx="5118141" cy="3290234"/>
+          </a:xfrm>
+          <a:prstGeom prst="rect">
+            <a:avLst/>
+          </a:prstGeom>
+        </p:spPr>
+      </p:pic>
+      <p:sp>
+        <p:nvSpPr>
+          <p:cNvPr id="12" name="Textfeld 11">
+            <a:extLst>
+              <a:ext uri="{FF2B5EF4-FFF2-40B4-BE49-F238E27FC236}">
+                <a16:creationId xmlns:a16="http://schemas.microsoft.com/office/drawing/2014/main" id="{16EB3166-F940-41FC-AB5D-3F2A224A5831}"/>
+              </a:ext>
+            </a:extLst>
+          </p:cNvPr>
+          <p:cNvSpPr txBox="1"/>
+          <p:nvPr/>
+        </p:nvSpPr>
+        <p:spPr>
+          <a:xfrm>
+            <a:off x="7248073" y="4277821"/>
+            <a:ext cx="520810" cy="276999"/>
+          </a:xfrm>
+          <a:prstGeom prst="rect">
+            <a:avLst/>
+          </a:prstGeom>
+          <a:noFill/>
+        </p:spPr>
+        <p:txBody>
+          <a:bodyPr wrap="square" rtlCol="0">
+            <a:spAutoFit/>
+          </a:bodyPr>
+          <a:lstStyle/>
+          <a:p>
+            <a:r>
+              <a:rPr lang="en-US" sz="1200" dirty="0">
+                <a:latin typeface="+mj-lt"/>
+              </a:rPr>
+              <a:t>80%</a:t>
+            </a:r>
+          </a:p>
+        </p:txBody>
+      </p:sp>
+      <p:sp>
+        <p:nvSpPr>
+          <p:cNvPr id="13" name="Textfeld 12">
+            <a:extLst>
+              <a:ext uri="{FF2B5EF4-FFF2-40B4-BE49-F238E27FC236}">
+                <a16:creationId xmlns:a16="http://schemas.microsoft.com/office/drawing/2014/main" id="{B5438314-954A-4F20-BEE2-7C99A4968424}"/>
+              </a:ext>
+            </a:extLst>
+          </p:cNvPr>
+          <p:cNvSpPr txBox="1"/>
+          <p:nvPr/>
+        </p:nvSpPr>
+        <p:spPr>
+          <a:xfrm>
+            <a:off x="7561691" y="4276524"/>
+            <a:ext cx="520810" cy="276999"/>
+          </a:xfrm>
+          <a:prstGeom prst="rect">
+            <a:avLst/>
+          </a:prstGeom>
+          <a:noFill/>
+        </p:spPr>
+        <p:txBody>
+          <a:bodyPr wrap="square" rtlCol="0">
+            <a:spAutoFit/>
+          </a:bodyPr>
+          <a:lstStyle/>
+          <a:p>
+            <a:r>
+              <a:rPr lang="en-US" sz="1200" dirty="0">
+                <a:latin typeface="+mj-lt"/>
+              </a:rPr>
+              <a:t>90%</a:t>
+            </a:r>
+          </a:p>
+        </p:txBody>
+      </p:sp>
+      <p:sp>
+        <p:nvSpPr>
+          <p:cNvPr id="14" name="Textfeld 13">
+            <a:extLst>
+              <a:ext uri="{FF2B5EF4-FFF2-40B4-BE49-F238E27FC236}">
+                <a16:creationId xmlns:a16="http://schemas.microsoft.com/office/drawing/2014/main" id="{D0876D3D-E172-4183-91C7-0C0CB4FDB54C}"/>
+              </a:ext>
+            </a:extLst>
+          </p:cNvPr>
+          <p:cNvSpPr txBox="1"/>
+          <p:nvPr/>
+        </p:nvSpPr>
+        <p:spPr>
+          <a:xfrm>
+            <a:off x="7850079" y="4284475"/>
+            <a:ext cx="520810" cy="276999"/>
+          </a:xfrm>
+          <a:prstGeom prst="rect">
+            <a:avLst/>
+          </a:prstGeom>
+          <a:noFill/>
+        </p:spPr>
+        <p:txBody>
+          <a:bodyPr wrap="square" rtlCol="0">
+            <a:spAutoFit/>
+          </a:bodyPr>
+          <a:lstStyle/>
+          <a:p>
+            <a:r>
+              <a:rPr lang="en-US" sz="1200" dirty="0">
+                <a:latin typeface="+mj-lt"/>
+              </a:rPr>
+              <a:t>95%</a:t>
+            </a:r>
+          </a:p>
+        </p:txBody>
+      </p:sp>
+      <p:sp>
+        <p:nvSpPr>
+          <p:cNvPr id="15" name="Textfeld 14">
+            <a:extLst>
+              <a:ext uri="{FF2B5EF4-FFF2-40B4-BE49-F238E27FC236}">
+                <a16:creationId xmlns:a16="http://schemas.microsoft.com/office/drawing/2014/main" id="{5F62112F-382F-44A0-B407-A725A02C8F09}"/>
+              </a:ext>
+            </a:extLst>
+          </p:cNvPr>
+          <p:cNvSpPr txBox="1"/>
+          <p:nvPr/>
+        </p:nvSpPr>
+        <p:spPr>
+          <a:xfrm>
+            <a:off x="8191680" y="4277821"/>
+            <a:ext cx="520810" cy="276999"/>
+          </a:xfrm>
+          <a:prstGeom prst="rect">
+            <a:avLst/>
+          </a:prstGeom>
+          <a:noFill/>
+        </p:spPr>
+        <p:txBody>
+          <a:bodyPr wrap="square" rtlCol="0">
+            <a:spAutoFit/>
+          </a:bodyPr>
+          <a:lstStyle/>
+          <a:p>
+            <a:r>
+              <a:rPr lang="en-US" sz="1200" dirty="0">
+                <a:latin typeface="+mj-lt"/>
+              </a:rPr>
+              <a:t>99%</a:t>
+            </a:r>
+          </a:p>
+        </p:txBody>
+      </p:sp>
+      <p:pic>
+        <p:nvPicPr>
+          <p:cNvPr id="20" name="Grafik 19">
+            <a:extLst>
+              <a:ext uri="{FF2B5EF4-FFF2-40B4-BE49-F238E27FC236}">
+                <a16:creationId xmlns:a16="http://schemas.microsoft.com/office/drawing/2014/main" id="{857F0D06-24C7-4DD0-B19D-03D674B9C2F9}"/>
+              </a:ext>
+            </a:extLst>
+          </p:cNvPr>
+          <p:cNvPicPr>
+            <a:picLocks noChangeAspect="1"/>
+          </p:cNvPicPr>
+          <p:nvPr/>
+        </p:nvPicPr>
+        <p:blipFill>
+          <a:blip r:embed="rId3">
+            <a:extLst>
+              <a:ext uri="{28A0092B-C50C-407E-A947-70E740481C1C}">
+                <a14:useLocalDpi xmlns:a14="http://schemas.microsoft.com/office/drawing/2010/main" val="0"/>
+              </a:ext>
+            </a:extLst>
+          </a:blip>
+          <a:stretch>
+            <a:fillRect/>
+          </a:stretch>
+        </p:blipFill>
+        <p:spPr>
+          <a:xfrm>
+            <a:off x="6152776" y="1689652"/>
+            <a:ext cx="4091774" cy="2630426"/>
+          </a:xfrm>
+          <a:prstGeom prst="rect">
+            <a:avLst/>
+          </a:prstGeom>
+        </p:spPr>
+      </p:pic>
+      <p:pic>
+        <p:nvPicPr>
+          <p:cNvPr id="22" name="Grafik 21">
+            <a:extLst>
+              <a:ext uri="{FF2B5EF4-FFF2-40B4-BE49-F238E27FC236}">
+                <a16:creationId xmlns:a16="http://schemas.microsoft.com/office/drawing/2014/main" id="{AB68503E-4FA5-4385-9A9B-A005F28F8AE7}"/>
+              </a:ext>
+            </a:extLst>
+          </p:cNvPr>
+          <p:cNvPicPr>
+            <a:picLocks noChangeAspect="1"/>
+          </p:cNvPicPr>
+          <p:nvPr/>
+        </p:nvPicPr>
+        <p:blipFill>
+          <a:blip r:embed="rId4">
+            <a:extLst>
+              <a:ext uri="{28A0092B-C50C-407E-A947-70E740481C1C}">
+                <a14:useLocalDpi xmlns:a14="http://schemas.microsoft.com/office/drawing/2010/main" val="0"/>
+              </a:ext>
+            </a:extLst>
+          </a:blip>
+          <a:stretch>
+            <a:fillRect/>
+          </a:stretch>
+        </p:blipFill>
+        <p:spPr>
+          <a:xfrm>
+            <a:off x="176693" y="4014297"/>
+            <a:ext cx="1323014" cy="1323014"/>
+          </a:xfrm>
+          <a:prstGeom prst="rect">
+            <a:avLst/>
+          </a:prstGeom>
+        </p:spPr>
+      </p:pic>
+      <p:sp>
+        <p:nvSpPr>
+          <p:cNvPr id="25" name="Textfeld 24">
+            <a:extLst>
+              <a:ext uri="{FF2B5EF4-FFF2-40B4-BE49-F238E27FC236}">
+                <a16:creationId xmlns:a16="http://schemas.microsoft.com/office/drawing/2014/main" id="{B22ACC92-8AA4-409D-8329-4FBD987865B1}"/>
+              </a:ext>
+            </a:extLst>
+          </p:cNvPr>
+          <p:cNvSpPr txBox="1"/>
+          <p:nvPr/>
+        </p:nvSpPr>
+        <p:spPr>
+          <a:xfrm>
+            <a:off x="1423283" y="4183887"/>
+            <a:ext cx="4672717" cy="2400657"/>
+          </a:xfrm>
+          <a:prstGeom prst="rect">
+            <a:avLst/>
+          </a:prstGeom>
+          <a:noFill/>
+        </p:spPr>
+        <p:txBody>
+          <a:bodyPr wrap="square" rtlCol="0">
+            <a:spAutoFit/>
+          </a:bodyPr>
+          <a:lstStyle/>
+          <a:p>
+            <a:r>
+              <a:rPr lang="en-US" sz="1600" dirty="0">
+                <a:latin typeface="+mj-lt"/>
+              </a:rPr>
+              <a:t>While both Selector choose less than 25% of all variables till they abort the search, the greedy selector achieves the best measure with an AUC of 0.92.</a:t>
+            </a:r>
+          </a:p>
+          <a:p>
+            <a:endParaRPr lang="en-US" dirty="0"/>
+          </a:p>
+          <a:p>
+            <a:r>
+              <a:rPr lang="en-US" sz="1600" b="1" dirty="0"/>
+              <a:t>With a decrease from 0.95 to 0.92 the AUC barely changes while we are able to save costs for gathering all features.</a:t>
+            </a:r>
+          </a:p>
+          <a:p>
+            <a:endParaRPr lang="en-US" dirty="0"/>
+          </a:p>
+          <a:p>
+            <a:endParaRPr lang="en-US" dirty="0"/>
           </a:p>
         </p:txBody>
       </p:sp>
     </p:spTree>
     <p:extLst>
       <p:ext uri="{BB962C8B-B14F-4D97-AF65-F5344CB8AC3E}">
-        <p14:creationId xmlns:p14="http://schemas.microsoft.com/office/powerpoint/2010/main" val="2742382979"/>
+        <p14:creationId xmlns:p14="http://schemas.microsoft.com/office/powerpoint/2010/main" val="2625587119"/>
       </p:ext>
     </p:extLst>
   </p:cSld>
@@ -9609,48 +13400,10 @@
               <a:rPr lang="de-DE" dirty="0" err="1"/>
               <a:t>Steps</a:t>
             </a:r>
-            <a:endParaRPr lang="de-DE" dirty="0"/>
-          </a:p>
-        </p:txBody>
-      </p:sp>
-      <p:sp>
-        <p:nvSpPr>
-          <p:cNvPr id="5" name="Inhaltsplatzhalter 4">
-            <a:extLst>
-              <a:ext uri="{FF2B5EF4-FFF2-40B4-BE49-F238E27FC236}">
-                <a16:creationId xmlns:a16="http://schemas.microsoft.com/office/drawing/2014/main" id="{0F615D91-DCC0-42C6-85C6-0960A564BE37}"/>
-              </a:ext>
-            </a:extLst>
-          </p:cNvPr>
-          <p:cNvSpPr>
-            <a:spLocks noGrp="1"/>
-          </p:cNvSpPr>
-          <p:nvPr>
-            <p:ph idx="1"/>
-          </p:nvPr>
-        </p:nvSpPr>
-        <p:spPr>
-          <a:xfrm>
-            <a:off x="838200" y="4185563"/>
-            <a:ext cx="7329407" cy="894328"/>
-          </a:xfrm>
-        </p:spPr>
-        <p:txBody>
-          <a:bodyPr/>
-          <a:lstStyle/>
-          <a:p>
-            <a:pPr marL="0" indent="0">
-              <a:buNone/>
-            </a:pPr>
             <a:r>
               <a:rPr lang="de-DE" dirty="0"/>
-              <a:t>Hier Ergebnisse der Feature </a:t>
-            </a:r>
-            <a:r>
-              <a:rPr lang="de-DE" dirty="0" err="1"/>
-              <a:t>Selection</a:t>
-            </a:r>
-            <a:endParaRPr lang="de-DE" dirty="0"/>
+              <a:t> – Future Projects</a:t>
+            </a:r>
           </a:p>
         </p:txBody>
       </p:sp>
@@ -9670,7 +13423,7 @@
         </p:nvSpPr>
         <p:spPr>
           <a:xfrm>
-            <a:off x="789122" y="691270"/>
+            <a:off x="789122" y="681037"/>
             <a:ext cx="10515600" cy="646140"/>
           </a:xfrm>
           <a:prstGeom prst="rect">
@@ -9809,10 +13562,10 @@
       </p:sp>
       <p:sp>
         <p:nvSpPr>
-          <p:cNvPr id="9" name="Titel 3">
-            <a:extLst>
-              <a:ext uri="{FF2B5EF4-FFF2-40B4-BE49-F238E27FC236}">
-                <a16:creationId xmlns:a16="http://schemas.microsoft.com/office/drawing/2014/main" id="{AF35CB24-B4F2-4A70-85CA-8FFC67F899AD}"/>
+          <p:cNvPr id="11" name="Titel 3">
+            <a:extLst>
+              <a:ext uri="{FF2B5EF4-FFF2-40B4-BE49-F238E27FC236}">
+                <a16:creationId xmlns:a16="http://schemas.microsoft.com/office/drawing/2014/main" id="{24547740-50EC-45B4-9FD8-189A94821357}"/>
               </a:ext>
             </a:extLst>
           </p:cNvPr>
@@ -9823,7 +13576,479 @@
         </p:nvSpPr>
         <p:spPr>
           <a:xfrm>
-            <a:off x="838200" y="852637"/>
+            <a:off x="789122" y="778791"/>
+            <a:ext cx="10515600" cy="400694"/>
+          </a:xfrm>
+          <a:prstGeom prst="rect">
+            <a:avLst/>
+          </a:prstGeom>
+        </p:spPr>
+        <p:txBody>
+          <a:bodyPr vert="horz" lIns="91440" tIns="45720" rIns="91440" bIns="45720" rtlCol="0" anchor="ctr">
+            <a:normAutofit fontScale="45000" lnSpcReduction="20000"/>
+          </a:bodyPr>
+          <a:lstStyle>
+            <a:lvl1pPr algn="l" defTabSz="914400" rtl="0" eaLnBrk="1" latinLnBrk="0" hangingPunct="1">
+              <a:lnSpc>
+                <a:spcPct val="90000"/>
+              </a:lnSpc>
+              <a:spcBef>
+                <a:spcPct val="0"/>
+              </a:spcBef>
+              <a:buNone/>
+              <a:defRPr sz="4400" kern="1200">
+                <a:solidFill>
+                  <a:schemeClr val="tx1"/>
+                </a:solidFill>
+                <a:latin typeface="+mj-lt"/>
+                <a:ea typeface="+mj-ea"/>
+                <a:cs typeface="+mj-cs"/>
+              </a:defRPr>
+            </a:lvl1pPr>
+          </a:lstStyle>
+          <a:p>
+            <a:r>
+              <a:rPr lang="de-DE" dirty="0" err="1"/>
+              <a:t>Knowing</a:t>
+            </a:r>
+            <a:r>
+              <a:rPr lang="de-DE" dirty="0"/>
+              <a:t> </a:t>
+            </a:r>
+            <a:r>
+              <a:rPr lang="de-DE" dirty="0" err="1"/>
+              <a:t>which</a:t>
+            </a:r>
+            <a:r>
+              <a:rPr lang="de-DE" dirty="0"/>
+              <a:t> </a:t>
+            </a:r>
+            <a:r>
+              <a:rPr lang="de-DE" dirty="0" err="1"/>
+              <a:t>company</a:t>
+            </a:r>
+            <a:r>
+              <a:rPr lang="de-DE" dirty="0"/>
+              <a:t> </a:t>
+            </a:r>
+            <a:r>
+              <a:rPr lang="de-DE" dirty="0" err="1"/>
+              <a:t>is</a:t>
+            </a:r>
+            <a:r>
+              <a:rPr lang="de-DE" dirty="0"/>
+              <a:t> </a:t>
+            </a:r>
+            <a:r>
+              <a:rPr lang="de-DE" dirty="0" err="1"/>
+              <a:t>likely</a:t>
+            </a:r>
+            <a:r>
+              <a:rPr lang="de-DE" dirty="0"/>
+              <a:t> </a:t>
+            </a:r>
+            <a:r>
+              <a:rPr lang="de-DE" dirty="0" err="1"/>
+              <a:t>default</a:t>
+            </a:r>
+            <a:r>
+              <a:rPr lang="de-DE" dirty="0"/>
+              <a:t> </a:t>
+            </a:r>
+            <a:r>
+              <a:rPr lang="de-DE" dirty="0" err="1"/>
+              <a:t>is</a:t>
+            </a:r>
+            <a:r>
+              <a:rPr lang="de-DE" dirty="0"/>
+              <a:t> </a:t>
+            </a:r>
+            <a:r>
+              <a:rPr lang="de-DE" dirty="0" err="1"/>
+              <a:t>one</a:t>
+            </a:r>
+            <a:r>
+              <a:rPr lang="de-DE" dirty="0"/>
+              <a:t> </a:t>
+            </a:r>
+            <a:r>
+              <a:rPr lang="de-DE" dirty="0" err="1"/>
+              <a:t>thing</a:t>
+            </a:r>
+            <a:r>
+              <a:rPr lang="de-DE" dirty="0"/>
+              <a:t>, </a:t>
+            </a:r>
+            <a:r>
+              <a:rPr lang="de-DE" dirty="0" err="1"/>
+              <a:t>knowing</a:t>
+            </a:r>
+            <a:r>
+              <a:rPr lang="de-DE" dirty="0"/>
+              <a:t> </a:t>
+            </a:r>
+            <a:r>
+              <a:rPr lang="de-DE" dirty="0" err="1"/>
+              <a:t>how</a:t>
+            </a:r>
+            <a:r>
+              <a:rPr lang="de-DE" dirty="0"/>
+              <a:t> </a:t>
+            </a:r>
+            <a:r>
+              <a:rPr lang="de-DE" dirty="0" err="1"/>
+              <a:t>much</a:t>
+            </a:r>
+            <a:r>
+              <a:rPr lang="de-DE" dirty="0"/>
+              <a:t> </a:t>
+            </a:r>
+            <a:r>
+              <a:rPr lang="de-DE" dirty="0" err="1"/>
+              <a:t>we</a:t>
+            </a:r>
+            <a:r>
+              <a:rPr lang="de-DE" dirty="0"/>
+              <a:t> </a:t>
+            </a:r>
+            <a:r>
+              <a:rPr lang="de-DE" dirty="0" err="1"/>
+              <a:t>can</a:t>
+            </a:r>
+            <a:r>
+              <a:rPr lang="de-DE" dirty="0"/>
+              <a:t> </a:t>
+            </a:r>
+            <a:r>
+              <a:rPr lang="de-DE" dirty="0" err="1"/>
+              <a:t>recover</a:t>
+            </a:r>
+            <a:r>
+              <a:rPr lang="de-DE" dirty="0"/>
+              <a:t> </a:t>
+            </a:r>
+            <a:r>
+              <a:rPr lang="de-DE" dirty="0" err="1"/>
+              <a:t>is</a:t>
+            </a:r>
+            <a:r>
+              <a:rPr lang="de-DE" dirty="0"/>
+              <a:t> </a:t>
+            </a:r>
+            <a:r>
+              <a:rPr lang="de-DE" dirty="0" err="1"/>
+              <a:t>another</a:t>
+            </a:r>
+            <a:r>
+              <a:rPr lang="de-DE" dirty="0"/>
+              <a:t> </a:t>
+            </a:r>
+          </a:p>
+        </p:txBody>
+      </p:sp>
+      <p:sp>
+        <p:nvSpPr>
+          <p:cNvPr id="25" name="Textfeld 24">
+            <a:extLst>
+              <a:ext uri="{FF2B5EF4-FFF2-40B4-BE49-F238E27FC236}">
+                <a16:creationId xmlns:a16="http://schemas.microsoft.com/office/drawing/2014/main" id="{B22ACC92-8AA4-409D-8329-4FBD987865B1}"/>
+              </a:ext>
+            </a:extLst>
+          </p:cNvPr>
+          <p:cNvSpPr txBox="1"/>
+          <p:nvPr/>
+        </p:nvSpPr>
+        <p:spPr>
+          <a:xfrm>
+            <a:off x="1423283" y="4183887"/>
+            <a:ext cx="4672717" cy="646331"/>
+          </a:xfrm>
+          <a:prstGeom prst="rect">
+            <a:avLst/>
+          </a:prstGeom>
+          <a:noFill/>
+        </p:spPr>
+        <p:txBody>
+          <a:bodyPr wrap="square" rtlCol="0">
+            <a:spAutoFit/>
+          </a:bodyPr>
+          <a:lstStyle/>
+          <a:p>
+            <a:endParaRPr lang="en-US" dirty="0"/>
+          </a:p>
+          <a:p>
+            <a:endParaRPr lang="en-US" dirty="0"/>
+          </a:p>
+        </p:txBody>
+      </p:sp>
+      <p:sp>
+        <p:nvSpPr>
+          <p:cNvPr id="3" name="Textfeld 2">
+            <a:extLst>
+              <a:ext uri="{FF2B5EF4-FFF2-40B4-BE49-F238E27FC236}">
+                <a16:creationId xmlns:a16="http://schemas.microsoft.com/office/drawing/2014/main" id="{2AE18395-515F-491E-8515-467B103FD323}"/>
+              </a:ext>
+            </a:extLst>
+          </p:cNvPr>
+          <p:cNvSpPr txBox="1"/>
+          <p:nvPr/>
+        </p:nvSpPr>
+        <p:spPr>
+          <a:xfrm>
+            <a:off x="723569" y="1622066"/>
+            <a:ext cx="10777993" cy="3416320"/>
+          </a:xfrm>
+          <a:prstGeom prst="rect">
+            <a:avLst/>
+          </a:prstGeom>
+          <a:noFill/>
+        </p:spPr>
+        <p:txBody>
+          <a:bodyPr wrap="square" rtlCol="0">
+            <a:spAutoFit/>
+          </a:bodyPr>
+          <a:lstStyle/>
+          <a:p>
+            <a:r>
+              <a:rPr lang="en-US" b="1" dirty="0">
+                <a:latin typeface="+mj-lt"/>
+              </a:rPr>
+              <a:t>This Project:</a:t>
+            </a:r>
+          </a:p>
+          <a:p>
+            <a:pPr marL="285750" indent="-285750">
+              <a:buFont typeface="Wingdings" panose="05000000000000000000" pitchFamily="2" charset="2"/>
+              <a:buChar char="§"/>
+            </a:pPr>
+            <a:r>
+              <a:rPr lang="en-US" dirty="0">
+                <a:latin typeface="+mj-lt"/>
+              </a:rPr>
+              <a:t>This project should be put into production to be able to raise the identified cost savings</a:t>
+            </a:r>
+          </a:p>
+          <a:p>
+            <a:pPr marL="285750" indent="-285750">
+              <a:buFont typeface="Wingdings" panose="05000000000000000000" pitchFamily="2" charset="2"/>
+              <a:buChar char="§"/>
+            </a:pPr>
+            <a:r>
+              <a:rPr lang="en-US" dirty="0">
+                <a:latin typeface="+mj-lt"/>
+              </a:rPr>
+              <a:t>As companies are no homogenous mass it isn’t enough to just predict which company is likely to default. We can build on this project to predict the recovery rate of the potential bankrupt companies. Some companies may be able to cover 90% of their liabilities after insolvency while other companies have too much liabilities and are barely able to cover more than 10%</a:t>
+            </a:r>
+          </a:p>
+          <a:p>
+            <a:pPr marL="285750" indent="-285750">
+              <a:buFont typeface="Wingdings" panose="05000000000000000000" pitchFamily="2" charset="2"/>
+              <a:buChar char="§"/>
+            </a:pPr>
+            <a:endParaRPr lang="en-US" dirty="0">
+              <a:latin typeface="+mj-lt"/>
+            </a:endParaRPr>
+          </a:p>
+          <a:p>
+            <a:r>
+              <a:rPr lang="en-US" b="1" dirty="0">
+                <a:latin typeface="+mj-lt"/>
+              </a:rPr>
+              <a:t>New Projects:</a:t>
+            </a:r>
+          </a:p>
+          <a:p>
+            <a:pPr marL="342900" indent="-342900">
+              <a:buFont typeface="Wingdings" panose="05000000000000000000" pitchFamily="2" charset="2"/>
+              <a:buChar char="§"/>
+            </a:pPr>
+            <a:r>
+              <a:rPr lang="en-US" dirty="0">
+                <a:latin typeface="+mj-lt"/>
+              </a:rPr>
+              <a:t>Cross- und Upselling. Can we raise sales by identifying customers that probably need other insurances as well. </a:t>
+            </a:r>
+          </a:p>
+          <a:p>
+            <a:pPr marL="342900" indent="-342900">
+              <a:buFont typeface="Wingdings" panose="05000000000000000000" pitchFamily="2" charset="2"/>
+              <a:buChar char="§"/>
+            </a:pPr>
+            <a:r>
+              <a:rPr lang="en-US" dirty="0">
+                <a:latin typeface="+mj-lt"/>
+              </a:rPr>
+              <a:t>Fraud detection: All transactions and compensation requests can be </a:t>
+            </a:r>
+            <a:r>
+              <a:rPr lang="en-US" dirty="0" err="1">
+                <a:latin typeface="+mj-lt"/>
+              </a:rPr>
+              <a:t>preclassified</a:t>
+            </a:r>
+            <a:r>
+              <a:rPr lang="en-US" dirty="0">
+                <a:latin typeface="+mj-lt"/>
+              </a:rPr>
+              <a:t> whether they are likely to be fraudulent</a:t>
+            </a:r>
+          </a:p>
+          <a:p>
+            <a:pPr marL="342900" indent="-342900">
+              <a:buFont typeface="Wingdings" panose="05000000000000000000" pitchFamily="2" charset="2"/>
+              <a:buChar char="§"/>
+            </a:pPr>
+            <a:r>
+              <a:rPr lang="en-US" dirty="0">
+                <a:latin typeface="+mj-lt"/>
+              </a:rPr>
+              <a:t>Churn-Classification: Prevent the termination of contracts</a:t>
+            </a:r>
+          </a:p>
+        </p:txBody>
+      </p:sp>
+    </p:spTree>
+    <p:extLst>
+      <p:ext uri="{BB962C8B-B14F-4D97-AF65-F5344CB8AC3E}">
+        <p14:creationId xmlns:p14="http://schemas.microsoft.com/office/powerpoint/2010/main" val="1523348803"/>
+      </p:ext>
+    </p:extLst>
+  </p:cSld>
+  <p:clrMapOvr>
+    <a:masterClrMapping/>
+  </p:clrMapOvr>
+</p:sld>
+</file>
+
+<file path=ppt/slides/slide9.xml><?xml version="1.0" encoding="utf-8"?>
+<p:sld xmlns:a="http://schemas.openxmlformats.org/drawingml/2006/main" xmlns:r="http://schemas.openxmlformats.org/officeDocument/2006/relationships" xmlns:p="http://schemas.openxmlformats.org/presentationml/2006/main">
+  <p:cSld>
+    <p:spTree>
+      <p:nvGrpSpPr>
+        <p:cNvPr id="1" name=""/>
+        <p:cNvGrpSpPr/>
+        <p:nvPr/>
+      </p:nvGrpSpPr>
+      <p:grpSpPr>
+        <a:xfrm>
+          <a:off x="0" y="0"/>
+          <a:ext cx="0" cy="0"/>
+          <a:chOff x="0" y="0"/>
+          <a:chExt cx="0" cy="0"/>
+        </a:xfrm>
+      </p:grpSpPr>
+      <p:sp>
+        <p:nvSpPr>
+          <p:cNvPr id="4" name="Titel 3">
+            <a:extLst>
+              <a:ext uri="{FF2B5EF4-FFF2-40B4-BE49-F238E27FC236}">
+                <a16:creationId xmlns:a16="http://schemas.microsoft.com/office/drawing/2014/main" id="{DF525FEB-9A3A-4B44-8317-78A8A253F77A}"/>
+              </a:ext>
+            </a:extLst>
+          </p:cNvPr>
+          <p:cNvSpPr>
+            <a:spLocks noGrp="1"/>
+          </p:cNvSpPr>
+          <p:nvPr>
+            <p:ph type="title"/>
+          </p:nvPr>
+        </p:nvSpPr>
+        <p:spPr>
+          <a:xfrm>
+            <a:off x="838200" y="132651"/>
+            <a:ext cx="10515600" cy="646140"/>
+          </a:xfrm>
+        </p:spPr>
+        <p:txBody>
+          <a:bodyPr>
+            <a:normAutofit fontScale="90000"/>
+          </a:bodyPr>
+          <a:lstStyle/>
+          <a:p>
+            <a:r>
+              <a:rPr lang="de-DE" dirty="0" err="1"/>
+              <a:t>Planned</a:t>
+            </a:r>
+            <a:r>
+              <a:rPr lang="de-DE" dirty="0"/>
+              <a:t> – but not </a:t>
+            </a:r>
+            <a:r>
+              <a:rPr lang="de-DE" dirty="0" err="1"/>
+              <a:t>implementd</a:t>
+            </a:r>
+            <a:endParaRPr lang="de-DE" dirty="0"/>
+          </a:p>
+        </p:txBody>
+      </p:sp>
+      <p:sp>
+        <p:nvSpPr>
+          <p:cNvPr id="6" name="Titel 3">
+            <a:extLst>
+              <a:ext uri="{FF2B5EF4-FFF2-40B4-BE49-F238E27FC236}">
+                <a16:creationId xmlns:a16="http://schemas.microsoft.com/office/drawing/2014/main" id="{184ABA1D-901D-46EF-B342-1D914341B95A}"/>
+              </a:ext>
+            </a:extLst>
+          </p:cNvPr>
+          <p:cNvSpPr txBox="1">
+            <a:spLocks/>
+          </p:cNvSpPr>
+          <p:nvPr/>
+        </p:nvSpPr>
+        <p:spPr>
+          <a:xfrm>
+            <a:off x="789122" y="681037"/>
+            <a:ext cx="10515600" cy="646140"/>
+          </a:xfrm>
+          <a:prstGeom prst="rect">
+            <a:avLst/>
+          </a:prstGeom>
+        </p:spPr>
+        <p:txBody>
+          <a:bodyPr vert="horz" lIns="91440" tIns="45720" rIns="91440" bIns="45720" rtlCol="0" anchor="ctr">
+            <a:normAutofit fontScale="97500" lnSpcReduction="10000"/>
+          </a:bodyPr>
+          <a:lstStyle>
+            <a:lvl1pPr algn="l" defTabSz="914400" rtl="0" eaLnBrk="1" latinLnBrk="0" hangingPunct="1">
+              <a:lnSpc>
+                <a:spcPct val="90000"/>
+              </a:lnSpc>
+              <a:spcBef>
+                <a:spcPct val="0"/>
+              </a:spcBef>
+              <a:buNone/>
+              <a:defRPr sz="4400" kern="1200">
+                <a:solidFill>
+                  <a:schemeClr val="tx1"/>
+                </a:solidFill>
+                <a:latin typeface="+mj-lt"/>
+                <a:ea typeface="+mj-ea"/>
+                <a:cs typeface="+mj-cs"/>
+              </a:defRPr>
+            </a:lvl1pPr>
+          </a:lstStyle>
+          <a:p>
+            <a:endParaRPr lang="de-DE" dirty="0"/>
+          </a:p>
+        </p:txBody>
+      </p:sp>
+      <p:sp>
+        <p:nvSpPr>
+          <p:cNvPr id="7" name="Titel 3">
+            <a:extLst>
+              <a:ext uri="{FF2B5EF4-FFF2-40B4-BE49-F238E27FC236}">
+                <a16:creationId xmlns:a16="http://schemas.microsoft.com/office/drawing/2014/main" id="{8FFFBFA7-2967-4206-BCCD-A38584B24862}"/>
+              </a:ext>
+            </a:extLst>
+          </p:cNvPr>
+          <p:cNvSpPr txBox="1">
+            <a:spLocks/>
+          </p:cNvSpPr>
+          <p:nvPr/>
+        </p:nvSpPr>
+        <p:spPr>
+          <a:xfrm>
+            <a:off x="789122" y="778791"/>
             <a:ext cx="10515600" cy="646140"/>
           </a:xfrm>
           <a:prstGeom prst="rect">
@@ -9854,20 +14079,16 @@
             </a:lvl1pPr>
           </a:lstStyle>
           <a:p>
-            <a:r>
-              <a:rPr lang="de-DE" sz="3700" dirty="0" err="1"/>
-              <a:t>results</a:t>
-            </a:r>
-            <a:endParaRPr lang="de-DE" dirty="0"/>
-          </a:p>
-        </p:txBody>
-      </p:sp>
-      <p:sp>
-        <p:nvSpPr>
-          <p:cNvPr id="10" name="Inhaltsplatzhalter 4">
-            <a:extLst>
-              <a:ext uri="{FF2B5EF4-FFF2-40B4-BE49-F238E27FC236}">
-                <a16:creationId xmlns:a16="http://schemas.microsoft.com/office/drawing/2014/main" id="{BD982A2F-6CC1-46FB-95F6-8EA7E2FB6D68}"/>
+            <a:endParaRPr lang="de-DE" sz="3200" dirty="0"/>
+          </a:p>
+        </p:txBody>
+      </p:sp>
+      <p:sp>
+        <p:nvSpPr>
+          <p:cNvPr id="8" name="Titel 3">
+            <a:extLst>
+              <a:ext uri="{FF2B5EF4-FFF2-40B4-BE49-F238E27FC236}">
+                <a16:creationId xmlns:a16="http://schemas.microsoft.com/office/drawing/2014/main" id="{BBD9690B-01D5-485D-B4FA-29FC11C016E7}"/>
               </a:ext>
             </a:extLst>
           </p:cNvPr>
@@ -9878,193 +14099,839 @@
         </p:nvSpPr>
         <p:spPr>
           <a:xfrm>
-            <a:off x="789122" y="2357733"/>
-            <a:ext cx="7329407" cy="894328"/>
+            <a:off x="838200" y="778791"/>
+            <a:ext cx="10515600" cy="400694"/>
           </a:xfrm>
           <a:prstGeom prst="rect">
             <a:avLst/>
           </a:prstGeom>
         </p:spPr>
         <p:txBody>
-          <a:bodyPr vert="horz" lIns="91440" tIns="45720" rIns="91440" bIns="45720" rtlCol="0">
-            <a:normAutofit/>
+          <a:bodyPr vert="horz" lIns="91440" tIns="45720" rIns="91440" bIns="45720" rtlCol="0" anchor="ctr">
+            <a:normAutofit fontScale="60000" lnSpcReduction="20000"/>
           </a:bodyPr>
           <a:lstStyle>
-            <a:lvl1pPr marL="228600" indent="-228600" algn="l" defTabSz="914400" rtl="0" eaLnBrk="1" latinLnBrk="0" hangingPunct="1">
+            <a:lvl1pPr algn="l" defTabSz="914400" rtl="0" eaLnBrk="1" latinLnBrk="0" hangingPunct="1">
               <a:lnSpc>
                 <a:spcPct val="90000"/>
               </a:lnSpc>
               <a:spcBef>
-                <a:spcPts val="1000"/>
+                <a:spcPct val="0"/>
               </a:spcBef>
-              <a:buFont typeface="Arial" panose="020B0604020202020204" pitchFamily="34" charset="0"/>
-              <a:buChar char="•"/>
-              <a:defRPr sz="2800" kern="1200">
+              <a:buNone/>
+              <a:defRPr sz="4400" kern="1200">
                 <a:solidFill>
                   <a:schemeClr val="tx1"/>
                 </a:solidFill>
-                <a:latin typeface="+mn-lt"/>
-                <a:ea typeface="+mn-ea"/>
-                <a:cs typeface="+mn-cs"/>
+                <a:latin typeface="+mj-lt"/>
+                <a:ea typeface="+mj-ea"/>
+                <a:cs typeface="+mj-cs"/>
               </a:defRPr>
             </a:lvl1pPr>
-            <a:lvl2pPr marL="685800" indent="-228600" algn="l" defTabSz="914400" rtl="0" eaLnBrk="1" latinLnBrk="0" hangingPunct="1">
+          </a:lstStyle>
+          <a:p>
+            <a:endParaRPr lang="de-DE" dirty="0"/>
+          </a:p>
+        </p:txBody>
+      </p:sp>
+      <p:sp>
+        <p:nvSpPr>
+          <p:cNvPr id="11" name="Titel 3">
+            <a:extLst>
+              <a:ext uri="{FF2B5EF4-FFF2-40B4-BE49-F238E27FC236}">
+                <a16:creationId xmlns:a16="http://schemas.microsoft.com/office/drawing/2014/main" id="{24547740-50EC-45B4-9FD8-189A94821357}"/>
+              </a:ext>
+            </a:extLst>
+          </p:cNvPr>
+          <p:cNvSpPr txBox="1">
+            <a:spLocks/>
+          </p:cNvSpPr>
+          <p:nvPr/>
+        </p:nvSpPr>
+        <p:spPr>
+          <a:xfrm>
+            <a:off x="789122" y="778791"/>
+            <a:ext cx="10515600" cy="400694"/>
+          </a:xfrm>
+          <a:prstGeom prst="rect">
+            <a:avLst/>
+          </a:prstGeom>
+        </p:spPr>
+        <p:txBody>
+          <a:bodyPr vert="horz" lIns="91440" tIns="45720" rIns="91440" bIns="45720" rtlCol="0" anchor="ctr">
+            <a:normAutofit fontScale="45000" lnSpcReduction="20000"/>
+          </a:bodyPr>
+          <a:lstStyle>
+            <a:lvl1pPr algn="l" defTabSz="914400" rtl="0" eaLnBrk="1" latinLnBrk="0" hangingPunct="1">
               <a:lnSpc>
                 <a:spcPct val="90000"/>
               </a:lnSpc>
               <a:spcBef>
-                <a:spcPts val="500"/>
+                <a:spcPct val="0"/>
               </a:spcBef>
-              <a:buFont typeface="Arial" panose="020B0604020202020204" pitchFamily="34" charset="0"/>
-              <a:buChar char="•"/>
-              <a:defRPr sz="2400" kern="1200">
+              <a:buNone/>
+              <a:defRPr sz="4400" kern="1200">
                 <a:solidFill>
                   <a:schemeClr val="tx1"/>
                 </a:solidFill>
-                <a:latin typeface="+mn-lt"/>
-                <a:ea typeface="+mn-ea"/>
-                <a:cs typeface="+mn-cs"/>
+                <a:latin typeface="+mj-lt"/>
+                <a:ea typeface="+mj-ea"/>
+                <a:cs typeface="+mj-cs"/>
               </a:defRPr>
-            </a:lvl2pPr>
-            <a:lvl3pPr marL="1143000" indent="-228600" algn="l" defTabSz="914400" rtl="0" eaLnBrk="1" latinLnBrk="0" hangingPunct="1">
-              <a:lnSpc>
-                <a:spcPct val="90000"/>
-              </a:lnSpc>
-              <a:spcBef>
-                <a:spcPts val="500"/>
-              </a:spcBef>
-              <a:buFont typeface="Arial" panose="020B0604020202020204" pitchFamily="34" charset="0"/>
-              <a:buChar char="•"/>
-              <a:defRPr sz="2000" kern="1200">
-                <a:solidFill>
-                  <a:schemeClr val="tx1"/>
-                </a:solidFill>
-                <a:latin typeface="+mn-lt"/>
-                <a:ea typeface="+mn-ea"/>
-                <a:cs typeface="+mn-cs"/>
-              </a:defRPr>
-            </a:lvl3pPr>
-            <a:lvl4pPr marL="1600200" indent="-228600" algn="l" defTabSz="914400" rtl="0" eaLnBrk="1" latinLnBrk="0" hangingPunct="1">
-              <a:lnSpc>
-                <a:spcPct val="90000"/>
-              </a:lnSpc>
-              <a:spcBef>
-                <a:spcPts val="500"/>
-              </a:spcBef>
-              <a:buFont typeface="Arial" panose="020B0604020202020204" pitchFamily="34" charset="0"/>
-              <a:buChar char="•"/>
-              <a:defRPr sz="1800" kern="1200">
-                <a:solidFill>
-                  <a:schemeClr val="tx1"/>
-                </a:solidFill>
-                <a:latin typeface="+mn-lt"/>
-                <a:ea typeface="+mn-ea"/>
-                <a:cs typeface="+mn-cs"/>
-              </a:defRPr>
-            </a:lvl4pPr>
-            <a:lvl5pPr marL="2057400" indent="-228600" algn="l" defTabSz="914400" rtl="0" eaLnBrk="1" latinLnBrk="0" hangingPunct="1">
-              <a:lnSpc>
-                <a:spcPct val="90000"/>
-              </a:lnSpc>
-              <a:spcBef>
-                <a:spcPts val="500"/>
-              </a:spcBef>
-              <a:buFont typeface="Arial" panose="020B0604020202020204" pitchFamily="34" charset="0"/>
-              <a:buChar char="•"/>
-              <a:defRPr sz="1800" kern="1200">
-                <a:solidFill>
-                  <a:schemeClr val="tx1"/>
-                </a:solidFill>
-                <a:latin typeface="+mn-lt"/>
-                <a:ea typeface="+mn-ea"/>
-                <a:cs typeface="+mn-cs"/>
-              </a:defRPr>
-            </a:lvl5pPr>
-            <a:lvl6pPr marL="2514600" indent="-228600" algn="l" defTabSz="914400" rtl="0" eaLnBrk="1" latinLnBrk="0" hangingPunct="1">
-              <a:lnSpc>
-                <a:spcPct val="90000"/>
-              </a:lnSpc>
-              <a:spcBef>
-                <a:spcPts val="500"/>
-              </a:spcBef>
-              <a:buFont typeface="Arial" panose="020B0604020202020204" pitchFamily="34" charset="0"/>
-              <a:buChar char="•"/>
-              <a:defRPr sz="1800" kern="1200">
-                <a:solidFill>
-                  <a:schemeClr val="tx1"/>
-                </a:solidFill>
-                <a:latin typeface="+mn-lt"/>
-                <a:ea typeface="+mn-ea"/>
-                <a:cs typeface="+mn-cs"/>
-              </a:defRPr>
-            </a:lvl6pPr>
-            <a:lvl7pPr marL="2971800" indent="-228600" algn="l" defTabSz="914400" rtl="0" eaLnBrk="1" latinLnBrk="0" hangingPunct="1">
-              <a:lnSpc>
-                <a:spcPct val="90000"/>
-              </a:lnSpc>
-              <a:spcBef>
-                <a:spcPts val="500"/>
-              </a:spcBef>
-              <a:buFont typeface="Arial" panose="020B0604020202020204" pitchFamily="34" charset="0"/>
-              <a:buChar char="•"/>
-              <a:defRPr sz="1800" kern="1200">
-                <a:solidFill>
-                  <a:schemeClr val="tx1"/>
-                </a:solidFill>
-                <a:latin typeface="+mn-lt"/>
-                <a:ea typeface="+mn-ea"/>
-                <a:cs typeface="+mn-cs"/>
-              </a:defRPr>
-            </a:lvl7pPr>
-            <a:lvl8pPr marL="3429000" indent="-228600" algn="l" defTabSz="914400" rtl="0" eaLnBrk="1" latinLnBrk="0" hangingPunct="1">
-              <a:lnSpc>
-                <a:spcPct val="90000"/>
-              </a:lnSpc>
-              <a:spcBef>
-                <a:spcPts val="500"/>
-              </a:spcBef>
-              <a:buFont typeface="Arial" panose="020B0604020202020204" pitchFamily="34" charset="0"/>
-              <a:buChar char="•"/>
-              <a:defRPr sz="1800" kern="1200">
-                <a:solidFill>
-                  <a:schemeClr val="tx1"/>
-                </a:solidFill>
-                <a:latin typeface="+mn-lt"/>
-                <a:ea typeface="+mn-ea"/>
-                <a:cs typeface="+mn-cs"/>
-              </a:defRPr>
-            </a:lvl8pPr>
-            <a:lvl9pPr marL="3886200" indent="-228600" algn="l" defTabSz="914400" rtl="0" eaLnBrk="1" latinLnBrk="0" hangingPunct="1">
-              <a:lnSpc>
-                <a:spcPct val="90000"/>
-              </a:lnSpc>
-              <a:spcBef>
-                <a:spcPts val="500"/>
-              </a:spcBef>
-              <a:buFont typeface="Arial" panose="020B0604020202020204" pitchFamily="34" charset="0"/>
-              <a:buChar char="•"/>
-              <a:defRPr sz="1800" kern="1200">
-                <a:solidFill>
-                  <a:schemeClr val="tx1"/>
-                </a:solidFill>
-                <a:latin typeface="+mn-lt"/>
-                <a:ea typeface="+mn-ea"/>
-                <a:cs typeface="+mn-cs"/>
-              </a:defRPr>
-            </a:lvl9pPr>
+            </a:lvl1pPr>
           </a:lstStyle>
           <a:p>
-            <a:pPr marL="0" indent="0">
-              <a:buFont typeface="Arial" panose="020B0604020202020204" pitchFamily="34" charset="0"/>
-              <a:buNone/>
+            <a:r>
+              <a:rPr lang="de-DE" dirty="0" err="1"/>
+              <a:t>Some</a:t>
+            </a:r>
+            <a:r>
+              <a:rPr lang="de-DE" dirty="0"/>
+              <a:t> </a:t>
+            </a:r>
+            <a:r>
+              <a:rPr lang="de-DE" dirty="0" err="1"/>
+              <a:t>planned</a:t>
+            </a:r>
+            <a:r>
+              <a:rPr lang="de-DE" dirty="0"/>
+              <a:t> </a:t>
+            </a:r>
+            <a:r>
+              <a:rPr lang="de-DE" dirty="0" err="1"/>
+              <a:t>features</a:t>
+            </a:r>
+            <a:r>
+              <a:rPr lang="de-DE" dirty="0"/>
+              <a:t> </a:t>
+            </a:r>
+            <a:r>
+              <a:rPr lang="de-DE" dirty="0" err="1"/>
+              <a:t>could</a:t>
+            </a:r>
+            <a:r>
+              <a:rPr lang="de-DE" dirty="0"/>
+              <a:t> </a:t>
+            </a:r>
+            <a:r>
+              <a:rPr lang="de-DE" dirty="0" err="1"/>
+              <a:t>have</a:t>
+            </a:r>
+            <a:r>
+              <a:rPr lang="de-DE" dirty="0"/>
+              <a:t> </a:t>
+            </a:r>
+            <a:r>
+              <a:rPr lang="de-DE" dirty="0" err="1"/>
+              <a:t>improved</a:t>
+            </a:r>
+            <a:r>
+              <a:rPr lang="de-DE" dirty="0"/>
+              <a:t> </a:t>
+            </a:r>
+            <a:r>
+              <a:rPr lang="de-DE" dirty="0" err="1"/>
+              <a:t>the</a:t>
+            </a:r>
+            <a:r>
+              <a:rPr lang="de-DE" dirty="0"/>
+              <a:t> </a:t>
+            </a:r>
+            <a:r>
+              <a:rPr lang="de-DE" dirty="0" err="1"/>
+              <a:t>measure</a:t>
+            </a:r>
+            <a:r>
+              <a:rPr lang="de-DE" dirty="0"/>
+              <a:t> </a:t>
+            </a:r>
+            <a:r>
+              <a:rPr lang="de-DE" dirty="0" err="1"/>
+              <a:t>or</a:t>
+            </a:r>
+            <a:r>
+              <a:rPr lang="de-DE" dirty="0"/>
+              <a:t> </a:t>
+            </a:r>
+            <a:r>
+              <a:rPr lang="de-DE" dirty="0" err="1"/>
+              <a:t>increase</a:t>
+            </a:r>
+            <a:r>
+              <a:rPr lang="de-DE" dirty="0"/>
+              <a:t> </a:t>
+            </a:r>
+            <a:r>
+              <a:rPr lang="de-DE" dirty="0" err="1"/>
+              <a:t>the</a:t>
+            </a:r>
+            <a:r>
+              <a:rPr lang="de-DE" dirty="0"/>
+              <a:t> </a:t>
+            </a:r>
+            <a:r>
+              <a:rPr lang="de-DE" dirty="0" err="1"/>
+              <a:t>generality</a:t>
+            </a:r>
+            <a:r>
+              <a:rPr lang="de-DE" dirty="0"/>
+              <a:t> </a:t>
+            </a:r>
+            <a:r>
+              <a:rPr lang="de-DE" dirty="0" err="1"/>
+              <a:t>of</a:t>
+            </a:r>
+            <a:r>
+              <a:rPr lang="de-DE" dirty="0"/>
+              <a:t> </a:t>
+            </a:r>
+            <a:r>
+              <a:rPr lang="de-DE" dirty="0" err="1"/>
+              <a:t>the</a:t>
+            </a:r>
+            <a:r>
+              <a:rPr lang="de-DE" dirty="0"/>
+              <a:t> </a:t>
+            </a:r>
+            <a:r>
+              <a:rPr lang="de-DE" dirty="0" err="1"/>
+              <a:t>results</a:t>
+            </a:r>
+            <a:endParaRPr lang="de-DE" dirty="0"/>
+          </a:p>
+        </p:txBody>
+      </p:sp>
+      <p:sp>
+        <p:nvSpPr>
+          <p:cNvPr id="2" name="Textfeld 1">
+            <a:extLst>
+              <a:ext uri="{FF2B5EF4-FFF2-40B4-BE49-F238E27FC236}">
+                <a16:creationId xmlns:a16="http://schemas.microsoft.com/office/drawing/2014/main" id="{7A749209-42D9-478A-9DD3-BB42BA79C628}"/>
+              </a:ext>
+            </a:extLst>
+          </p:cNvPr>
+          <p:cNvSpPr txBox="1"/>
+          <p:nvPr/>
+        </p:nvSpPr>
+        <p:spPr>
+          <a:xfrm>
+            <a:off x="838199" y="1373830"/>
+            <a:ext cx="10732305" cy="3139321"/>
+          </a:xfrm>
+          <a:prstGeom prst="rect">
+            <a:avLst/>
+          </a:prstGeom>
+          <a:noFill/>
+        </p:spPr>
+        <p:txBody>
+          <a:bodyPr wrap="square" rtlCol="0">
+            <a:spAutoFit/>
+          </a:bodyPr>
+          <a:lstStyle/>
+          <a:p>
+            <a:pPr marL="285750" indent="-285750">
+              <a:buFontTx/>
+              <a:buChar char="-"/>
             </a:pPr>
             <a:r>
-              <a:rPr lang="de-DE" dirty="0" err="1"/>
-              <a:t>Measures</a:t>
-            </a:r>
-            <a:r>
-              <a:rPr lang="de-DE" dirty="0"/>
-              <a:t> im Zeitverlauf darstellen</a:t>
+              <a:rPr lang="de-DE" dirty="0" err="1">
+                <a:latin typeface="+mj-lt"/>
+              </a:rPr>
+              <a:t>Normalizing</a:t>
+            </a:r>
+            <a:r>
+              <a:rPr lang="de-DE" dirty="0">
+                <a:latin typeface="+mj-lt"/>
+              </a:rPr>
+              <a:t> </a:t>
+            </a:r>
+            <a:r>
+              <a:rPr lang="de-DE" dirty="0" err="1">
+                <a:latin typeface="+mj-lt"/>
+              </a:rPr>
+              <a:t>of</a:t>
+            </a:r>
+            <a:r>
+              <a:rPr lang="de-DE" dirty="0">
+                <a:latin typeface="+mj-lt"/>
+              </a:rPr>
+              <a:t> </a:t>
+            </a:r>
+            <a:r>
+              <a:rPr lang="de-DE" dirty="0" err="1">
+                <a:latin typeface="+mj-lt"/>
+              </a:rPr>
+              <a:t>features</a:t>
+            </a:r>
+            <a:r>
+              <a:rPr lang="de-DE" dirty="0">
+                <a:latin typeface="+mj-lt"/>
+              </a:rPr>
+              <a:t> </a:t>
+            </a:r>
+          </a:p>
+          <a:p>
+            <a:pPr marL="285750" indent="-285750">
+              <a:buFontTx/>
+              <a:buChar char="-"/>
+            </a:pPr>
+            <a:endParaRPr lang="de-DE" dirty="0">
+              <a:latin typeface="+mj-lt"/>
+            </a:endParaRPr>
+          </a:p>
+          <a:p>
+            <a:pPr marL="285750" indent="-285750">
+              <a:buFontTx/>
+              <a:buChar char="-"/>
+            </a:pPr>
+            <a:r>
+              <a:rPr lang="de-DE" dirty="0">
+                <a:latin typeface="+mj-lt"/>
+              </a:rPr>
+              <a:t>Additional Test </a:t>
+            </a:r>
+            <a:r>
+              <a:rPr lang="de-DE" dirty="0" err="1">
+                <a:latin typeface="+mj-lt"/>
+              </a:rPr>
+              <a:t>split</a:t>
+            </a:r>
+            <a:r>
+              <a:rPr lang="de-DE" dirty="0">
+                <a:latin typeface="+mj-lt"/>
+              </a:rPr>
+              <a:t> </a:t>
+            </a:r>
+            <a:r>
+              <a:rPr lang="de-DE" dirty="0" err="1">
+                <a:latin typeface="+mj-lt"/>
+              </a:rPr>
+              <a:t>that</a:t>
+            </a:r>
+            <a:r>
+              <a:rPr lang="de-DE" dirty="0">
+                <a:latin typeface="+mj-lt"/>
+              </a:rPr>
+              <a:t> </a:t>
+            </a:r>
+            <a:r>
+              <a:rPr lang="de-DE" dirty="0" err="1">
+                <a:latin typeface="+mj-lt"/>
+              </a:rPr>
+              <a:t>purpose</a:t>
+            </a:r>
+            <a:r>
+              <a:rPr lang="de-DE" dirty="0">
+                <a:latin typeface="+mj-lt"/>
+              </a:rPr>
+              <a:t> </a:t>
+            </a:r>
+            <a:r>
+              <a:rPr lang="de-DE" dirty="0" err="1">
+                <a:latin typeface="+mj-lt"/>
+              </a:rPr>
+              <a:t>is</a:t>
+            </a:r>
+            <a:r>
+              <a:rPr lang="de-DE" dirty="0">
+                <a:latin typeface="+mj-lt"/>
+              </a:rPr>
+              <a:t> </a:t>
+            </a:r>
+            <a:r>
+              <a:rPr lang="de-DE" dirty="0" err="1">
+                <a:latin typeface="+mj-lt"/>
+              </a:rPr>
+              <a:t>the</a:t>
+            </a:r>
+            <a:r>
+              <a:rPr lang="de-DE" dirty="0">
+                <a:latin typeface="+mj-lt"/>
+              </a:rPr>
+              <a:t> last </a:t>
+            </a:r>
+            <a:r>
+              <a:rPr lang="de-DE" dirty="0" err="1">
+                <a:latin typeface="+mj-lt"/>
+              </a:rPr>
+              <a:t>evaluation</a:t>
+            </a:r>
+            <a:r>
+              <a:rPr lang="de-DE" dirty="0">
+                <a:latin typeface="+mj-lt"/>
+              </a:rPr>
+              <a:t> </a:t>
+            </a:r>
+            <a:r>
+              <a:rPr lang="de-DE" dirty="0" err="1">
+                <a:latin typeface="+mj-lt"/>
+              </a:rPr>
+              <a:t>step</a:t>
+            </a:r>
+            <a:r>
+              <a:rPr lang="de-DE" dirty="0">
+                <a:latin typeface="+mj-lt"/>
+              </a:rPr>
+              <a:t> </a:t>
+            </a:r>
+            <a:r>
+              <a:rPr lang="de-DE" dirty="0" err="1">
+                <a:latin typeface="+mj-lt"/>
+              </a:rPr>
+              <a:t>to</a:t>
+            </a:r>
+            <a:r>
+              <a:rPr lang="de-DE" dirty="0">
+                <a:latin typeface="+mj-lt"/>
+              </a:rPr>
+              <a:t> </a:t>
+            </a:r>
+            <a:r>
+              <a:rPr lang="de-DE" dirty="0" err="1">
+                <a:latin typeface="+mj-lt"/>
+              </a:rPr>
+              <a:t>prove</a:t>
+            </a:r>
+            <a:r>
+              <a:rPr lang="de-DE" dirty="0">
+                <a:latin typeface="+mj-lt"/>
+              </a:rPr>
+              <a:t> </a:t>
+            </a:r>
+            <a:r>
+              <a:rPr lang="de-DE" dirty="0" err="1">
+                <a:latin typeface="+mj-lt"/>
+              </a:rPr>
+              <a:t>how</a:t>
+            </a:r>
+            <a:r>
+              <a:rPr lang="de-DE" dirty="0">
+                <a:latin typeface="+mj-lt"/>
+              </a:rPr>
+              <a:t> </a:t>
+            </a:r>
+            <a:r>
+              <a:rPr lang="de-DE" dirty="0" err="1">
+                <a:latin typeface="+mj-lt"/>
+              </a:rPr>
+              <a:t>well</a:t>
+            </a:r>
+            <a:r>
+              <a:rPr lang="de-DE" dirty="0">
+                <a:latin typeface="+mj-lt"/>
+              </a:rPr>
+              <a:t> </a:t>
+            </a:r>
+            <a:r>
+              <a:rPr lang="de-DE" dirty="0" err="1">
+                <a:latin typeface="+mj-lt"/>
+              </a:rPr>
+              <a:t>our</a:t>
+            </a:r>
+            <a:r>
+              <a:rPr lang="de-DE" dirty="0">
+                <a:latin typeface="+mj-lt"/>
+              </a:rPr>
+              <a:t> </a:t>
+            </a:r>
+            <a:r>
+              <a:rPr lang="de-DE" dirty="0" err="1">
+                <a:latin typeface="+mj-lt"/>
+              </a:rPr>
+              <a:t>model</a:t>
+            </a:r>
+            <a:r>
+              <a:rPr lang="de-DE" dirty="0">
+                <a:latin typeface="+mj-lt"/>
+              </a:rPr>
+              <a:t> </a:t>
+            </a:r>
+            <a:r>
+              <a:rPr lang="de-DE" dirty="0" err="1">
+                <a:latin typeface="+mj-lt"/>
+              </a:rPr>
+              <a:t>is</a:t>
+            </a:r>
+            <a:r>
+              <a:rPr lang="de-DE" dirty="0">
+                <a:latin typeface="+mj-lt"/>
+              </a:rPr>
+              <a:t> </a:t>
+            </a:r>
+            <a:r>
+              <a:rPr lang="de-DE" dirty="0" err="1">
+                <a:latin typeface="+mj-lt"/>
+              </a:rPr>
+              <a:t>able</a:t>
+            </a:r>
+            <a:r>
+              <a:rPr lang="de-DE" dirty="0">
+                <a:latin typeface="+mj-lt"/>
+              </a:rPr>
+              <a:t> </a:t>
+            </a:r>
+            <a:r>
+              <a:rPr lang="de-DE" dirty="0" err="1">
+                <a:latin typeface="+mj-lt"/>
+              </a:rPr>
+              <a:t>to</a:t>
+            </a:r>
+            <a:r>
+              <a:rPr lang="de-DE" dirty="0">
+                <a:latin typeface="+mj-lt"/>
+              </a:rPr>
+              <a:t> </a:t>
+            </a:r>
+            <a:r>
+              <a:rPr lang="de-DE" dirty="0" err="1">
+                <a:latin typeface="+mj-lt"/>
+              </a:rPr>
+              <a:t>generalize</a:t>
+            </a:r>
+            <a:endParaRPr lang="de-DE" dirty="0">
+              <a:latin typeface="+mj-lt"/>
+            </a:endParaRPr>
+          </a:p>
+          <a:p>
+            <a:pPr marL="285750" indent="-285750">
+              <a:buFontTx/>
+              <a:buChar char="-"/>
+            </a:pPr>
+            <a:endParaRPr lang="de-DE" dirty="0">
+              <a:latin typeface="+mj-lt"/>
+            </a:endParaRPr>
+          </a:p>
+          <a:p>
+            <a:pPr marL="285750" indent="-285750">
+              <a:buFontTx/>
+              <a:buChar char="-"/>
+            </a:pPr>
+            <a:r>
+              <a:rPr lang="de-DE" dirty="0">
+                <a:latin typeface="+mj-lt"/>
+              </a:rPr>
+              <a:t>Feature </a:t>
+            </a:r>
+            <a:r>
+              <a:rPr lang="de-DE" dirty="0" err="1">
+                <a:latin typeface="+mj-lt"/>
+              </a:rPr>
+              <a:t>Selection</a:t>
+            </a:r>
+            <a:r>
+              <a:rPr lang="de-DE" dirty="0">
+                <a:latin typeface="+mj-lt"/>
+              </a:rPr>
+              <a:t>: Costs </a:t>
+            </a:r>
+            <a:r>
+              <a:rPr lang="de-DE" dirty="0" err="1">
+                <a:latin typeface="+mj-lt"/>
+              </a:rPr>
+              <a:t>of</a:t>
+            </a:r>
+            <a:r>
+              <a:rPr lang="de-DE" dirty="0">
+                <a:latin typeface="+mj-lt"/>
+              </a:rPr>
+              <a:t> feature </a:t>
+            </a:r>
+            <a:r>
+              <a:rPr lang="de-DE" dirty="0" err="1">
+                <a:latin typeface="+mj-lt"/>
+              </a:rPr>
+              <a:t>gathering</a:t>
+            </a:r>
+            <a:r>
+              <a:rPr lang="de-DE" dirty="0">
+                <a:latin typeface="+mj-lt"/>
+              </a:rPr>
+              <a:t> </a:t>
+            </a:r>
+            <a:r>
+              <a:rPr lang="de-DE" dirty="0" err="1">
+                <a:latin typeface="+mj-lt"/>
+              </a:rPr>
+              <a:t>as</a:t>
+            </a:r>
+            <a:r>
+              <a:rPr lang="de-DE" dirty="0">
+                <a:latin typeface="+mj-lt"/>
+              </a:rPr>
+              <a:t> an additional </a:t>
+            </a:r>
+            <a:r>
+              <a:rPr lang="en-US" dirty="0">
+                <a:latin typeface="+mj-lt"/>
+              </a:rPr>
+              <a:t>regularization</a:t>
+            </a:r>
+            <a:r>
+              <a:rPr lang="de-DE" dirty="0">
+                <a:latin typeface="+mj-lt"/>
+              </a:rPr>
+              <a:t> </a:t>
+            </a:r>
+            <a:r>
+              <a:rPr lang="de-DE" dirty="0" err="1">
+                <a:latin typeface="+mj-lt"/>
+              </a:rPr>
+              <a:t>term</a:t>
+            </a:r>
+            <a:r>
+              <a:rPr lang="de-DE" dirty="0">
+                <a:latin typeface="+mj-lt"/>
+              </a:rPr>
+              <a:t> </a:t>
+            </a:r>
+            <a:r>
+              <a:rPr lang="de-DE" dirty="0" err="1">
+                <a:latin typeface="+mj-lt"/>
+              </a:rPr>
+              <a:t>of</a:t>
+            </a:r>
+            <a:r>
+              <a:rPr lang="de-DE" dirty="0">
+                <a:latin typeface="+mj-lt"/>
+              </a:rPr>
+              <a:t> </a:t>
+            </a:r>
+            <a:r>
+              <a:rPr lang="de-DE" dirty="0" err="1">
+                <a:latin typeface="+mj-lt"/>
+              </a:rPr>
+              <a:t>the</a:t>
+            </a:r>
+            <a:r>
+              <a:rPr lang="de-DE" dirty="0">
+                <a:latin typeface="+mj-lt"/>
+              </a:rPr>
+              <a:t> </a:t>
+            </a:r>
+            <a:r>
+              <a:rPr lang="de-DE" dirty="0" err="1">
+                <a:latin typeface="+mj-lt"/>
+              </a:rPr>
+              <a:t>cost</a:t>
+            </a:r>
+            <a:r>
+              <a:rPr lang="de-DE" dirty="0">
+                <a:latin typeface="+mj-lt"/>
+              </a:rPr>
+              <a:t> </a:t>
+            </a:r>
+            <a:r>
+              <a:rPr lang="de-DE" dirty="0" err="1">
+                <a:latin typeface="+mj-lt"/>
+              </a:rPr>
+              <a:t>function</a:t>
+            </a:r>
+            <a:r>
+              <a:rPr lang="de-DE" dirty="0">
+                <a:latin typeface="+mj-lt"/>
+              </a:rPr>
+              <a:t>. </a:t>
+            </a:r>
+          </a:p>
+          <a:p>
+            <a:pPr marL="285750" indent="-285750">
+              <a:buFontTx/>
+              <a:buChar char="-"/>
+            </a:pPr>
+            <a:endParaRPr lang="de-DE" dirty="0">
+              <a:latin typeface="+mj-lt"/>
+            </a:endParaRPr>
+          </a:p>
+          <a:p>
+            <a:pPr marL="285750" indent="-285750">
+              <a:buFontTx/>
+              <a:buChar char="-"/>
+            </a:pPr>
+            <a:r>
+              <a:rPr lang="de-DE" dirty="0">
+                <a:latin typeface="+mj-lt"/>
+              </a:rPr>
+              <a:t>Run </a:t>
+            </a:r>
+            <a:r>
+              <a:rPr lang="de-DE" dirty="0" err="1">
+                <a:latin typeface="+mj-lt"/>
+              </a:rPr>
+              <a:t>Greedy</a:t>
+            </a:r>
+            <a:r>
+              <a:rPr lang="de-DE" dirty="0">
+                <a:latin typeface="+mj-lt"/>
+              </a:rPr>
+              <a:t> </a:t>
+            </a:r>
+            <a:r>
+              <a:rPr lang="de-DE" dirty="0" err="1">
+                <a:latin typeface="+mj-lt"/>
+              </a:rPr>
+              <a:t>Selector</a:t>
+            </a:r>
+            <a:r>
+              <a:rPr lang="de-DE" dirty="0">
+                <a:latin typeface="+mj-lt"/>
+              </a:rPr>
+              <a:t> </a:t>
+            </a:r>
+            <a:r>
+              <a:rPr lang="de-DE" dirty="0" err="1">
+                <a:latin typeface="+mj-lt"/>
+              </a:rPr>
+              <a:t>for</a:t>
+            </a:r>
+            <a:r>
+              <a:rPr lang="de-DE" dirty="0">
+                <a:latin typeface="+mj-lt"/>
+              </a:rPr>
+              <a:t> all </a:t>
+            </a:r>
+            <a:r>
+              <a:rPr lang="de-DE" dirty="0" err="1">
+                <a:latin typeface="+mj-lt"/>
+              </a:rPr>
+              <a:t>Years</a:t>
+            </a:r>
+            <a:endParaRPr lang="de-DE" dirty="0">
+              <a:latin typeface="+mj-lt"/>
+            </a:endParaRPr>
+          </a:p>
+          <a:p>
+            <a:pPr marL="285750" indent="-285750">
+              <a:buFontTx/>
+              <a:buChar char="-"/>
+            </a:pPr>
+            <a:endParaRPr lang="de-DE" dirty="0">
+              <a:latin typeface="+mj-lt"/>
+            </a:endParaRPr>
+          </a:p>
+          <a:p>
+            <a:pPr marL="285750" indent="-285750">
+              <a:buFontTx/>
+              <a:buChar char="-"/>
+            </a:pPr>
+            <a:r>
+              <a:rPr lang="de-DE" dirty="0">
+                <a:latin typeface="+mj-lt"/>
+              </a:rPr>
+              <a:t>DALEX Plots </a:t>
+            </a:r>
+            <a:r>
+              <a:rPr lang="de-DE" dirty="0" err="1">
+                <a:latin typeface="+mj-lt"/>
+              </a:rPr>
+              <a:t>for</a:t>
+            </a:r>
+            <a:r>
+              <a:rPr lang="de-DE" dirty="0">
+                <a:latin typeface="+mj-lt"/>
+              </a:rPr>
+              <a:t> Evaluation </a:t>
+            </a:r>
+            <a:r>
+              <a:rPr lang="de-DE" dirty="0" err="1">
+                <a:latin typeface="+mj-lt"/>
+              </a:rPr>
+              <a:t>of</a:t>
+            </a:r>
+            <a:r>
+              <a:rPr lang="de-DE" dirty="0">
+                <a:latin typeface="+mj-lt"/>
+              </a:rPr>
+              <a:t> Feature </a:t>
+            </a:r>
+            <a:r>
+              <a:rPr lang="de-DE" dirty="0" err="1">
+                <a:latin typeface="+mj-lt"/>
+              </a:rPr>
+              <a:t>Contribution</a:t>
+            </a:r>
+            <a:r>
+              <a:rPr lang="de-DE" dirty="0">
+                <a:latin typeface="+mj-lt"/>
+              </a:rPr>
+              <a:t> </a:t>
+            </a:r>
+            <a:r>
+              <a:rPr lang="de-DE" dirty="0" err="1">
+                <a:latin typeface="+mj-lt"/>
+              </a:rPr>
+              <a:t>to</a:t>
+            </a:r>
+            <a:r>
+              <a:rPr lang="de-DE" dirty="0">
+                <a:latin typeface="+mj-lt"/>
+              </a:rPr>
+              <a:t> a </a:t>
+            </a:r>
+            <a:r>
+              <a:rPr lang="de-DE" dirty="0" err="1">
+                <a:latin typeface="+mj-lt"/>
+              </a:rPr>
+              <a:t>single</a:t>
+            </a:r>
+            <a:r>
+              <a:rPr lang="de-DE" dirty="0">
+                <a:latin typeface="+mj-lt"/>
+              </a:rPr>
+              <a:t> </a:t>
+            </a:r>
+            <a:r>
+              <a:rPr lang="de-DE" dirty="0" err="1">
+                <a:latin typeface="+mj-lt"/>
+              </a:rPr>
+              <a:t>prediction</a:t>
+            </a:r>
+            <a:endParaRPr lang="de-DE" dirty="0">
+              <a:latin typeface="+mj-lt"/>
+            </a:endParaRPr>
+          </a:p>
+          <a:p>
+            <a:pPr marL="285750" indent="-285750">
+              <a:buFontTx/>
+              <a:buChar char="-"/>
+            </a:pPr>
+            <a:endParaRPr lang="de-DE" dirty="0">
+              <a:latin typeface="+mj-lt"/>
+            </a:endParaRPr>
+          </a:p>
+          <a:p>
+            <a:pPr marL="285750" indent="-285750">
+              <a:buFontTx/>
+              <a:buChar char="-"/>
+            </a:pPr>
+            <a:r>
+              <a:rPr lang="de-DE" dirty="0">
+                <a:latin typeface="+mj-lt"/>
+              </a:rPr>
+              <a:t>Watch out </a:t>
+            </a:r>
+            <a:r>
+              <a:rPr lang="de-DE" dirty="0" err="1">
+                <a:latin typeface="+mj-lt"/>
+              </a:rPr>
+              <a:t>for</a:t>
+            </a:r>
+            <a:r>
+              <a:rPr lang="de-DE" dirty="0">
+                <a:latin typeface="+mj-lt"/>
+              </a:rPr>
+              <a:t> potential </a:t>
+            </a:r>
+            <a:r>
+              <a:rPr lang="de-DE" dirty="0" err="1">
+                <a:latin typeface="+mj-lt"/>
+              </a:rPr>
+              <a:t>causalities</a:t>
+            </a:r>
+            <a:r>
+              <a:rPr lang="de-DE" dirty="0">
+                <a:latin typeface="+mj-lt"/>
+              </a:rPr>
+              <a:t> </a:t>
             </a:r>
           </a:p>
         </p:txBody>
@@ -10072,7 +14939,7 @@
     </p:spTree>
     <p:extLst>
       <p:ext uri="{BB962C8B-B14F-4D97-AF65-F5344CB8AC3E}">
-        <p14:creationId xmlns:p14="http://schemas.microsoft.com/office/powerpoint/2010/main" val="2573005885"/>
+        <p14:creationId xmlns:p14="http://schemas.microsoft.com/office/powerpoint/2010/main" val="4083189806"/>
       </p:ext>
     </p:extLst>
   </p:cSld>

--- a/docs/final_presentation.pptx
+++ b/docs/final_presentation.pptx
@@ -3597,7 +3597,7 @@
               <a:rPr lang="de-DE" sz="5400" dirty="0" err="1">
                 <a:latin typeface="+mj-lt"/>
               </a:rPr>
-              <a:t>Polnish</a:t>
+              <a:t>Polish</a:t>
             </a:r>
             <a:r>
               <a:rPr lang="de-DE" sz="5400" dirty="0">
@@ -5338,7 +5338,7 @@
               <a:rPr lang="de-DE" sz="1600" dirty="0" err="1">
                 <a:latin typeface="+mj-lt"/>
               </a:rPr>
-              <a:t>causes</a:t>
+              <a:t>cause</a:t>
             </a:r>
             <a:r>
               <a:rPr lang="de-DE" sz="1600" dirty="0">
@@ -5362,12 +5362,24 @@
               <a:rPr lang="de-DE" sz="1600" dirty="0" err="1">
                 <a:latin typeface="+mj-lt"/>
               </a:rPr>
-              <a:t>cost</a:t>
+              <a:t>effects</a:t>
             </a:r>
             <a:r>
               <a:rPr lang="de-DE" sz="1600" dirty="0">
                 <a:latin typeface="+mj-lt"/>
               </a:rPr>
+              <a:t> on </a:t>
+            </a:r>
+            <a:r>
+              <a:rPr lang="de-DE" sz="1600" dirty="0" err="1">
+                <a:latin typeface="+mj-lt"/>
+              </a:rPr>
+              <a:t>costs</a:t>
+            </a:r>
+            <a:r>
+              <a:rPr lang="de-DE" sz="1600" dirty="0">
+                <a:latin typeface="+mj-lt"/>
+              </a:rPr>
               <a:t> and </a:t>
             </a:r>
             <a:r>
@@ -5375,18 +5387,6 @@
                 <a:latin typeface="+mj-lt"/>
               </a:rPr>
               <a:t>sales</a:t>
-            </a:r>
-            <a:r>
-              <a:rPr lang="de-DE" sz="1600" dirty="0">
-                <a:latin typeface="+mj-lt"/>
-              </a:rPr>
-              <a:t> </a:t>
-            </a:r>
-            <a:r>
-              <a:rPr lang="de-DE" sz="1600" dirty="0" err="1">
-                <a:latin typeface="+mj-lt"/>
-              </a:rPr>
-              <a:t>effects</a:t>
             </a:r>
             <a:r>
               <a:rPr lang="de-DE" sz="1600" dirty="0">
@@ -5761,19 +5761,19 @@
               <a:rPr lang="de-DE" sz="1600" dirty="0" err="1">
                 <a:latin typeface="+mj-lt"/>
               </a:rPr>
-              <a:t>Un</a:t>
+              <a:t>Badly</a:t>
             </a:r>
             <a:r>
               <a:rPr lang="de-DE" sz="1600" dirty="0">
                 <a:latin typeface="+mj-lt"/>
               </a:rPr>
-              <a:t>- </a:t>
+              <a:t> </a:t>
             </a:r>
             <a:r>
               <a:rPr lang="de-DE" sz="1600" dirty="0" err="1">
                 <a:latin typeface="+mj-lt"/>
               </a:rPr>
-              <a:t>or</a:t>
+              <a:t>estimated</a:t>
             </a:r>
             <a:r>
               <a:rPr lang="de-DE" sz="1600" dirty="0">
@@ -5785,7 +5785,7 @@
               <a:rPr lang="de-DE" sz="1600" dirty="0" err="1">
                 <a:latin typeface="+mj-lt"/>
               </a:rPr>
-              <a:t>bad</a:t>
+              <a:t>insolvency</a:t>
             </a:r>
             <a:r>
               <a:rPr lang="de-DE" sz="1600" dirty="0">
@@ -5797,7 +5797,7 @@
               <a:rPr lang="de-DE" sz="1600" dirty="0" err="1">
                 <a:latin typeface="+mj-lt"/>
               </a:rPr>
-              <a:t>estimated</a:t>
+              <a:t>rates</a:t>
             </a:r>
             <a:r>
               <a:rPr lang="de-DE" sz="1600" dirty="0">
@@ -5809,7 +5809,7 @@
               <a:rPr lang="de-DE" sz="1600" dirty="0" err="1">
                 <a:latin typeface="+mj-lt"/>
               </a:rPr>
-              <a:t>insolvency</a:t>
+              <a:t>require</a:t>
             </a:r>
             <a:r>
               <a:rPr lang="de-DE" sz="1600" dirty="0">
@@ -5821,7 +5821,7 @@
               <a:rPr lang="de-DE" sz="1600" dirty="0" err="1">
                 <a:latin typeface="+mj-lt"/>
               </a:rPr>
-              <a:t>rates</a:t>
+              <a:t>higher</a:t>
             </a:r>
             <a:r>
               <a:rPr lang="de-DE" sz="1600" dirty="0">
@@ -5833,7 +5833,7 @@
               <a:rPr lang="de-DE" sz="1600" dirty="0" err="1">
                 <a:latin typeface="+mj-lt"/>
               </a:rPr>
-              <a:t>require</a:t>
+              <a:t>equity</a:t>
             </a:r>
             <a:r>
               <a:rPr lang="de-DE" sz="1600" dirty="0">
@@ -5845,19 +5845,19 @@
               <a:rPr lang="de-DE" sz="1600" dirty="0" err="1">
                 <a:latin typeface="+mj-lt"/>
               </a:rPr>
-              <a:t>higher</a:t>
+              <a:t>shares</a:t>
             </a:r>
             <a:r>
               <a:rPr lang="de-DE" sz="1600" dirty="0">
                 <a:latin typeface="+mj-lt"/>
               </a:rPr>
-              <a:t> </a:t>
+              <a:t>. </a:t>
             </a:r>
             <a:r>
               <a:rPr lang="de-DE" sz="1600" dirty="0" err="1">
                 <a:latin typeface="+mj-lt"/>
               </a:rPr>
-              <a:t>equity</a:t>
+              <a:t>Therefore</a:t>
             </a:r>
             <a:r>
               <a:rPr lang="de-DE" sz="1600" dirty="0">
@@ -5869,19 +5869,19 @@
               <a:rPr lang="de-DE" sz="1600" dirty="0" err="1">
                 <a:latin typeface="+mj-lt"/>
               </a:rPr>
-              <a:t>shares</a:t>
+              <a:t>minimize</a:t>
             </a:r>
             <a:r>
               <a:rPr lang="de-DE" sz="1600" dirty="0">
                 <a:latin typeface="+mj-lt"/>
               </a:rPr>
-              <a:t>. </a:t>
+              <a:t> </a:t>
             </a:r>
             <a:r>
               <a:rPr lang="de-DE" sz="1600" dirty="0" err="1">
                 <a:latin typeface="+mj-lt"/>
               </a:rPr>
-              <a:t>Therefore</a:t>
+              <a:t>the</a:t>
             </a:r>
             <a:r>
               <a:rPr lang="de-DE" sz="1600" dirty="0">
@@ -5893,7 +5893,7 @@
               <a:rPr lang="de-DE" sz="1600" dirty="0" err="1">
                 <a:latin typeface="+mj-lt"/>
               </a:rPr>
-              <a:t>minimize</a:t>
+              <a:t>ability</a:t>
             </a:r>
             <a:r>
               <a:rPr lang="de-DE" sz="1600" dirty="0">
@@ -5905,6 +5905,30 @@
               <a:rPr lang="de-DE" sz="1600" dirty="0" err="1">
                 <a:latin typeface="+mj-lt"/>
               </a:rPr>
+              <a:t>to</a:t>
+            </a:r>
+            <a:r>
+              <a:rPr lang="de-DE" sz="1600" dirty="0">
+                <a:latin typeface="+mj-lt"/>
+              </a:rPr>
+              <a:t> </a:t>
+            </a:r>
+            <a:r>
+              <a:rPr lang="de-DE" sz="1600" dirty="0" err="1">
+                <a:latin typeface="+mj-lt"/>
+              </a:rPr>
+              <a:t>leverage</a:t>
+            </a:r>
+            <a:r>
+              <a:rPr lang="de-DE" sz="1600" dirty="0">
+                <a:latin typeface="+mj-lt"/>
+              </a:rPr>
+              <a:t> </a:t>
+            </a:r>
+            <a:r>
+              <a:rPr lang="de-DE" sz="1600" dirty="0" err="1">
+                <a:latin typeface="+mj-lt"/>
+              </a:rPr>
               <a:t>the</a:t>
             </a:r>
             <a:r>
@@ -5917,7 +5941,7 @@
               <a:rPr lang="de-DE" sz="1600" dirty="0" err="1">
                 <a:latin typeface="+mj-lt"/>
               </a:rPr>
-              <a:t>ability</a:t>
+              <a:t>available</a:t>
             </a:r>
             <a:r>
               <a:rPr lang="de-DE" sz="1600" dirty="0">
@@ -5929,62 +5953,11 @@
               <a:rPr lang="de-DE" sz="1600" dirty="0" err="1">
                 <a:latin typeface="+mj-lt"/>
               </a:rPr>
-              <a:t>to</a:t>
-            </a:r>
-            <a:r>
-              <a:rPr lang="de-DE" sz="1600" dirty="0">
-                <a:latin typeface="+mj-lt"/>
-              </a:rPr>
-              <a:t> </a:t>
-            </a:r>
-            <a:r>
-              <a:rPr lang="de-DE" sz="1600" dirty="0" err="1">
-                <a:latin typeface="+mj-lt"/>
-              </a:rPr>
-              <a:t>leverage</a:t>
-            </a:r>
-            <a:r>
-              <a:rPr lang="de-DE" sz="1600" dirty="0">
-                <a:latin typeface="+mj-lt"/>
-              </a:rPr>
-              <a:t> </a:t>
-            </a:r>
-            <a:r>
-              <a:rPr lang="de-DE" sz="1600" dirty="0" err="1">
-                <a:latin typeface="+mj-lt"/>
-              </a:rPr>
-              <a:t>the</a:t>
-            </a:r>
-            <a:r>
-              <a:rPr lang="de-DE" sz="1600" dirty="0">
-                <a:latin typeface="+mj-lt"/>
-              </a:rPr>
-              <a:t> </a:t>
-            </a:r>
-            <a:r>
-              <a:rPr lang="de-DE" sz="1600" dirty="0" err="1">
-                <a:latin typeface="+mj-lt"/>
-              </a:rPr>
-              <a:t>available</a:t>
-            </a:r>
-            <a:r>
-              <a:rPr lang="de-DE" sz="1600" dirty="0">
-                <a:latin typeface="+mj-lt"/>
-              </a:rPr>
-              <a:t> </a:t>
-            </a:r>
-            <a:r>
-              <a:rPr lang="de-DE" sz="1600" dirty="0" err="1">
-                <a:latin typeface="+mj-lt"/>
-              </a:rPr>
               <a:t>capital</a:t>
             </a:r>
-            <a:r>
-              <a:rPr lang="de-DE" sz="1600" dirty="0">
-                <a:latin typeface="+mj-lt"/>
-              </a:rPr>
-              <a:t>. </a:t>
-            </a:r>
+            <a:endParaRPr lang="de-DE" sz="1600" dirty="0">
+              <a:latin typeface="+mj-lt"/>
+            </a:endParaRPr>
           </a:p>
         </p:txBody>
       </p:sp>
@@ -6302,12 +6275,24 @@
               <a:rPr lang="de-DE" sz="1600" dirty="0">
                 <a:latin typeface="+mj-lt"/>
               </a:rPr>
-              <a:t>Historical Data </a:t>
+              <a:t>Historical </a:t>
             </a:r>
             <a:r>
               <a:rPr lang="de-DE" sz="1600" dirty="0" err="1">
                 <a:latin typeface="+mj-lt"/>
               </a:rPr>
+              <a:t>data</a:t>
+            </a:r>
+            <a:r>
+              <a:rPr lang="de-DE" sz="1600" dirty="0">
+                <a:latin typeface="+mj-lt"/>
+              </a:rPr>
+              <a:t> </a:t>
+            </a:r>
+            <a:r>
+              <a:rPr lang="de-DE" sz="1600" dirty="0" err="1">
+                <a:latin typeface="+mj-lt"/>
+              </a:rPr>
               <a:t>of</a:t>
             </a:r>
             <a:r>
@@ -6382,12 +6367,9 @@
               </a:rPr>
               <a:t>years</a:t>
             </a:r>
-            <a:r>
-              <a:rPr lang="de-DE" sz="1600" dirty="0">
-                <a:latin typeface="+mj-lt"/>
-              </a:rPr>
-              <a:t>. </a:t>
-            </a:r>
+            <a:endParaRPr lang="de-DE" sz="1600" dirty="0">
+              <a:latin typeface="+mj-lt"/>
+            </a:endParaRPr>
           </a:p>
           <a:p>
             <a:pPr marL="285750" indent="-285750">
@@ -7148,7 +7130,7 @@
               <a:rPr lang="de-DE" sz="1600" dirty="0" err="1">
                 <a:latin typeface="+mj-lt"/>
               </a:rPr>
-              <a:t>corrlation</a:t>
+              <a:t>correlations</a:t>
             </a:r>
             <a:r>
               <a:rPr lang="de-DE" sz="1600" dirty="0">
@@ -7226,7 +7208,7 @@
               <a:rPr lang="de-DE" sz="1600" dirty="0">
                 <a:latin typeface="+mj-lt"/>
               </a:rPr>
-              <a:t> </a:t>
+              <a:t>, </a:t>
             </a:r>
             <a:r>
               <a:rPr lang="de-DE" sz="1600" dirty="0" err="1">
@@ -7310,7 +7292,31 @@
               <a:rPr lang="de-DE" sz="1600" dirty="0">
                 <a:latin typeface="+mj-lt"/>
               </a:rPr>
-              <a:t> Classification Model. </a:t>
+              <a:t> </a:t>
+            </a:r>
+            <a:r>
+              <a:rPr lang="de-DE" sz="1600" dirty="0" err="1">
+                <a:latin typeface="+mj-lt"/>
+              </a:rPr>
+              <a:t>classification</a:t>
+            </a:r>
+            <a:r>
+              <a:rPr lang="de-DE" sz="1600" dirty="0">
+                <a:latin typeface="+mj-lt"/>
+              </a:rPr>
+              <a:t> </a:t>
+            </a:r>
+            <a:r>
+              <a:rPr lang="de-DE" sz="1600" dirty="0" err="1">
+                <a:latin typeface="+mj-lt"/>
+              </a:rPr>
+              <a:t>model</a:t>
+            </a:r>
+            <a:r>
+              <a:rPr lang="de-DE" sz="1600" dirty="0">
+                <a:latin typeface="+mj-lt"/>
+              </a:rPr>
+              <a:t>. </a:t>
             </a:r>
           </a:p>
         </p:txBody>
@@ -7346,7 +7352,7 @@
               <a:rPr lang="en-US" sz="1600" dirty="0">
                 <a:latin typeface="+mj-lt"/>
               </a:rPr>
-              <a:t>Some Features have a non normal distribution which may aggravate the training of the classification model. Since this is not necessary it is an optional preprocessing step.</a:t>
+              <a:t>Some features have a non-normal distribution which may aggravate the training of the classification model. Since this is not necessary, it is an optional pre-processing step.</a:t>
             </a:r>
           </a:p>
         </p:txBody>
@@ -7419,7 +7425,7 @@
               <a:rPr lang="de-DE" dirty="0" err="1">
                 <a:latin typeface="+mj-lt"/>
               </a:rPr>
-              <a:t>eleminated</a:t>
+              <a:t>eliminated</a:t>
             </a:r>
             <a:r>
               <a:rPr lang="de-DE" dirty="0">
@@ -9471,7 +9477,7 @@
               <a:rPr lang="de-DE" dirty="0" err="1">
                 <a:latin typeface="+mj-lt"/>
               </a:rPr>
-              <a:t>preprocessing</a:t>
+              <a:t>pre-processing</a:t>
             </a:r>
             <a:r>
               <a:rPr lang="de-DE" dirty="0">
@@ -9734,7 +9740,7 @@
               <a:rPr lang="de-DE" dirty="0" err="1">
                 <a:latin typeface="+mj-lt"/>
               </a:rPr>
-              <a:t>Therfore</a:t>
+              <a:t>Therefore</a:t>
             </a:r>
             <a:r>
               <a:rPr lang="de-DE" dirty="0">
@@ -9746,7 +9752,19 @@
               <a:rPr lang="de-DE" dirty="0" err="1">
                 <a:latin typeface="+mj-lt"/>
               </a:rPr>
-              <a:t>it´s</a:t>
+              <a:t>it</a:t>
+            </a:r>
+            <a:r>
+              <a:rPr lang="de-DE" dirty="0">
+                <a:latin typeface="+mj-lt"/>
+              </a:rPr>
+              <a:t> </a:t>
+            </a:r>
+            <a:r>
+              <a:rPr lang="de-DE" dirty="0" err="1">
+                <a:latin typeface="+mj-lt"/>
+              </a:rPr>
+              <a:t>is</a:t>
             </a:r>
             <a:r>
               <a:rPr lang="de-DE" dirty="0">
@@ -10551,7 +10569,7 @@
               <a:rPr lang="de-DE" dirty="0">
                 <a:latin typeface="+mj-lt"/>
               </a:rPr>
-              <a:t> 93-95%.</a:t>
+              <a:t> 93-95%</a:t>
             </a:r>
           </a:p>
           <a:p>
@@ -10629,7 +10647,7 @@
               <a:rPr lang="de-DE" dirty="0" err="1">
                 <a:latin typeface="+mj-lt"/>
               </a:rPr>
-              <a:t>dependes</a:t>
+              <a:t>depends</a:t>
             </a:r>
             <a:r>
               <a:rPr lang="de-DE" dirty="0">
@@ -10890,13 +10908,13 @@
               <a:rPr lang="de-DE" dirty="0">
                 <a:latin typeface="+mj-lt"/>
               </a:rPr>
-              <a:t> </a:t>
-            </a:r>
-            <a:r>
-              <a:rPr lang="de-DE" b="1" dirty="0">
-                <a:latin typeface="+mj-lt"/>
-              </a:rPr>
-              <a:t>Recall</a:t>
+              <a:t>, </a:t>
+            </a:r>
+            <a:r>
+              <a:rPr lang="de-DE" b="1" dirty="0" err="1">
+                <a:latin typeface="+mj-lt"/>
+              </a:rPr>
+              <a:t>recall</a:t>
             </a:r>
             <a:r>
               <a:rPr lang="de-DE" dirty="0">
@@ -11145,7 +11163,7 @@
               <a:rPr lang="de-DE" dirty="0" err="1">
                 <a:latin typeface="+mj-lt"/>
               </a:rPr>
-              <a:t>weights</a:t>
+              <a:t>weighs</a:t>
             </a:r>
             <a:r>
               <a:rPr lang="de-DE" dirty="0">
@@ -11211,7 +11229,7 @@
               <a:rPr lang="de-DE" dirty="0">
                 <a:latin typeface="+mj-lt"/>
               </a:rPr>
-              <a:t>. </a:t>
+              <a:t> </a:t>
             </a:r>
           </a:p>
         </p:txBody>
@@ -12156,7 +12174,15 @@
             </a:r>
             <a:r>
               <a:rPr lang="de-DE" dirty="0"/>
-              <a:t> Features </a:t>
+              <a:t> </a:t>
+            </a:r>
+            <a:r>
+              <a:rPr lang="de-DE" dirty="0" err="1"/>
+              <a:t>features</a:t>
+            </a:r>
+            <a:r>
+              <a:rPr lang="de-DE" dirty="0"/>
+              <a:t> </a:t>
             </a:r>
             <a:r>
               <a:rPr lang="de-DE" dirty="0" err="1"/>
@@ -12494,7 +12520,7 @@
               <a:rPr lang="en-US" sz="2000" dirty="0">
                 <a:latin typeface="+mj-lt"/>
               </a:rPr>
-              <a:t>There is potential in Feature Selecting since we a small amount of variables with a high information value and a lot of values with high correlations to each other</a:t>
+              <a:t>There is potential in feature selecting since we have a small amount of variables with a high information value and a lot of values with high correlations to each other</a:t>
             </a:r>
           </a:p>
         </p:txBody>
@@ -12755,7 +12781,7 @@
               <a:rPr lang="de-DE" sz="2000" dirty="0" err="1">
                 <a:latin typeface="+mj-lt"/>
               </a:rPr>
-              <a:t>Selector</a:t>
+              <a:t>Selectors</a:t>
             </a:r>
             <a:endParaRPr lang="de-DE" sz="2000" dirty="0">
               <a:latin typeface="+mj-lt"/>
@@ -13585,7 +13611,7 @@
         </p:spPr>
         <p:txBody>
           <a:bodyPr vert="horz" lIns="91440" tIns="45720" rIns="91440" bIns="45720" rtlCol="0" anchor="ctr">
-            <a:normAutofit fontScale="45000" lnSpcReduction="20000"/>
+            <a:normAutofit fontScale="37500" lnSpcReduction="20000"/>
           </a:bodyPr>
           <a:lstStyle>
             <a:lvl1pPr algn="l" defTabSz="914400" rtl="0" eaLnBrk="1" latinLnBrk="0" hangingPunct="1">
@@ -13642,6 +13668,14 @@
             <a:r>
               <a:rPr lang="de-DE" dirty="0" err="1"/>
               <a:t>likely</a:t>
+            </a:r>
+            <a:r>
+              <a:rPr lang="de-DE" dirty="0"/>
+              <a:t> </a:t>
+            </a:r>
+            <a:r>
+              <a:rPr lang="de-DE" dirty="0" err="1"/>
+              <a:t>to</a:t>
             </a:r>
             <a:r>
               <a:rPr lang="de-DE" dirty="0"/>
@@ -13971,11 +14005,11 @@
             </a:r>
             <a:r>
               <a:rPr lang="de-DE" dirty="0"/>
-              <a:t> – but not </a:t>
-            </a:r>
-            <a:r>
-              <a:rPr lang="de-DE" dirty="0" err="1"/>
-              <a:t>implementd</a:t>
+              <a:t> – but not I</a:t>
+            </a:r>
+            <a:r>
+              <a:rPr lang="de-DE"/>
+              <a:t>mplementd</a:t>
             </a:r>
             <a:endParaRPr lang="de-DE" dirty="0"/>
           </a:p>
